--- a/NFC Technology workshop.pptx
+++ b/NFC Technology workshop.pptx
@@ -3,36 +3,38 @@
 <p:presentation xmlns:a="http://schemas.openxmlformats.org/drawingml/2006/main" xmlns:r="http://schemas.openxmlformats.org/officeDocument/2006/relationships" xmlns:p="http://schemas.openxmlformats.org/presentationml/2006/main">
   <p:sldMasterIdLst>
     <p:sldMasterId id="2147483648" r:id="rId1"/>
-    <p:sldMasterId id="2147483660" r:id="rId3"/>
+    <p:sldMasterId id="2147483660" r:id="rId2"/>
   </p:sldMasterIdLst>
   <p:notesMasterIdLst>
-    <p:notesMasterId r:id="rId25"/>
+    <p:notesMasterId r:id="rId26"/>
   </p:notesMasterIdLst>
   <p:handoutMasterIdLst>
-    <p:handoutMasterId r:id="rId26"/>
+    <p:handoutMasterId r:id="rId27"/>
   </p:handoutMasterIdLst>
   <p:sldIdLst>
-    <p:sldId id="257" r:id="rId4"/>
-    <p:sldId id="279" r:id="rId5"/>
-    <p:sldId id="280" r:id="rId6"/>
-    <p:sldId id="272" r:id="rId7"/>
-    <p:sldId id="330" r:id="rId8"/>
-    <p:sldId id="331" r:id="rId9"/>
-    <p:sldId id="315" r:id="rId10"/>
-    <p:sldId id="316" r:id="rId11"/>
-    <p:sldId id="317" r:id="rId12"/>
-    <p:sldId id="318" r:id="rId13"/>
-    <p:sldId id="319" r:id="rId14"/>
-    <p:sldId id="320" r:id="rId15"/>
-    <p:sldId id="321" r:id="rId16"/>
-    <p:sldId id="322" r:id="rId17"/>
-    <p:sldId id="323" r:id="rId18"/>
-    <p:sldId id="324" r:id="rId19"/>
-    <p:sldId id="325" r:id="rId20"/>
-    <p:sldId id="326" r:id="rId21"/>
-    <p:sldId id="327" r:id="rId22"/>
-    <p:sldId id="328" r:id="rId23"/>
-    <p:sldId id="329" r:id="rId24"/>
+    <p:sldId id="257" r:id="rId3"/>
+    <p:sldId id="279" r:id="rId4"/>
+    <p:sldId id="280" r:id="rId5"/>
+    <p:sldId id="272" r:id="rId6"/>
+    <p:sldId id="330" r:id="rId7"/>
+    <p:sldId id="331" r:id="rId8"/>
+    <p:sldId id="315" r:id="rId9"/>
+    <p:sldId id="316" r:id="rId10"/>
+    <p:sldId id="332" r:id="rId11"/>
+    <p:sldId id="333" r:id="rId12"/>
+    <p:sldId id="317" r:id="rId13"/>
+    <p:sldId id="318" r:id="rId14"/>
+    <p:sldId id="319" r:id="rId15"/>
+    <p:sldId id="320" r:id="rId16"/>
+    <p:sldId id="321" r:id="rId17"/>
+    <p:sldId id="322" r:id="rId18"/>
+    <p:sldId id="323" r:id="rId19"/>
+    <p:sldId id="324" r:id="rId20"/>
+    <p:sldId id="325" r:id="rId21"/>
+    <p:sldId id="326" r:id="rId22"/>
+    <p:sldId id="327" r:id="rId23"/>
+    <p:sldId id="328" r:id="rId24"/>
+    <p:sldId id="329" r:id="rId25"/>
   </p:sldIdLst>
   <p:sldSz cx="12192000" cy="6858000"/>
   <p:notesSz cx="6858000" cy="9144000"/>
@@ -229,6 +231,22 @@
       </a:defRPr>
     </a:lvl9pPr>
   </p:defaultTextStyle>
+  <p:extLst>
+    <p:ext uri="{EFAFB233-063F-42B5-8137-9DF3F51BA10A}">
+      <p15:sldGuideLst xmlns:p15="http://schemas.microsoft.com/office/powerpoint/2012/main">
+        <p15:guide id="1" orient="horz" pos="2068">
+          <p15:clr>
+            <a:srgbClr val="A4A3A4"/>
+          </p15:clr>
+        </p15:guide>
+        <p15:guide id="2" pos="3828">
+          <p15:clr>
+            <a:srgbClr val="A4A3A4"/>
+          </p15:clr>
+        </p15:guide>
+      </p15:sldGuideLst>
+    </p:ext>
+  </p:extLst>
 </p:presentation>
 </file>
 
@@ -246,7 +264,14 @@
         <p:cNvGrpSpPr/>
         <p:nvPr/>
       </p:nvGrpSpPr>
-      <p:grpSpPr/>
+      <p:grpSpPr>
+        <a:xfrm>
+          <a:off x="0" y="0"/>
+          <a:ext cx="0" cy="0"/>
+          <a:chOff x="0" y="0"/>
+          <a:chExt cx="0" cy="0"/>
+        </a:xfrm>
+      </p:grpSpPr>
       <p:sp>
         <p:nvSpPr>
           <p:cNvPr id="2" name="页眉占位符 1"/>
@@ -313,6 +338,7 @@
                 <a:ea typeface="SimSun" panose="02010600030101010101" pitchFamily="2" charset="-122"/>
                 <a:cs typeface="+mn-cs"/>
               </a:rPr>
+              <a:t>2021/11/24</a:t>
             </a:fld>
             <a:endParaRPr lang="zh-CN" altLang="en-US" strike="noStrike" noProof="1"/>
           </a:p>
@@ -384,12 +410,18 @@
                 <a:ea typeface="SimSun" panose="02010600030101010101" pitchFamily="2" charset="-122"/>
                 <a:cs typeface="+mn-cs"/>
               </a:rPr>
+              <a:t>‹#›</a:t>
             </a:fld>
             <a:endParaRPr lang="zh-CN" altLang="en-US" strike="noStrike" noProof="1"/>
           </a:p>
         </p:txBody>
       </p:sp>
     </p:spTree>
+    <p:extLst>
+      <p:ext uri="{BB962C8B-B14F-4D97-AF65-F5344CB8AC3E}">
+        <p14:creationId xmlns:p14="http://schemas.microsoft.com/office/powerpoint/2010/main" val="1"/>
+      </p:ext>
+    </p:extLst>
   </p:cSld>
   <p:clrMap bg1="lt1" tx1="dk1" bg2="lt2" tx2="dk2" accent1="accent1" accent2="accent2" accent3="accent3" accent4="accent4" accent5="accent5" accent6="accent6" hlink="hlink" folHlink="folHlink"/>
 </p:handoutMaster>
@@ -398,7 +430,7 @@
 <file path=ppt/notesMasters/notesMaster1.xml><?xml version="1.0" encoding="utf-8"?>
 <p:notesMaster xmlns:a="http://schemas.openxmlformats.org/drawingml/2006/main" xmlns:r="http://schemas.openxmlformats.org/officeDocument/2006/relationships" xmlns:p="http://schemas.openxmlformats.org/presentationml/2006/main">
   <p:cSld>
-    <p:bg bwMode="white">
+    <p:bg>
       <p:bgRef idx="1001">
         <a:schemeClr val="bg1"/>
       </p:bgRef>
@@ -409,7 +441,14 @@
         <p:cNvGrpSpPr/>
         <p:nvPr/>
       </p:nvGrpSpPr>
-      <p:grpSpPr/>
+      <p:grpSpPr>
+        <a:xfrm>
+          <a:off x="0" y="0"/>
+          <a:ext cx="0" cy="0"/>
+          <a:chOff x="0" y="0"/>
+          <a:chExt cx="0" cy="0"/>
+        </a:xfrm>
+      </p:grpSpPr>
       <p:sp>
         <p:nvSpPr>
           <p:cNvPr id="2" name="页眉占位符 1"/>
@@ -650,7 +689,7 @@
               <a:defRPr/>
             </a:pPr>
             <a:r>
-              <a:rPr kumimoji="0" lang="zh-CN" altLang="en-US" sz="1200" b="0" i="0" u="none" strike="noStrike" kern="1200" cap="none" spc="0" normalizeH="0" baseline="0" noProof="0" smtClean="0">
+              <a:rPr kumimoji="0" lang="zh-CN" altLang="en-US" sz="1200" b="0" i="0" u="none" strike="noStrike" kern="1200" cap="none" spc="0" normalizeH="0" baseline="0" noProof="0">
                 <a:ln>
                   <a:noFill/>
                 </a:ln>
@@ -666,20 +705,6 @@
               </a:rPr>
               <a:t>单击此处编辑母版文本样式</a:t>
             </a:r>
-            <a:endParaRPr kumimoji="0" lang="zh-CN" altLang="en-US" sz="1200" b="0" i="0" u="none" strike="noStrike" kern="1200" cap="none" spc="0" normalizeH="0" baseline="0" noProof="0" smtClean="0">
-              <a:ln>
-                <a:noFill/>
-              </a:ln>
-              <a:solidFill>
-                <a:schemeClr val="tx1"/>
-              </a:solidFill>
-              <a:effectLst/>
-              <a:uLnTx/>
-              <a:uFillTx/>
-              <a:latin typeface="+mn-lt"/>
-              <a:ea typeface="+mn-ea"/>
-              <a:cs typeface="+mn-cs"/>
-            </a:endParaRPr>
           </a:p>
           <a:p>
             <a:pPr marL="457200" marR="0" lvl="1" indent="0" algn="l" defTabSz="914400" rtl="0" eaLnBrk="1" fontAlgn="base" latinLnBrk="0" hangingPunct="1">
@@ -699,7 +724,7 @@
               <a:defRPr/>
             </a:pPr>
             <a:r>
-              <a:rPr kumimoji="0" lang="zh-CN" altLang="en-US" sz="1200" b="0" i="0" u="none" strike="noStrike" kern="1200" cap="none" spc="0" normalizeH="0" baseline="0" noProof="0" smtClean="0">
+              <a:rPr kumimoji="0" lang="zh-CN" altLang="en-US" sz="1200" b="0" i="0" u="none" strike="noStrike" kern="1200" cap="none" spc="0" normalizeH="0" baseline="0" noProof="0">
                 <a:ln>
                   <a:noFill/>
                 </a:ln>
@@ -715,20 +740,6 @@
               </a:rPr>
               <a:t>第二级</a:t>
             </a:r>
-            <a:endParaRPr kumimoji="0" lang="zh-CN" altLang="en-US" sz="1200" b="0" i="0" u="none" strike="noStrike" kern="1200" cap="none" spc="0" normalizeH="0" baseline="0" noProof="0" smtClean="0">
-              <a:ln>
-                <a:noFill/>
-              </a:ln>
-              <a:solidFill>
-                <a:schemeClr val="tx1"/>
-              </a:solidFill>
-              <a:effectLst/>
-              <a:uLnTx/>
-              <a:uFillTx/>
-              <a:latin typeface="+mn-lt"/>
-              <a:ea typeface="+mn-ea"/>
-              <a:cs typeface="+mn-cs"/>
-            </a:endParaRPr>
           </a:p>
           <a:p>
             <a:pPr marL="914400" marR="0" lvl="2" indent="0" algn="l" defTabSz="914400" rtl="0" eaLnBrk="1" fontAlgn="base" latinLnBrk="0" hangingPunct="1">
@@ -748,7 +759,7 @@
               <a:defRPr/>
             </a:pPr>
             <a:r>
-              <a:rPr kumimoji="0" lang="zh-CN" altLang="en-US" sz="1200" b="0" i="0" u="none" strike="noStrike" kern="1200" cap="none" spc="0" normalizeH="0" baseline="0" noProof="0" smtClean="0">
+              <a:rPr kumimoji="0" lang="zh-CN" altLang="en-US" sz="1200" b="0" i="0" u="none" strike="noStrike" kern="1200" cap="none" spc="0" normalizeH="0" baseline="0" noProof="0">
                 <a:ln>
                   <a:noFill/>
                 </a:ln>
@@ -764,20 +775,6 @@
               </a:rPr>
               <a:t>第三级</a:t>
             </a:r>
-            <a:endParaRPr kumimoji="0" lang="zh-CN" altLang="en-US" sz="1200" b="0" i="0" u="none" strike="noStrike" kern="1200" cap="none" spc="0" normalizeH="0" baseline="0" noProof="0" smtClean="0">
-              <a:ln>
-                <a:noFill/>
-              </a:ln>
-              <a:solidFill>
-                <a:schemeClr val="tx1"/>
-              </a:solidFill>
-              <a:effectLst/>
-              <a:uLnTx/>
-              <a:uFillTx/>
-              <a:latin typeface="+mn-lt"/>
-              <a:ea typeface="+mn-ea"/>
-              <a:cs typeface="+mn-cs"/>
-            </a:endParaRPr>
           </a:p>
           <a:p>
             <a:pPr marL="1371600" marR="0" lvl="3" indent="0" algn="l" defTabSz="914400" rtl="0" eaLnBrk="1" fontAlgn="base" latinLnBrk="0" hangingPunct="1">
@@ -797,7 +794,7 @@
               <a:defRPr/>
             </a:pPr>
             <a:r>
-              <a:rPr kumimoji="0" lang="zh-CN" altLang="en-US" sz="1200" b="0" i="0" u="none" strike="noStrike" kern="1200" cap="none" spc="0" normalizeH="0" baseline="0" noProof="0" smtClean="0">
+              <a:rPr kumimoji="0" lang="zh-CN" altLang="en-US" sz="1200" b="0" i="0" u="none" strike="noStrike" kern="1200" cap="none" spc="0" normalizeH="0" baseline="0" noProof="0">
                 <a:ln>
                   <a:noFill/>
                 </a:ln>
@@ -813,20 +810,6 @@
               </a:rPr>
               <a:t>第四级</a:t>
             </a:r>
-            <a:endParaRPr kumimoji="0" lang="zh-CN" altLang="en-US" sz="1200" b="0" i="0" u="none" strike="noStrike" kern="1200" cap="none" spc="0" normalizeH="0" baseline="0" noProof="0" smtClean="0">
-              <a:ln>
-                <a:noFill/>
-              </a:ln>
-              <a:solidFill>
-                <a:schemeClr val="tx1"/>
-              </a:solidFill>
-              <a:effectLst/>
-              <a:uLnTx/>
-              <a:uFillTx/>
-              <a:latin typeface="+mn-lt"/>
-              <a:ea typeface="+mn-ea"/>
-              <a:cs typeface="+mn-cs"/>
-            </a:endParaRPr>
           </a:p>
           <a:p>
             <a:pPr marL="1828800" marR="0" lvl="4" indent="0" algn="l" defTabSz="914400" rtl="0" eaLnBrk="1" fontAlgn="base" latinLnBrk="0" hangingPunct="1">
@@ -846,7 +829,7 @@
               <a:defRPr/>
             </a:pPr>
             <a:r>
-              <a:rPr kumimoji="0" lang="zh-CN" altLang="en-US" sz="1200" b="0" i="0" u="none" strike="noStrike" kern="1200" cap="none" spc="0" normalizeH="0" baseline="0" noProof="0" smtClean="0">
+              <a:rPr kumimoji="0" lang="zh-CN" altLang="en-US" sz="1200" b="0" i="0" u="none" strike="noStrike" kern="1200" cap="none" spc="0" normalizeH="0" baseline="0" noProof="0">
                 <a:ln>
                   <a:noFill/>
                 </a:ln>
@@ -862,20 +845,6 @@
               </a:rPr>
               <a:t>第五级</a:t>
             </a:r>
-            <a:endParaRPr kumimoji="0" lang="zh-CN" altLang="en-US" sz="1200" b="0" i="0" u="none" strike="noStrike" kern="1200" cap="none" spc="0" normalizeH="0" baseline="0" noProof="0">
-              <a:ln>
-                <a:noFill/>
-              </a:ln>
-              <a:solidFill>
-                <a:schemeClr val="tx1"/>
-              </a:solidFill>
-              <a:effectLst/>
-              <a:uLnTx/>
-              <a:uFillTx/>
-              <a:latin typeface="+mn-lt"/>
-              <a:ea typeface="+mn-ea"/>
-              <a:cs typeface="+mn-cs"/>
-            </a:endParaRPr>
           </a:p>
         </p:txBody>
       </p:sp>
@@ -969,6 +938,7 @@
         </p:spPr>
         <p:txBody>
           <a:bodyPr vert="horz" wrap="square" lIns="91440" tIns="45720" rIns="91440" bIns="45720" numCol="1" anchor="b" anchorCtr="0" compatLnSpc="1"/>
+          <a:lstStyle/>
           <a:p>
             <a:pPr lvl="0" algn="r" eaLnBrk="1" fontAlgn="base" hangingPunct="1"/>
             <a:fld id="{9A0DB2DC-4C9A-4742-B13C-FB6460FD3503}" type="slidenum">
@@ -977,8 +947,9 @@
                 <a:ea typeface="SimSun" panose="02010600030101010101" pitchFamily="2" charset="-122"/>
                 <a:cs typeface="+mn-cs"/>
               </a:rPr>
+              <a:t>‹#›</a:t>
             </a:fld>
-            <a:endParaRPr lang="zh-CN" altLang="en-US" sz="1200" strike="noStrike" noProof="1" dirty="0"/>
+            <a:endParaRPr lang="zh-CN" altLang="en-US" sz="1200" strike="noStrike" noProof="1"/>
           </a:p>
         </p:txBody>
       </p:sp>
@@ -1154,10 +1125,9 @@
           <a:p>
             <a:pPr fontAlgn="base"/>
             <a:r>
-              <a:rPr lang="zh-CN" altLang="en-US" strike="noStrike" noProof="1" smtClean="0"/>
+              <a:rPr lang="zh-CN" altLang="en-US" strike="noStrike" noProof="1"/>
               <a:t>单击此处编辑母版标题样式</a:t>
             </a:r>
-            <a:endParaRPr lang="zh-CN" altLang="en-US" strike="noStrike" noProof="1"/>
           </a:p>
         </p:txBody>
       </p:sp>
@@ -1220,10 +1190,9 @@
           <a:p>
             <a:pPr fontAlgn="base"/>
             <a:r>
-              <a:rPr lang="zh-CN" altLang="en-US" strike="noStrike" noProof="1" smtClean="0"/>
+              <a:rPr lang="zh-CN" altLang="en-US" strike="noStrike" noProof="1"/>
               <a:t>单击此处编辑母版副标题样式</a:t>
             </a:r>
-            <a:endParaRPr lang="zh-CN" altLang="en-US" strike="noStrike" noProof="1"/>
           </a:p>
         </p:txBody>
       </p:sp>
@@ -1240,6 +1209,7 @@
         <p:spPr/>
         <p:txBody>
           <a:bodyPr/>
+          <a:lstStyle/>
           <a:p>
             <a:pPr marL="0" marR="0" lvl="0" indent="0" algn="l" defTabSz="914400" rtl="0" eaLnBrk="1" fontAlgn="auto" latinLnBrk="0" hangingPunct="1">
               <a:lnSpc>
@@ -1289,6 +1259,7 @@
         <p:spPr/>
         <p:txBody>
           <a:bodyPr/>
+          <a:lstStyle/>
           <a:p>
             <a:pPr marL="0" marR="0" lvl="0" indent="0" algn="ctr" defTabSz="914400" rtl="0" eaLnBrk="1" fontAlgn="auto" latinLnBrk="0" hangingPunct="1">
               <a:lnSpc>
@@ -1338,6 +1309,7 @@
         <p:spPr/>
         <p:txBody>
           <a:bodyPr/>
+          <a:lstStyle/>
           <a:p>
             <a:pPr lvl="0" eaLnBrk="1" fontAlgn="base" hangingPunct="1"/>
             <a:fld id="{9A0DB2DC-4C9A-4742-B13C-FB6460FD3503}" type="slidenum">
@@ -1346,8 +1318,9 @@
                 <a:ea typeface="SimSun" panose="02010600030101010101" pitchFamily="2" charset="-122"/>
                 <a:cs typeface="+mn-cs"/>
               </a:rPr>
+              <a:t>‹#›</a:t>
             </a:fld>
-            <a:endParaRPr lang="zh-CN" altLang="en-US" strike="noStrike" noProof="1" dirty="0">
+            <a:endParaRPr lang="zh-CN" altLang="en-US" strike="noStrike" noProof="1">
               <a:latin typeface="Calibri" panose="020F0502020204030204" pitchFamily="34" charset="0"/>
             </a:endParaRPr>
           </a:p>
@@ -1398,10 +1371,9 @@
           <a:p>
             <a:pPr fontAlgn="base"/>
             <a:r>
-              <a:rPr lang="zh-CN" altLang="en-US" strike="noStrike" noProof="1" smtClean="0"/>
+              <a:rPr lang="zh-CN" altLang="en-US" strike="noStrike" noProof="1"/>
               <a:t>单击此处编辑母版标题样式</a:t>
             </a:r>
-            <a:endParaRPr lang="zh-CN" altLang="en-US" strike="noStrike" noProof="1"/>
           </a:p>
         </p:txBody>
       </p:sp>
@@ -1422,42 +1394,37 @@
           <a:p>
             <a:pPr lvl="0" fontAlgn="base"/>
             <a:r>
-              <a:rPr lang="zh-CN" altLang="en-US" strike="noStrike" noProof="1" smtClean="0"/>
+              <a:rPr lang="zh-CN" altLang="en-US" strike="noStrike" noProof="1"/>
               <a:t>单击此处编辑母版文本样式</a:t>
             </a:r>
-            <a:endParaRPr lang="zh-CN" altLang="en-US" strike="noStrike" noProof="1" smtClean="0"/>
           </a:p>
           <a:p>
             <a:pPr lvl="1" fontAlgn="base"/>
             <a:r>
-              <a:rPr lang="zh-CN" altLang="en-US" strike="noStrike" noProof="1" smtClean="0"/>
+              <a:rPr lang="zh-CN" altLang="en-US" strike="noStrike" noProof="1"/>
               <a:t>第二级</a:t>
             </a:r>
-            <a:endParaRPr lang="zh-CN" altLang="en-US" strike="noStrike" noProof="1" smtClean="0"/>
           </a:p>
           <a:p>
             <a:pPr lvl="2" fontAlgn="base"/>
             <a:r>
-              <a:rPr lang="zh-CN" altLang="en-US" strike="noStrike" noProof="1" smtClean="0"/>
+              <a:rPr lang="zh-CN" altLang="en-US" strike="noStrike" noProof="1"/>
               <a:t>第三级</a:t>
             </a:r>
-            <a:endParaRPr lang="zh-CN" altLang="en-US" strike="noStrike" noProof="1" smtClean="0"/>
           </a:p>
           <a:p>
             <a:pPr lvl="3" fontAlgn="base"/>
             <a:r>
-              <a:rPr lang="zh-CN" altLang="en-US" strike="noStrike" noProof="1" smtClean="0"/>
+              <a:rPr lang="zh-CN" altLang="en-US" strike="noStrike" noProof="1"/>
               <a:t>第四级</a:t>
             </a:r>
-            <a:endParaRPr lang="zh-CN" altLang="en-US" strike="noStrike" noProof="1" smtClean="0"/>
           </a:p>
           <a:p>
             <a:pPr lvl="4" fontAlgn="base"/>
             <a:r>
-              <a:rPr lang="zh-CN" altLang="en-US" strike="noStrike" noProof="1" smtClean="0"/>
+              <a:rPr lang="zh-CN" altLang="en-US" strike="noStrike" noProof="1"/>
               <a:t>第五级</a:t>
             </a:r>
-            <a:endParaRPr lang="zh-CN" altLang="en-US" strike="noStrike" noProof="1"/>
           </a:p>
         </p:txBody>
       </p:sp>
@@ -1474,6 +1441,7 @@
         <p:spPr/>
         <p:txBody>
           <a:bodyPr/>
+          <a:lstStyle/>
           <a:p>
             <a:pPr marL="0" marR="0" lvl="0" indent="0" algn="l" defTabSz="914400" rtl="0" eaLnBrk="1" fontAlgn="auto" latinLnBrk="0" hangingPunct="1">
               <a:lnSpc>
@@ -1523,6 +1491,7 @@
         <p:spPr/>
         <p:txBody>
           <a:bodyPr/>
+          <a:lstStyle/>
           <a:p>
             <a:pPr marL="0" marR="0" lvl="0" indent="0" algn="ctr" defTabSz="914400" rtl="0" eaLnBrk="1" fontAlgn="auto" latinLnBrk="0" hangingPunct="1">
               <a:lnSpc>
@@ -1572,6 +1541,7 @@
         <p:spPr/>
         <p:txBody>
           <a:bodyPr/>
+          <a:lstStyle/>
           <a:p>
             <a:pPr lvl="0" eaLnBrk="1" fontAlgn="base" hangingPunct="1"/>
             <a:fld id="{9A0DB2DC-4C9A-4742-B13C-FB6460FD3503}" type="slidenum">
@@ -1580,8 +1550,9 @@
                 <a:ea typeface="SimSun" panose="02010600030101010101" pitchFamily="2" charset="-122"/>
                 <a:cs typeface="+mn-cs"/>
               </a:rPr>
+              <a:t>‹#›</a:t>
             </a:fld>
-            <a:endParaRPr lang="zh-CN" altLang="en-US" strike="noStrike" noProof="1" dirty="0">
+            <a:endParaRPr lang="zh-CN" altLang="en-US" strike="noStrike" noProof="1">
               <a:latin typeface="Calibri" panose="020F0502020204030204" pitchFamily="34" charset="0"/>
             </a:endParaRPr>
           </a:p>
@@ -1637,10 +1608,9 @@
           <a:p>
             <a:pPr fontAlgn="base"/>
             <a:r>
-              <a:rPr lang="zh-CN" altLang="en-US" strike="noStrike" noProof="1" smtClean="0"/>
+              <a:rPr lang="zh-CN" altLang="en-US" strike="noStrike" noProof="1"/>
               <a:t>单击此处编辑母版标题样式</a:t>
             </a:r>
-            <a:endParaRPr lang="zh-CN" altLang="en-US" strike="noStrike" noProof="1"/>
           </a:p>
         </p:txBody>
       </p:sp>
@@ -1666,42 +1636,37 @@
           <a:p>
             <a:pPr lvl="0" fontAlgn="base"/>
             <a:r>
-              <a:rPr lang="zh-CN" altLang="en-US" strike="noStrike" noProof="1" smtClean="0"/>
+              <a:rPr lang="zh-CN" altLang="en-US" strike="noStrike" noProof="1"/>
               <a:t>单击此处编辑母版文本样式</a:t>
             </a:r>
-            <a:endParaRPr lang="zh-CN" altLang="en-US" strike="noStrike" noProof="1" smtClean="0"/>
           </a:p>
           <a:p>
             <a:pPr lvl="1" fontAlgn="base"/>
             <a:r>
-              <a:rPr lang="zh-CN" altLang="en-US" strike="noStrike" noProof="1" smtClean="0"/>
+              <a:rPr lang="zh-CN" altLang="en-US" strike="noStrike" noProof="1"/>
               <a:t>第二级</a:t>
             </a:r>
-            <a:endParaRPr lang="zh-CN" altLang="en-US" strike="noStrike" noProof="1" smtClean="0"/>
           </a:p>
           <a:p>
             <a:pPr lvl="2" fontAlgn="base"/>
             <a:r>
-              <a:rPr lang="zh-CN" altLang="en-US" strike="noStrike" noProof="1" smtClean="0"/>
+              <a:rPr lang="zh-CN" altLang="en-US" strike="noStrike" noProof="1"/>
               <a:t>第三级</a:t>
             </a:r>
-            <a:endParaRPr lang="zh-CN" altLang="en-US" strike="noStrike" noProof="1" smtClean="0"/>
           </a:p>
           <a:p>
             <a:pPr lvl="3" fontAlgn="base"/>
             <a:r>
-              <a:rPr lang="zh-CN" altLang="en-US" strike="noStrike" noProof="1" smtClean="0"/>
+              <a:rPr lang="zh-CN" altLang="en-US" strike="noStrike" noProof="1"/>
               <a:t>第四级</a:t>
             </a:r>
-            <a:endParaRPr lang="zh-CN" altLang="en-US" strike="noStrike" noProof="1" smtClean="0"/>
           </a:p>
           <a:p>
             <a:pPr lvl="4" fontAlgn="base"/>
             <a:r>
-              <a:rPr lang="zh-CN" altLang="en-US" strike="noStrike" noProof="1" smtClean="0"/>
+              <a:rPr lang="zh-CN" altLang="en-US" strike="noStrike" noProof="1"/>
               <a:t>第五级</a:t>
             </a:r>
-            <a:endParaRPr lang="zh-CN" altLang="en-US" strike="noStrike" noProof="1"/>
           </a:p>
         </p:txBody>
       </p:sp>
@@ -1718,6 +1683,7 @@
         <p:spPr/>
         <p:txBody>
           <a:bodyPr/>
+          <a:lstStyle/>
           <a:p>
             <a:pPr marL="0" marR="0" lvl="0" indent="0" algn="l" defTabSz="914400" rtl="0" eaLnBrk="1" fontAlgn="auto" latinLnBrk="0" hangingPunct="1">
               <a:lnSpc>
@@ -1767,6 +1733,7 @@
         <p:spPr/>
         <p:txBody>
           <a:bodyPr/>
+          <a:lstStyle/>
           <a:p>
             <a:pPr marL="0" marR="0" lvl="0" indent="0" algn="ctr" defTabSz="914400" rtl="0" eaLnBrk="1" fontAlgn="auto" latinLnBrk="0" hangingPunct="1">
               <a:lnSpc>
@@ -1816,6 +1783,7 @@
         <p:spPr/>
         <p:txBody>
           <a:bodyPr/>
+          <a:lstStyle/>
           <a:p>
             <a:pPr lvl="0" eaLnBrk="1" fontAlgn="base" hangingPunct="1"/>
             <a:fld id="{9A0DB2DC-4C9A-4742-B13C-FB6460FD3503}" type="slidenum">
@@ -1824,8 +1792,9 @@
                 <a:ea typeface="SimSun" panose="02010600030101010101" pitchFamily="2" charset="-122"/>
                 <a:cs typeface="+mn-cs"/>
               </a:rPr>
+              <a:t>‹#›</a:t>
             </a:fld>
-            <a:endParaRPr lang="zh-CN" altLang="en-US" strike="noStrike" noProof="1" dirty="0">
+            <a:endParaRPr lang="zh-CN" altLang="en-US" strike="noStrike" noProof="1">
               <a:latin typeface="Calibri" panose="020F0502020204030204" pitchFamily="34" charset="0"/>
             </a:endParaRPr>
           </a:p>
@@ -1885,10 +1854,9 @@
           <a:p>
             <a:pPr fontAlgn="base"/>
             <a:r>
-              <a:rPr lang="zh-CN" altLang="en-US" strike="noStrike" noProof="1" smtClean="0"/>
+              <a:rPr lang="zh-CN" altLang="en-US" strike="noStrike" noProof="1"/>
               <a:t>单击此处编辑母版标题样式</a:t>
             </a:r>
-            <a:endParaRPr lang="zh-CN" altLang="en-US" strike="noStrike" noProof="1"/>
           </a:p>
         </p:txBody>
       </p:sp>
@@ -1951,10 +1919,9 @@
           <a:p>
             <a:pPr fontAlgn="base"/>
             <a:r>
-              <a:rPr lang="zh-CN" altLang="en-US" strike="noStrike" noProof="1" smtClean="0"/>
+              <a:rPr lang="zh-CN" altLang="en-US" strike="noStrike" noProof="1"/>
               <a:t>单击此处编辑母版副标题样式</a:t>
             </a:r>
-            <a:endParaRPr lang="zh-CN" altLang="en-US" strike="noStrike" noProof="1"/>
           </a:p>
         </p:txBody>
       </p:sp>
@@ -1971,6 +1938,7 @@
         <p:spPr/>
         <p:txBody>
           <a:bodyPr/>
+          <a:lstStyle/>
           <a:p>
             <a:pPr marL="0" marR="0" lvl="0" indent="0" algn="l" defTabSz="914400" rtl="0" eaLnBrk="1" fontAlgn="auto" latinLnBrk="0" hangingPunct="1">
               <a:lnSpc>
@@ -2020,6 +1988,7 @@
         <p:spPr/>
         <p:txBody>
           <a:bodyPr/>
+          <a:lstStyle/>
           <a:p>
             <a:pPr marL="0" marR="0" lvl="0" indent="0" algn="ctr" defTabSz="914400" rtl="0" eaLnBrk="1" fontAlgn="auto" latinLnBrk="0" hangingPunct="1">
               <a:lnSpc>
@@ -2069,6 +2038,7 @@
         <p:spPr/>
         <p:txBody>
           <a:bodyPr/>
+          <a:lstStyle/>
           <a:p>
             <a:pPr lvl="0" eaLnBrk="1" fontAlgn="base" hangingPunct="1"/>
             <a:fld id="{9A0DB2DC-4C9A-4742-B13C-FB6460FD3503}" type="slidenum">
@@ -2077,8 +2047,9 @@
                 <a:ea typeface="SimSun" panose="02010600030101010101" pitchFamily="2" charset="-122"/>
                 <a:cs typeface="+mn-cs"/>
               </a:rPr>
+              <a:t>‹#›</a:t>
             </a:fld>
-            <a:endParaRPr lang="zh-CN" altLang="en-US" strike="noStrike" noProof="1" dirty="0">
+            <a:endParaRPr lang="zh-CN" altLang="en-US" strike="noStrike" noProof="1">
               <a:latin typeface="Calibri" panose="020F0502020204030204" pitchFamily="34" charset="0"/>
             </a:endParaRPr>
           </a:p>
@@ -2129,10 +2100,9 @@
           <a:p>
             <a:pPr fontAlgn="base"/>
             <a:r>
-              <a:rPr lang="zh-CN" altLang="en-US" strike="noStrike" noProof="1" smtClean="0"/>
+              <a:rPr lang="zh-CN" altLang="en-US" strike="noStrike" noProof="1"/>
               <a:t>单击此处编辑母版标题样式</a:t>
             </a:r>
-            <a:endParaRPr lang="zh-CN" altLang="en-US" strike="noStrike" noProof="1"/>
           </a:p>
         </p:txBody>
       </p:sp>
@@ -2153,42 +2123,37 @@
           <a:p>
             <a:pPr lvl="0" fontAlgn="base"/>
             <a:r>
-              <a:rPr lang="zh-CN" altLang="en-US" strike="noStrike" noProof="1" smtClean="0"/>
+              <a:rPr lang="zh-CN" altLang="en-US" strike="noStrike" noProof="1"/>
               <a:t>单击此处编辑母版文本样式</a:t>
             </a:r>
-            <a:endParaRPr lang="zh-CN" altLang="en-US" strike="noStrike" noProof="1" smtClean="0"/>
           </a:p>
           <a:p>
             <a:pPr lvl="1" fontAlgn="base"/>
             <a:r>
-              <a:rPr lang="zh-CN" altLang="en-US" strike="noStrike" noProof="1" smtClean="0"/>
+              <a:rPr lang="zh-CN" altLang="en-US" strike="noStrike" noProof="1"/>
               <a:t>第二级</a:t>
             </a:r>
-            <a:endParaRPr lang="zh-CN" altLang="en-US" strike="noStrike" noProof="1" smtClean="0"/>
           </a:p>
           <a:p>
             <a:pPr lvl="2" fontAlgn="base"/>
             <a:r>
-              <a:rPr lang="zh-CN" altLang="en-US" strike="noStrike" noProof="1" smtClean="0"/>
+              <a:rPr lang="zh-CN" altLang="en-US" strike="noStrike" noProof="1"/>
               <a:t>第三级</a:t>
             </a:r>
-            <a:endParaRPr lang="zh-CN" altLang="en-US" strike="noStrike" noProof="1" smtClean="0"/>
           </a:p>
           <a:p>
             <a:pPr lvl="3" fontAlgn="base"/>
             <a:r>
-              <a:rPr lang="zh-CN" altLang="en-US" strike="noStrike" noProof="1" smtClean="0"/>
+              <a:rPr lang="zh-CN" altLang="en-US" strike="noStrike" noProof="1"/>
               <a:t>第四级</a:t>
             </a:r>
-            <a:endParaRPr lang="zh-CN" altLang="en-US" strike="noStrike" noProof="1" smtClean="0"/>
           </a:p>
           <a:p>
             <a:pPr lvl="4" fontAlgn="base"/>
             <a:r>
-              <a:rPr lang="zh-CN" altLang="en-US" strike="noStrike" noProof="1" smtClean="0"/>
+              <a:rPr lang="zh-CN" altLang="en-US" strike="noStrike" noProof="1"/>
               <a:t>第五级</a:t>
             </a:r>
-            <a:endParaRPr lang="zh-CN" altLang="en-US" strike="noStrike" noProof="1"/>
           </a:p>
         </p:txBody>
       </p:sp>
@@ -2205,6 +2170,7 @@
         <p:spPr/>
         <p:txBody>
           <a:bodyPr/>
+          <a:lstStyle/>
           <a:p>
             <a:pPr marL="0" marR="0" lvl="0" indent="0" algn="l" defTabSz="914400" rtl="0" eaLnBrk="1" fontAlgn="auto" latinLnBrk="0" hangingPunct="1">
               <a:lnSpc>
@@ -2254,6 +2220,7 @@
         <p:spPr/>
         <p:txBody>
           <a:bodyPr/>
+          <a:lstStyle/>
           <a:p>
             <a:pPr marL="0" marR="0" lvl="0" indent="0" algn="ctr" defTabSz="914400" rtl="0" eaLnBrk="1" fontAlgn="auto" latinLnBrk="0" hangingPunct="1">
               <a:lnSpc>
@@ -2303,6 +2270,7 @@
         <p:spPr/>
         <p:txBody>
           <a:bodyPr/>
+          <a:lstStyle/>
           <a:p>
             <a:pPr lvl="0" eaLnBrk="1" fontAlgn="base" hangingPunct="1"/>
             <a:fld id="{9A0DB2DC-4C9A-4742-B13C-FB6460FD3503}" type="slidenum">
@@ -2311,8 +2279,9 @@
                 <a:ea typeface="SimSun" panose="02010600030101010101" pitchFamily="2" charset="-122"/>
                 <a:cs typeface="+mn-cs"/>
               </a:rPr>
+              <a:t>‹#›</a:t>
             </a:fld>
-            <a:endParaRPr lang="zh-CN" altLang="en-US" strike="noStrike" noProof="1" dirty="0">
+            <a:endParaRPr lang="zh-CN" altLang="en-US" strike="noStrike" noProof="1">
               <a:latin typeface="Calibri" panose="020F0502020204030204" pitchFamily="34" charset="0"/>
             </a:endParaRPr>
           </a:p>
@@ -2372,10 +2341,9 @@
           <a:p>
             <a:pPr fontAlgn="base"/>
             <a:r>
-              <a:rPr lang="zh-CN" altLang="en-US" strike="noStrike" noProof="1" smtClean="0"/>
+              <a:rPr lang="zh-CN" altLang="en-US" strike="noStrike" noProof="1"/>
               <a:t>单击此处编辑母版标题样式</a:t>
             </a:r>
-            <a:endParaRPr lang="zh-CN" altLang="en-US" strike="noStrike" noProof="1"/>
           </a:p>
         </p:txBody>
       </p:sp>
@@ -2492,10 +2460,9 @@
           <a:p>
             <a:pPr lvl="0" fontAlgn="base"/>
             <a:r>
-              <a:rPr lang="zh-CN" altLang="en-US" strike="noStrike" noProof="1" smtClean="0"/>
+              <a:rPr lang="zh-CN" altLang="en-US" strike="noStrike" noProof="1"/>
               <a:t>单击此处编辑母版文本样式</a:t>
             </a:r>
-            <a:endParaRPr lang="zh-CN" altLang="en-US" strike="noStrike" noProof="1" smtClean="0"/>
           </a:p>
         </p:txBody>
       </p:sp>
@@ -2512,6 +2479,7 @@
         <p:spPr/>
         <p:txBody>
           <a:bodyPr/>
+          <a:lstStyle/>
           <a:p>
             <a:pPr marL="0" marR="0" lvl="0" indent="0" algn="l" defTabSz="914400" rtl="0" eaLnBrk="1" fontAlgn="auto" latinLnBrk="0" hangingPunct="1">
               <a:lnSpc>
@@ -2561,6 +2529,7 @@
         <p:spPr/>
         <p:txBody>
           <a:bodyPr/>
+          <a:lstStyle/>
           <a:p>
             <a:pPr marL="0" marR="0" lvl="0" indent="0" algn="ctr" defTabSz="914400" rtl="0" eaLnBrk="1" fontAlgn="auto" latinLnBrk="0" hangingPunct="1">
               <a:lnSpc>
@@ -2610,6 +2579,7 @@
         <p:spPr/>
         <p:txBody>
           <a:bodyPr/>
+          <a:lstStyle/>
           <a:p>
             <a:pPr lvl="0" eaLnBrk="1" fontAlgn="base" hangingPunct="1"/>
             <a:fld id="{9A0DB2DC-4C9A-4742-B13C-FB6460FD3503}" type="slidenum">
@@ -2618,8 +2588,9 @@
                 <a:ea typeface="SimSun" panose="02010600030101010101" pitchFamily="2" charset="-122"/>
                 <a:cs typeface="+mn-cs"/>
               </a:rPr>
+              <a:t>‹#›</a:t>
             </a:fld>
-            <a:endParaRPr lang="zh-CN" altLang="en-US" strike="noStrike" noProof="1" dirty="0">
+            <a:endParaRPr lang="zh-CN" altLang="en-US" strike="noStrike" noProof="1">
               <a:latin typeface="Calibri" panose="020F0502020204030204" pitchFamily="34" charset="0"/>
             </a:endParaRPr>
           </a:p>
@@ -2670,10 +2641,9 @@
           <a:p>
             <a:pPr fontAlgn="base"/>
             <a:r>
-              <a:rPr lang="zh-CN" altLang="en-US" strike="noStrike" noProof="1" smtClean="0"/>
+              <a:rPr lang="zh-CN" altLang="en-US" strike="noStrike" noProof="1"/>
               <a:t>单击此处编辑母版标题样式</a:t>
             </a:r>
-            <a:endParaRPr lang="zh-CN" altLang="en-US" strike="noStrike" noProof="1"/>
           </a:p>
         </p:txBody>
       </p:sp>
@@ -2699,42 +2669,37 @@
           <a:p>
             <a:pPr lvl="0" fontAlgn="base"/>
             <a:r>
-              <a:rPr lang="zh-CN" altLang="en-US" strike="noStrike" noProof="1" smtClean="0"/>
+              <a:rPr lang="zh-CN" altLang="en-US" strike="noStrike" noProof="1"/>
               <a:t>单击此处编辑母版文本样式</a:t>
             </a:r>
-            <a:endParaRPr lang="zh-CN" altLang="en-US" strike="noStrike" noProof="1" smtClean="0"/>
           </a:p>
           <a:p>
             <a:pPr lvl="1" fontAlgn="base"/>
             <a:r>
-              <a:rPr lang="zh-CN" altLang="en-US" strike="noStrike" noProof="1" smtClean="0"/>
+              <a:rPr lang="zh-CN" altLang="en-US" strike="noStrike" noProof="1"/>
               <a:t>第二级</a:t>
             </a:r>
-            <a:endParaRPr lang="zh-CN" altLang="en-US" strike="noStrike" noProof="1" smtClean="0"/>
           </a:p>
           <a:p>
             <a:pPr lvl="2" fontAlgn="base"/>
             <a:r>
-              <a:rPr lang="zh-CN" altLang="en-US" strike="noStrike" noProof="1" smtClean="0"/>
+              <a:rPr lang="zh-CN" altLang="en-US" strike="noStrike" noProof="1"/>
               <a:t>第三级</a:t>
             </a:r>
-            <a:endParaRPr lang="zh-CN" altLang="en-US" strike="noStrike" noProof="1" smtClean="0"/>
           </a:p>
           <a:p>
             <a:pPr lvl="3" fontAlgn="base"/>
             <a:r>
-              <a:rPr lang="zh-CN" altLang="en-US" strike="noStrike" noProof="1" smtClean="0"/>
+              <a:rPr lang="zh-CN" altLang="en-US" strike="noStrike" noProof="1"/>
               <a:t>第四级</a:t>
             </a:r>
-            <a:endParaRPr lang="zh-CN" altLang="en-US" strike="noStrike" noProof="1" smtClean="0"/>
           </a:p>
           <a:p>
             <a:pPr lvl="4" fontAlgn="base"/>
             <a:r>
-              <a:rPr lang="zh-CN" altLang="en-US" strike="noStrike" noProof="1" smtClean="0"/>
+              <a:rPr lang="zh-CN" altLang="en-US" strike="noStrike" noProof="1"/>
               <a:t>第五级</a:t>
             </a:r>
-            <a:endParaRPr lang="zh-CN" altLang="en-US" strike="noStrike" noProof="1"/>
           </a:p>
         </p:txBody>
       </p:sp>
@@ -2760,42 +2725,37 @@
           <a:p>
             <a:pPr lvl="0" fontAlgn="base"/>
             <a:r>
-              <a:rPr lang="zh-CN" altLang="en-US" strike="noStrike" noProof="1" smtClean="0"/>
+              <a:rPr lang="zh-CN" altLang="en-US" strike="noStrike" noProof="1"/>
               <a:t>单击此处编辑母版文本样式</a:t>
             </a:r>
-            <a:endParaRPr lang="zh-CN" altLang="en-US" strike="noStrike" noProof="1" smtClean="0"/>
           </a:p>
           <a:p>
             <a:pPr lvl="1" fontAlgn="base"/>
             <a:r>
-              <a:rPr lang="zh-CN" altLang="en-US" strike="noStrike" noProof="1" smtClean="0"/>
+              <a:rPr lang="zh-CN" altLang="en-US" strike="noStrike" noProof="1"/>
               <a:t>第二级</a:t>
             </a:r>
-            <a:endParaRPr lang="zh-CN" altLang="en-US" strike="noStrike" noProof="1" smtClean="0"/>
           </a:p>
           <a:p>
             <a:pPr lvl="2" fontAlgn="base"/>
             <a:r>
-              <a:rPr lang="zh-CN" altLang="en-US" strike="noStrike" noProof="1" smtClean="0"/>
+              <a:rPr lang="zh-CN" altLang="en-US" strike="noStrike" noProof="1"/>
               <a:t>第三级</a:t>
             </a:r>
-            <a:endParaRPr lang="zh-CN" altLang="en-US" strike="noStrike" noProof="1" smtClean="0"/>
           </a:p>
           <a:p>
             <a:pPr lvl="3" fontAlgn="base"/>
             <a:r>
-              <a:rPr lang="zh-CN" altLang="en-US" strike="noStrike" noProof="1" smtClean="0"/>
+              <a:rPr lang="zh-CN" altLang="en-US" strike="noStrike" noProof="1"/>
               <a:t>第四级</a:t>
             </a:r>
-            <a:endParaRPr lang="zh-CN" altLang="en-US" strike="noStrike" noProof="1" smtClean="0"/>
           </a:p>
           <a:p>
             <a:pPr lvl="4" fontAlgn="base"/>
             <a:r>
-              <a:rPr lang="zh-CN" altLang="en-US" strike="noStrike" noProof="1" smtClean="0"/>
+              <a:rPr lang="zh-CN" altLang="en-US" strike="noStrike" noProof="1"/>
               <a:t>第五级</a:t>
             </a:r>
-            <a:endParaRPr lang="zh-CN" altLang="en-US" strike="noStrike" noProof="1"/>
           </a:p>
         </p:txBody>
       </p:sp>
@@ -2812,6 +2772,7 @@
         <p:spPr/>
         <p:txBody>
           <a:bodyPr/>
+          <a:lstStyle/>
           <a:p>
             <a:pPr marL="0" marR="0" lvl="0" indent="0" algn="l" defTabSz="914400" rtl="0" eaLnBrk="1" fontAlgn="auto" latinLnBrk="0" hangingPunct="1">
               <a:lnSpc>
@@ -2861,6 +2822,7 @@
         <p:spPr/>
         <p:txBody>
           <a:bodyPr/>
+          <a:lstStyle/>
           <a:p>
             <a:pPr marL="0" marR="0" lvl="0" indent="0" algn="ctr" defTabSz="914400" rtl="0" eaLnBrk="1" fontAlgn="auto" latinLnBrk="0" hangingPunct="1">
               <a:lnSpc>
@@ -2910,6 +2872,7 @@
         <p:spPr/>
         <p:txBody>
           <a:bodyPr/>
+          <a:lstStyle/>
           <a:p>
             <a:pPr lvl="0" eaLnBrk="1" fontAlgn="base" hangingPunct="1"/>
             <a:fld id="{9A0DB2DC-4C9A-4742-B13C-FB6460FD3503}" type="slidenum">
@@ -2918,8 +2881,9 @@
                 <a:ea typeface="SimSun" panose="02010600030101010101" pitchFamily="2" charset="-122"/>
                 <a:cs typeface="+mn-cs"/>
               </a:rPr>
+              <a:t>‹#›</a:t>
             </a:fld>
-            <a:endParaRPr lang="zh-CN" altLang="en-US" strike="noStrike" noProof="1" dirty="0">
+            <a:endParaRPr lang="zh-CN" altLang="en-US" strike="noStrike" noProof="1">
               <a:latin typeface="Calibri" panose="020F0502020204030204" pitchFamily="34" charset="0"/>
             </a:endParaRPr>
           </a:p>
@@ -2975,10 +2939,9 @@
           <a:p>
             <a:pPr fontAlgn="base"/>
             <a:r>
-              <a:rPr lang="zh-CN" altLang="en-US" strike="noStrike" noProof="1" smtClean="0"/>
+              <a:rPr lang="zh-CN" altLang="en-US" strike="noStrike" noProof="1"/>
               <a:t>单击此处编辑母版标题样式</a:t>
             </a:r>
-            <a:endParaRPr lang="zh-CN" altLang="en-US" strike="noStrike" noProof="1"/>
           </a:p>
         </p:txBody>
       </p:sp>
@@ -3041,10 +3004,9 @@
           <a:p>
             <a:pPr lvl="0" fontAlgn="base"/>
             <a:r>
-              <a:rPr lang="zh-CN" altLang="en-US" strike="noStrike" noProof="1" smtClean="0"/>
+              <a:rPr lang="zh-CN" altLang="en-US" strike="noStrike" noProof="1"/>
               <a:t>单击此处编辑母版文本样式</a:t>
             </a:r>
-            <a:endParaRPr lang="zh-CN" altLang="en-US" strike="noStrike" noProof="1" smtClean="0"/>
           </a:p>
         </p:txBody>
       </p:sp>
@@ -3070,42 +3032,37 @@
           <a:p>
             <a:pPr lvl="0" fontAlgn="base"/>
             <a:r>
-              <a:rPr lang="zh-CN" altLang="en-US" strike="noStrike" noProof="1" smtClean="0"/>
+              <a:rPr lang="zh-CN" altLang="en-US" strike="noStrike" noProof="1"/>
               <a:t>单击此处编辑母版文本样式</a:t>
             </a:r>
-            <a:endParaRPr lang="zh-CN" altLang="en-US" strike="noStrike" noProof="1" smtClean="0"/>
           </a:p>
           <a:p>
             <a:pPr lvl="1" fontAlgn="base"/>
             <a:r>
-              <a:rPr lang="zh-CN" altLang="en-US" strike="noStrike" noProof="1" smtClean="0"/>
+              <a:rPr lang="zh-CN" altLang="en-US" strike="noStrike" noProof="1"/>
               <a:t>第二级</a:t>
             </a:r>
-            <a:endParaRPr lang="zh-CN" altLang="en-US" strike="noStrike" noProof="1" smtClean="0"/>
           </a:p>
           <a:p>
             <a:pPr lvl="2" fontAlgn="base"/>
             <a:r>
-              <a:rPr lang="zh-CN" altLang="en-US" strike="noStrike" noProof="1" smtClean="0"/>
+              <a:rPr lang="zh-CN" altLang="en-US" strike="noStrike" noProof="1"/>
               <a:t>第三级</a:t>
             </a:r>
-            <a:endParaRPr lang="zh-CN" altLang="en-US" strike="noStrike" noProof="1" smtClean="0"/>
           </a:p>
           <a:p>
             <a:pPr lvl="3" fontAlgn="base"/>
             <a:r>
-              <a:rPr lang="zh-CN" altLang="en-US" strike="noStrike" noProof="1" smtClean="0"/>
+              <a:rPr lang="zh-CN" altLang="en-US" strike="noStrike" noProof="1"/>
               <a:t>第四级</a:t>
             </a:r>
-            <a:endParaRPr lang="zh-CN" altLang="en-US" strike="noStrike" noProof="1" smtClean="0"/>
           </a:p>
           <a:p>
             <a:pPr lvl="4" fontAlgn="base"/>
             <a:r>
-              <a:rPr lang="zh-CN" altLang="en-US" strike="noStrike" noProof="1" smtClean="0"/>
+              <a:rPr lang="zh-CN" altLang="en-US" strike="noStrike" noProof="1"/>
               <a:t>第五级</a:t>
             </a:r>
-            <a:endParaRPr lang="zh-CN" altLang="en-US" strike="noStrike" noProof="1"/>
           </a:p>
         </p:txBody>
       </p:sp>
@@ -3168,10 +3125,9 @@
           <a:p>
             <a:pPr lvl="0" fontAlgn="base"/>
             <a:r>
-              <a:rPr lang="zh-CN" altLang="en-US" strike="noStrike" noProof="1" smtClean="0"/>
+              <a:rPr lang="zh-CN" altLang="en-US" strike="noStrike" noProof="1"/>
               <a:t>单击此处编辑母版文本样式</a:t>
             </a:r>
-            <a:endParaRPr lang="zh-CN" altLang="en-US" strike="noStrike" noProof="1" smtClean="0"/>
           </a:p>
         </p:txBody>
       </p:sp>
@@ -3197,42 +3153,37 @@
           <a:p>
             <a:pPr lvl="0" fontAlgn="base"/>
             <a:r>
-              <a:rPr lang="zh-CN" altLang="en-US" strike="noStrike" noProof="1" smtClean="0"/>
+              <a:rPr lang="zh-CN" altLang="en-US" strike="noStrike" noProof="1"/>
               <a:t>单击此处编辑母版文本样式</a:t>
             </a:r>
-            <a:endParaRPr lang="zh-CN" altLang="en-US" strike="noStrike" noProof="1" smtClean="0"/>
           </a:p>
           <a:p>
             <a:pPr lvl="1" fontAlgn="base"/>
             <a:r>
-              <a:rPr lang="zh-CN" altLang="en-US" strike="noStrike" noProof="1" smtClean="0"/>
+              <a:rPr lang="zh-CN" altLang="en-US" strike="noStrike" noProof="1"/>
               <a:t>第二级</a:t>
             </a:r>
-            <a:endParaRPr lang="zh-CN" altLang="en-US" strike="noStrike" noProof="1" smtClean="0"/>
           </a:p>
           <a:p>
             <a:pPr lvl="2" fontAlgn="base"/>
             <a:r>
-              <a:rPr lang="zh-CN" altLang="en-US" strike="noStrike" noProof="1" smtClean="0"/>
+              <a:rPr lang="zh-CN" altLang="en-US" strike="noStrike" noProof="1"/>
               <a:t>第三级</a:t>
             </a:r>
-            <a:endParaRPr lang="zh-CN" altLang="en-US" strike="noStrike" noProof="1" smtClean="0"/>
           </a:p>
           <a:p>
             <a:pPr lvl="3" fontAlgn="base"/>
             <a:r>
-              <a:rPr lang="zh-CN" altLang="en-US" strike="noStrike" noProof="1" smtClean="0"/>
+              <a:rPr lang="zh-CN" altLang="en-US" strike="noStrike" noProof="1"/>
               <a:t>第四级</a:t>
             </a:r>
-            <a:endParaRPr lang="zh-CN" altLang="en-US" strike="noStrike" noProof="1" smtClean="0"/>
           </a:p>
           <a:p>
             <a:pPr lvl="4" fontAlgn="base"/>
             <a:r>
-              <a:rPr lang="zh-CN" altLang="en-US" strike="noStrike" noProof="1" smtClean="0"/>
+              <a:rPr lang="zh-CN" altLang="en-US" strike="noStrike" noProof="1"/>
               <a:t>第五级</a:t>
             </a:r>
-            <a:endParaRPr lang="zh-CN" altLang="en-US" strike="noStrike" noProof="1"/>
           </a:p>
         </p:txBody>
       </p:sp>
@@ -3249,6 +3200,7 @@
         <p:spPr/>
         <p:txBody>
           <a:bodyPr/>
+          <a:lstStyle/>
           <a:p>
             <a:pPr marL="0" marR="0" lvl="0" indent="0" algn="l" defTabSz="914400" rtl="0" eaLnBrk="1" fontAlgn="auto" latinLnBrk="0" hangingPunct="1">
               <a:lnSpc>
@@ -3298,6 +3250,7 @@
         <p:spPr/>
         <p:txBody>
           <a:bodyPr/>
+          <a:lstStyle/>
           <a:p>
             <a:pPr marL="0" marR="0" lvl="0" indent="0" algn="ctr" defTabSz="914400" rtl="0" eaLnBrk="1" fontAlgn="auto" latinLnBrk="0" hangingPunct="1">
               <a:lnSpc>
@@ -3347,6 +3300,7 @@
         <p:spPr/>
         <p:txBody>
           <a:bodyPr/>
+          <a:lstStyle/>
           <a:p>
             <a:pPr lvl="0" eaLnBrk="1" fontAlgn="base" hangingPunct="1"/>
             <a:fld id="{9A0DB2DC-4C9A-4742-B13C-FB6460FD3503}" type="slidenum">
@@ -3355,8 +3309,9 @@
                 <a:ea typeface="SimSun" panose="02010600030101010101" pitchFamily="2" charset="-122"/>
                 <a:cs typeface="+mn-cs"/>
               </a:rPr>
+              <a:t>‹#›</a:t>
             </a:fld>
-            <a:endParaRPr lang="zh-CN" altLang="en-US" strike="noStrike" noProof="1" dirty="0">
+            <a:endParaRPr lang="zh-CN" altLang="en-US" strike="noStrike" noProof="1">
               <a:latin typeface="Calibri" panose="020F0502020204030204" pitchFamily="34" charset="0"/>
             </a:endParaRPr>
           </a:p>
@@ -3407,10 +3362,9 @@
           <a:p>
             <a:pPr fontAlgn="base"/>
             <a:r>
-              <a:rPr lang="zh-CN" altLang="en-US" strike="noStrike" noProof="1" smtClean="0"/>
+              <a:rPr lang="zh-CN" altLang="en-US" strike="noStrike" noProof="1"/>
               <a:t>单击此处编辑母版标题样式</a:t>
             </a:r>
-            <a:endParaRPr lang="zh-CN" altLang="en-US" strike="noStrike" noProof="1"/>
           </a:p>
         </p:txBody>
       </p:sp>
@@ -3427,6 +3381,7 @@
         <p:spPr/>
         <p:txBody>
           <a:bodyPr/>
+          <a:lstStyle/>
           <a:p>
             <a:pPr marL="0" marR="0" lvl="0" indent="0" algn="l" defTabSz="914400" rtl="0" eaLnBrk="1" fontAlgn="auto" latinLnBrk="0" hangingPunct="1">
               <a:lnSpc>
@@ -3476,6 +3431,7 @@
         <p:spPr/>
         <p:txBody>
           <a:bodyPr/>
+          <a:lstStyle/>
           <a:p>
             <a:pPr marL="0" marR="0" lvl="0" indent="0" algn="ctr" defTabSz="914400" rtl="0" eaLnBrk="1" fontAlgn="auto" latinLnBrk="0" hangingPunct="1">
               <a:lnSpc>
@@ -3525,6 +3481,7 @@
         <p:spPr/>
         <p:txBody>
           <a:bodyPr/>
+          <a:lstStyle/>
           <a:p>
             <a:pPr lvl="0" eaLnBrk="1" fontAlgn="base" hangingPunct="1"/>
             <a:fld id="{9A0DB2DC-4C9A-4742-B13C-FB6460FD3503}" type="slidenum">
@@ -3533,8 +3490,9 @@
                 <a:ea typeface="SimSun" panose="02010600030101010101" pitchFamily="2" charset="-122"/>
                 <a:cs typeface="+mn-cs"/>
               </a:rPr>
+              <a:t>‹#›</a:t>
             </a:fld>
-            <a:endParaRPr lang="zh-CN" altLang="en-US" strike="noStrike" noProof="1" dirty="0">
+            <a:endParaRPr lang="zh-CN" altLang="en-US" strike="noStrike" noProof="1">
               <a:latin typeface="Calibri" panose="020F0502020204030204" pitchFamily="34" charset="0"/>
             </a:endParaRPr>
           </a:p>
@@ -3581,6 +3539,7 @@
         <p:spPr/>
         <p:txBody>
           <a:bodyPr/>
+          <a:lstStyle/>
           <a:p>
             <a:pPr marL="0" marR="0" lvl="0" indent="0" algn="l" defTabSz="914400" rtl="0" eaLnBrk="1" fontAlgn="auto" latinLnBrk="0" hangingPunct="1">
               <a:lnSpc>
@@ -3630,6 +3589,7 @@
         <p:spPr/>
         <p:txBody>
           <a:bodyPr/>
+          <a:lstStyle/>
           <a:p>
             <a:pPr marL="0" marR="0" lvl="0" indent="0" algn="ctr" defTabSz="914400" rtl="0" eaLnBrk="1" fontAlgn="auto" latinLnBrk="0" hangingPunct="1">
               <a:lnSpc>
@@ -3679,6 +3639,7 @@
         <p:spPr/>
         <p:txBody>
           <a:bodyPr/>
+          <a:lstStyle/>
           <a:p>
             <a:pPr lvl="0" eaLnBrk="1" fontAlgn="base" hangingPunct="1"/>
             <a:fld id="{9A0DB2DC-4C9A-4742-B13C-FB6460FD3503}" type="slidenum">
@@ -3687,8 +3648,9 @@
                 <a:ea typeface="SimSun" panose="02010600030101010101" pitchFamily="2" charset="-122"/>
                 <a:cs typeface="+mn-cs"/>
               </a:rPr>
+              <a:t>‹#›</a:t>
             </a:fld>
-            <a:endParaRPr lang="zh-CN" altLang="en-US" strike="noStrike" noProof="1" dirty="0">
+            <a:endParaRPr lang="zh-CN" altLang="en-US" strike="noStrike" noProof="1">
               <a:latin typeface="Calibri" panose="020F0502020204030204" pitchFamily="34" charset="0"/>
             </a:endParaRPr>
           </a:p>
@@ -3748,10 +3710,9 @@
           <a:p>
             <a:pPr fontAlgn="base"/>
             <a:r>
-              <a:rPr lang="zh-CN" altLang="en-US" strike="noStrike" noProof="1" smtClean="0"/>
+              <a:rPr lang="zh-CN" altLang="en-US" strike="noStrike" noProof="1"/>
               <a:t>单击此处编辑母版标题样式</a:t>
             </a:r>
-            <a:endParaRPr lang="zh-CN" altLang="en-US" strike="noStrike" noProof="1"/>
           </a:p>
         </p:txBody>
       </p:sp>
@@ -3805,42 +3766,37 @@
           <a:p>
             <a:pPr lvl="0" fontAlgn="base"/>
             <a:r>
-              <a:rPr lang="zh-CN" altLang="en-US" strike="noStrike" noProof="1" smtClean="0"/>
+              <a:rPr lang="zh-CN" altLang="en-US" strike="noStrike" noProof="1"/>
               <a:t>单击此处编辑母版文本样式</a:t>
             </a:r>
-            <a:endParaRPr lang="zh-CN" altLang="en-US" strike="noStrike" noProof="1" smtClean="0"/>
           </a:p>
           <a:p>
             <a:pPr lvl="1" fontAlgn="base"/>
             <a:r>
-              <a:rPr lang="zh-CN" altLang="en-US" strike="noStrike" noProof="1" smtClean="0"/>
+              <a:rPr lang="zh-CN" altLang="en-US" strike="noStrike" noProof="1"/>
               <a:t>第二级</a:t>
             </a:r>
-            <a:endParaRPr lang="zh-CN" altLang="en-US" strike="noStrike" noProof="1" smtClean="0"/>
           </a:p>
           <a:p>
             <a:pPr lvl="2" fontAlgn="base"/>
             <a:r>
-              <a:rPr lang="zh-CN" altLang="en-US" strike="noStrike" noProof="1" smtClean="0"/>
+              <a:rPr lang="zh-CN" altLang="en-US" strike="noStrike" noProof="1"/>
               <a:t>第三级</a:t>
             </a:r>
-            <a:endParaRPr lang="zh-CN" altLang="en-US" strike="noStrike" noProof="1" smtClean="0"/>
           </a:p>
           <a:p>
             <a:pPr lvl="3" fontAlgn="base"/>
             <a:r>
-              <a:rPr lang="zh-CN" altLang="en-US" strike="noStrike" noProof="1" smtClean="0"/>
+              <a:rPr lang="zh-CN" altLang="en-US" strike="noStrike" noProof="1"/>
               <a:t>第四级</a:t>
             </a:r>
-            <a:endParaRPr lang="zh-CN" altLang="en-US" strike="noStrike" noProof="1" smtClean="0"/>
           </a:p>
           <a:p>
             <a:pPr lvl="4" fontAlgn="base"/>
             <a:r>
-              <a:rPr lang="zh-CN" altLang="en-US" strike="noStrike" noProof="1" smtClean="0"/>
+              <a:rPr lang="zh-CN" altLang="en-US" strike="noStrike" noProof="1"/>
               <a:t>第五级</a:t>
             </a:r>
-            <a:endParaRPr lang="zh-CN" altLang="en-US" strike="noStrike" noProof="1"/>
           </a:p>
         </p:txBody>
       </p:sp>
@@ -3903,10 +3859,9 @@
           <a:p>
             <a:pPr lvl="0" fontAlgn="base"/>
             <a:r>
-              <a:rPr lang="zh-CN" altLang="en-US" strike="noStrike" noProof="1" smtClean="0"/>
+              <a:rPr lang="zh-CN" altLang="en-US" strike="noStrike" noProof="1"/>
               <a:t>单击此处编辑母版文本样式</a:t>
             </a:r>
-            <a:endParaRPr lang="zh-CN" altLang="en-US" strike="noStrike" noProof="1" smtClean="0"/>
           </a:p>
         </p:txBody>
       </p:sp>
@@ -3923,6 +3878,7 @@
         <p:spPr/>
         <p:txBody>
           <a:bodyPr/>
+          <a:lstStyle/>
           <a:p>
             <a:pPr marL="0" marR="0" lvl="0" indent="0" algn="l" defTabSz="914400" rtl="0" eaLnBrk="1" fontAlgn="auto" latinLnBrk="0" hangingPunct="1">
               <a:lnSpc>
@@ -3972,6 +3928,7 @@
         <p:spPr/>
         <p:txBody>
           <a:bodyPr/>
+          <a:lstStyle/>
           <a:p>
             <a:pPr marL="0" marR="0" lvl="0" indent="0" algn="ctr" defTabSz="914400" rtl="0" eaLnBrk="1" fontAlgn="auto" latinLnBrk="0" hangingPunct="1">
               <a:lnSpc>
@@ -4021,6 +3978,7 @@
         <p:spPr/>
         <p:txBody>
           <a:bodyPr/>
+          <a:lstStyle/>
           <a:p>
             <a:pPr lvl="0" eaLnBrk="1" fontAlgn="base" hangingPunct="1"/>
             <a:fld id="{9A0DB2DC-4C9A-4742-B13C-FB6460FD3503}" type="slidenum">
@@ -4029,8 +3987,9 @@
                 <a:ea typeface="SimSun" panose="02010600030101010101" pitchFamily="2" charset="-122"/>
                 <a:cs typeface="+mn-cs"/>
               </a:rPr>
+              <a:t>‹#›</a:t>
             </a:fld>
-            <a:endParaRPr lang="zh-CN" altLang="en-US" strike="noStrike" noProof="1" dirty="0">
+            <a:endParaRPr lang="zh-CN" altLang="en-US" strike="noStrike" noProof="1">
               <a:latin typeface="Calibri" panose="020F0502020204030204" pitchFamily="34" charset="0"/>
             </a:endParaRPr>
           </a:p>
@@ -4081,10 +4040,9 @@
           <a:p>
             <a:pPr fontAlgn="base"/>
             <a:r>
-              <a:rPr lang="zh-CN" altLang="en-US" strike="noStrike" noProof="1" smtClean="0"/>
+              <a:rPr lang="zh-CN" altLang="en-US" strike="noStrike" noProof="1"/>
               <a:t>单击此处编辑母版标题样式</a:t>
             </a:r>
-            <a:endParaRPr lang="zh-CN" altLang="en-US" strike="noStrike" noProof="1"/>
           </a:p>
         </p:txBody>
       </p:sp>
@@ -4105,42 +4063,37 @@
           <a:p>
             <a:pPr lvl="0" fontAlgn="base"/>
             <a:r>
-              <a:rPr lang="zh-CN" altLang="en-US" strike="noStrike" noProof="1" smtClean="0"/>
+              <a:rPr lang="zh-CN" altLang="en-US" strike="noStrike" noProof="1"/>
               <a:t>单击此处编辑母版文本样式</a:t>
             </a:r>
-            <a:endParaRPr lang="zh-CN" altLang="en-US" strike="noStrike" noProof="1" smtClean="0"/>
           </a:p>
           <a:p>
             <a:pPr lvl="1" fontAlgn="base"/>
             <a:r>
-              <a:rPr lang="zh-CN" altLang="en-US" strike="noStrike" noProof="1" smtClean="0"/>
+              <a:rPr lang="zh-CN" altLang="en-US" strike="noStrike" noProof="1"/>
               <a:t>第二级</a:t>
             </a:r>
-            <a:endParaRPr lang="zh-CN" altLang="en-US" strike="noStrike" noProof="1" smtClean="0"/>
           </a:p>
           <a:p>
             <a:pPr lvl="2" fontAlgn="base"/>
             <a:r>
-              <a:rPr lang="zh-CN" altLang="en-US" strike="noStrike" noProof="1" smtClean="0"/>
+              <a:rPr lang="zh-CN" altLang="en-US" strike="noStrike" noProof="1"/>
               <a:t>第三级</a:t>
             </a:r>
-            <a:endParaRPr lang="zh-CN" altLang="en-US" strike="noStrike" noProof="1" smtClean="0"/>
           </a:p>
           <a:p>
             <a:pPr lvl="3" fontAlgn="base"/>
             <a:r>
-              <a:rPr lang="zh-CN" altLang="en-US" strike="noStrike" noProof="1" smtClean="0"/>
+              <a:rPr lang="zh-CN" altLang="en-US" strike="noStrike" noProof="1"/>
               <a:t>第四级</a:t>
             </a:r>
-            <a:endParaRPr lang="zh-CN" altLang="en-US" strike="noStrike" noProof="1" smtClean="0"/>
           </a:p>
           <a:p>
             <a:pPr lvl="4" fontAlgn="base"/>
             <a:r>
-              <a:rPr lang="zh-CN" altLang="en-US" strike="noStrike" noProof="1" smtClean="0"/>
+              <a:rPr lang="zh-CN" altLang="en-US" strike="noStrike" noProof="1"/>
               <a:t>第五级</a:t>
             </a:r>
-            <a:endParaRPr lang="zh-CN" altLang="en-US" strike="noStrike" noProof="1"/>
           </a:p>
         </p:txBody>
       </p:sp>
@@ -4157,6 +4110,7 @@
         <p:spPr/>
         <p:txBody>
           <a:bodyPr/>
+          <a:lstStyle/>
           <a:p>
             <a:pPr marL="0" marR="0" lvl="0" indent="0" algn="l" defTabSz="914400" rtl="0" eaLnBrk="1" fontAlgn="auto" latinLnBrk="0" hangingPunct="1">
               <a:lnSpc>
@@ -4206,6 +4160,7 @@
         <p:spPr/>
         <p:txBody>
           <a:bodyPr/>
+          <a:lstStyle/>
           <a:p>
             <a:pPr marL="0" marR="0" lvl="0" indent="0" algn="ctr" defTabSz="914400" rtl="0" eaLnBrk="1" fontAlgn="auto" latinLnBrk="0" hangingPunct="1">
               <a:lnSpc>
@@ -4255,6 +4210,7 @@
         <p:spPr/>
         <p:txBody>
           <a:bodyPr/>
+          <a:lstStyle/>
           <a:p>
             <a:pPr lvl="0" eaLnBrk="1" fontAlgn="base" hangingPunct="1"/>
             <a:fld id="{9A0DB2DC-4C9A-4742-B13C-FB6460FD3503}" type="slidenum">
@@ -4263,8 +4219,9 @@
                 <a:ea typeface="SimSun" panose="02010600030101010101" pitchFamily="2" charset="-122"/>
                 <a:cs typeface="+mn-cs"/>
               </a:rPr>
+              <a:t>‹#›</a:t>
             </a:fld>
-            <a:endParaRPr lang="zh-CN" altLang="en-US" strike="noStrike" noProof="1" dirty="0">
+            <a:endParaRPr lang="zh-CN" altLang="en-US" strike="noStrike" noProof="1">
               <a:latin typeface="Calibri" panose="020F0502020204030204" pitchFamily="34" charset="0"/>
             </a:endParaRPr>
           </a:p>
@@ -4324,10 +4281,9 @@
           <a:p>
             <a:pPr fontAlgn="base"/>
             <a:r>
-              <a:rPr lang="zh-CN" altLang="en-US" strike="noStrike" noProof="1" smtClean="0"/>
+              <a:rPr lang="zh-CN" altLang="en-US" strike="noStrike" noProof="1"/>
               <a:t>单击此处编辑母版标题样式</a:t>
             </a:r>
-            <a:endParaRPr lang="zh-CN" altLang="en-US" strike="noStrike" noProof="1"/>
           </a:p>
         </p:txBody>
       </p:sp>
@@ -4482,10 +4438,9 @@
           <a:p>
             <a:pPr lvl="0" fontAlgn="base"/>
             <a:r>
-              <a:rPr lang="zh-CN" altLang="en-US" strike="noStrike" noProof="1" smtClean="0"/>
+              <a:rPr lang="zh-CN" altLang="en-US" strike="noStrike" noProof="1"/>
               <a:t>单击此处编辑母版文本样式</a:t>
             </a:r>
-            <a:endParaRPr lang="zh-CN" altLang="en-US" strike="noStrike" noProof="1" smtClean="0"/>
           </a:p>
         </p:txBody>
       </p:sp>
@@ -4502,6 +4457,7 @@
         <p:spPr/>
         <p:txBody>
           <a:bodyPr/>
+          <a:lstStyle/>
           <a:p>
             <a:pPr marL="0" marR="0" lvl="0" indent="0" algn="l" defTabSz="914400" rtl="0" eaLnBrk="1" fontAlgn="auto" latinLnBrk="0" hangingPunct="1">
               <a:lnSpc>
@@ -4551,6 +4507,7 @@
         <p:spPr/>
         <p:txBody>
           <a:bodyPr/>
+          <a:lstStyle/>
           <a:p>
             <a:pPr marL="0" marR="0" lvl="0" indent="0" algn="ctr" defTabSz="914400" rtl="0" eaLnBrk="1" fontAlgn="auto" latinLnBrk="0" hangingPunct="1">
               <a:lnSpc>
@@ -4600,6 +4557,7 @@
         <p:spPr/>
         <p:txBody>
           <a:bodyPr/>
+          <a:lstStyle/>
           <a:p>
             <a:pPr lvl="0" eaLnBrk="1" fontAlgn="base" hangingPunct="1"/>
             <a:fld id="{9A0DB2DC-4C9A-4742-B13C-FB6460FD3503}" type="slidenum">
@@ -4608,8 +4566,9 @@
                 <a:ea typeface="SimSun" panose="02010600030101010101" pitchFamily="2" charset="-122"/>
                 <a:cs typeface="+mn-cs"/>
               </a:rPr>
+              <a:t>‹#›</a:t>
             </a:fld>
-            <a:endParaRPr lang="zh-CN" altLang="en-US" strike="noStrike" noProof="1" dirty="0">
+            <a:endParaRPr lang="zh-CN" altLang="en-US" strike="noStrike" noProof="1">
               <a:latin typeface="Calibri" panose="020F0502020204030204" pitchFamily="34" charset="0"/>
             </a:endParaRPr>
           </a:p>
@@ -4660,10 +4619,9 @@
           <a:p>
             <a:pPr fontAlgn="base"/>
             <a:r>
-              <a:rPr lang="zh-CN" altLang="en-US" strike="noStrike" noProof="1" smtClean="0"/>
+              <a:rPr lang="zh-CN" altLang="en-US" strike="noStrike" noProof="1"/>
               <a:t>单击此处编辑母版标题样式</a:t>
             </a:r>
-            <a:endParaRPr lang="zh-CN" altLang="en-US" strike="noStrike" noProof="1"/>
           </a:p>
         </p:txBody>
       </p:sp>
@@ -4684,42 +4642,37 @@
           <a:p>
             <a:pPr lvl="0" fontAlgn="base"/>
             <a:r>
-              <a:rPr lang="zh-CN" altLang="en-US" strike="noStrike" noProof="1" smtClean="0"/>
+              <a:rPr lang="zh-CN" altLang="en-US" strike="noStrike" noProof="1"/>
               <a:t>单击此处编辑母版文本样式</a:t>
             </a:r>
-            <a:endParaRPr lang="zh-CN" altLang="en-US" strike="noStrike" noProof="1" smtClean="0"/>
           </a:p>
           <a:p>
             <a:pPr lvl="1" fontAlgn="base"/>
             <a:r>
-              <a:rPr lang="zh-CN" altLang="en-US" strike="noStrike" noProof="1" smtClean="0"/>
+              <a:rPr lang="zh-CN" altLang="en-US" strike="noStrike" noProof="1"/>
               <a:t>第二级</a:t>
             </a:r>
-            <a:endParaRPr lang="zh-CN" altLang="en-US" strike="noStrike" noProof="1" smtClean="0"/>
           </a:p>
           <a:p>
             <a:pPr lvl="2" fontAlgn="base"/>
             <a:r>
-              <a:rPr lang="zh-CN" altLang="en-US" strike="noStrike" noProof="1" smtClean="0"/>
+              <a:rPr lang="zh-CN" altLang="en-US" strike="noStrike" noProof="1"/>
               <a:t>第三级</a:t>
             </a:r>
-            <a:endParaRPr lang="zh-CN" altLang="en-US" strike="noStrike" noProof="1" smtClean="0"/>
           </a:p>
           <a:p>
             <a:pPr lvl="3" fontAlgn="base"/>
             <a:r>
-              <a:rPr lang="zh-CN" altLang="en-US" strike="noStrike" noProof="1" smtClean="0"/>
+              <a:rPr lang="zh-CN" altLang="en-US" strike="noStrike" noProof="1"/>
               <a:t>第四级</a:t>
             </a:r>
-            <a:endParaRPr lang="zh-CN" altLang="en-US" strike="noStrike" noProof="1" smtClean="0"/>
           </a:p>
           <a:p>
             <a:pPr lvl="4" fontAlgn="base"/>
             <a:r>
-              <a:rPr lang="zh-CN" altLang="en-US" strike="noStrike" noProof="1" smtClean="0"/>
+              <a:rPr lang="zh-CN" altLang="en-US" strike="noStrike" noProof="1"/>
               <a:t>第五级</a:t>
             </a:r>
-            <a:endParaRPr lang="zh-CN" altLang="en-US" strike="noStrike" noProof="1"/>
           </a:p>
         </p:txBody>
       </p:sp>
@@ -4736,6 +4689,7 @@
         <p:spPr/>
         <p:txBody>
           <a:bodyPr/>
+          <a:lstStyle/>
           <a:p>
             <a:pPr marL="0" marR="0" lvl="0" indent="0" algn="l" defTabSz="914400" rtl="0" eaLnBrk="1" fontAlgn="auto" latinLnBrk="0" hangingPunct="1">
               <a:lnSpc>
@@ -4785,6 +4739,7 @@
         <p:spPr/>
         <p:txBody>
           <a:bodyPr/>
+          <a:lstStyle/>
           <a:p>
             <a:pPr marL="0" marR="0" lvl="0" indent="0" algn="ctr" defTabSz="914400" rtl="0" eaLnBrk="1" fontAlgn="auto" latinLnBrk="0" hangingPunct="1">
               <a:lnSpc>
@@ -4834,6 +4789,7 @@
         <p:spPr/>
         <p:txBody>
           <a:bodyPr/>
+          <a:lstStyle/>
           <a:p>
             <a:pPr lvl="0" eaLnBrk="1" fontAlgn="base" hangingPunct="1"/>
             <a:fld id="{9A0DB2DC-4C9A-4742-B13C-FB6460FD3503}" type="slidenum">
@@ -4842,8 +4798,9 @@
                 <a:ea typeface="SimSun" panose="02010600030101010101" pitchFamily="2" charset="-122"/>
                 <a:cs typeface="+mn-cs"/>
               </a:rPr>
+              <a:t>‹#›</a:t>
             </a:fld>
-            <a:endParaRPr lang="zh-CN" altLang="en-US" strike="noStrike" noProof="1" dirty="0">
+            <a:endParaRPr lang="zh-CN" altLang="en-US" strike="noStrike" noProof="1">
               <a:latin typeface="Calibri" panose="020F0502020204030204" pitchFamily="34" charset="0"/>
             </a:endParaRPr>
           </a:p>
@@ -4899,10 +4856,9 @@
           <a:p>
             <a:pPr fontAlgn="base"/>
             <a:r>
-              <a:rPr lang="zh-CN" altLang="en-US" strike="noStrike" noProof="1" smtClean="0"/>
+              <a:rPr lang="zh-CN" altLang="en-US" strike="noStrike" noProof="1"/>
               <a:t>单击此处编辑母版标题样式</a:t>
             </a:r>
-            <a:endParaRPr lang="zh-CN" altLang="en-US" strike="noStrike" noProof="1"/>
           </a:p>
         </p:txBody>
       </p:sp>
@@ -4928,42 +4884,37 @@
           <a:p>
             <a:pPr lvl="0" fontAlgn="base"/>
             <a:r>
-              <a:rPr lang="zh-CN" altLang="en-US" strike="noStrike" noProof="1" smtClean="0"/>
+              <a:rPr lang="zh-CN" altLang="en-US" strike="noStrike" noProof="1"/>
               <a:t>单击此处编辑母版文本样式</a:t>
             </a:r>
-            <a:endParaRPr lang="zh-CN" altLang="en-US" strike="noStrike" noProof="1" smtClean="0"/>
           </a:p>
           <a:p>
             <a:pPr lvl="1" fontAlgn="base"/>
             <a:r>
-              <a:rPr lang="zh-CN" altLang="en-US" strike="noStrike" noProof="1" smtClean="0"/>
+              <a:rPr lang="zh-CN" altLang="en-US" strike="noStrike" noProof="1"/>
               <a:t>第二级</a:t>
             </a:r>
-            <a:endParaRPr lang="zh-CN" altLang="en-US" strike="noStrike" noProof="1" smtClean="0"/>
           </a:p>
           <a:p>
             <a:pPr lvl="2" fontAlgn="base"/>
             <a:r>
-              <a:rPr lang="zh-CN" altLang="en-US" strike="noStrike" noProof="1" smtClean="0"/>
+              <a:rPr lang="zh-CN" altLang="en-US" strike="noStrike" noProof="1"/>
               <a:t>第三级</a:t>
             </a:r>
-            <a:endParaRPr lang="zh-CN" altLang="en-US" strike="noStrike" noProof="1" smtClean="0"/>
           </a:p>
           <a:p>
             <a:pPr lvl="3" fontAlgn="base"/>
             <a:r>
-              <a:rPr lang="zh-CN" altLang="en-US" strike="noStrike" noProof="1" smtClean="0"/>
+              <a:rPr lang="zh-CN" altLang="en-US" strike="noStrike" noProof="1"/>
               <a:t>第四级</a:t>
             </a:r>
-            <a:endParaRPr lang="zh-CN" altLang="en-US" strike="noStrike" noProof="1" smtClean="0"/>
           </a:p>
           <a:p>
             <a:pPr lvl="4" fontAlgn="base"/>
             <a:r>
-              <a:rPr lang="zh-CN" altLang="en-US" strike="noStrike" noProof="1" smtClean="0"/>
+              <a:rPr lang="zh-CN" altLang="en-US" strike="noStrike" noProof="1"/>
               <a:t>第五级</a:t>
             </a:r>
-            <a:endParaRPr lang="zh-CN" altLang="en-US" strike="noStrike" noProof="1"/>
           </a:p>
         </p:txBody>
       </p:sp>
@@ -4980,6 +4931,7 @@
         <p:spPr/>
         <p:txBody>
           <a:bodyPr/>
+          <a:lstStyle/>
           <a:p>
             <a:pPr marL="0" marR="0" lvl="0" indent="0" algn="l" defTabSz="914400" rtl="0" eaLnBrk="1" fontAlgn="auto" latinLnBrk="0" hangingPunct="1">
               <a:lnSpc>
@@ -5029,6 +4981,7 @@
         <p:spPr/>
         <p:txBody>
           <a:bodyPr/>
+          <a:lstStyle/>
           <a:p>
             <a:pPr marL="0" marR="0" lvl="0" indent="0" algn="ctr" defTabSz="914400" rtl="0" eaLnBrk="1" fontAlgn="auto" latinLnBrk="0" hangingPunct="1">
               <a:lnSpc>
@@ -5078,6 +5031,7 @@
         <p:spPr/>
         <p:txBody>
           <a:bodyPr/>
+          <a:lstStyle/>
           <a:p>
             <a:pPr lvl="0" eaLnBrk="1" fontAlgn="base" hangingPunct="1"/>
             <a:fld id="{9A0DB2DC-4C9A-4742-B13C-FB6460FD3503}" type="slidenum">
@@ -5086,8 +5040,9 @@
                 <a:ea typeface="SimSun" panose="02010600030101010101" pitchFamily="2" charset="-122"/>
                 <a:cs typeface="+mn-cs"/>
               </a:rPr>
+              <a:t>‹#›</a:t>
             </a:fld>
-            <a:endParaRPr lang="zh-CN" altLang="en-US" strike="noStrike" noProof="1" dirty="0">
+            <a:endParaRPr lang="zh-CN" altLang="en-US" strike="noStrike" noProof="1">
               <a:latin typeface="Calibri" panose="020F0502020204030204" pitchFamily="34" charset="0"/>
             </a:endParaRPr>
           </a:p>
@@ -5147,10 +5102,9 @@
           <a:p>
             <a:pPr fontAlgn="base"/>
             <a:r>
-              <a:rPr lang="zh-CN" altLang="en-US" strike="noStrike" noProof="1" smtClean="0"/>
+              <a:rPr lang="zh-CN" altLang="en-US" strike="noStrike" noProof="1"/>
               <a:t>单击此处编辑母版标题样式</a:t>
             </a:r>
-            <a:endParaRPr lang="zh-CN" altLang="en-US" strike="noStrike" noProof="1"/>
           </a:p>
         </p:txBody>
       </p:sp>
@@ -5267,10 +5221,9 @@
           <a:p>
             <a:pPr lvl="0" fontAlgn="base"/>
             <a:r>
-              <a:rPr lang="zh-CN" altLang="en-US" strike="noStrike" noProof="1" smtClean="0"/>
+              <a:rPr lang="zh-CN" altLang="en-US" strike="noStrike" noProof="1"/>
               <a:t>单击此处编辑母版文本样式</a:t>
             </a:r>
-            <a:endParaRPr lang="zh-CN" altLang="en-US" strike="noStrike" noProof="1" smtClean="0"/>
           </a:p>
         </p:txBody>
       </p:sp>
@@ -5287,6 +5240,7 @@
         <p:spPr/>
         <p:txBody>
           <a:bodyPr/>
+          <a:lstStyle/>
           <a:p>
             <a:pPr marL="0" marR="0" lvl="0" indent="0" algn="l" defTabSz="914400" rtl="0" eaLnBrk="1" fontAlgn="auto" latinLnBrk="0" hangingPunct="1">
               <a:lnSpc>
@@ -5336,6 +5290,7 @@
         <p:spPr/>
         <p:txBody>
           <a:bodyPr/>
+          <a:lstStyle/>
           <a:p>
             <a:pPr marL="0" marR="0" lvl="0" indent="0" algn="ctr" defTabSz="914400" rtl="0" eaLnBrk="1" fontAlgn="auto" latinLnBrk="0" hangingPunct="1">
               <a:lnSpc>
@@ -5385,6 +5340,7 @@
         <p:spPr/>
         <p:txBody>
           <a:bodyPr/>
+          <a:lstStyle/>
           <a:p>
             <a:pPr lvl="0" eaLnBrk="1" fontAlgn="base" hangingPunct="1"/>
             <a:fld id="{9A0DB2DC-4C9A-4742-B13C-FB6460FD3503}" type="slidenum">
@@ -5393,8 +5349,9 @@
                 <a:ea typeface="SimSun" panose="02010600030101010101" pitchFamily="2" charset="-122"/>
                 <a:cs typeface="+mn-cs"/>
               </a:rPr>
+              <a:t>‹#›</a:t>
             </a:fld>
-            <a:endParaRPr lang="zh-CN" altLang="en-US" strike="noStrike" noProof="1" dirty="0">
+            <a:endParaRPr lang="zh-CN" altLang="en-US" strike="noStrike" noProof="1">
               <a:latin typeface="Calibri" panose="020F0502020204030204" pitchFamily="34" charset="0"/>
             </a:endParaRPr>
           </a:p>
@@ -5445,10 +5402,9 @@
           <a:p>
             <a:pPr fontAlgn="base"/>
             <a:r>
-              <a:rPr lang="zh-CN" altLang="en-US" strike="noStrike" noProof="1" smtClean="0"/>
+              <a:rPr lang="zh-CN" altLang="en-US" strike="noStrike" noProof="1"/>
               <a:t>单击此处编辑母版标题样式</a:t>
             </a:r>
-            <a:endParaRPr lang="zh-CN" altLang="en-US" strike="noStrike" noProof="1"/>
           </a:p>
         </p:txBody>
       </p:sp>
@@ -5474,42 +5430,37 @@
           <a:p>
             <a:pPr lvl="0" fontAlgn="base"/>
             <a:r>
-              <a:rPr lang="zh-CN" altLang="en-US" strike="noStrike" noProof="1" smtClean="0"/>
+              <a:rPr lang="zh-CN" altLang="en-US" strike="noStrike" noProof="1"/>
               <a:t>单击此处编辑母版文本样式</a:t>
             </a:r>
-            <a:endParaRPr lang="zh-CN" altLang="en-US" strike="noStrike" noProof="1" smtClean="0"/>
           </a:p>
           <a:p>
             <a:pPr lvl="1" fontAlgn="base"/>
             <a:r>
-              <a:rPr lang="zh-CN" altLang="en-US" strike="noStrike" noProof="1" smtClean="0"/>
+              <a:rPr lang="zh-CN" altLang="en-US" strike="noStrike" noProof="1"/>
               <a:t>第二级</a:t>
             </a:r>
-            <a:endParaRPr lang="zh-CN" altLang="en-US" strike="noStrike" noProof="1" smtClean="0"/>
           </a:p>
           <a:p>
             <a:pPr lvl="2" fontAlgn="base"/>
             <a:r>
-              <a:rPr lang="zh-CN" altLang="en-US" strike="noStrike" noProof="1" smtClean="0"/>
+              <a:rPr lang="zh-CN" altLang="en-US" strike="noStrike" noProof="1"/>
               <a:t>第三级</a:t>
             </a:r>
-            <a:endParaRPr lang="zh-CN" altLang="en-US" strike="noStrike" noProof="1" smtClean="0"/>
           </a:p>
           <a:p>
             <a:pPr lvl="3" fontAlgn="base"/>
             <a:r>
-              <a:rPr lang="zh-CN" altLang="en-US" strike="noStrike" noProof="1" smtClean="0"/>
+              <a:rPr lang="zh-CN" altLang="en-US" strike="noStrike" noProof="1"/>
               <a:t>第四级</a:t>
             </a:r>
-            <a:endParaRPr lang="zh-CN" altLang="en-US" strike="noStrike" noProof="1" smtClean="0"/>
           </a:p>
           <a:p>
             <a:pPr lvl="4" fontAlgn="base"/>
             <a:r>
-              <a:rPr lang="zh-CN" altLang="en-US" strike="noStrike" noProof="1" smtClean="0"/>
+              <a:rPr lang="zh-CN" altLang="en-US" strike="noStrike" noProof="1"/>
               <a:t>第五级</a:t>
             </a:r>
-            <a:endParaRPr lang="zh-CN" altLang="en-US" strike="noStrike" noProof="1"/>
           </a:p>
         </p:txBody>
       </p:sp>
@@ -5535,42 +5486,37 @@
           <a:p>
             <a:pPr lvl="0" fontAlgn="base"/>
             <a:r>
-              <a:rPr lang="zh-CN" altLang="en-US" strike="noStrike" noProof="1" smtClean="0"/>
+              <a:rPr lang="zh-CN" altLang="en-US" strike="noStrike" noProof="1"/>
               <a:t>单击此处编辑母版文本样式</a:t>
             </a:r>
-            <a:endParaRPr lang="zh-CN" altLang="en-US" strike="noStrike" noProof="1" smtClean="0"/>
           </a:p>
           <a:p>
             <a:pPr lvl="1" fontAlgn="base"/>
             <a:r>
-              <a:rPr lang="zh-CN" altLang="en-US" strike="noStrike" noProof="1" smtClean="0"/>
+              <a:rPr lang="zh-CN" altLang="en-US" strike="noStrike" noProof="1"/>
               <a:t>第二级</a:t>
             </a:r>
-            <a:endParaRPr lang="zh-CN" altLang="en-US" strike="noStrike" noProof="1" smtClean="0"/>
           </a:p>
           <a:p>
             <a:pPr lvl="2" fontAlgn="base"/>
             <a:r>
-              <a:rPr lang="zh-CN" altLang="en-US" strike="noStrike" noProof="1" smtClean="0"/>
+              <a:rPr lang="zh-CN" altLang="en-US" strike="noStrike" noProof="1"/>
               <a:t>第三级</a:t>
             </a:r>
-            <a:endParaRPr lang="zh-CN" altLang="en-US" strike="noStrike" noProof="1" smtClean="0"/>
           </a:p>
           <a:p>
             <a:pPr lvl="3" fontAlgn="base"/>
             <a:r>
-              <a:rPr lang="zh-CN" altLang="en-US" strike="noStrike" noProof="1" smtClean="0"/>
+              <a:rPr lang="zh-CN" altLang="en-US" strike="noStrike" noProof="1"/>
               <a:t>第四级</a:t>
             </a:r>
-            <a:endParaRPr lang="zh-CN" altLang="en-US" strike="noStrike" noProof="1" smtClean="0"/>
           </a:p>
           <a:p>
             <a:pPr lvl="4" fontAlgn="base"/>
             <a:r>
-              <a:rPr lang="zh-CN" altLang="en-US" strike="noStrike" noProof="1" smtClean="0"/>
+              <a:rPr lang="zh-CN" altLang="en-US" strike="noStrike" noProof="1"/>
               <a:t>第五级</a:t>
             </a:r>
-            <a:endParaRPr lang="zh-CN" altLang="en-US" strike="noStrike" noProof="1"/>
           </a:p>
         </p:txBody>
       </p:sp>
@@ -5587,6 +5533,7 @@
         <p:spPr/>
         <p:txBody>
           <a:bodyPr/>
+          <a:lstStyle/>
           <a:p>
             <a:pPr marL="0" marR="0" lvl="0" indent="0" algn="l" defTabSz="914400" rtl="0" eaLnBrk="1" fontAlgn="auto" latinLnBrk="0" hangingPunct="1">
               <a:lnSpc>
@@ -5636,6 +5583,7 @@
         <p:spPr/>
         <p:txBody>
           <a:bodyPr/>
+          <a:lstStyle/>
           <a:p>
             <a:pPr marL="0" marR="0" lvl="0" indent="0" algn="ctr" defTabSz="914400" rtl="0" eaLnBrk="1" fontAlgn="auto" latinLnBrk="0" hangingPunct="1">
               <a:lnSpc>
@@ -5685,6 +5633,7 @@
         <p:spPr/>
         <p:txBody>
           <a:bodyPr/>
+          <a:lstStyle/>
           <a:p>
             <a:pPr lvl="0" eaLnBrk="1" fontAlgn="base" hangingPunct="1"/>
             <a:fld id="{9A0DB2DC-4C9A-4742-B13C-FB6460FD3503}" type="slidenum">
@@ -5693,8 +5642,9 @@
                 <a:ea typeface="SimSun" panose="02010600030101010101" pitchFamily="2" charset="-122"/>
                 <a:cs typeface="+mn-cs"/>
               </a:rPr>
+              <a:t>‹#›</a:t>
             </a:fld>
-            <a:endParaRPr lang="zh-CN" altLang="en-US" strike="noStrike" noProof="1" dirty="0">
+            <a:endParaRPr lang="zh-CN" altLang="en-US" strike="noStrike" noProof="1">
               <a:latin typeface="Calibri" panose="020F0502020204030204" pitchFamily="34" charset="0"/>
             </a:endParaRPr>
           </a:p>
@@ -5750,10 +5700,9 @@
           <a:p>
             <a:pPr fontAlgn="base"/>
             <a:r>
-              <a:rPr lang="zh-CN" altLang="en-US" strike="noStrike" noProof="1" smtClean="0"/>
+              <a:rPr lang="zh-CN" altLang="en-US" strike="noStrike" noProof="1"/>
               <a:t>单击此处编辑母版标题样式</a:t>
             </a:r>
-            <a:endParaRPr lang="zh-CN" altLang="en-US" strike="noStrike" noProof="1"/>
           </a:p>
         </p:txBody>
       </p:sp>
@@ -5816,10 +5765,9 @@
           <a:p>
             <a:pPr lvl="0" fontAlgn="base"/>
             <a:r>
-              <a:rPr lang="zh-CN" altLang="en-US" strike="noStrike" noProof="1" smtClean="0"/>
+              <a:rPr lang="zh-CN" altLang="en-US" strike="noStrike" noProof="1"/>
               <a:t>单击此处编辑母版文本样式</a:t>
             </a:r>
-            <a:endParaRPr lang="zh-CN" altLang="en-US" strike="noStrike" noProof="1" smtClean="0"/>
           </a:p>
         </p:txBody>
       </p:sp>
@@ -5845,42 +5793,37 @@
           <a:p>
             <a:pPr lvl="0" fontAlgn="base"/>
             <a:r>
-              <a:rPr lang="zh-CN" altLang="en-US" strike="noStrike" noProof="1" smtClean="0"/>
+              <a:rPr lang="zh-CN" altLang="en-US" strike="noStrike" noProof="1"/>
               <a:t>单击此处编辑母版文本样式</a:t>
             </a:r>
-            <a:endParaRPr lang="zh-CN" altLang="en-US" strike="noStrike" noProof="1" smtClean="0"/>
           </a:p>
           <a:p>
             <a:pPr lvl="1" fontAlgn="base"/>
             <a:r>
-              <a:rPr lang="zh-CN" altLang="en-US" strike="noStrike" noProof="1" smtClean="0"/>
+              <a:rPr lang="zh-CN" altLang="en-US" strike="noStrike" noProof="1"/>
               <a:t>第二级</a:t>
             </a:r>
-            <a:endParaRPr lang="zh-CN" altLang="en-US" strike="noStrike" noProof="1" smtClean="0"/>
           </a:p>
           <a:p>
             <a:pPr lvl="2" fontAlgn="base"/>
             <a:r>
-              <a:rPr lang="zh-CN" altLang="en-US" strike="noStrike" noProof="1" smtClean="0"/>
+              <a:rPr lang="zh-CN" altLang="en-US" strike="noStrike" noProof="1"/>
               <a:t>第三级</a:t>
             </a:r>
-            <a:endParaRPr lang="zh-CN" altLang="en-US" strike="noStrike" noProof="1" smtClean="0"/>
           </a:p>
           <a:p>
             <a:pPr lvl="3" fontAlgn="base"/>
             <a:r>
-              <a:rPr lang="zh-CN" altLang="en-US" strike="noStrike" noProof="1" smtClean="0"/>
+              <a:rPr lang="zh-CN" altLang="en-US" strike="noStrike" noProof="1"/>
               <a:t>第四级</a:t>
             </a:r>
-            <a:endParaRPr lang="zh-CN" altLang="en-US" strike="noStrike" noProof="1" smtClean="0"/>
           </a:p>
           <a:p>
             <a:pPr lvl="4" fontAlgn="base"/>
             <a:r>
-              <a:rPr lang="zh-CN" altLang="en-US" strike="noStrike" noProof="1" smtClean="0"/>
+              <a:rPr lang="zh-CN" altLang="en-US" strike="noStrike" noProof="1"/>
               <a:t>第五级</a:t>
             </a:r>
-            <a:endParaRPr lang="zh-CN" altLang="en-US" strike="noStrike" noProof="1"/>
           </a:p>
         </p:txBody>
       </p:sp>
@@ -5943,10 +5886,9 @@
           <a:p>
             <a:pPr lvl="0" fontAlgn="base"/>
             <a:r>
-              <a:rPr lang="zh-CN" altLang="en-US" strike="noStrike" noProof="1" smtClean="0"/>
+              <a:rPr lang="zh-CN" altLang="en-US" strike="noStrike" noProof="1"/>
               <a:t>单击此处编辑母版文本样式</a:t>
             </a:r>
-            <a:endParaRPr lang="zh-CN" altLang="en-US" strike="noStrike" noProof="1" smtClean="0"/>
           </a:p>
         </p:txBody>
       </p:sp>
@@ -5972,42 +5914,37 @@
           <a:p>
             <a:pPr lvl="0" fontAlgn="base"/>
             <a:r>
-              <a:rPr lang="zh-CN" altLang="en-US" strike="noStrike" noProof="1" smtClean="0"/>
+              <a:rPr lang="zh-CN" altLang="en-US" strike="noStrike" noProof="1"/>
               <a:t>单击此处编辑母版文本样式</a:t>
             </a:r>
-            <a:endParaRPr lang="zh-CN" altLang="en-US" strike="noStrike" noProof="1" smtClean="0"/>
           </a:p>
           <a:p>
             <a:pPr lvl="1" fontAlgn="base"/>
             <a:r>
-              <a:rPr lang="zh-CN" altLang="en-US" strike="noStrike" noProof="1" smtClean="0"/>
+              <a:rPr lang="zh-CN" altLang="en-US" strike="noStrike" noProof="1"/>
               <a:t>第二级</a:t>
             </a:r>
-            <a:endParaRPr lang="zh-CN" altLang="en-US" strike="noStrike" noProof="1" smtClean="0"/>
           </a:p>
           <a:p>
             <a:pPr lvl="2" fontAlgn="base"/>
             <a:r>
-              <a:rPr lang="zh-CN" altLang="en-US" strike="noStrike" noProof="1" smtClean="0"/>
+              <a:rPr lang="zh-CN" altLang="en-US" strike="noStrike" noProof="1"/>
               <a:t>第三级</a:t>
             </a:r>
-            <a:endParaRPr lang="zh-CN" altLang="en-US" strike="noStrike" noProof="1" smtClean="0"/>
           </a:p>
           <a:p>
             <a:pPr lvl="3" fontAlgn="base"/>
             <a:r>
-              <a:rPr lang="zh-CN" altLang="en-US" strike="noStrike" noProof="1" smtClean="0"/>
+              <a:rPr lang="zh-CN" altLang="en-US" strike="noStrike" noProof="1"/>
               <a:t>第四级</a:t>
             </a:r>
-            <a:endParaRPr lang="zh-CN" altLang="en-US" strike="noStrike" noProof="1" smtClean="0"/>
           </a:p>
           <a:p>
             <a:pPr lvl="4" fontAlgn="base"/>
             <a:r>
-              <a:rPr lang="zh-CN" altLang="en-US" strike="noStrike" noProof="1" smtClean="0"/>
+              <a:rPr lang="zh-CN" altLang="en-US" strike="noStrike" noProof="1"/>
               <a:t>第五级</a:t>
             </a:r>
-            <a:endParaRPr lang="zh-CN" altLang="en-US" strike="noStrike" noProof="1"/>
           </a:p>
         </p:txBody>
       </p:sp>
@@ -6024,6 +5961,7 @@
         <p:spPr/>
         <p:txBody>
           <a:bodyPr/>
+          <a:lstStyle/>
           <a:p>
             <a:pPr marL="0" marR="0" lvl="0" indent="0" algn="l" defTabSz="914400" rtl="0" eaLnBrk="1" fontAlgn="auto" latinLnBrk="0" hangingPunct="1">
               <a:lnSpc>
@@ -6073,6 +6011,7 @@
         <p:spPr/>
         <p:txBody>
           <a:bodyPr/>
+          <a:lstStyle/>
           <a:p>
             <a:pPr marL="0" marR="0" lvl="0" indent="0" algn="ctr" defTabSz="914400" rtl="0" eaLnBrk="1" fontAlgn="auto" latinLnBrk="0" hangingPunct="1">
               <a:lnSpc>
@@ -6122,6 +6061,7 @@
         <p:spPr/>
         <p:txBody>
           <a:bodyPr/>
+          <a:lstStyle/>
           <a:p>
             <a:pPr lvl="0" eaLnBrk="1" fontAlgn="base" hangingPunct="1"/>
             <a:fld id="{9A0DB2DC-4C9A-4742-B13C-FB6460FD3503}" type="slidenum">
@@ -6130,8 +6070,9 @@
                 <a:ea typeface="SimSun" panose="02010600030101010101" pitchFamily="2" charset="-122"/>
                 <a:cs typeface="+mn-cs"/>
               </a:rPr>
+              <a:t>‹#›</a:t>
             </a:fld>
-            <a:endParaRPr lang="zh-CN" altLang="en-US" strike="noStrike" noProof="1" dirty="0">
+            <a:endParaRPr lang="zh-CN" altLang="en-US" strike="noStrike" noProof="1">
               <a:latin typeface="Calibri" panose="020F0502020204030204" pitchFamily="34" charset="0"/>
             </a:endParaRPr>
           </a:p>
@@ -6182,10 +6123,9 @@
           <a:p>
             <a:pPr fontAlgn="base"/>
             <a:r>
-              <a:rPr lang="zh-CN" altLang="en-US" strike="noStrike" noProof="1" smtClean="0"/>
+              <a:rPr lang="zh-CN" altLang="en-US" strike="noStrike" noProof="1"/>
               <a:t>单击此处编辑母版标题样式</a:t>
             </a:r>
-            <a:endParaRPr lang="zh-CN" altLang="en-US" strike="noStrike" noProof="1"/>
           </a:p>
         </p:txBody>
       </p:sp>
@@ -6202,6 +6142,7 @@
         <p:spPr/>
         <p:txBody>
           <a:bodyPr/>
+          <a:lstStyle/>
           <a:p>
             <a:pPr marL="0" marR="0" lvl="0" indent="0" algn="l" defTabSz="914400" rtl="0" eaLnBrk="1" fontAlgn="auto" latinLnBrk="0" hangingPunct="1">
               <a:lnSpc>
@@ -6251,6 +6192,7 @@
         <p:spPr/>
         <p:txBody>
           <a:bodyPr/>
+          <a:lstStyle/>
           <a:p>
             <a:pPr marL="0" marR="0" lvl="0" indent="0" algn="ctr" defTabSz="914400" rtl="0" eaLnBrk="1" fontAlgn="auto" latinLnBrk="0" hangingPunct="1">
               <a:lnSpc>
@@ -6300,6 +6242,7 @@
         <p:spPr/>
         <p:txBody>
           <a:bodyPr/>
+          <a:lstStyle/>
           <a:p>
             <a:pPr lvl="0" eaLnBrk="1" fontAlgn="base" hangingPunct="1"/>
             <a:fld id="{9A0DB2DC-4C9A-4742-B13C-FB6460FD3503}" type="slidenum">
@@ -6308,8 +6251,9 @@
                 <a:ea typeface="SimSun" panose="02010600030101010101" pitchFamily="2" charset="-122"/>
                 <a:cs typeface="+mn-cs"/>
               </a:rPr>
+              <a:t>‹#›</a:t>
             </a:fld>
-            <a:endParaRPr lang="zh-CN" altLang="en-US" strike="noStrike" noProof="1" dirty="0">
+            <a:endParaRPr lang="zh-CN" altLang="en-US" strike="noStrike" noProof="1">
               <a:latin typeface="Calibri" panose="020F0502020204030204" pitchFamily="34" charset="0"/>
             </a:endParaRPr>
           </a:p>
@@ -6356,6 +6300,7 @@
         <p:spPr/>
         <p:txBody>
           <a:bodyPr/>
+          <a:lstStyle/>
           <a:p>
             <a:pPr marL="0" marR="0" lvl="0" indent="0" algn="l" defTabSz="914400" rtl="0" eaLnBrk="1" fontAlgn="auto" latinLnBrk="0" hangingPunct="1">
               <a:lnSpc>
@@ -6405,6 +6350,7 @@
         <p:spPr/>
         <p:txBody>
           <a:bodyPr/>
+          <a:lstStyle/>
           <a:p>
             <a:pPr marL="0" marR="0" lvl="0" indent="0" algn="ctr" defTabSz="914400" rtl="0" eaLnBrk="1" fontAlgn="auto" latinLnBrk="0" hangingPunct="1">
               <a:lnSpc>
@@ -6454,6 +6400,7 @@
         <p:spPr/>
         <p:txBody>
           <a:bodyPr/>
+          <a:lstStyle/>
           <a:p>
             <a:pPr lvl="0" eaLnBrk="1" fontAlgn="base" hangingPunct="1"/>
             <a:fld id="{9A0DB2DC-4C9A-4742-B13C-FB6460FD3503}" type="slidenum">
@@ -6462,8 +6409,9 @@
                 <a:ea typeface="SimSun" panose="02010600030101010101" pitchFamily="2" charset="-122"/>
                 <a:cs typeface="+mn-cs"/>
               </a:rPr>
+              <a:t>‹#›</a:t>
             </a:fld>
-            <a:endParaRPr lang="zh-CN" altLang="en-US" strike="noStrike" noProof="1" dirty="0">
+            <a:endParaRPr lang="zh-CN" altLang="en-US" strike="noStrike" noProof="1">
               <a:latin typeface="Calibri" panose="020F0502020204030204" pitchFamily="34" charset="0"/>
             </a:endParaRPr>
           </a:p>
@@ -6523,10 +6471,9 @@
           <a:p>
             <a:pPr fontAlgn="base"/>
             <a:r>
-              <a:rPr lang="zh-CN" altLang="en-US" strike="noStrike" noProof="1" smtClean="0"/>
+              <a:rPr lang="zh-CN" altLang="en-US" strike="noStrike" noProof="1"/>
               <a:t>单击此处编辑母版标题样式</a:t>
             </a:r>
-            <a:endParaRPr lang="zh-CN" altLang="en-US" strike="noStrike" noProof="1"/>
           </a:p>
         </p:txBody>
       </p:sp>
@@ -6580,42 +6527,37 @@
           <a:p>
             <a:pPr lvl="0" fontAlgn="base"/>
             <a:r>
-              <a:rPr lang="zh-CN" altLang="en-US" strike="noStrike" noProof="1" smtClean="0"/>
+              <a:rPr lang="zh-CN" altLang="en-US" strike="noStrike" noProof="1"/>
               <a:t>单击此处编辑母版文本样式</a:t>
             </a:r>
-            <a:endParaRPr lang="zh-CN" altLang="en-US" strike="noStrike" noProof="1" smtClean="0"/>
           </a:p>
           <a:p>
             <a:pPr lvl="1" fontAlgn="base"/>
             <a:r>
-              <a:rPr lang="zh-CN" altLang="en-US" strike="noStrike" noProof="1" smtClean="0"/>
+              <a:rPr lang="zh-CN" altLang="en-US" strike="noStrike" noProof="1"/>
               <a:t>第二级</a:t>
             </a:r>
-            <a:endParaRPr lang="zh-CN" altLang="en-US" strike="noStrike" noProof="1" smtClean="0"/>
           </a:p>
           <a:p>
             <a:pPr lvl="2" fontAlgn="base"/>
             <a:r>
-              <a:rPr lang="zh-CN" altLang="en-US" strike="noStrike" noProof="1" smtClean="0"/>
+              <a:rPr lang="zh-CN" altLang="en-US" strike="noStrike" noProof="1"/>
               <a:t>第三级</a:t>
             </a:r>
-            <a:endParaRPr lang="zh-CN" altLang="en-US" strike="noStrike" noProof="1" smtClean="0"/>
           </a:p>
           <a:p>
             <a:pPr lvl="3" fontAlgn="base"/>
             <a:r>
-              <a:rPr lang="zh-CN" altLang="en-US" strike="noStrike" noProof="1" smtClean="0"/>
+              <a:rPr lang="zh-CN" altLang="en-US" strike="noStrike" noProof="1"/>
               <a:t>第四级</a:t>
             </a:r>
-            <a:endParaRPr lang="zh-CN" altLang="en-US" strike="noStrike" noProof="1" smtClean="0"/>
           </a:p>
           <a:p>
             <a:pPr lvl="4" fontAlgn="base"/>
             <a:r>
-              <a:rPr lang="zh-CN" altLang="en-US" strike="noStrike" noProof="1" smtClean="0"/>
+              <a:rPr lang="zh-CN" altLang="en-US" strike="noStrike" noProof="1"/>
               <a:t>第五级</a:t>
             </a:r>
-            <a:endParaRPr lang="zh-CN" altLang="en-US" strike="noStrike" noProof="1"/>
           </a:p>
         </p:txBody>
       </p:sp>
@@ -6678,10 +6620,9 @@
           <a:p>
             <a:pPr lvl="0" fontAlgn="base"/>
             <a:r>
-              <a:rPr lang="zh-CN" altLang="en-US" strike="noStrike" noProof="1" smtClean="0"/>
+              <a:rPr lang="zh-CN" altLang="en-US" strike="noStrike" noProof="1"/>
               <a:t>单击此处编辑母版文本样式</a:t>
             </a:r>
-            <a:endParaRPr lang="zh-CN" altLang="en-US" strike="noStrike" noProof="1" smtClean="0"/>
           </a:p>
         </p:txBody>
       </p:sp>
@@ -6698,6 +6639,7 @@
         <p:spPr/>
         <p:txBody>
           <a:bodyPr/>
+          <a:lstStyle/>
           <a:p>
             <a:pPr marL="0" marR="0" lvl="0" indent="0" algn="l" defTabSz="914400" rtl="0" eaLnBrk="1" fontAlgn="auto" latinLnBrk="0" hangingPunct="1">
               <a:lnSpc>
@@ -6747,6 +6689,7 @@
         <p:spPr/>
         <p:txBody>
           <a:bodyPr/>
+          <a:lstStyle/>
           <a:p>
             <a:pPr marL="0" marR="0" lvl="0" indent="0" algn="ctr" defTabSz="914400" rtl="0" eaLnBrk="1" fontAlgn="auto" latinLnBrk="0" hangingPunct="1">
               <a:lnSpc>
@@ -6796,6 +6739,7 @@
         <p:spPr/>
         <p:txBody>
           <a:bodyPr/>
+          <a:lstStyle/>
           <a:p>
             <a:pPr lvl="0" eaLnBrk="1" fontAlgn="base" hangingPunct="1"/>
             <a:fld id="{9A0DB2DC-4C9A-4742-B13C-FB6460FD3503}" type="slidenum">
@@ -6804,8 +6748,9 @@
                 <a:ea typeface="SimSun" panose="02010600030101010101" pitchFamily="2" charset="-122"/>
                 <a:cs typeface="+mn-cs"/>
               </a:rPr>
+              <a:t>‹#›</a:t>
             </a:fld>
-            <a:endParaRPr lang="zh-CN" altLang="en-US" strike="noStrike" noProof="1" dirty="0">
+            <a:endParaRPr lang="zh-CN" altLang="en-US" strike="noStrike" noProof="1">
               <a:latin typeface="Calibri" panose="020F0502020204030204" pitchFamily="34" charset="0"/>
             </a:endParaRPr>
           </a:p>
@@ -6865,10 +6810,9 @@
           <a:p>
             <a:pPr fontAlgn="base"/>
             <a:r>
-              <a:rPr lang="zh-CN" altLang="en-US" strike="noStrike" noProof="1" smtClean="0"/>
+              <a:rPr lang="zh-CN" altLang="en-US" strike="noStrike" noProof="1"/>
               <a:t>单击此处编辑母版标题样式</a:t>
             </a:r>
-            <a:endParaRPr lang="zh-CN" altLang="en-US" strike="noStrike" noProof="1"/>
           </a:p>
         </p:txBody>
       </p:sp>
@@ -7023,10 +6967,9 @@
           <a:p>
             <a:pPr lvl="0" fontAlgn="base"/>
             <a:r>
-              <a:rPr lang="zh-CN" altLang="en-US" strike="noStrike" noProof="1" smtClean="0"/>
+              <a:rPr lang="zh-CN" altLang="en-US" strike="noStrike" noProof="1"/>
               <a:t>单击此处编辑母版文本样式</a:t>
             </a:r>
-            <a:endParaRPr lang="zh-CN" altLang="en-US" strike="noStrike" noProof="1" smtClean="0"/>
           </a:p>
         </p:txBody>
       </p:sp>
@@ -7043,6 +6986,7 @@
         <p:spPr/>
         <p:txBody>
           <a:bodyPr/>
+          <a:lstStyle/>
           <a:p>
             <a:pPr marL="0" marR="0" lvl="0" indent="0" algn="l" defTabSz="914400" rtl="0" eaLnBrk="1" fontAlgn="auto" latinLnBrk="0" hangingPunct="1">
               <a:lnSpc>
@@ -7092,6 +7036,7 @@
         <p:spPr/>
         <p:txBody>
           <a:bodyPr/>
+          <a:lstStyle/>
           <a:p>
             <a:pPr marL="0" marR="0" lvl="0" indent="0" algn="ctr" defTabSz="914400" rtl="0" eaLnBrk="1" fontAlgn="auto" latinLnBrk="0" hangingPunct="1">
               <a:lnSpc>
@@ -7141,6 +7086,7 @@
         <p:spPr/>
         <p:txBody>
           <a:bodyPr/>
+          <a:lstStyle/>
           <a:p>
             <a:pPr lvl="0" eaLnBrk="1" fontAlgn="base" hangingPunct="1"/>
             <a:fld id="{9A0DB2DC-4C9A-4742-B13C-FB6460FD3503}" type="slidenum">
@@ -7149,8 +7095,9 @@
                 <a:ea typeface="SimSun" panose="02010600030101010101" pitchFamily="2" charset="-122"/>
                 <a:cs typeface="+mn-cs"/>
               </a:rPr>
+              <a:t>‹#›</a:t>
             </a:fld>
-            <a:endParaRPr lang="zh-CN" altLang="en-US" strike="noStrike" noProof="1" dirty="0">
+            <a:endParaRPr lang="zh-CN" altLang="en-US" strike="noStrike" noProof="1">
               <a:latin typeface="Calibri" panose="020F0502020204030204" pitchFamily="34" charset="0"/>
             </a:endParaRPr>
           </a:p>
@@ -7170,7 +7117,7 @@
 <file path=ppt/slideMasters/slideMaster1.xml><?xml version="1.0" encoding="utf-8"?>
 <p:sldMaster xmlns:a="http://schemas.openxmlformats.org/drawingml/2006/main" xmlns:r="http://schemas.openxmlformats.org/officeDocument/2006/relationships" xmlns:p="http://schemas.openxmlformats.org/presentationml/2006/main">
   <p:cSld>
-    <p:bg bwMode="white">
+    <p:bg>
       <p:bgRef idx="1001">
         <a:schemeClr val="bg1"/>
       </p:bgRef>
@@ -7181,7 +7128,14 @@
         <p:cNvGrpSpPr/>
         <p:nvPr/>
       </p:nvGrpSpPr>
-      <p:grpSpPr/>
+      <p:grpSpPr>
+        <a:xfrm>
+          <a:off x="0" y="0"/>
+          <a:ext cx="0" cy="0"/>
+          <a:chOff x="0" y="0"/>
+          <a:chExt cx="0" cy="0"/>
+        </a:xfrm>
+      </p:grpSpPr>
       <p:sp>
         <p:nvSpPr>
           <p:cNvPr id="1026" name="标题占位符 1"/>
@@ -7207,13 +7161,13 @@
         </p:spPr>
         <p:txBody>
           <a:bodyPr anchor="ctr" anchorCtr="0"/>
+          <a:lstStyle/>
           <a:p>
             <a:pPr lvl="0"/>
             <a:r>
               <a:rPr lang="zh-CN" altLang="en-US" dirty="0"/>
               <a:t>单击此处编辑母版标题样式</a:t>
             </a:r>
-            <a:endParaRPr lang="zh-CN" altLang="en-US" dirty="0"/>
           </a:p>
         </p:txBody>
       </p:sp>
@@ -7242,13 +7196,13 @@
         </p:spPr>
         <p:txBody>
           <a:bodyPr anchor="t" anchorCtr="0"/>
+          <a:lstStyle/>
           <a:p>
             <a:pPr lvl="0"/>
             <a:r>
               <a:rPr lang="zh-CN" altLang="en-US" dirty="0"/>
               <a:t>单击此处编辑母版文本样式</a:t>
             </a:r>
-            <a:endParaRPr lang="zh-CN" altLang="en-US" dirty="0"/>
           </a:p>
           <a:p>
             <a:pPr lvl="1"/>
@@ -7256,7 +7210,6 @@
               <a:rPr lang="zh-CN" altLang="en-US" dirty="0"/>
               <a:t>第二级</a:t>
             </a:r>
-            <a:endParaRPr lang="zh-CN" altLang="en-US" dirty="0"/>
           </a:p>
           <a:p>
             <a:pPr lvl="2"/>
@@ -7264,7 +7217,6 @@
               <a:rPr lang="zh-CN" altLang="en-US" dirty="0"/>
               <a:t>第三级</a:t>
             </a:r>
-            <a:endParaRPr lang="zh-CN" altLang="en-US" dirty="0"/>
           </a:p>
           <a:p>
             <a:pPr lvl="3"/>
@@ -7272,7 +7224,6 @@
               <a:rPr lang="zh-CN" altLang="en-US" dirty="0"/>
               <a:t>第四级</a:t>
             </a:r>
-            <a:endParaRPr lang="zh-CN" altLang="en-US" dirty="0"/>
           </a:p>
           <a:p>
             <a:pPr lvl="4"/>
@@ -7280,7 +7231,6 @@
               <a:rPr lang="zh-CN" altLang="en-US" dirty="0"/>
               <a:t>第五级</a:t>
             </a:r>
-            <a:endParaRPr lang="zh-CN" altLang="en-US" dirty="0"/>
           </a:p>
         </p:txBody>
       </p:sp>
@@ -7474,8 +7424,9 @@
                 <a:ea typeface="SimSun" panose="02010600030101010101" pitchFamily="2" charset="-122"/>
                 <a:cs typeface="+mn-cs"/>
               </a:rPr>
+              <a:t>‹#›</a:t>
             </a:fld>
-            <a:endParaRPr lang="zh-CN" altLang="en-US" strike="noStrike" noProof="1" dirty="0">
+            <a:endParaRPr lang="zh-CN" altLang="en-US" strike="noStrike" noProof="1">
               <a:latin typeface="Calibri" panose="020F0502020204030204" pitchFamily="34" charset="0"/>
             </a:endParaRPr>
           </a:p>
@@ -7948,7 +7899,7 @@
 <file path=ppt/slideMasters/slideMaster2.xml><?xml version="1.0" encoding="utf-8"?>
 <p:sldMaster xmlns:a="http://schemas.openxmlformats.org/drawingml/2006/main" xmlns:r="http://schemas.openxmlformats.org/officeDocument/2006/relationships" xmlns:p="http://schemas.openxmlformats.org/presentationml/2006/main">
   <p:cSld>
-    <p:bg bwMode="white">
+    <p:bg>
       <p:bgRef idx="1001">
         <a:schemeClr val="bg1"/>
       </p:bgRef>
@@ -7959,7 +7910,14 @@
         <p:cNvGrpSpPr/>
         <p:nvPr/>
       </p:nvGrpSpPr>
-      <p:grpSpPr/>
+      <p:grpSpPr>
+        <a:xfrm>
+          <a:off x="0" y="0"/>
+          <a:ext cx="0" cy="0"/>
+          <a:chOff x="0" y="0"/>
+          <a:chExt cx="0" cy="0"/>
+        </a:xfrm>
+      </p:grpSpPr>
       <p:sp>
         <p:nvSpPr>
           <p:cNvPr id="1026" name="标题占位符 1"/>
@@ -7985,13 +7943,13 @@
         </p:spPr>
         <p:txBody>
           <a:bodyPr anchor="ctr" anchorCtr="0"/>
+          <a:lstStyle/>
           <a:p>
             <a:pPr lvl="0"/>
             <a:r>
               <a:rPr lang="zh-CN" altLang="en-US" dirty="0"/>
               <a:t>单击此处编辑母版标题样式</a:t>
             </a:r>
-            <a:endParaRPr lang="zh-CN" altLang="en-US" dirty="0"/>
           </a:p>
         </p:txBody>
       </p:sp>
@@ -8020,13 +7978,13 @@
         </p:spPr>
         <p:txBody>
           <a:bodyPr anchor="t" anchorCtr="0"/>
+          <a:lstStyle/>
           <a:p>
             <a:pPr lvl="0"/>
             <a:r>
               <a:rPr lang="zh-CN" altLang="en-US" dirty="0"/>
               <a:t>单击此处编辑母版文本样式</a:t>
             </a:r>
-            <a:endParaRPr lang="zh-CN" altLang="en-US" dirty="0"/>
           </a:p>
           <a:p>
             <a:pPr lvl="1"/>
@@ -8034,7 +7992,6 @@
               <a:rPr lang="zh-CN" altLang="en-US" dirty="0"/>
               <a:t>第二级</a:t>
             </a:r>
-            <a:endParaRPr lang="zh-CN" altLang="en-US" dirty="0"/>
           </a:p>
           <a:p>
             <a:pPr lvl="2"/>
@@ -8042,7 +7999,6 @@
               <a:rPr lang="zh-CN" altLang="en-US" dirty="0"/>
               <a:t>第三级</a:t>
             </a:r>
-            <a:endParaRPr lang="zh-CN" altLang="en-US" dirty="0"/>
           </a:p>
           <a:p>
             <a:pPr lvl="3"/>
@@ -8050,7 +8006,6 @@
               <a:rPr lang="zh-CN" altLang="en-US" dirty="0"/>
               <a:t>第四级</a:t>
             </a:r>
-            <a:endParaRPr lang="zh-CN" altLang="en-US" dirty="0"/>
           </a:p>
           <a:p>
             <a:pPr lvl="4"/>
@@ -8058,7 +8013,6 @@
               <a:rPr lang="zh-CN" altLang="en-US" dirty="0"/>
               <a:t>第五级</a:t>
             </a:r>
-            <a:endParaRPr lang="zh-CN" altLang="en-US" dirty="0"/>
           </a:p>
         </p:txBody>
       </p:sp>
@@ -8252,8 +8206,9 @@
                 <a:ea typeface="SimSun" panose="02010600030101010101" pitchFamily="2" charset="-122"/>
                 <a:cs typeface="+mn-cs"/>
               </a:rPr>
+              <a:t>‹#›</a:t>
             </a:fld>
-            <a:endParaRPr lang="zh-CN" altLang="en-US" strike="noStrike" noProof="1" dirty="0">
+            <a:endParaRPr lang="zh-CN" altLang="en-US" strike="noStrike" noProof="1">
               <a:latin typeface="Calibri" panose="020F0502020204030204" pitchFamily="34" charset="0"/>
             </a:endParaRPr>
           </a:p>
@@ -8732,7 +8687,14 @@
         <p:cNvGrpSpPr/>
         <p:nvPr/>
       </p:nvGrpSpPr>
-      <p:grpSpPr/>
+      <p:grpSpPr>
+        <a:xfrm>
+          <a:off x="0" y="0"/>
+          <a:ext cx="0" cy="0"/>
+          <a:chOff x="0" y="0"/>
+          <a:chExt cx="0" cy="0"/>
+        </a:xfrm>
+      </p:grpSpPr>
       <p:sp>
         <p:nvSpPr>
           <p:cNvPr id="3" name="Title 2"/>
@@ -8746,6 +8708,7 @@
         <p:spPr/>
         <p:txBody>
           <a:bodyPr/>
+          <a:lstStyle/>
           <a:p>
             <a:endParaRPr lang="en-US"/>
           </a:p>
@@ -8760,7 +8723,7 @@
           <p:nvPr/>
         </p:nvPicPr>
         <p:blipFill>
-          <a:blip r:embed="rId1"/>
+          <a:blip r:embed="rId2"/>
           <a:stretch>
             <a:fillRect/>
           </a:stretch>
@@ -8991,6 +8954,7 @@
           <a:bodyPr wrap="square" anchor="t" anchorCtr="0">
             <a:spAutoFit/>
           </a:bodyPr>
+          <a:lstStyle/>
           <a:p>
             <a:r>
               <a:rPr lang="en-US" altLang="zh-CN" sz="5400" b="1" dirty="0">
@@ -9002,13 +8966,6 @@
               </a:rPr>
               <a:t>NFC TECHNOLOGY </a:t>
             </a:r>
-            <a:endParaRPr lang="en-US" altLang="zh-CN" sz="5400" b="1" dirty="0">
-              <a:solidFill>
-                <a:srgbClr val="00B0F0"/>
-              </a:solidFill>
-              <a:latin typeface="Microsoft YaHei" panose="020B0503020204020204" pitchFamily="34" charset="-122"/>
-              <a:ea typeface="Microsoft YaHei" panose="020B0503020204020204" pitchFamily="34" charset="-122"/>
-            </a:endParaRPr>
           </a:p>
         </p:txBody>
       </p:sp>
@@ -9070,6 +9027,7 @@
           <a:bodyPr anchor="t" anchorCtr="0">
             <a:spAutoFit/>
           </a:bodyPr>
+          <a:lstStyle/>
           <a:p>
             <a:r>
               <a:rPr lang="en-US" altLang="zh-CN" dirty="0">
@@ -9081,13 +9039,6 @@
               </a:rPr>
               <a:t>Smartdev Mobile Team</a:t>
             </a:r>
-            <a:endParaRPr lang="en-US" altLang="zh-CN" dirty="0">
-              <a:solidFill>
-                <a:schemeClr val="bg1"/>
-              </a:solidFill>
-              <a:latin typeface="Microsoft YaHei" panose="020B0503020204020204" pitchFamily="34" charset="-122"/>
-              <a:ea typeface="Microsoft YaHei" panose="020B0503020204020204" pitchFamily="34" charset="-122"/>
-            </a:endParaRPr>
           </a:p>
         </p:txBody>
       </p:sp>
@@ -9114,6 +9065,7 @@
           <a:bodyPr anchor="t" anchorCtr="0">
             <a:spAutoFit/>
           </a:bodyPr>
+          <a:lstStyle/>
           <a:p>
             <a:r>
               <a:rPr lang="en-US" altLang="zh-CN" dirty="0">
@@ -9140,14 +9092,14 @@
         <p:nvPicPr>
           <p:cNvPr id="6" name="Content Placeholder 5"/>
           <p:cNvPicPr>
-            <a:picLocks noChangeAspect="1"/>
+            <a:picLocks noGrp="1" noChangeAspect="1"/>
           </p:cNvPicPr>
           <p:nvPr>
             <p:ph idx="1"/>
           </p:nvPr>
         </p:nvPicPr>
         <p:blipFill>
-          <a:blip r:embed="rId2"/>
+          <a:blip r:embed="rId3"/>
           <a:stretch>
             <a:fillRect/>
           </a:stretch>
@@ -9183,7 +9135,7 @@
     <p:bg>
       <p:bgPr>
         <a:blipFill rotWithShape="0">
-          <a:blip r:embed="rId1"/>
+          <a:blip r:embed="rId2"/>
           <a:stretch>
             <a:fillRect/>
           </a:stretch>
@@ -9197,17 +9149,24 @@
         <p:cNvGrpSpPr/>
         <p:nvPr/>
       </p:nvGrpSpPr>
-      <p:grpSpPr/>
-      <p:sp>
-        <p:nvSpPr>
-          <p:cNvPr id="24578" name="文本框 1"/>
+      <p:grpSpPr>
+        <a:xfrm>
+          <a:off x="0" y="0"/>
+          <a:ext cx="0" cy="0"/>
+          <a:chOff x="0" y="0"/>
+          <a:chExt cx="0" cy="0"/>
+        </a:xfrm>
+      </p:grpSpPr>
+      <p:sp>
+        <p:nvSpPr>
+          <p:cNvPr id="2" name="文本框 1"/>
           <p:cNvSpPr txBox="1"/>
           <p:nvPr/>
         </p:nvSpPr>
         <p:spPr>
           <a:xfrm>
-            <a:off x="333375" y="217488"/>
-            <a:ext cx="2671763" cy="460375"/>
+            <a:off x="333375" y="217805"/>
+            <a:ext cx="3648710" cy="460375"/>
           </a:xfrm>
           <a:prstGeom prst="rect">
             <a:avLst/>
@@ -9218,9 +9177,266 @@
           </a:ln>
         </p:spPr>
         <p:txBody>
+          <a:bodyPr wrap="square" anchor="t" anchorCtr="0">
+            <a:spAutoFit/>
+          </a:bodyPr>
+          <a:lstStyle/>
+          <a:p>
+            <a:r>
+              <a:rPr lang="en-US" altLang="zh-CN" sz="2400" b="1" dirty="0">
+                <a:solidFill>
+                  <a:srgbClr val="00B0F0"/>
+                </a:solidFill>
+                <a:latin typeface="Microsoft YaHei" panose="020B0503020204020204" pitchFamily="34" charset="-122"/>
+                <a:ea typeface="Microsoft YaHei" panose="020B0503020204020204" pitchFamily="34" charset="-122"/>
+                <a:sym typeface="+mn-ea"/>
+              </a:rPr>
+              <a:t>4. Basic concepts</a:t>
+            </a:r>
+          </a:p>
+        </p:txBody>
+      </p:sp>
+      <p:sp>
+        <p:nvSpPr>
+          <p:cNvPr id="3" name="Text Box 2"/>
+          <p:cNvSpPr txBox="1"/>
+          <p:nvPr/>
+        </p:nvSpPr>
+        <p:spPr>
+          <a:xfrm>
+            <a:off x="4840605" y="290195"/>
+            <a:ext cx="5774386" cy="429895"/>
+          </a:xfrm>
+          <a:prstGeom prst="rect">
+            <a:avLst/>
+          </a:prstGeom>
+          <a:noFill/>
+        </p:spPr>
+        <p:txBody>
+          <a:bodyPr wrap="square" rtlCol="0">
+            <a:spAutoFit/>
+          </a:bodyPr>
+          <a:lstStyle/>
+          <a:p>
+            <a:r>
+              <a:rPr lang="en-US" sz="2200" b="1" dirty="0">
+                <a:solidFill>
+                  <a:schemeClr val="bg1"/>
+                </a:solidFill>
+              </a:rPr>
+              <a:t>NDEF – NFC Data Exchange Format</a:t>
+            </a:r>
+          </a:p>
+        </p:txBody>
+      </p:sp>
+      <p:sp>
+        <p:nvSpPr>
+          <p:cNvPr id="5" name="Rounded Rectangle 4"/>
+          <p:cNvSpPr/>
+          <p:nvPr/>
+        </p:nvSpPr>
+        <p:spPr>
+          <a:xfrm>
+            <a:off x="4413471" y="1358155"/>
+            <a:ext cx="6625590" cy="1162050"/>
+          </a:xfrm>
+          <a:prstGeom prst="roundRect">
+            <a:avLst/>
+          </a:prstGeom>
+        </p:spPr>
+        <p:style>
+          <a:lnRef idx="2">
+            <a:schemeClr val="accent6"/>
+          </a:lnRef>
+          <a:fillRef idx="1">
+            <a:schemeClr val="lt1"/>
+          </a:fillRef>
+          <a:effectRef idx="0">
+            <a:schemeClr val="accent6"/>
+          </a:effectRef>
+          <a:fontRef idx="minor">
+            <a:schemeClr val="dk1"/>
+          </a:fontRef>
+        </p:style>
+        <p:txBody>
+          <a:bodyPr rtlCol="0" anchor="ctr"/>
+          <a:lstStyle/>
+          <a:p>
+            <a:pPr algn="ctr"/>
+            <a:r>
+              <a:rPr lang="en-US" sz="2400" b="0" i="0" dirty="0">
+                <a:solidFill>
+                  <a:srgbClr val="707070"/>
+                </a:solidFill>
+                <a:effectLst/>
+                <a:latin typeface="open-sans"/>
+              </a:rPr>
+              <a:t>NDEF messages provide a standardized method for a reader to communicate with an NFC device</a:t>
+            </a:r>
+            <a:endParaRPr lang="zh-CN" altLang="zh-CN" sz="2400" dirty="0">
+              <a:solidFill>
+                <a:srgbClr val="00B0F0"/>
+              </a:solidFill>
+              <a:latin typeface="Microsoft YaHei" panose="020B0503020204020204" pitchFamily="34" charset="-122"/>
+              <a:ea typeface="Microsoft YaHei" panose="020B0503020204020204" pitchFamily="34" charset="-122"/>
+              <a:sym typeface="+mn-ea"/>
+            </a:endParaRPr>
+          </a:p>
+        </p:txBody>
+      </p:sp>
+      <p:sp>
+        <p:nvSpPr>
+          <p:cNvPr id="7" name="Rounded Rectangle 6"/>
+          <p:cNvSpPr/>
+          <p:nvPr/>
+        </p:nvSpPr>
+        <p:spPr>
+          <a:xfrm>
+            <a:off x="4413471" y="3118651"/>
+            <a:ext cx="6625590" cy="605210"/>
+          </a:xfrm>
+          <a:prstGeom prst="roundRect">
+            <a:avLst/>
+          </a:prstGeom>
+        </p:spPr>
+        <p:style>
+          <a:lnRef idx="2">
+            <a:schemeClr val="accent6"/>
+          </a:lnRef>
+          <a:fillRef idx="1">
+            <a:schemeClr val="lt1"/>
+          </a:fillRef>
+          <a:effectRef idx="0">
+            <a:schemeClr val="accent6"/>
+          </a:effectRef>
+          <a:fontRef idx="minor">
+            <a:schemeClr val="dk1"/>
+          </a:fontRef>
+        </p:style>
+        <p:txBody>
+          <a:bodyPr rtlCol="0" anchor="ctr"/>
+          <a:lstStyle/>
+          <a:p>
+            <a:pPr algn="ctr"/>
+            <a:r>
+              <a:rPr lang="en-US" sz="2400" b="0" i="0" dirty="0">
+                <a:solidFill>
+                  <a:srgbClr val="707070"/>
+                </a:solidFill>
+                <a:effectLst/>
+                <a:latin typeface="open-sans"/>
+              </a:rPr>
+              <a:t>contains multiple records</a:t>
+            </a:r>
+            <a:endParaRPr lang="zh-CN" altLang="zh-CN" sz="2400" dirty="0">
+              <a:solidFill>
+                <a:srgbClr val="00B0F0"/>
+              </a:solidFill>
+              <a:latin typeface="Microsoft YaHei" panose="020B0503020204020204" pitchFamily="34" charset="-122"/>
+              <a:ea typeface="Microsoft YaHei" panose="020B0503020204020204" pitchFamily="34" charset="-122"/>
+              <a:sym typeface="+mn-ea"/>
+            </a:endParaRPr>
+          </a:p>
+        </p:txBody>
+      </p:sp>
+      <p:pic>
+        <p:nvPicPr>
+          <p:cNvPr id="9" name="Picture 8">
+            <a:extLst>
+              <a:ext uri="{FF2B5EF4-FFF2-40B4-BE49-F238E27FC236}">
+                <a16:creationId xmlns:a16="http://schemas.microsoft.com/office/drawing/2014/main" id="{6E634D28-A1F1-4B8D-BB84-EDF10A3D1E63}"/>
+              </a:ext>
+            </a:extLst>
+          </p:cNvPr>
+          <p:cNvPicPr>
+            <a:picLocks noChangeAspect="1"/>
+          </p:cNvPicPr>
+          <p:nvPr/>
+        </p:nvPicPr>
+        <p:blipFill>
+          <a:blip r:embed="rId3"/>
+          <a:stretch>
+            <a:fillRect/>
+          </a:stretch>
+        </p:blipFill>
+        <p:spPr>
+          <a:xfrm>
+            <a:off x="333375" y="1391631"/>
+            <a:ext cx="3362325" cy="3803221"/>
+          </a:xfrm>
+          <a:prstGeom prst="rect">
+            <a:avLst/>
+          </a:prstGeom>
+        </p:spPr>
+      </p:pic>
+    </p:spTree>
+    <p:extLst>
+      <p:ext uri="{BB962C8B-B14F-4D97-AF65-F5344CB8AC3E}">
+        <p14:creationId xmlns:p14="http://schemas.microsoft.com/office/powerpoint/2010/main" val="1756966267"/>
+      </p:ext>
+    </p:extLst>
+  </p:cSld>
+  <p:clrMapOvr>
+    <a:masterClrMapping/>
+  </p:clrMapOvr>
+  <p:transition spd="slow">
+    <p:wipe/>
+  </p:transition>
+</p:sld>
+</file>
+
+<file path=ppt/slides/slide11.xml><?xml version="1.0" encoding="utf-8"?>
+<p:sld xmlns:a="http://schemas.openxmlformats.org/drawingml/2006/main" xmlns:r="http://schemas.openxmlformats.org/officeDocument/2006/relationships" xmlns:p="http://schemas.openxmlformats.org/presentationml/2006/main">
+  <p:cSld>
+    <p:bg>
+      <p:bgPr>
+        <a:blipFill rotWithShape="0">
+          <a:blip r:embed="rId2"/>
+          <a:stretch>
+            <a:fillRect/>
+          </a:stretch>
+        </a:blipFill>
+        <a:effectLst/>
+      </p:bgPr>
+    </p:bg>
+    <p:spTree>
+      <p:nvGrpSpPr>
+        <p:cNvPr id="1" name=""/>
+        <p:cNvGrpSpPr/>
+        <p:nvPr/>
+      </p:nvGrpSpPr>
+      <p:grpSpPr>
+        <a:xfrm>
+          <a:off x="0" y="0"/>
+          <a:ext cx="0" cy="0"/>
+          <a:chOff x="0" y="0"/>
+          <a:chExt cx="0" cy="0"/>
+        </a:xfrm>
+      </p:grpSpPr>
+      <p:sp>
+        <p:nvSpPr>
+          <p:cNvPr id="24578" name="文本框 1"/>
+          <p:cNvSpPr txBox="1"/>
+          <p:nvPr/>
+        </p:nvSpPr>
+        <p:spPr>
+          <a:xfrm>
+            <a:off x="333375" y="217488"/>
+            <a:ext cx="2671763" cy="460375"/>
+          </a:xfrm>
+          <a:prstGeom prst="rect">
+            <a:avLst/>
+          </a:prstGeom>
+          <a:noFill/>
+          <a:ln w="9525">
+            <a:noFill/>
+          </a:ln>
+        </p:spPr>
+        <p:txBody>
           <a:bodyPr anchor="t" anchorCtr="0">
             <a:spAutoFit/>
           </a:bodyPr>
+          <a:lstStyle/>
           <a:p>
             <a:r>
               <a:rPr lang="zh-CN" altLang="en-US" sz="2400" b="1" dirty="0">
@@ -9232,13 +9448,6 @@
               </a:rPr>
               <a:t>Add your title</a:t>
             </a:r>
-            <a:endParaRPr lang="zh-CN" altLang="en-US" sz="2400" b="1" dirty="0">
-              <a:solidFill>
-                <a:srgbClr val="00B0F0"/>
-              </a:solidFill>
-              <a:latin typeface="Microsoft YaHei" panose="020B0503020204020204" pitchFamily="34" charset="-122"/>
-              <a:ea typeface="Microsoft YaHei" panose="020B0503020204020204" pitchFamily="34" charset="-122"/>
-            </a:endParaRPr>
           </a:p>
         </p:txBody>
       </p:sp>
@@ -9493,6 +9702,7 @@
           <a:bodyPr anchor="t" anchorCtr="0">
             <a:spAutoFit/>
           </a:bodyPr>
+          <a:lstStyle/>
           <a:p>
             <a:pPr algn="just"/>
             <a:r>
@@ -9505,13 +9715,6 @@
               </a:rPr>
               <a:t>Add your words here,according to your need to draw the text box size.Please read the instructions and more work at the end of the manual template.</a:t>
             </a:r>
-            <a:endParaRPr lang="zh-CN" altLang="zh-CN" sz="1400" dirty="0">
-              <a:solidFill>
-                <a:schemeClr val="bg1"/>
-              </a:solidFill>
-              <a:latin typeface="Microsoft YaHei" panose="020B0503020204020204" pitchFamily="34" charset="-122"/>
-              <a:ea typeface="Microsoft YaHei" panose="020B0503020204020204" pitchFamily="34" charset="-122"/>
-            </a:endParaRPr>
           </a:p>
         </p:txBody>
       </p:sp>
@@ -9538,6 +9741,7 @@
           <a:bodyPr anchor="t" anchorCtr="0">
             <a:spAutoFit/>
           </a:bodyPr>
+          <a:lstStyle/>
           <a:p>
             <a:pPr algn="just"/>
             <a:r>
@@ -9550,13 +9754,6 @@
               </a:rPr>
               <a:t>Add your words here,according to your need to draw the text box size.Please read the instructions and more work at the end of the manual template.</a:t>
             </a:r>
-            <a:endParaRPr lang="zh-CN" altLang="zh-CN" sz="1400" dirty="0">
-              <a:solidFill>
-                <a:schemeClr val="bg1"/>
-              </a:solidFill>
-              <a:latin typeface="Microsoft YaHei" panose="020B0503020204020204" pitchFamily="34" charset="-122"/>
-              <a:ea typeface="Microsoft YaHei" panose="020B0503020204020204" pitchFamily="34" charset="-122"/>
-            </a:endParaRPr>
           </a:p>
         </p:txBody>
       </p:sp>
@@ -9583,6 +9780,7 @@
           <a:bodyPr anchor="t" anchorCtr="0">
             <a:spAutoFit/>
           </a:bodyPr>
+          <a:lstStyle/>
           <a:p>
             <a:pPr algn="just"/>
             <a:r>
@@ -9595,16 +9793,39 @@
               </a:rPr>
               <a:t>Add your words here,according to your need to draw the text box size.Please read the instructions and more work at the end of the manual template.</a:t>
             </a:r>
-            <a:endParaRPr lang="zh-CN" altLang="zh-CN" sz="1400" dirty="0">
-              <a:solidFill>
-                <a:schemeClr val="bg1"/>
-              </a:solidFill>
-              <a:latin typeface="Microsoft YaHei" panose="020B0503020204020204" pitchFamily="34" charset="-122"/>
-              <a:ea typeface="Microsoft YaHei" panose="020B0503020204020204" pitchFamily="34" charset="-122"/>
-            </a:endParaRPr>
-          </a:p>
-        </p:txBody>
-      </p:sp>
+          </a:p>
+        </p:txBody>
+      </p:sp>
+      <p:pic>
+        <p:nvPicPr>
+          <p:cNvPr id="12" name="Picture 11">
+            <a:extLst>
+              <a:ext uri="{FF2B5EF4-FFF2-40B4-BE49-F238E27FC236}">
+                <a16:creationId xmlns:a16="http://schemas.microsoft.com/office/drawing/2014/main" id="{E74647DD-4933-4377-8E4A-993FEECE00E6}"/>
+              </a:ext>
+            </a:extLst>
+          </p:cNvPr>
+          <p:cNvPicPr>
+            <a:picLocks noChangeAspect="1"/>
+          </p:cNvPicPr>
+          <p:nvPr/>
+        </p:nvPicPr>
+        <p:blipFill>
+          <a:blip r:embed="rId3"/>
+          <a:stretch>
+            <a:fillRect/>
+          </a:stretch>
+        </p:blipFill>
+        <p:spPr>
+          <a:xfrm>
+            <a:off x="9488170" y="217805"/>
+            <a:ext cx="3374914" cy="2299640"/>
+          </a:xfrm>
+          <a:prstGeom prst="rect">
+            <a:avLst/>
+          </a:prstGeom>
+        </p:spPr>
+      </p:pic>
     </p:spTree>
   </p:cSld>
   <p:clrMapOvr>
@@ -9616,13 +9837,13 @@
 </p:sld>
 </file>
 
-<file path=ppt/slides/slide11.xml><?xml version="1.0" encoding="utf-8"?>
+<file path=ppt/slides/slide12.xml><?xml version="1.0" encoding="utf-8"?>
 <p:sld xmlns:a="http://schemas.openxmlformats.org/drawingml/2006/main" xmlns:r="http://schemas.openxmlformats.org/officeDocument/2006/relationships" xmlns:p="http://schemas.openxmlformats.org/presentationml/2006/main">
   <p:cSld>
     <p:bg>
       <p:bgPr>
         <a:blipFill rotWithShape="0">
-          <a:blip r:embed="rId1"/>
+          <a:blip r:embed="rId2"/>
           <a:stretch>
             <a:fillRect/>
           </a:stretch>
@@ -9636,7 +9857,14 @@
         <p:cNvGrpSpPr/>
         <p:nvPr/>
       </p:nvGrpSpPr>
-      <p:grpSpPr/>
+      <p:grpSpPr>
+        <a:xfrm>
+          <a:off x="0" y="0"/>
+          <a:ext cx="0" cy="0"/>
+          <a:chOff x="0" y="0"/>
+          <a:chExt cx="0" cy="0"/>
+        </a:xfrm>
+      </p:grpSpPr>
       <p:sp>
         <p:nvSpPr>
           <p:cNvPr id="24578" name="文本框 1"/>
@@ -9660,6 +9888,7 @@
           <a:bodyPr anchor="t" anchorCtr="0">
             <a:spAutoFit/>
           </a:bodyPr>
+          <a:lstStyle/>
           <a:p>
             <a:r>
               <a:rPr lang="zh-CN" altLang="en-US" sz="2400" b="1" dirty="0">
@@ -9671,13 +9900,6 @@
               </a:rPr>
               <a:t>Add your title</a:t>
             </a:r>
-            <a:endParaRPr lang="zh-CN" altLang="en-US" sz="2400" b="1" dirty="0">
-              <a:solidFill>
-                <a:srgbClr val="00B0F0"/>
-              </a:solidFill>
-              <a:latin typeface="Microsoft YaHei" panose="020B0503020204020204" pitchFamily="34" charset="-122"/>
-              <a:ea typeface="Microsoft YaHei" panose="020B0503020204020204" pitchFamily="34" charset="-122"/>
-            </a:endParaRPr>
           </a:p>
         </p:txBody>
       </p:sp>
@@ -9932,6 +10154,7 @@
           <a:bodyPr anchor="t" anchorCtr="0">
             <a:spAutoFit/>
           </a:bodyPr>
+          <a:lstStyle/>
           <a:p>
             <a:pPr algn="just"/>
             <a:r>
@@ -9944,13 +10167,6 @@
               </a:rPr>
               <a:t>Add your words here,according to your need to draw the text box size.Please read the instructions and more work at the end of the manual template.</a:t>
             </a:r>
-            <a:endParaRPr lang="zh-CN" altLang="zh-CN" sz="1400" dirty="0">
-              <a:solidFill>
-                <a:schemeClr val="bg1"/>
-              </a:solidFill>
-              <a:latin typeface="Microsoft YaHei" panose="020B0503020204020204" pitchFamily="34" charset="-122"/>
-              <a:ea typeface="Microsoft YaHei" panose="020B0503020204020204" pitchFamily="34" charset="-122"/>
-            </a:endParaRPr>
           </a:p>
         </p:txBody>
       </p:sp>
@@ -9977,6 +10193,7 @@
           <a:bodyPr anchor="t" anchorCtr="0">
             <a:spAutoFit/>
           </a:bodyPr>
+          <a:lstStyle/>
           <a:p>
             <a:pPr algn="just"/>
             <a:r>
@@ -9989,13 +10206,6 @@
               </a:rPr>
               <a:t>Add your words here,according to your need to draw the text box size.Please read the instructions and more work at the end of the manual template.</a:t>
             </a:r>
-            <a:endParaRPr lang="zh-CN" altLang="zh-CN" sz="1400" dirty="0">
-              <a:solidFill>
-                <a:schemeClr val="bg1"/>
-              </a:solidFill>
-              <a:latin typeface="Microsoft YaHei" panose="020B0503020204020204" pitchFamily="34" charset="-122"/>
-              <a:ea typeface="Microsoft YaHei" panose="020B0503020204020204" pitchFamily="34" charset="-122"/>
-            </a:endParaRPr>
           </a:p>
         </p:txBody>
       </p:sp>
@@ -10022,6 +10232,7 @@
           <a:bodyPr anchor="t" anchorCtr="0">
             <a:spAutoFit/>
           </a:bodyPr>
+          <a:lstStyle/>
           <a:p>
             <a:pPr algn="just"/>
             <a:r>
@@ -10034,13 +10245,6 @@
               </a:rPr>
               <a:t>Add your words here,according to your need to draw the text box size.Please read the instructions and more work at the end of the manual template.</a:t>
             </a:r>
-            <a:endParaRPr lang="zh-CN" altLang="zh-CN" sz="1400" dirty="0">
-              <a:solidFill>
-                <a:schemeClr val="bg1"/>
-              </a:solidFill>
-              <a:latin typeface="Microsoft YaHei" panose="020B0503020204020204" pitchFamily="34" charset="-122"/>
-              <a:ea typeface="Microsoft YaHei" panose="020B0503020204020204" pitchFamily="34" charset="-122"/>
-            </a:endParaRPr>
           </a:p>
         </p:txBody>
       </p:sp>
@@ -10055,13 +10259,13 @@
 </p:sld>
 </file>
 
-<file path=ppt/slides/slide12.xml><?xml version="1.0" encoding="utf-8"?>
+<file path=ppt/slides/slide13.xml><?xml version="1.0" encoding="utf-8"?>
 <p:sld xmlns:a="http://schemas.openxmlformats.org/drawingml/2006/main" xmlns:r="http://schemas.openxmlformats.org/officeDocument/2006/relationships" xmlns:p="http://schemas.openxmlformats.org/presentationml/2006/main">
   <p:cSld>
     <p:bg>
       <p:bgPr>
         <a:blipFill rotWithShape="0">
-          <a:blip r:embed="rId1"/>
+          <a:blip r:embed="rId2"/>
           <a:stretch>
             <a:fillRect/>
           </a:stretch>
@@ -10075,7 +10279,14 @@
         <p:cNvGrpSpPr/>
         <p:nvPr/>
       </p:nvGrpSpPr>
-      <p:grpSpPr/>
+      <p:grpSpPr>
+        <a:xfrm>
+          <a:off x="0" y="0"/>
+          <a:ext cx="0" cy="0"/>
+          <a:chOff x="0" y="0"/>
+          <a:chExt cx="0" cy="0"/>
+        </a:xfrm>
+      </p:grpSpPr>
       <p:sp>
         <p:nvSpPr>
           <p:cNvPr id="24578" name="文本框 1"/>
@@ -10099,6 +10310,7 @@
           <a:bodyPr anchor="t" anchorCtr="0">
             <a:spAutoFit/>
           </a:bodyPr>
+          <a:lstStyle/>
           <a:p>
             <a:r>
               <a:rPr lang="zh-CN" altLang="en-US" sz="2400" b="1" dirty="0">
@@ -10110,13 +10322,6 @@
               </a:rPr>
               <a:t>Add your title</a:t>
             </a:r>
-            <a:endParaRPr lang="zh-CN" altLang="en-US" sz="2400" b="1" dirty="0">
-              <a:solidFill>
-                <a:srgbClr val="00B0F0"/>
-              </a:solidFill>
-              <a:latin typeface="Microsoft YaHei" panose="020B0503020204020204" pitchFamily="34" charset="-122"/>
-              <a:ea typeface="Microsoft YaHei" panose="020B0503020204020204" pitchFamily="34" charset="-122"/>
-            </a:endParaRPr>
           </a:p>
         </p:txBody>
       </p:sp>
@@ -10371,6 +10576,7 @@
           <a:bodyPr anchor="t" anchorCtr="0">
             <a:spAutoFit/>
           </a:bodyPr>
+          <a:lstStyle/>
           <a:p>
             <a:pPr algn="just"/>
             <a:r>
@@ -10383,13 +10589,6 @@
               </a:rPr>
               <a:t>Add your words here,according to your need to draw the text box size.Please read the instructions and more work at the end of the manual template.</a:t>
             </a:r>
-            <a:endParaRPr lang="zh-CN" altLang="zh-CN" sz="1400" dirty="0">
-              <a:solidFill>
-                <a:schemeClr val="bg1"/>
-              </a:solidFill>
-              <a:latin typeface="Microsoft YaHei" panose="020B0503020204020204" pitchFamily="34" charset="-122"/>
-              <a:ea typeface="Microsoft YaHei" panose="020B0503020204020204" pitchFamily="34" charset="-122"/>
-            </a:endParaRPr>
           </a:p>
         </p:txBody>
       </p:sp>
@@ -10416,6 +10615,7 @@
           <a:bodyPr anchor="t" anchorCtr="0">
             <a:spAutoFit/>
           </a:bodyPr>
+          <a:lstStyle/>
           <a:p>
             <a:pPr algn="just"/>
             <a:r>
@@ -10428,13 +10628,6 @@
               </a:rPr>
               <a:t>Add your words here,according to your need to draw the text box size.Please read the instructions and more work at the end of the manual template.</a:t>
             </a:r>
-            <a:endParaRPr lang="zh-CN" altLang="zh-CN" sz="1400" dirty="0">
-              <a:solidFill>
-                <a:schemeClr val="bg1"/>
-              </a:solidFill>
-              <a:latin typeface="Microsoft YaHei" panose="020B0503020204020204" pitchFamily="34" charset="-122"/>
-              <a:ea typeface="Microsoft YaHei" panose="020B0503020204020204" pitchFamily="34" charset="-122"/>
-            </a:endParaRPr>
           </a:p>
         </p:txBody>
       </p:sp>
@@ -10461,6 +10654,7 @@
           <a:bodyPr anchor="t" anchorCtr="0">
             <a:spAutoFit/>
           </a:bodyPr>
+          <a:lstStyle/>
           <a:p>
             <a:pPr algn="just"/>
             <a:r>
@@ -10473,13 +10667,6 @@
               </a:rPr>
               <a:t>Add your words here,according to your need to draw the text box size.Please read the instructions and more work at the end of the manual template.</a:t>
             </a:r>
-            <a:endParaRPr lang="zh-CN" altLang="zh-CN" sz="1400" dirty="0">
-              <a:solidFill>
-                <a:schemeClr val="bg1"/>
-              </a:solidFill>
-              <a:latin typeface="Microsoft YaHei" panose="020B0503020204020204" pitchFamily="34" charset="-122"/>
-              <a:ea typeface="Microsoft YaHei" panose="020B0503020204020204" pitchFamily="34" charset="-122"/>
-            </a:endParaRPr>
           </a:p>
         </p:txBody>
       </p:sp>
@@ -10494,13 +10681,13 @@
 </p:sld>
 </file>
 
-<file path=ppt/slides/slide13.xml><?xml version="1.0" encoding="utf-8"?>
+<file path=ppt/slides/slide14.xml><?xml version="1.0" encoding="utf-8"?>
 <p:sld xmlns:a="http://schemas.openxmlformats.org/drawingml/2006/main" xmlns:r="http://schemas.openxmlformats.org/officeDocument/2006/relationships" xmlns:p="http://schemas.openxmlformats.org/presentationml/2006/main">
   <p:cSld>
     <p:bg>
       <p:bgPr>
         <a:blipFill rotWithShape="0">
-          <a:blip r:embed="rId1"/>
+          <a:blip r:embed="rId2"/>
           <a:stretch>
             <a:fillRect/>
           </a:stretch>
@@ -10514,7 +10701,14 @@
         <p:cNvGrpSpPr/>
         <p:nvPr/>
       </p:nvGrpSpPr>
-      <p:grpSpPr/>
+      <p:grpSpPr>
+        <a:xfrm>
+          <a:off x="0" y="0"/>
+          <a:ext cx="0" cy="0"/>
+          <a:chOff x="0" y="0"/>
+          <a:chExt cx="0" cy="0"/>
+        </a:xfrm>
+      </p:grpSpPr>
       <p:sp>
         <p:nvSpPr>
           <p:cNvPr id="24578" name="文本框 1"/>
@@ -10538,6 +10732,7 @@
           <a:bodyPr anchor="t" anchorCtr="0">
             <a:spAutoFit/>
           </a:bodyPr>
+          <a:lstStyle/>
           <a:p>
             <a:r>
               <a:rPr lang="zh-CN" altLang="en-US" sz="2400" b="1" dirty="0">
@@ -10549,13 +10744,6 @@
               </a:rPr>
               <a:t>Add your title</a:t>
             </a:r>
-            <a:endParaRPr lang="zh-CN" altLang="en-US" sz="2400" b="1" dirty="0">
-              <a:solidFill>
-                <a:srgbClr val="00B0F0"/>
-              </a:solidFill>
-              <a:latin typeface="Microsoft YaHei" panose="020B0503020204020204" pitchFamily="34" charset="-122"/>
-              <a:ea typeface="Microsoft YaHei" panose="020B0503020204020204" pitchFamily="34" charset="-122"/>
-            </a:endParaRPr>
           </a:p>
         </p:txBody>
       </p:sp>
@@ -10810,6 +10998,7 @@
           <a:bodyPr anchor="t" anchorCtr="0">
             <a:spAutoFit/>
           </a:bodyPr>
+          <a:lstStyle/>
           <a:p>
             <a:pPr algn="just"/>
             <a:r>
@@ -10822,13 +11011,6 @@
               </a:rPr>
               <a:t>Add your words here,according to your need to draw the text box size.Please read the instructions and more work at the end of the manual template.</a:t>
             </a:r>
-            <a:endParaRPr lang="zh-CN" altLang="zh-CN" sz="1400" dirty="0">
-              <a:solidFill>
-                <a:schemeClr val="bg1"/>
-              </a:solidFill>
-              <a:latin typeface="Microsoft YaHei" panose="020B0503020204020204" pitchFamily="34" charset="-122"/>
-              <a:ea typeface="Microsoft YaHei" panose="020B0503020204020204" pitchFamily="34" charset="-122"/>
-            </a:endParaRPr>
           </a:p>
         </p:txBody>
       </p:sp>
@@ -10855,6 +11037,7 @@
           <a:bodyPr anchor="t" anchorCtr="0">
             <a:spAutoFit/>
           </a:bodyPr>
+          <a:lstStyle/>
           <a:p>
             <a:pPr algn="just"/>
             <a:r>
@@ -10867,13 +11050,6 @@
               </a:rPr>
               <a:t>Add your words here,according to your need to draw the text box size.Please read the instructions and more work at the end of the manual template.</a:t>
             </a:r>
-            <a:endParaRPr lang="zh-CN" altLang="zh-CN" sz="1400" dirty="0">
-              <a:solidFill>
-                <a:schemeClr val="bg1"/>
-              </a:solidFill>
-              <a:latin typeface="Microsoft YaHei" panose="020B0503020204020204" pitchFamily="34" charset="-122"/>
-              <a:ea typeface="Microsoft YaHei" panose="020B0503020204020204" pitchFamily="34" charset="-122"/>
-            </a:endParaRPr>
           </a:p>
         </p:txBody>
       </p:sp>
@@ -10900,6 +11076,7 @@
           <a:bodyPr anchor="t" anchorCtr="0">
             <a:spAutoFit/>
           </a:bodyPr>
+          <a:lstStyle/>
           <a:p>
             <a:pPr algn="just"/>
             <a:r>
@@ -10912,13 +11089,6 @@
               </a:rPr>
               <a:t>Add your words here,according to your need to draw the text box size.Please read the instructions and more work at the end of the manual template.</a:t>
             </a:r>
-            <a:endParaRPr lang="zh-CN" altLang="zh-CN" sz="1400" dirty="0">
-              <a:solidFill>
-                <a:schemeClr val="bg1"/>
-              </a:solidFill>
-              <a:latin typeface="Microsoft YaHei" panose="020B0503020204020204" pitchFamily="34" charset="-122"/>
-              <a:ea typeface="Microsoft YaHei" panose="020B0503020204020204" pitchFamily="34" charset="-122"/>
-            </a:endParaRPr>
           </a:p>
         </p:txBody>
       </p:sp>
@@ -10933,13 +11103,13 @@
 </p:sld>
 </file>
 
-<file path=ppt/slides/slide14.xml><?xml version="1.0" encoding="utf-8"?>
+<file path=ppt/slides/slide15.xml><?xml version="1.0" encoding="utf-8"?>
 <p:sld xmlns:a="http://schemas.openxmlformats.org/drawingml/2006/main" xmlns:r="http://schemas.openxmlformats.org/officeDocument/2006/relationships" xmlns:p="http://schemas.openxmlformats.org/presentationml/2006/main">
   <p:cSld>
     <p:bg>
       <p:bgPr>
         <a:blipFill rotWithShape="0">
-          <a:blip r:embed="rId1"/>
+          <a:blip r:embed="rId2"/>
           <a:stretch>
             <a:fillRect/>
           </a:stretch>
@@ -10953,7 +11123,14 @@
         <p:cNvGrpSpPr/>
         <p:nvPr/>
       </p:nvGrpSpPr>
-      <p:grpSpPr/>
+      <p:grpSpPr>
+        <a:xfrm>
+          <a:off x="0" y="0"/>
+          <a:ext cx="0" cy="0"/>
+          <a:chOff x="0" y="0"/>
+          <a:chExt cx="0" cy="0"/>
+        </a:xfrm>
+      </p:grpSpPr>
       <p:sp>
         <p:nvSpPr>
           <p:cNvPr id="24578" name="文本框 1"/>
@@ -10977,6 +11154,7 @@
           <a:bodyPr anchor="t" anchorCtr="0">
             <a:spAutoFit/>
           </a:bodyPr>
+          <a:lstStyle/>
           <a:p>
             <a:r>
               <a:rPr lang="zh-CN" altLang="en-US" sz="2400" b="1" dirty="0">
@@ -10988,13 +11166,6 @@
               </a:rPr>
               <a:t>Add your title</a:t>
             </a:r>
-            <a:endParaRPr lang="zh-CN" altLang="en-US" sz="2400" b="1" dirty="0">
-              <a:solidFill>
-                <a:srgbClr val="00B0F0"/>
-              </a:solidFill>
-              <a:latin typeface="Microsoft YaHei" panose="020B0503020204020204" pitchFamily="34" charset="-122"/>
-              <a:ea typeface="Microsoft YaHei" panose="020B0503020204020204" pitchFamily="34" charset="-122"/>
-            </a:endParaRPr>
           </a:p>
         </p:txBody>
       </p:sp>
@@ -11249,6 +11420,7 @@
           <a:bodyPr anchor="t" anchorCtr="0">
             <a:spAutoFit/>
           </a:bodyPr>
+          <a:lstStyle/>
           <a:p>
             <a:pPr algn="just"/>
             <a:r>
@@ -11261,13 +11433,6 @@
               </a:rPr>
               <a:t>Add your words here,according to your need to draw the text box size.Please read the instructions and more work at the end of the manual template.</a:t>
             </a:r>
-            <a:endParaRPr lang="zh-CN" altLang="zh-CN" sz="1400" dirty="0">
-              <a:solidFill>
-                <a:schemeClr val="bg1"/>
-              </a:solidFill>
-              <a:latin typeface="Microsoft YaHei" panose="020B0503020204020204" pitchFamily="34" charset="-122"/>
-              <a:ea typeface="Microsoft YaHei" panose="020B0503020204020204" pitchFamily="34" charset="-122"/>
-            </a:endParaRPr>
           </a:p>
         </p:txBody>
       </p:sp>
@@ -11294,6 +11459,7 @@
           <a:bodyPr anchor="t" anchorCtr="0">
             <a:spAutoFit/>
           </a:bodyPr>
+          <a:lstStyle/>
           <a:p>
             <a:pPr algn="just"/>
             <a:r>
@@ -11306,13 +11472,6 @@
               </a:rPr>
               <a:t>Add your words here,according to your need to draw the text box size.Please read the instructions and more work at the end of the manual template.</a:t>
             </a:r>
-            <a:endParaRPr lang="zh-CN" altLang="zh-CN" sz="1400" dirty="0">
-              <a:solidFill>
-                <a:schemeClr val="bg1"/>
-              </a:solidFill>
-              <a:latin typeface="Microsoft YaHei" panose="020B0503020204020204" pitchFamily="34" charset="-122"/>
-              <a:ea typeface="Microsoft YaHei" panose="020B0503020204020204" pitchFamily="34" charset="-122"/>
-            </a:endParaRPr>
           </a:p>
         </p:txBody>
       </p:sp>
@@ -11339,6 +11498,7 @@
           <a:bodyPr anchor="t" anchorCtr="0">
             <a:spAutoFit/>
           </a:bodyPr>
+          <a:lstStyle/>
           <a:p>
             <a:pPr algn="just"/>
             <a:r>
@@ -11351,13 +11511,6 @@
               </a:rPr>
               <a:t>Add your words here,according to your need to draw the text box size.Please read the instructions and more work at the end of the manual template.</a:t>
             </a:r>
-            <a:endParaRPr lang="zh-CN" altLang="zh-CN" sz="1400" dirty="0">
-              <a:solidFill>
-                <a:schemeClr val="bg1"/>
-              </a:solidFill>
-              <a:latin typeface="Microsoft YaHei" panose="020B0503020204020204" pitchFamily="34" charset="-122"/>
-              <a:ea typeface="Microsoft YaHei" panose="020B0503020204020204" pitchFamily="34" charset="-122"/>
-            </a:endParaRPr>
           </a:p>
         </p:txBody>
       </p:sp>
@@ -11372,13 +11525,13 @@
 </p:sld>
 </file>
 
-<file path=ppt/slides/slide15.xml><?xml version="1.0" encoding="utf-8"?>
+<file path=ppt/slides/slide16.xml><?xml version="1.0" encoding="utf-8"?>
 <p:sld xmlns:a="http://schemas.openxmlformats.org/drawingml/2006/main" xmlns:r="http://schemas.openxmlformats.org/officeDocument/2006/relationships" xmlns:p="http://schemas.openxmlformats.org/presentationml/2006/main">
   <p:cSld>
     <p:bg>
       <p:bgPr>
         <a:blipFill rotWithShape="0">
-          <a:blip r:embed="rId1"/>
+          <a:blip r:embed="rId2"/>
           <a:stretch>
             <a:fillRect/>
           </a:stretch>
@@ -11392,7 +11545,14 @@
         <p:cNvGrpSpPr/>
         <p:nvPr/>
       </p:nvGrpSpPr>
-      <p:grpSpPr/>
+      <p:grpSpPr>
+        <a:xfrm>
+          <a:off x="0" y="0"/>
+          <a:ext cx="0" cy="0"/>
+          <a:chOff x="0" y="0"/>
+          <a:chExt cx="0" cy="0"/>
+        </a:xfrm>
+      </p:grpSpPr>
       <p:sp>
         <p:nvSpPr>
           <p:cNvPr id="24578" name="文本框 1"/>
@@ -11416,6 +11576,7 @@
           <a:bodyPr anchor="t" anchorCtr="0">
             <a:spAutoFit/>
           </a:bodyPr>
+          <a:lstStyle/>
           <a:p>
             <a:r>
               <a:rPr lang="zh-CN" altLang="en-US" sz="2400" b="1" dirty="0">
@@ -11427,13 +11588,6 @@
               </a:rPr>
               <a:t>Add your title</a:t>
             </a:r>
-            <a:endParaRPr lang="zh-CN" altLang="en-US" sz="2400" b="1" dirty="0">
-              <a:solidFill>
-                <a:srgbClr val="00B0F0"/>
-              </a:solidFill>
-              <a:latin typeface="Microsoft YaHei" panose="020B0503020204020204" pitchFamily="34" charset="-122"/>
-              <a:ea typeface="Microsoft YaHei" panose="020B0503020204020204" pitchFamily="34" charset="-122"/>
-            </a:endParaRPr>
           </a:p>
         </p:txBody>
       </p:sp>
@@ -11688,6 +11842,7 @@
           <a:bodyPr anchor="t" anchorCtr="0">
             <a:spAutoFit/>
           </a:bodyPr>
+          <a:lstStyle/>
           <a:p>
             <a:pPr algn="just"/>
             <a:r>
@@ -11700,13 +11855,6 @@
               </a:rPr>
               <a:t>Add your words here,according to your need to draw the text box size.Please read the instructions and more work at the end of the manual template.</a:t>
             </a:r>
-            <a:endParaRPr lang="zh-CN" altLang="zh-CN" sz="1400" dirty="0">
-              <a:solidFill>
-                <a:schemeClr val="bg1"/>
-              </a:solidFill>
-              <a:latin typeface="Microsoft YaHei" panose="020B0503020204020204" pitchFamily="34" charset="-122"/>
-              <a:ea typeface="Microsoft YaHei" panose="020B0503020204020204" pitchFamily="34" charset="-122"/>
-            </a:endParaRPr>
           </a:p>
         </p:txBody>
       </p:sp>
@@ -11733,6 +11881,7 @@
           <a:bodyPr anchor="t" anchorCtr="0">
             <a:spAutoFit/>
           </a:bodyPr>
+          <a:lstStyle/>
           <a:p>
             <a:pPr algn="just"/>
             <a:r>
@@ -11745,13 +11894,6 @@
               </a:rPr>
               <a:t>Add your words here,according to your need to draw the text box size.Please read the instructions and more work at the end of the manual template.</a:t>
             </a:r>
-            <a:endParaRPr lang="zh-CN" altLang="zh-CN" sz="1400" dirty="0">
-              <a:solidFill>
-                <a:schemeClr val="bg1"/>
-              </a:solidFill>
-              <a:latin typeface="Microsoft YaHei" panose="020B0503020204020204" pitchFamily="34" charset="-122"/>
-              <a:ea typeface="Microsoft YaHei" panose="020B0503020204020204" pitchFamily="34" charset="-122"/>
-            </a:endParaRPr>
           </a:p>
         </p:txBody>
       </p:sp>
@@ -11778,6 +11920,7 @@
           <a:bodyPr anchor="t" anchorCtr="0">
             <a:spAutoFit/>
           </a:bodyPr>
+          <a:lstStyle/>
           <a:p>
             <a:pPr algn="just"/>
             <a:r>
@@ -11790,13 +11933,6 @@
               </a:rPr>
               <a:t>Add your words here,according to your need to draw the text box size.Please read the instructions and more work at the end of the manual template.</a:t>
             </a:r>
-            <a:endParaRPr lang="zh-CN" altLang="zh-CN" sz="1400" dirty="0">
-              <a:solidFill>
-                <a:schemeClr val="bg1"/>
-              </a:solidFill>
-              <a:latin typeface="Microsoft YaHei" panose="020B0503020204020204" pitchFamily="34" charset="-122"/>
-              <a:ea typeface="Microsoft YaHei" panose="020B0503020204020204" pitchFamily="34" charset="-122"/>
-            </a:endParaRPr>
           </a:p>
         </p:txBody>
       </p:sp>
@@ -11811,13 +11947,13 @@
 </p:sld>
 </file>
 
-<file path=ppt/slides/slide16.xml><?xml version="1.0" encoding="utf-8"?>
+<file path=ppt/slides/slide17.xml><?xml version="1.0" encoding="utf-8"?>
 <p:sld xmlns:a="http://schemas.openxmlformats.org/drawingml/2006/main" xmlns:r="http://schemas.openxmlformats.org/officeDocument/2006/relationships" xmlns:p="http://schemas.openxmlformats.org/presentationml/2006/main">
   <p:cSld>
     <p:bg>
       <p:bgPr>
         <a:blipFill rotWithShape="0">
-          <a:blip r:embed="rId1"/>
+          <a:blip r:embed="rId2"/>
           <a:stretch>
             <a:fillRect/>
           </a:stretch>
@@ -11831,7 +11967,14 @@
         <p:cNvGrpSpPr/>
         <p:nvPr/>
       </p:nvGrpSpPr>
-      <p:grpSpPr/>
+      <p:grpSpPr>
+        <a:xfrm>
+          <a:off x="0" y="0"/>
+          <a:ext cx="0" cy="0"/>
+          <a:chOff x="0" y="0"/>
+          <a:chExt cx="0" cy="0"/>
+        </a:xfrm>
+      </p:grpSpPr>
       <p:sp>
         <p:nvSpPr>
           <p:cNvPr id="24578" name="文本框 1"/>
@@ -11855,6 +11998,7 @@
           <a:bodyPr anchor="t" anchorCtr="0">
             <a:spAutoFit/>
           </a:bodyPr>
+          <a:lstStyle/>
           <a:p>
             <a:r>
               <a:rPr lang="zh-CN" altLang="en-US" sz="2400" b="1" dirty="0">
@@ -11866,13 +12010,6 @@
               </a:rPr>
               <a:t>Add your title</a:t>
             </a:r>
-            <a:endParaRPr lang="zh-CN" altLang="en-US" sz="2400" b="1" dirty="0">
-              <a:solidFill>
-                <a:srgbClr val="00B0F0"/>
-              </a:solidFill>
-              <a:latin typeface="Microsoft YaHei" panose="020B0503020204020204" pitchFamily="34" charset="-122"/>
-              <a:ea typeface="Microsoft YaHei" panose="020B0503020204020204" pitchFamily="34" charset="-122"/>
-            </a:endParaRPr>
           </a:p>
         </p:txBody>
       </p:sp>
@@ -12127,6 +12264,7 @@
           <a:bodyPr anchor="t" anchorCtr="0">
             <a:spAutoFit/>
           </a:bodyPr>
+          <a:lstStyle/>
           <a:p>
             <a:pPr algn="just"/>
             <a:r>
@@ -12139,13 +12277,6 @@
               </a:rPr>
               <a:t>Add your words here,according to your need to draw the text box size.Please read the instructions and more work at the end of the manual template.</a:t>
             </a:r>
-            <a:endParaRPr lang="zh-CN" altLang="zh-CN" sz="1400" dirty="0">
-              <a:solidFill>
-                <a:schemeClr val="bg1"/>
-              </a:solidFill>
-              <a:latin typeface="Microsoft YaHei" panose="020B0503020204020204" pitchFamily="34" charset="-122"/>
-              <a:ea typeface="Microsoft YaHei" panose="020B0503020204020204" pitchFamily="34" charset="-122"/>
-            </a:endParaRPr>
           </a:p>
         </p:txBody>
       </p:sp>
@@ -12172,6 +12303,7 @@
           <a:bodyPr anchor="t" anchorCtr="0">
             <a:spAutoFit/>
           </a:bodyPr>
+          <a:lstStyle/>
           <a:p>
             <a:pPr algn="just"/>
             <a:r>
@@ -12184,13 +12316,6 @@
               </a:rPr>
               <a:t>Add your words here,according to your need to draw the text box size.Please read the instructions and more work at the end of the manual template.</a:t>
             </a:r>
-            <a:endParaRPr lang="zh-CN" altLang="zh-CN" sz="1400" dirty="0">
-              <a:solidFill>
-                <a:schemeClr val="bg1"/>
-              </a:solidFill>
-              <a:latin typeface="Microsoft YaHei" panose="020B0503020204020204" pitchFamily="34" charset="-122"/>
-              <a:ea typeface="Microsoft YaHei" panose="020B0503020204020204" pitchFamily="34" charset="-122"/>
-            </a:endParaRPr>
           </a:p>
         </p:txBody>
       </p:sp>
@@ -12217,6 +12342,7 @@
           <a:bodyPr anchor="t" anchorCtr="0">
             <a:spAutoFit/>
           </a:bodyPr>
+          <a:lstStyle/>
           <a:p>
             <a:pPr algn="just"/>
             <a:r>
@@ -12229,13 +12355,6 @@
               </a:rPr>
               <a:t>Add your words here,according to your need to draw the text box size.Please read the instructions and more work at the end of the manual template.</a:t>
             </a:r>
-            <a:endParaRPr lang="zh-CN" altLang="zh-CN" sz="1400" dirty="0">
-              <a:solidFill>
-                <a:schemeClr val="bg1"/>
-              </a:solidFill>
-              <a:latin typeface="Microsoft YaHei" panose="020B0503020204020204" pitchFamily="34" charset="-122"/>
-              <a:ea typeface="Microsoft YaHei" panose="020B0503020204020204" pitchFamily="34" charset="-122"/>
-            </a:endParaRPr>
           </a:p>
         </p:txBody>
       </p:sp>
@@ -12250,13 +12369,13 @@
 </p:sld>
 </file>
 
-<file path=ppt/slides/slide17.xml><?xml version="1.0" encoding="utf-8"?>
+<file path=ppt/slides/slide18.xml><?xml version="1.0" encoding="utf-8"?>
 <p:sld xmlns:a="http://schemas.openxmlformats.org/drawingml/2006/main" xmlns:r="http://schemas.openxmlformats.org/officeDocument/2006/relationships" xmlns:p="http://schemas.openxmlformats.org/presentationml/2006/main">
   <p:cSld>
     <p:bg>
       <p:bgPr>
         <a:blipFill rotWithShape="0">
-          <a:blip r:embed="rId1"/>
+          <a:blip r:embed="rId2"/>
           <a:stretch>
             <a:fillRect/>
           </a:stretch>
@@ -12270,7 +12389,14 @@
         <p:cNvGrpSpPr/>
         <p:nvPr/>
       </p:nvGrpSpPr>
-      <p:grpSpPr/>
+      <p:grpSpPr>
+        <a:xfrm>
+          <a:off x="0" y="0"/>
+          <a:ext cx="0" cy="0"/>
+          <a:chOff x="0" y="0"/>
+          <a:chExt cx="0" cy="0"/>
+        </a:xfrm>
+      </p:grpSpPr>
       <p:sp>
         <p:nvSpPr>
           <p:cNvPr id="24578" name="文本框 1"/>
@@ -12294,6 +12420,7 @@
           <a:bodyPr anchor="t" anchorCtr="0">
             <a:spAutoFit/>
           </a:bodyPr>
+          <a:lstStyle/>
           <a:p>
             <a:r>
               <a:rPr lang="zh-CN" altLang="en-US" sz="2400" b="1" dirty="0">
@@ -12305,13 +12432,6 @@
               </a:rPr>
               <a:t>Add your title</a:t>
             </a:r>
-            <a:endParaRPr lang="zh-CN" altLang="en-US" sz="2400" b="1" dirty="0">
-              <a:solidFill>
-                <a:srgbClr val="00B0F0"/>
-              </a:solidFill>
-              <a:latin typeface="Microsoft YaHei" panose="020B0503020204020204" pitchFamily="34" charset="-122"/>
-              <a:ea typeface="Microsoft YaHei" panose="020B0503020204020204" pitchFamily="34" charset="-122"/>
-            </a:endParaRPr>
           </a:p>
         </p:txBody>
       </p:sp>
@@ -12566,6 +12686,7 @@
           <a:bodyPr anchor="t" anchorCtr="0">
             <a:spAutoFit/>
           </a:bodyPr>
+          <a:lstStyle/>
           <a:p>
             <a:pPr algn="just"/>
             <a:r>
@@ -12578,13 +12699,6 @@
               </a:rPr>
               <a:t>Add your words here,according to your need to draw the text box size.Please read the instructions and more work at the end of the manual template.</a:t>
             </a:r>
-            <a:endParaRPr lang="zh-CN" altLang="zh-CN" sz="1400" dirty="0">
-              <a:solidFill>
-                <a:schemeClr val="bg1"/>
-              </a:solidFill>
-              <a:latin typeface="Microsoft YaHei" panose="020B0503020204020204" pitchFamily="34" charset="-122"/>
-              <a:ea typeface="Microsoft YaHei" panose="020B0503020204020204" pitchFamily="34" charset="-122"/>
-            </a:endParaRPr>
           </a:p>
         </p:txBody>
       </p:sp>
@@ -12611,6 +12725,7 @@
           <a:bodyPr anchor="t" anchorCtr="0">
             <a:spAutoFit/>
           </a:bodyPr>
+          <a:lstStyle/>
           <a:p>
             <a:pPr algn="just"/>
             <a:r>
@@ -12623,13 +12738,6 @@
               </a:rPr>
               <a:t>Add your words here,according to your need to draw the text box size.Please read the instructions and more work at the end of the manual template.</a:t>
             </a:r>
-            <a:endParaRPr lang="zh-CN" altLang="zh-CN" sz="1400" dirty="0">
-              <a:solidFill>
-                <a:schemeClr val="bg1"/>
-              </a:solidFill>
-              <a:latin typeface="Microsoft YaHei" panose="020B0503020204020204" pitchFamily="34" charset="-122"/>
-              <a:ea typeface="Microsoft YaHei" panose="020B0503020204020204" pitchFamily="34" charset="-122"/>
-            </a:endParaRPr>
           </a:p>
         </p:txBody>
       </p:sp>
@@ -12656,6 +12764,7 @@
           <a:bodyPr anchor="t" anchorCtr="0">
             <a:spAutoFit/>
           </a:bodyPr>
+          <a:lstStyle/>
           <a:p>
             <a:pPr algn="just"/>
             <a:r>
@@ -12668,13 +12777,6 @@
               </a:rPr>
               <a:t>Add your words here,according to your need to draw the text box size.Please read the instructions and more work at the end of the manual template.</a:t>
             </a:r>
-            <a:endParaRPr lang="zh-CN" altLang="zh-CN" sz="1400" dirty="0">
-              <a:solidFill>
-                <a:schemeClr val="bg1"/>
-              </a:solidFill>
-              <a:latin typeface="Microsoft YaHei" panose="020B0503020204020204" pitchFamily="34" charset="-122"/>
-              <a:ea typeface="Microsoft YaHei" panose="020B0503020204020204" pitchFamily="34" charset="-122"/>
-            </a:endParaRPr>
           </a:p>
         </p:txBody>
       </p:sp>
@@ -12689,13 +12791,13 @@
 </p:sld>
 </file>
 
-<file path=ppt/slides/slide18.xml><?xml version="1.0" encoding="utf-8"?>
+<file path=ppt/slides/slide19.xml><?xml version="1.0" encoding="utf-8"?>
 <p:sld xmlns:a="http://schemas.openxmlformats.org/drawingml/2006/main" xmlns:r="http://schemas.openxmlformats.org/officeDocument/2006/relationships" xmlns:p="http://schemas.openxmlformats.org/presentationml/2006/main">
   <p:cSld>
     <p:bg>
       <p:bgPr>
         <a:blipFill rotWithShape="0">
-          <a:blip r:embed="rId1"/>
+          <a:blip r:embed="rId2"/>
           <a:stretch>
             <a:fillRect/>
           </a:stretch>
@@ -12709,7 +12811,14 @@
         <p:cNvGrpSpPr/>
         <p:nvPr/>
       </p:nvGrpSpPr>
-      <p:grpSpPr/>
+      <p:grpSpPr>
+        <a:xfrm>
+          <a:off x="0" y="0"/>
+          <a:ext cx="0" cy="0"/>
+          <a:chOff x="0" y="0"/>
+          <a:chExt cx="0" cy="0"/>
+        </a:xfrm>
+      </p:grpSpPr>
       <p:sp>
         <p:nvSpPr>
           <p:cNvPr id="24578" name="文本框 1"/>
@@ -12733,6 +12842,7 @@
           <a:bodyPr anchor="t" anchorCtr="0">
             <a:spAutoFit/>
           </a:bodyPr>
+          <a:lstStyle/>
           <a:p>
             <a:r>
               <a:rPr lang="zh-CN" altLang="en-US" sz="2400" b="1" dirty="0">
@@ -12744,13 +12854,6 @@
               </a:rPr>
               <a:t>Add your title</a:t>
             </a:r>
-            <a:endParaRPr lang="zh-CN" altLang="en-US" sz="2400" b="1" dirty="0">
-              <a:solidFill>
-                <a:srgbClr val="00B0F0"/>
-              </a:solidFill>
-              <a:latin typeface="Microsoft YaHei" panose="020B0503020204020204" pitchFamily="34" charset="-122"/>
-              <a:ea typeface="Microsoft YaHei" panose="020B0503020204020204" pitchFamily="34" charset="-122"/>
-            </a:endParaRPr>
           </a:p>
         </p:txBody>
       </p:sp>
@@ -13005,6 +13108,7 @@
           <a:bodyPr anchor="t" anchorCtr="0">
             <a:spAutoFit/>
           </a:bodyPr>
+          <a:lstStyle/>
           <a:p>
             <a:pPr algn="just"/>
             <a:r>
@@ -13017,13 +13121,6 @@
               </a:rPr>
               <a:t>Add your words here,according to your need to draw the text box size.Please read the instructions and more work at the end of the manual template.</a:t>
             </a:r>
-            <a:endParaRPr lang="zh-CN" altLang="zh-CN" sz="1400" dirty="0">
-              <a:solidFill>
-                <a:schemeClr val="bg1"/>
-              </a:solidFill>
-              <a:latin typeface="Microsoft YaHei" panose="020B0503020204020204" pitchFamily="34" charset="-122"/>
-              <a:ea typeface="Microsoft YaHei" panose="020B0503020204020204" pitchFamily="34" charset="-122"/>
-            </a:endParaRPr>
           </a:p>
         </p:txBody>
       </p:sp>
@@ -13050,6 +13147,7 @@
           <a:bodyPr anchor="t" anchorCtr="0">
             <a:spAutoFit/>
           </a:bodyPr>
+          <a:lstStyle/>
           <a:p>
             <a:pPr algn="just"/>
             <a:r>
@@ -13062,13 +13160,6 @@
               </a:rPr>
               <a:t>Add your words here,according to your need to draw the text box size.Please read the instructions and more work at the end of the manual template.</a:t>
             </a:r>
-            <a:endParaRPr lang="zh-CN" altLang="zh-CN" sz="1400" dirty="0">
-              <a:solidFill>
-                <a:schemeClr val="bg1"/>
-              </a:solidFill>
-              <a:latin typeface="Microsoft YaHei" panose="020B0503020204020204" pitchFamily="34" charset="-122"/>
-              <a:ea typeface="Microsoft YaHei" panose="020B0503020204020204" pitchFamily="34" charset="-122"/>
-            </a:endParaRPr>
           </a:p>
         </p:txBody>
       </p:sp>
@@ -13095,6 +13186,7 @@
           <a:bodyPr anchor="t" anchorCtr="0">
             <a:spAutoFit/>
           </a:bodyPr>
+          <a:lstStyle/>
           <a:p>
             <a:pPr algn="just"/>
             <a:r>
@@ -13107,452 +13199,6 @@
               </a:rPr>
               <a:t>Add your words here,according to your need to draw the text box size.Please read the instructions and more work at the end of the manual template.</a:t>
             </a:r>
-            <a:endParaRPr lang="zh-CN" altLang="zh-CN" sz="1400" dirty="0">
-              <a:solidFill>
-                <a:schemeClr val="bg1"/>
-              </a:solidFill>
-              <a:latin typeface="Microsoft YaHei" panose="020B0503020204020204" pitchFamily="34" charset="-122"/>
-              <a:ea typeface="Microsoft YaHei" panose="020B0503020204020204" pitchFamily="34" charset="-122"/>
-            </a:endParaRPr>
-          </a:p>
-        </p:txBody>
-      </p:sp>
-    </p:spTree>
-  </p:cSld>
-  <p:clrMapOvr>
-    <a:masterClrMapping/>
-  </p:clrMapOvr>
-  <p:transition spd="slow">
-    <p:wipe/>
-  </p:transition>
-</p:sld>
-</file>
-
-<file path=ppt/slides/slide19.xml><?xml version="1.0" encoding="utf-8"?>
-<p:sld xmlns:a="http://schemas.openxmlformats.org/drawingml/2006/main" xmlns:r="http://schemas.openxmlformats.org/officeDocument/2006/relationships" xmlns:p="http://schemas.openxmlformats.org/presentationml/2006/main">
-  <p:cSld>
-    <p:bg>
-      <p:bgPr>
-        <a:blipFill rotWithShape="0">
-          <a:blip r:embed="rId1"/>
-          <a:stretch>
-            <a:fillRect/>
-          </a:stretch>
-        </a:blipFill>
-        <a:effectLst/>
-      </p:bgPr>
-    </p:bg>
-    <p:spTree>
-      <p:nvGrpSpPr>
-        <p:cNvPr id="1" name=""/>
-        <p:cNvGrpSpPr/>
-        <p:nvPr/>
-      </p:nvGrpSpPr>
-      <p:grpSpPr/>
-      <p:sp>
-        <p:nvSpPr>
-          <p:cNvPr id="24578" name="文本框 1"/>
-          <p:cNvSpPr txBox="1"/>
-          <p:nvPr/>
-        </p:nvSpPr>
-        <p:spPr>
-          <a:xfrm>
-            <a:off x="333375" y="217488"/>
-            <a:ext cx="2671763" cy="460375"/>
-          </a:xfrm>
-          <a:prstGeom prst="rect">
-            <a:avLst/>
-          </a:prstGeom>
-          <a:noFill/>
-          <a:ln w="9525">
-            <a:noFill/>
-          </a:ln>
-        </p:spPr>
-        <p:txBody>
-          <a:bodyPr anchor="t" anchorCtr="0">
-            <a:spAutoFit/>
-          </a:bodyPr>
-          <a:p>
-            <a:r>
-              <a:rPr lang="zh-CN" altLang="en-US" sz="2400" b="1" dirty="0">
-                <a:solidFill>
-                  <a:srgbClr val="00B0F0"/>
-                </a:solidFill>
-                <a:latin typeface="Microsoft YaHei" panose="020B0503020204020204" pitchFamily="34" charset="-122"/>
-                <a:ea typeface="Microsoft YaHei" panose="020B0503020204020204" pitchFamily="34" charset="-122"/>
-              </a:rPr>
-              <a:t>Add your title</a:t>
-            </a:r>
-            <a:endParaRPr lang="zh-CN" altLang="en-US" sz="2400" b="1" dirty="0">
-              <a:solidFill>
-                <a:srgbClr val="00B0F0"/>
-              </a:solidFill>
-              <a:latin typeface="Microsoft YaHei" panose="020B0503020204020204" pitchFamily="34" charset="-122"/>
-              <a:ea typeface="Microsoft YaHei" panose="020B0503020204020204" pitchFamily="34" charset="-122"/>
-            </a:endParaRPr>
-          </a:p>
-        </p:txBody>
-      </p:sp>
-      <p:sp>
-        <p:nvSpPr>
-          <p:cNvPr id="9" name="矩形 8"/>
-          <p:cNvSpPr/>
-          <p:nvPr/>
-        </p:nvSpPr>
-        <p:spPr>
-          <a:xfrm>
-            <a:off x="6437313" y="1733550"/>
-            <a:ext cx="92075" cy="990600"/>
-          </a:xfrm>
-          <a:prstGeom prst="rect">
-            <a:avLst/>
-          </a:prstGeom>
-          <a:solidFill>
-            <a:schemeClr val="bg1">
-              <a:alpha val="28000"/>
-            </a:schemeClr>
-          </a:solidFill>
-          <a:ln>
-            <a:noFill/>
-          </a:ln>
-        </p:spPr>
-        <p:style>
-          <a:lnRef idx="2">
-            <a:schemeClr val="accent1">
-              <a:shade val="50000"/>
-            </a:schemeClr>
-          </a:lnRef>
-          <a:fillRef idx="1">
-            <a:schemeClr val="accent1"/>
-          </a:fillRef>
-          <a:effectRef idx="0">
-            <a:schemeClr val="accent1"/>
-          </a:effectRef>
-          <a:fontRef idx="minor">
-            <a:schemeClr val="lt1"/>
-          </a:fontRef>
-        </p:style>
-        <p:txBody>
-          <a:bodyPr anchor="ctr"/>
-          <a:lstStyle/>
-          <a:p>
-            <a:pPr marL="0" marR="0" lvl="0" indent="0" algn="ctr" defTabSz="914400" rtl="0" eaLnBrk="1" fontAlgn="auto" latinLnBrk="0" hangingPunct="1">
-              <a:lnSpc>
-                <a:spcPct val="100000"/>
-              </a:lnSpc>
-              <a:spcBef>
-                <a:spcPts val="0"/>
-              </a:spcBef>
-              <a:spcAft>
-                <a:spcPts val="0"/>
-              </a:spcAft>
-              <a:buClrTx/>
-              <a:buSzTx/>
-              <a:buFontTx/>
-              <a:buNone/>
-              <a:defRPr/>
-            </a:pPr>
-            <a:endParaRPr kumimoji="0" lang="zh-CN" altLang="en-US" sz="1800" b="0" i="0" u="none" strike="noStrike" kern="1200" cap="none" spc="0" normalizeH="0" baseline="0" noProof="0">
-              <a:ln>
-                <a:noFill/>
-              </a:ln>
-              <a:solidFill>
-                <a:schemeClr val="lt1"/>
-              </a:solidFill>
-              <a:effectLst/>
-              <a:uLnTx/>
-              <a:uFillTx/>
-              <a:latin typeface="+mn-lt"/>
-              <a:ea typeface="+mn-ea"/>
-              <a:cs typeface="+mn-cs"/>
-            </a:endParaRPr>
-          </a:p>
-        </p:txBody>
-      </p:sp>
-      <p:sp>
-        <p:nvSpPr>
-          <p:cNvPr id="10" name="矩形 9"/>
-          <p:cNvSpPr/>
-          <p:nvPr/>
-        </p:nvSpPr>
-        <p:spPr>
-          <a:xfrm>
-            <a:off x="6437313" y="3238500"/>
-            <a:ext cx="92075" cy="990600"/>
-          </a:xfrm>
-          <a:prstGeom prst="rect">
-            <a:avLst/>
-          </a:prstGeom>
-          <a:solidFill>
-            <a:schemeClr val="bg1">
-              <a:alpha val="28000"/>
-            </a:schemeClr>
-          </a:solidFill>
-          <a:ln>
-            <a:noFill/>
-          </a:ln>
-        </p:spPr>
-        <p:style>
-          <a:lnRef idx="2">
-            <a:schemeClr val="accent1">
-              <a:shade val="50000"/>
-            </a:schemeClr>
-          </a:lnRef>
-          <a:fillRef idx="1">
-            <a:schemeClr val="accent1"/>
-          </a:fillRef>
-          <a:effectRef idx="0">
-            <a:schemeClr val="accent1"/>
-          </a:effectRef>
-          <a:fontRef idx="minor">
-            <a:schemeClr val="lt1"/>
-          </a:fontRef>
-        </p:style>
-        <p:txBody>
-          <a:bodyPr anchor="ctr"/>
-          <a:lstStyle/>
-          <a:p>
-            <a:pPr marL="0" marR="0" lvl="0" indent="0" algn="ctr" defTabSz="914400" rtl="0" eaLnBrk="1" fontAlgn="auto" latinLnBrk="0" hangingPunct="1">
-              <a:lnSpc>
-                <a:spcPct val="100000"/>
-              </a:lnSpc>
-              <a:spcBef>
-                <a:spcPts val="0"/>
-              </a:spcBef>
-              <a:spcAft>
-                <a:spcPts val="0"/>
-              </a:spcAft>
-              <a:buClrTx/>
-              <a:buSzTx/>
-              <a:buFontTx/>
-              <a:buNone/>
-              <a:defRPr/>
-            </a:pPr>
-            <a:endParaRPr kumimoji="0" lang="zh-CN" altLang="en-US" sz="1800" b="0" i="0" u="none" strike="noStrike" kern="1200" cap="none" spc="0" normalizeH="0" baseline="0" noProof="0">
-              <a:ln>
-                <a:noFill/>
-              </a:ln>
-              <a:solidFill>
-                <a:schemeClr val="lt1"/>
-              </a:solidFill>
-              <a:effectLst/>
-              <a:uLnTx/>
-              <a:uFillTx/>
-              <a:latin typeface="+mn-lt"/>
-              <a:ea typeface="+mn-ea"/>
-              <a:cs typeface="+mn-cs"/>
-            </a:endParaRPr>
-          </a:p>
-        </p:txBody>
-      </p:sp>
-      <p:sp>
-        <p:nvSpPr>
-          <p:cNvPr id="11" name="矩形 10"/>
-          <p:cNvSpPr/>
-          <p:nvPr/>
-        </p:nvSpPr>
-        <p:spPr>
-          <a:xfrm>
-            <a:off x="6437313" y="4821238"/>
-            <a:ext cx="92075" cy="990600"/>
-          </a:xfrm>
-          <a:prstGeom prst="rect">
-            <a:avLst/>
-          </a:prstGeom>
-          <a:solidFill>
-            <a:schemeClr val="bg1">
-              <a:alpha val="28000"/>
-            </a:schemeClr>
-          </a:solidFill>
-          <a:ln>
-            <a:noFill/>
-          </a:ln>
-        </p:spPr>
-        <p:style>
-          <a:lnRef idx="2">
-            <a:schemeClr val="accent1">
-              <a:shade val="50000"/>
-            </a:schemeClr>
-          </a:lnRef>
-          <a:fillRef idx="1">
-            <a:schemeClr val="accent1"/>
-          </a:fillRef>
-          <a:effectRef idx="0">
-            <a:schemeClr val="accent1"/>
-          </a:effectRef>
-          <a:fontRef idx="minor">
-            <a:schemeClr val="lt1"/>
-          </a:fontRef>
-        </p:style>
-        <p:txBody>
-          <a:bodyPr anchor="ctr"/>
-          <a:lstStyle/>
-          <a:p>
-            <a:pPr marL="0" marR="0" lvl="0" indent="0" algn="ctr" defTabSz="914400" rtl="0" eaLnBrk="1" fontAlgn="auto" latinLnBrk="0" hangingPunct="1">
-              <a:lnSpc>
-                <a:spcPct val="100000"/>
-              </a:lnSpc>
-              <a:spcBef>
-                <a:spcPts val="0"/>
-              </a:spcBef>
-              <a:spcAft>
-                <a:spcPts val="0"/>
-              </a:spcAft>
-              <a:buClrTx/>
-              <a:buSzTx/>
-              <a:buFontTx/>
-              <a:buNone/>
-              <a:defRPr/>
-            </a:pPr>
-            <a:endParaRPr kumimoji="0" lang="zh-CN" altLang="en-US" sz="1800" b="0" i="0" u="none" strike="noStrike" kern="1200" cap="none" spc="0" normalizeH="0" baseline="0" noProof="0">
-              <a:ln>
-                <a:noFill/>
-              </a:ln>
-              <a:solidFill>
-                <a:schemeClr val="lt1"/>
-              </a:solidFill>
-              <a:effectLst/>
-              <a:uLnTx/>
-              <a:uFillTx/>
-              <a:latin typeface="+mn-lt"/>
-              <a:ea typeface="+mn-ea"/>
-              <a:cs typeface="+mn-cs"/>
-            </a:endParaRPr>
-          </a:p>
-        </p:txBody>
-      </p:sp>
-      <p:sp>
-        <p:nvSpPr>
-          <p:cNvPr id="24591" name="TextBox 35"/>
-          <p:cNvSpPr txBox="1"/>
-          <p:nvPr/>
-        </p:nvSpPr>
-        <p:spPr>
-          <a:xfrm>
-            <a:off x="6619875" y="1846263"/>
-            <a:ext cx="4572000" cy="736600"/>
-          </a:xfrm>
-          <a:prstGeom prst="rect">
-            <a:avLst/>
-          </a:prstGeom>
-          <a:noFill/>
-          <a:ln w="9525">
-            <a:noFill/>
-          </a:ln>
-        </p:spPr>
-        <p:txBody>
-          <a:bodyPr anchor="t" anchorCtr="0">
-            <a:spAutoFit/>
-          </a:bodyPr>
-          <a:p>
-            <a:pPr algn="just"/>
-            <a:r>
-              <a:rPr lang="zh-CN" altLang="zh-CN" sz="1400" dirty="0">
-                <a:solidFill>
-                  <a:schemeClr val="bg1"/>
-                </a:solidFill>
-                <a:latin typeface="Microsoft YaHei" panose="020B0503020204020204" pitchFamily="34" charset="-122"/>
-                <a:ea typeface="Microsoft YaHei" panose="020B0503020204020204" pitchFamily="34" charset="-122"/>
-              </a:rPr>
-              <a:t>Add your words here,according to your need to draw the text box size.Please read the instructions and more work at the end of the manual template.</a:t>
-            </a:r>
-            <a:endParaRPr lang="zh-CN" altLang="zh-CN" sz="1400" dirty="0">
-              <a:solidFill>
-                <a:schemeClr val="bg1"/>
-              </a:solidFill>
-              <a:latin typeface="Microsoft YaHei" panose="020B0503020204020204" pitchFamily="34" charset="-122"/>
-              <a:ea typeface="Microsoft YaHei" panose="020B0503020204020204" pitchFamily="34" charset="-122"/>
-            </a:endParaRPr>
-          </a:p>
-        </p:txBody>
-      </p:sp>
-      <p:sp>
-        <p:nvSpPr>
-          <p:cNvPr id="24592" name="TextBox 35"/>
-          <p:cNvSpPr txBox="1"/>
-          <p:nvPr/>
-        </p:nvSpPr>
-        <p:spPr>
-          <a:xfrm>
-            <a:off x="6619875" y="3351213"/>
-            <a:ext cx="4572000" cy="736600"/>
-          </a:xfrm>
-          <a:prstGeom prst="rect">
-            <a:avLst/>
-          </a:prstGeom>
-          <a:noFill/>
-          <a:ln w="9525">
-            <a:noFill/>
-          </a:ln>
-        </p:spPr>
-        <p:txBody>
-          <a:bodyPr anchor="t" anchorCtr="0">
-            <a:spAutoFit/>
-          </a:bodyPr>
-          <a:p>
-            <a:pPr algn="just"/>
-            <a:r>
-              <a:rPr lang="zh-CN" altLang="zh-CN" sz="1400" dirty="0">
-                <a:solidFill>
-                  <a:schemeClr val="bg1"/>
-                </a:solidFill>
-                <a:latin typeface="Microsoft YaHei" panose="020B0503020204020204" pitchFamily="34" charset="-122"/>
-                <a:ea typeface="Microsoft YaHei" panose="020B0503020204020204" pitchFamily="34" charset="-122"/>
-              </a:rPr>
-              <a:t>Add your words here,according to your need to draw the text box size.Please read the instructions and more work at the end of the manual template.</a:t>
-            </a:r>
-            <a:endParaRPr lang="zh-CN" altLang="zh-CN" sz="1400" dirty="0">
-              <a:solidFill>
-                <a:schemeClr val="bg1"/>
-              </a:solidFill>
-              <a:latin typeface="Microsoft YaHei" panose="020B0503020204020204" pitchFamily="34" charset="-122"/>
-              <a:ea typeface="Microsoft YaHei" panose="020B0503020204020204" pitchFamily="34" charset="-122"/>
-            </a:endParaRPr>
-          </a:p>
-        </p:txBody>
-      </p:sp>
-      <p:sp>
-        <p:nvSpPr>
-          <p:cNvPr id="24593" name="TextBox 35"/>
-          <p:cNvSpPr txBox="1"/>
-          <p:nvPr/>
-        </p:nvSpPr>
-        <p:spPr>
-          <a:xfrm>
-            <a:off x="6619875" y="4959350"/>
-            <a:ext cx="4572000" cy="736600"/>
-          </a:xfrm>
-          <a:prstGeom prst="rect">
-            <a:avLst/>
-          </a:prstGeom>
-          <a:noFill/>
-          <a:ln w="9525">
-            <a:noFill/>
-          </a:ln>
-        </p:spPr>
-        <p:txBody>
-          <a:bodyPr anchor="t" anchorCtr="0">
-            <a:spAutoFit/>
-          </a:bodyPr>
-          <a:p>
-            <a:pPr algn="just"/>
-            <a:r>
-              <a:rPr lang="zh-CN" altLang="zh-CN" sz="1400" dirty="0">
-                <a:solidFill>
-                  <a:schemeClr val="bg1"/>
-                </a:solidFill>
-                <a:latin typeface="Microsoft YaHei" panose="020B0503020204020204" pitchFamily="34" charset="-122"/>
-                <a:ea typeface="Microsoft YaHei" panose="020B0503020204020204" pitchFamily="34" charset="-122"/>
-              </a:rPr>
-              <a:t>Add your words here,according to your need to draw the text box size.Please read the instructions and more work at the end of the manual template.</a:t>
-            </a:r>
-            <a:endParaRPr lang="zh-CN" altLang="zh-CN" sz="1400" dirty="0">
-              <a:solidFill>
-                <a:schemeClr val="bg1"/>
-              </a:solidFill>
-              <a:latin typeface="Microsoft YaHei" panose="020B0503020204020204" pitchFamily="34" charset="-122"/>
-              <a:ea typeface="Microsoft YaHei" panose="020B0503020204020204" pitchFamily="34" charset="-122"/>
-            </a:endParaRPr>
           </a:p>
         </p:txBody>
       </p:sp>
@@ -13573,7 +13219,7 @@
     <p:bg>
       <p:bgPr>
         <a:blipFill rotWithShape="0">
-          <a:blip r:embed="rId1"/>
+          <a:blip r:embed="rId2"/>
           <a:stretch>
             <a:fillRect/>
           </a:stretch>
@@ -13587,7 +13233,14 @@
         <p:cNvGrpSpPr/>
         <p:nvPr/>
       </p:nvGrpSpPr>
-      <p:grpSpPr/>
+      <p:grpSpPr>
+        <a:xfrm>
+          <a:off x="0" y="0"/>
+          <a:ext cx="0" cy="0"/>
+          <a:chOff x="0" y="0"/>
+          <a:chExt cx="0" cy="0"/>
+        </a:xfrm>
+      </p:grpSpPr>
       <p:grpSp>
         <p:nvGrpSpPr>
           <p:cNvPr id="5122" name="组合 7"/>
@@ -13814,6 +13467,7 @@
             <a:bodyPr anchor="t" anchorCtr="0">
               <a:spAutoFit/>
             </a:bodyPr>
+            <a:lstStyle/>
             <a:p>
               <a:r>
                 <a:rPr lang="en-US" altLang="zh-CN" sz="2400" b="1" dirty="0">
@@ -13987,6 +13641,7 @@
             <a:bodyPr anchor="t" anchorCtr="0">
               <a:spAutoFit/>
             </a:bodyPr>
+            <a:lstStyle/>
             <a:p>
               <a:pPr algn="ctr"/>
               <a:r>
@@ -14236,6 +13891,7 @@
             <a:bodyPr wrap="square" anchor="t" anchorCtr="0">
               <a:spAutoFit/>
             </a:bodyPr>
+            <a:lstStyle/>
             <a:p>
               <a:r>
                 <a:rPr lang="en-US" altLang="zh-CN" sz="2400" b="1" dirty="0">
@@ -14247,13 +13903,6 @@
                 </a:rPr>
                 <a:t>NFC Protocol (APDU)</a:t>
               </a:r>
-              <a:endParaRPr lang="en-US" altLang="zh-CN" sz="2400" b="1" dirty="0">
-                <a:solidFill>
-                  <a:schemeClr val="bg1"/>
-                </a:solidFill>
-                <a:latin typeface="Microsoft YaHei" panose="020B0503020204020204" pitchFamily="34" charset="-122"/>
-                <a:ea typeface="Microsoft YaHei" panose="020B0503020204020204" pitchFamily="34" charset="-122"/>
-              </a:endParaRPr>
             </a:p>
           </p:txBody>
         </p:sp>
@@ -14409,6 +14058,7 @@
             <a:bodyPr anchor="t" anchorCtr="0">
               <a:spAutoFit/>
             </a:bodyPr>
+            <a:lstStyle/>
             <a:p>
               <a:pPr algn="ctr"/>
               <a:r>
@@ -14658,6 +14308,7 @@
             <a:bodyPr anchor="t" anchorCtr="0">
               <a:spAutoFit/>
             </a:bodyPr>
+            <a:lstStyle/>
             <a:p>
               <a:r>
                 <a:rPr lang="en-US" altLang="zh-CN" sz="2400" b="1" dirty="0">
@@ -14669,13 +14320,6 @@
                 </a:rPr>
                 <a:t>Read an NFC Card</a:t>
               </a:r>
-              <a:endParaRPr lang="en-US" altLang="zh-CN" sz="2400" b="1" dirty="0">
-                <a:solidFill>
-                  <a:schemeClr val="bg1"/>
-                </a:solidFill>
-                <a:latin typeface="Microsoft YaHei" panose="020B0503020204020204" pitchFamily="34" charset="-122"/>
-                <a:ea typeface="Microsoft YaHei" panose="020B0503020204020204" pitchFamily="34" charset="-122"/>
-              </a:endParaRPr>
             </a:p>
           </p:txBody>
         </p:sp>
@@ -14831,6 +14475,7 @@
             <a:bodyPr anchor="t" anchorCtr="0">
               <a:spAutoFit/>
             </a:bodyPr>
+            <a:lstStyle/>
             <a:p>
               <a:pPr algn="ctr"/>
               <a:r>
@@ -15080,6 +14725,7 @@
             <a:bodyPr wrap="square" anchor="t" anchorCtr="0">
               <a:spAutoFit/>
             </a:bodyPr>
+            <a:lstStyle/>
             <a:p>
               <a:r>
                 <a:rPr lang="en-US" altLang="zh-CN" sz="2400" b="1" dirty="0">
@@ -15091,13 +14737,6 @@
                 </a:rPr>
                 <a:t>Simulate an NFC Card</a:t>
               </a:r>
-              <a:endParaRPr lang="en-US" altLang="zh-CN" sz="2400" b="1" dirty="0">
-                <a:solidFill>
-                  <a:schemeClr val="bg1"/>
-                </a:solidFill>
-                <a:latin typeface="Microsoft YaHei" panose="020B0503020204020204" pitchFamily="34" charset="-122"/>
-                <a:ea typeface="Microsoft YaHei" panose="020B0503020204020204" pitchFamily="34" charset="-122"/>
-              </a:endParaRPr>
             </a:p>
           </p:txBody>
         </p:sp>
@@ -15253,6 +14892,7 @@
             <a:bodyPr anchor="t" anchorCtr="0">
               <a:spAutoFit/>
             </a:bodyPr>
+            <a:lstStyle/>
             <a:p>
               <a:pPr algn="ctr"/>
               <a:r>
@@ -15504,6 +15144,7 @@
           <a:bodyPr anchor="t" anchorCtr="0">
             <a:spAutoFit/>
           </a:bodyPr>
+          <a:lstStyle/>
           <a:p>
             <a:r>
               <a:rPr lang="en-US" altLang="zh-CN" sz="2800" b="1" dirty="0">
@@ -15542,7 +15183,7 @@
     <p:bg>
       <p:bgPr>
         <a:blipFill rotWithShape="0">
-          <a:blip r:embed="rId1"/>
+          <a:blip r:embed="rId2"/>
           <a:stretch>
             <a:fillRect/>
           </a:stretch>
@@ -15556,7 +15197,14 @@
         <p:cNvGrpSpPr/>
         <p:nvPr/>
       </p:nvGrpSpPr>
-      <p:grpSpPr/>
+      <p:grpSpPr>
+        <a:xfrm>
+          <a:off x="0" y="0"/>
+          <a:ext cx="0" cy="0"/>
+          <a:chOff x="0" y="0"/>
+          <a:chExt cx="0" cy="0"/>
+        </a:xfrm>
+      </p:grpSpPr>
       <p:sp>
         <p:nvSpPr>
           <p:cNvPr id="24578" name="文本框 1"/>
@@ -15580,6 +15228,7 @@
           <a:bodyPr anchor="t" anchorCtr="0">
             <a:spAutoFit/>
           </a:bodyPr>
+          <a:lstStyle/>
           <a:p>
             <a:r>
               <a:rPr lang="zh-CN" altLang="en-US" sz="2400" b="1" dirty="0">
@@ -15591,13 +15240,6 @@
               </a:rPr>
               <a:t>Add your title</a:t>
             </a:r>
-            <a:endParaRPr lang="zh-CN" altLang="en-US" sz="2400" b="1" dirty="0">
-              <a:solidFill>
-                <a:srgbClr val="00B0F0"/>
-              </a:solidFill>
-              <a:latin typeface="Microsoft YaHei" panose="020B0503020204020204" pitchFamily="34" charset="-122"/>
-              <a:ea typeface="Microsoft YaHei" panose="020B0503020204020204" pitchFamily="34" charset="-122"/>
-            </a:endParaRPr>
           </a:p>
         </p:txBody>
       </p:sp>
@@ -15852,6 +15494,7 @@
           <a:bodyPr anchor="t" anchorCtr="0">
             <a:spAutoFit/>
           </a:bodyPr>
+          <a:lstStyle/>
           <a:p>
             <a:pPr algn="just"/>
             <a:r>
@@ -15864,13 +15507,6 @@
               </a:rPr>
               <a:t>Add your words here,according to your need to draw the text box size.Please read the instructions and more work at the end of the manual template.</a:t>
             </a:r>
-            <a:endParaRPr lang="zh-CN" altLang="zh-CN" sz="1400" dirty="0">
-              <a:solidFill>
-                <a:schemeClr val="bg1"/>
-              </a:solidFill>
-              <a:latin typeface="Microsoft YaHei" panose="020B0503020204020204" pitchFamily="34" charset="-122"/>
-              <a:ea typeface="Microsoft YaHei" panose="020B0503020204020204" pitchFamily="34" charset="-122"/>
-            </a:endParaRPr>
           </a:p>
         </p:txBody>
       </p:sp>
@@ -15897,6 +15533,7 @@
           <a:bodyPr anchor="t" anchorCtr="0">
             <a:spAutoFit/>
           </a:bodyPr>
+          <a:lstStyle/>
           <a:p>
             <a:pPr algn="just"/>
             <a:r>
@@ -15909,13 +15546,6 @@
               </a:rPr>
               <a:t>Add your words here,according to your need to draw the text box size.Please read the instructions and more work at the end of the manual template.</a:t>
             </a:r>
-            <a:endParaRPr lang="zh-CN" altLang="zh-CN" sz="1400" dirty="0">
-              <a:solidFill>
-                <a:schemeClr val="bg1"/>
-              </a:solidFill>
-              <a:latin typeface="Microsoft YaHei" panose="020B0503020204020204" pitchFamily="34" charset="-122"/>
-              <a:ea typeface="Microsoft YaHei" panose="020B0503020204020204" pitchFamily="34" charset="-122"/>
-            </a:endParaRPr>
           </a:p>
         </p:txBody>
       </p:sp>
@@ -15942,6 +15572,7 @@
           <a:bodyPr anchor="t" anchorCtr="0">
             <a:spAutoFit/>
           </a:bodyPr>
+          <a:lstStyle/>
           <a:p>
             <a:pPr algn="just"/>
             <a:r>
@@ -15954,13 +15585,6 @@
               </a:rPr>
               <a:t>Add your words here,according to your need to draw the text box size.Please read the instructions and more work at the end of the manual template.</a:t>
             </a:r>
-            <a:endParaRPr lang="zh-CN" altLang="zh-CN" sz="1400" dirty="0">
-              <a:solidFill>
-                <a:schemeClr val="bg1"/>
-              </a:solidFill>
-              <a:latin typeface="Microsoft YaHei" panose="020B0503020204020204" pitchFamily="34" charset="-122"/>
-              <a:ea typeface="Microsoft YaHei" panose="020B0503020204020204" pitchFamily="34" charset="-122"/>
-            </a:endParaRPr>
           </a:p>
         </p:txBody>
       </p:sp>
@@ -15981,7 +15605,7 @@
     <p:bg>
       <p:bgPr>
         <a:blipFill rotWithShape="0">
-          <a:blip r:embed="rId1"/>
+          <a:blip r:embed="rId2"/>
           <a:stretch>
             <a:fillRect/>
           </a:stretch>
@@ -15995,7 +15619,14 @@
         <p:cNvGrpSpPr/>
         <p:nvPr/>
       </p:nvGrpSpPr>
-      <p:grpSpPr/>
+      <p:grpSpPr>
+        <a:xfrm>
+          <a:off x="0" y="0"/>
+          <a:ext cx="0" cy="0"/>
+          <a:chOff x="0" y="0"/>
+          <a:chExt cx="0" cy="0"/>
+        </a:xfrm>
+      </p:grpSpPr>
       <p:sp>
         <p:nvSpPr>
           <p:cNvPr id="24578" name="文本框 1"/>
@@ -16019,6 +15650,7 @@
           <a:bodyPr anchor="t" anchorCtr="0">
             <a:spAutoFit/>
           </a:bodyPr>
+          <a:lstStyle/>
           <a:p>
             <a:r>
               <a:rPr lang="zh-CN" altLang="en-US" sz="2400" b="1" dirty="0">
@@ -16030,13 +15662,6 @@
               </a:rPr>
               <a:t>Add your title</a:t>
             </a:r>
-            <a:endParaRPr lang="zh-CN" altLang="en-US" sz="2400" b="1" dirty="0">
-              <a:solidFill>
-                <a:srgbClr val="00B0F0"/>
-              </a:solidFill>
-              <a:latin typeface="Microsoft YaHei" panose="020B0503020204020204" pitchFamily="34" charset="-122"/>
-              <a:ea typeface="Microsoft YaHei" panose="020B0503020204020204" pitchFamily="34" charset="-122"/>
-            </a:endParaRPr>
           </a:p>
         </p:txBody>
       </p:sp>
@@ -16291,6 +15916,7 @@
           <a:bodyPr anchor="t" anchorCtr="0">
             <a:spAutoFit/>
           </a:bodyPr>
+          <a:lstStyle/>
           <a:p>
             <a:pPr algn="just"/>
             <a:r>
@@ -16303,13 +15929,6 @@
               </a:rPr>
               <a:t>Add your words here,according to your need to draw the text box size.Please read the instructions and more work at the end of the manual template.</a:t>
             </a:r>
-            <a:endParaRPr lang="zh-CN" altLang="zh-CN" sz="1400" dirty="0">
-              <a:solidFill>
-                <a:schemeClr val="bg1"/>
-              </a:solidFill>
-              <a:latin typeface="Microsoft YaHei" panose="020B0503020204020204" pitchFamily="34" charset="-122"/>
-              <a:ea typeface="Microsoft YaHei" panose="020B0503020204020204" pitchFamily="34" charset="-122"/>
-            </a:endParaRPr>
           </a:p>
         </p:txBody>
       </p:sp>
@@ -16336,6 +15955,7 @@
           <a:bodyPr anchor="t" anchorCtr="0">
             <a:spAutoFit/>
           </a:bodyPr>
+          <a:lstStyle/>
           <a:p>
             <a:pPr algn="just"/>
             <a:r>
@@ -16348,13 +15968,6 @@
               </a:rPr>
               <a:t>Add your words here,according to your need to draw the text box size.Please read the instructions and more work at the end of the manual template.</a:t>
             </a:r>
-            <a:endParaRPr lang="zh-CN" altLang="zh-CN" sz="1400" dirty="0">
-              <a:solidFill>
-                <a:schemeClr val="bg1"/>
-              </a:solidFill>
-              <a:latin typeface="Microsoft YaHei" panose="020B0503020204020204" pitchFamily="34" charset="-122"/>
-              <a:ea typeface="Microsoft YaHei" panose="020B0503020204020204" pitchFamily="34" charset="-122"/>
-            </a:endParaRPr>
           </a:p>
         </p:txBody>
       </p:sp>
@@ -16381,6 +15994,7 @@
           <a:bodyPr anchor="t" anchorCtr="0">
             <a:spAutoFit/>
           </a:bodyPr>
+          <a:lstStyle/>
           <a:p>
             <a:pPr algn="just"/>
             <a:r>
@@ -16393,13 +16007,850 @@
               </a:rPr>
               <a:t>Add your words here,according to your need to draw the text box size.Please read the instructions and more work at the end of the manual template.</a:t>
             </a:r>
-            <a:endParaRPr lang="zh-CN" altLang="zh-CN" sz="1400" dirty="0">
+          </a:p>
+        </p:txBody>
+      </p:sp>
+    </p:spTree>
+  </p:cSld>
+  <p:clrMapOvr>
+    <a:masterClrMapping/>
+  </p:clrMapOvr>
+  <p:transition spd="slow">
+    <p:wipe/>
+  </p:transition>
+</p:sld>
+</file>
+
+<file path=ppt/slides/slide22.xml><?xml version="1.0" encoding="utf-8"?>
+<p:sld xmlns:a="http://schemas.openxmlformats.org/drawingml/2006/main" xmlns:r="http://schemas.openxmlformats.org/officeDocument/2006/relationships" xmlns:p="http://schemas.openxmlformats.org/presentationml/2006/main">
+  <p:cSld>
+    <p:bg>
+      <p:bgPr>
+        <a:blipFill rotWithShape="0">
+          <a:blip r:embed="rId2"/>
+          <a:stretch>
+            <a:fillRect/>
+          </a:stretch>
+        </a:blipFill>
+        <a:effectLst/>
+      </p:bgPr>
+    </p:bg>
+    <p:spTree>
+      <p:nvGrpSpPr>
+        <p:cNvPr id="1" name=""/>
+        <p:cNvGrpSpPr/>
+        <p:nvPr/>
+      </p:nvGrpSpPr>
+      <p:grpSpPr>
+        <a:xfrm>
+          <a:off x="0" y="0"/>
+          <a:ext cx="0" cy="0"/>
+          <a:chOff x="0" y="0"/>
+          <a:chExt cx="0" cy="0"/>
+        </a:xfrm>
+      </p:grpSpPr>
+      <p:sp>
+        <p:nvSpPr>
+          <p:cNvPr id="24578" name="文本框 1"/>
+          <p:cNvSpPr txBox="1"/>
+          <p:nvPr/>
+        </p:nvSpPr>
+        <p:spPr>
+          <a:xfrm>
+            <a:off x="333375" y="217488"/>
+            <a:ext cx="2671763" cy="460375"/>
+          </a:xfrm>
+          <a:prstGeom prst="rect">
+            <a:avLst/>
+          </a:prstGeom>
+          <a:noFill/>
+          <a:ln w="9525">
+            <a:noFill/>
+          </a:ln>
+        </p:spPr>
+        <p:txBody>
+          <a:bodyPr anchor="t" anchorCtr="0">
+            <a:spAutoFit/>
+          </a:bodyPr>
+          <a:lstStyle/>
+          <a:p>
+            <a:r>
+              <a:rPr lang="zh-CN" altLang="en-US" sz="2400" b="1" dirty="0">
+                <a:solidFill>
+                  <a:srgbClr val="00B0F0"/>
+                </a:solidFill>
+                <a:latin typeface="Microsoft YaHei" panose="020B0503020204020204" pitchFamily="34" charset="-122"/>
+                <a:ea typeface="Microsoft YaHei" panose="020B0503020204020204" pitchFamily="34" charset="-122"/>
+              </a:rPr>
+              <a:t>Add your title</a:t>
+            </a:r>
+          </a:p>
+        </p:txBody>
+      </p:sp>
+      <p:sp>
+        <p:nvSpPr>
+          <p:cNvPr id="9" name="矩形 8"/>
+          <p:cNvSpPr/>
+          <p:nvPr/>
+        </p:nvSpPr>
+        <p:spPr>
+          <a:xfrm>
+            <a:off x="6437313" y="1733550"/>
+            <a:ext cx="92075" cy="990600"/>
+          </a:xfrm>
+          <a:prstGeom prst="rect">
+            <a:avLst/>
+          </a:prstGeom>
+          <a:solidFill>
+            <a:schemeClr val="bg1">
+              <a:alpha val="28000"/>
+            </a:schemeClr>
+          </a:solidFill>
+          <a:ln>
+            <a:noFill/>
+          </a:ln>
+        </p:spPr>
+        <p:style>
+          <a:lnRef idx="2">
+            <a:schemeClr val="accent1">
+              <a:shade val="50000"/>
+            </a:schemeClr>
+          </a:lnRef>
+          <a:fillRef idx="1">
+            <a:schemeClr val="accent1"/>
+          </a:fillRef>
+          <a:effectRef idx="0">
+            <a:schemeClr val="accent1"/>
+          </a:effectRef>
+          <a:fontRef idx="minor">
+            <a:schemeClr val="lt1"/>
+          </a:fontRef>
+        </p:style>
+        <p:txBody>
+          <a:bodyPr anchor="ctr"/>
+          <a:lstStyle/>
+          <a:p>
+            <a:pPr marL="0" marR="0" lvl="0" indent="0" algn="ctr" defTabSz="914400" rtl="0" eaLnBrk="1" fontAlgn="auto" latinLnBrk="0" hangingPunct="1">
+              <a:lnSpc>
+                <a:spcPct val="100000"/>
+              </a:lnSpc>
+              <a:spcBef>
+                <a:spcPts val="0"/>
+              </a:spcBef>
+              <a:spcAft>
+                <a:spcPts val="0"/>
+              </a:spcAft>
+              <a:buClrTx/>
+              <a:buSzTx/>
+              <a:buFontTx/>
+              <a:buNone/>
+              <a:defRPr/>
+            </a:pPr>
+            <a:endParaRPr kumimoji="0" lang="zh-CN" altLang="en-US" sz="1800" b="0" i="0" u="none" strike="noStrike" kern="1200" cap="none" spc="0" normalizeH="0" baseline="0" noProof="0">
+              <a:ln>
+                <a:noFill/>
+              </a:ln>
               <a:solidFill>
-                <a:schemeClr val="bg1"/>
+                <a:schemeClr val="lt1"/>
               </a:solidFill>
-              <a:latin typeface="Microsoft YaHei" panose="020B0503020204020204" pitchFamily="34" charset="-122"/>
-              <a:ea typeface="Microsoft YaHei" panose="020B0503020204020204" pitchFamily="34" charset="-122"/>
+              <a:effectLst/>
+              <a:uLnTx/>
+              <a:uFillTx/>
+              <a:latin typeface="+mn-lt"/>
+              <a:ea typeface="+mn-ea"/>
+              <a:cs typeface="+mn-cs"/>
             </a:endParaRPr>
+          </a:p>
+        </p:txBody>
+      </p:sp>
+      <p:sp>
+        <p:nvSpPr>
+          <p:cNvPr id="10" name="矩形 9"/>
+          <p:cNvSpPr/>
+          <p:nvPr/>
+        </p:nvSpPr>
+        <p:spPr>
+          <a:xfrm>
+            <a:off x="6437313" y="3238500"/>
+            <a:ext cx="92075" cy="990600"/>
+          </a:xfrm>
+          <a:prstGeom prst="rect">
+            <a:avLst/>
+          </a:prstGeom>
+          <a:solidFill>
+            <a:schemeClr val="bg1">
+              <a:alpha val="28000"/>
+            </a:schemeClr>
+          </a:solidFill>
+          <a:ln>
+            <a:noFill/>
+          </a:ln>
+        </p:spPr>
+        <p:style>
+          <a:lnRef idx="2">
+            <a:schemeClr val="accent1">
+              <a:shade val="50000"/>
+            </a:schemeClr>
+          </a:lnRef>
+          <a:fillRef idx="1">
+            <a:schemeClr val="accent1"/>
+          </a:fillRef>
+          <a:effectRef idx="0">
+            <a:schemeClr val="accent1"/>
+          </a:effectRef>
+          <a:fontRef idx="minor">
+            <a:schemeClr val="lt1"/>
+          </a:fontRef>
+        </p:style>
+        <p:txBody>
+          <a:bodyPr anchor="ctr"/>
+          <a:lstStyle/>
+          <a:p>
+            <a:pPr marL="0" marR="0" lvl="0" indent="0" algn="ctr" defTabSz="914400" rtl="0" eaLnBrk="1" fontAlgn="auto" latinLnBrk="0" hangingPunct="1">
+              <a:lnSpc>
+                <a:spcPct val="100000"/>
+              </a:lnSpc>
+              <a:spcBef>
+                <a:spcPts val="0"/>
+              </a:spcBef>
+              <a:spcAft>
+                <a:spcPts val="0"/>
+              </a:spcAft>
+              <a:buClrTx/>
+              <a:buSzTx/>
+              <a:buFontTx/>
+              <a:buNone/>
+              <a:defRPr/>
+            </a:pPr>
+            <a:endParaRPr kumimoji="0" lang="zh-CN" altLang="en-US" sz="1800" b="0" i="0" u="none" strike="noStrike" kern="1200" cap="none" spc="0" normalizeH="0" baseline="0" noProof="0">
+              <a:ln>
+                <a:noFill/>
+              </a:ln>
+              <a:solidFill>
+                <a:schemeClr val="lt1"/>
+              </a:solidFill>
+              <a:effectLst/>
+              <a:uLnTx/>
+              <a:uFillTx/>
+              <a:latin typeface="+mn-lt"/>
+              <a:ea typeface="+mn-ea"/>
+              <a:cs typeface="+mn-cs"/>
+            </a:endParaRPr>
+          </a:p>
+        </p:txBody>
+      </p:sp>
+      <p:sp>
+        <p:nvSpPr>
+          <p:cNvPr id="11" name="矩形 10"/>
+          <p:cNvSpPr/>
+          <p:nvPr/>
+        </p:nvSpPr>
+        <p:spPr>
+          <a:xfrm>
+            <a:off x="6437313" y="4821238"/>
+            <a:ext cx="92075" cy="990600"/>
+          </a:xfrm>
+          <a:prstGeom prst="rect">
+            <a:avLst/>
+          </a:prstGeom>
+          <a:solidFill>
+            <a:schemeClr val="bg1">
+              <a:alpha val="28000"/>
+            </a:schemeClr>
+          </a:solidFill>
+          <a:ln>
+            <a:noFill/>
+          </a:ln>
+        </p:spPr>
+        <p:style>
+          <a:lnRef idx="2">
+            <a:schemeClr val="accent1">
+              <a:shade val="50000"/>
+            </a:schemeClr>
+          </a:lnRef>
+          <a:fillRef idx="1">
+            <a:schemeClr val="accent1"/>
+          </a:fillRef>
+          <a:effectRef idx="0">
+            <a:schemeClr val="accent1"/>
+          </a:effectRef>
+          <a:fontRef idx="minor">
+            <a:schemeClr val="lt1"/>
+          </a:fontRef>
+        </p:style>
+        <p:txBody>
+          <a:bodyPr anchor="ctr"/>
+          <a:lstStyle/>
+          <a:p>
+            <a:pPr marL="0" marR="0" lvl="0" indent="0" algn="ctr" defTabSz="914400" rtl="0" eaLnBrk="1" fontAlgn="auto" latinLnBrk="0" hangingPunct="1">
+              <a:lnSpc>
+                <a:spcPct val="100000"/>
+              </a:lnSpc>
+              <a:spcBef>
+                <a:spcPts val="0"/>
+              </a:spcBef>
+              <a:spcAft>
+                <a:spcPts val="0"/>
+              </a:spcAft>
+              <a:buClrTx/>
+              <a:buSzTx/>
+              <a:buFontTx/>
+              <a:buNone/>
+              <a:defRPr/>
+            </a:pPr>
+            <a:endParaRPr kumimoji="0" lang="zh-CN" altLang="en-US" sz="1800" b="0" i="0" u="none" strike="noStrike" kern="1200" cap="none" spc="0" normalizeH="0" baseline="0" noProof="0">
+              <a:ln>
+                <a:noFill/>
+              </a:ln>
+              <a:solidFill>
+                <a:schemeClr val="lt1"/>
+              </a:solidFill>
+              <a:effectLst/>
+              <a:uLnTx/>
+              <a:uFillTx/>
+              <a:latin typeface="+mn-lt"/>
+              <a:ea typeface="+mn-ea"/>
+              <a:cs typeface="+mn-cs"/>
+            </a:endParaRPr>
+          </a:p>
+        </p:txBody>
+      </p:sp>
+      <p:sp>
+        <p:nvSpPr>
+          <p:cNvPr id="24591" name="TextBox 35"/>
+          <p:cNvSpPr txBox="1"/>
+          <p:nvPr/>
+        </p:nvSpPr>
+        <p:spPr>
+          <a:xfrm>
+            <a:off x="6619875" y="1846263"/>
+            <a:ext cx="4572000" cy="736600"/>
+          </a:xfrm>
+          <a:prstGeom prst="rect">
+            <a:avLst/>
+          </a:prstGeom>
+          <a:noFill/>
+          <a:ln w="9525">
+            <a:noFill/>
+          </a:ln>
+        </p:spPr>
+        <p:txBody>
+          <a:bodyPr anchor="t" anchorCtr="0">
+            <a:spAutoFit/>
+          </a:bodyPr>
+          <a:lstStyle/>
+          <a:p>
+            <a:pPr algn="just"/>
+            <a:r>
+              <a:rPr lang="zh-CN" altLang="zh-CN" sz="1400" dirty="0">
+                <a:solidFill>
+                  <a:schemeClr val="bg1"/>
+                </a:solidFill>
+                <a:latin typeface="Microsoft YaHei" panose="020B0503020204020204" pitchFamily="34" charset="-122"/>
+                <a:ea typeface="Microsoft YaHei" panose="020B0503020204020204" pitchFamily="34" charset="-122"/>
+              </a:rPr>
+              <a:t>Add your words here,according to your need to draw the text box size.Please read the instructions and more work at the end of the manual template.</a:t>
+            </a:r>
+          </a:p>
+        </p:txBody>
+      </p:sp>
+      <p:sp>
+        <p:nvSpPr>
+          <p:cNvPr id="24592" name="TextBox 35"/>
+          <p:cNvSpPr txBox="1"/>
+          <p:nvPr/>
+        </p:nvSpPr>
+        <p:spPr>
+          <a:xfrm>
+            <a:off x="6619875" y="3351213"/>
+            <a:ext cx="4572000" cy="736600"/>
+          </a:xfrm>
+          <a:prstGeom prst="rect">
+            <a:avLst/>
+          </a:prstGeom>
+          <a:noFill/>
+          <a:ln w="9525">
+            <a:noFill/>
+          </a:ln>
+        </p:spPr>
+        <p:txBody>
+          <a:bodyPr anchor="t" anchorCtr="0">
+            <a:spAutoFit/>
+          </a:bodyPr>
+          <a:lstStyle/>
+          <a:p>
+            <a:pPr algn="just"/>
+            <a:r>
+              <a:rPr lang="zh-CN" altLang="zh-CN" sz="1400" dirty="0">
+                <a:solidFill>
+                  <a:schemeClr val="bg1"/>
+                </a:solidFill>
+                <a:latin typeface="Microsoft YaHei" panose="020B0503020204020204" pitchFamily="34" charset="-122"/>
+                <a:ea typeface="Microsoft YaHei" panose="020B0503020204020204" pitchFamily="34" charset="-122"/>
+              </a:rPr>
+              <a:t>Add your words here,according to your need to draw the text box size.Please read the instructions and more work at the end of the manual template.</a:t>
+            </a:r>
+          </a:p>
+        </p:txBody>
+      </p:sp>
+      <p:sp>
+        <p:nvSpPr>
+          <p:cNvPr id="24593" name="TextBox 35"/>
+          <p:cNvSpPr txBox="1"/>
+          <p:nvPr/>
+        </p:nvSpPr>
+        <p:spPr>
+          <a:xfrm>
+            <a:off x="6619875" y="4959350"/>
+            <a:ext cx="4572000" cy="736600"/>
+          </a:xfrm>
+          <a:prstGeom prst="rect">
+            <a:avLst/>
+          </a:prstGeom>
+          <a:noFill/>
+          <a:ln w="9525">
+            <a:noFill/>
+          </a:ln>
+        </p:spPr>
+        <p:txBody>
+          <a:bodyPr anchor="t" anchorCtr="0">
+            <a:spAutoFit/>
+          </a:bodyPr>
+          <a:lstStyle/>
+          <a:p>
+            <a:pPr algn="just"/>
+            <a:r>
+              <a:rPr lang="zh-CN" altLang="zh-CN" sz="1400" dirty="0">
+                <a:solidFill>
+                  <a:schemeClr val="bg1"/>
+                </a:solidFill>
+                <a:latin typeface="Microsoft YaHei" panose="020B0503020204020204" pitchFamily="34" charset="-122"/>
+                <a:ea typeface="Microsoft YaHei" panose="020B0503020204020204" pitchFamily="34" charset="-122"/>
+              </a:rPr>
+              <a:t>Add your words here,according to your need to draw the text box size.Please read the instructions and more work at the end of the manual template.</a:t>
+            </a:r>
+          </a:p>
+        </p:txBody>
+      </p:sp>
+    </p:spTree>
+  </p:cSld>
+  <p:clrMapOvr>
+    <a:masterClrMapping/>
+  </p:clrMapOvr>
+  <p:transition spd="slow">
+    <p:wipe/>
+  </p:transition>
+</p:sld>
+</file>
+
+<file path=ppt/slides/slide23.xml><?xml version="1.0" encoding="utf-8"?>
+<p:sld xmlns:a="http://schemas.openxmlformats.org/drawingml/2006/main" xmlns:r="http://schemas.openxmlformats.org/officeDocument/2006/relationships" xmlns:p="http://schemas.openxmlformats.org/presentationml/2006/main">
+  <p:cSld>
+    <p:bg>
+      <p:bgPr>
+        <a:blipFill rotWithShape="0">
+          <a:blip r:embed="rId2"/>
+          <a:stretch>
+            <a:fillRect/>
+          </a:stretch>
+        </a:blipFill>
+        <a:effectLst/>
+      </p:bgPr>
+    </p:bg>
+    <p:spTree>
+      <p:nvGrpSpPr>
+        <p:cNvPr id="1" name=""/>
+        <p:cNvGrpSpPr/>
+        <p:nvPr/>
+      </p:nvGrpSpPr>
+      <p:grpSpPr>
+        <a:xfrm>
+          <a:off x="0" y="0"/>
+          <a:ext cx="0" cy="0"/>
+          <a:chOff x="0" y="0"/>
+          <a:chExt cx="0" cy="0"/>
+        </a:xfrm>
+      </p:grpSpPr>
+      <p:sp>
+        <p:nvSpPr>
+          <p:cNvPr id="24578" name="文本框 1"/>
+          <p:cNvSpPr txBox="1"/>
+          <p:nvPr/>
+        </p:nvSpPr>
+        <p:spPr>
+          <a:xfrm>
+            <a:off x="333375" y="217488"/>
+            <a:ext cx="2671763" cy="460375"/>
+          </a:xfrm>
+          <a:prstGeom prst="rect">
+            <a:avLst/>
+          </a:prstGeom>
+          <a:noFill/>
+          <a:ln w="9525">
+            <a:noFill/>
+          </a:ln>
+        </p:spPr>
+        <p:txBody>
+          <a:bodyPr anchor="t" anchorCtr="0">
+            <a:spAutoFit/>
+          </a:bodyPr>
+          <a:lstStyle/>
+          <a:p>
+            <a:r>
+              <a:rPr lang="zh-CN" altLang="en-US" sz="2400" b="1" dirty="0">
+                <a:solidFill>
+                  <a:srgbClr val="00B0F0"/>
+                </a:solidFill>
+                <a:latin typeface="Microsoft YaHei" panose="020B0503020204020204" pitchFamily="34" charset="-122"/>
+                <a:ea typeface="Microsoft YaHei" panose="020B0503020204020204" pitchFamily="34" charset="-122"/>
+              </a:rPr>
+              <a:t>Add your title</a:t>
+            </a:r>
+          </a:p>
+        </p:txBody>
+      </p:sp>
+      <p:sp>
+        <p:nvSpPr>
+          <p:cNvPr id="9" name="矩形 8"/>
+          <p:cNvSpPr/>
+          <p:nvPr/>
+        </p:nvSpPr>
+        <p:spPr>
+          <a:xfrm>
+            <a:off x="6437313" y="1733550"/>
+            <a:ext cx="92075" cy="990600"/>
+          </a:xfrm>
+          <a:prstGeom prst="rect">
+            <a:avLst/>
+          </a:prstGeom>
+          <a:solidFill>
+            <a:schemeClr val="bg1">
+              <a:alpha val="28000"/>
+            </a:schemeClr>
+          </a:solidFill>
+          <a:ln>
+            <a:noFill/>
+          </a:ln>
+        </p:spPr>
+        <p:style>
+          <a:lnRef idx="2">
+            <a:schemeClr val="accent1">
+              <a:shade val="50000"/>
+            </a:schemeClr>
+          </a:lnRef>
+          <a:fillRef idx="1">
+            <a:schemeClr val="accent1"/>
+          </a:fillRef>
+          <a:effectRef idx="0">
+            <a:schemeClr val="accent1"/>
+          </a:effectRef>
+          <a:fontRef idx="minor">
+            <a:schemeClr val="lt1"/>
+          </a:fontRef>
+        </p:style>
+        <p:txBody>
+          <a:bodyPr anchor="ctr"/>
+          <a:lstStyle/>
+          <a:p>
+            <a:pPr marL="0" marR="0" lvl="0" indent="0" algn="ctr" defTabSz="914400" rtl="0" eaLnBrk="1" fontAlgn="auto" latinLnBrk="0" hangingPunct="1">
+              <a:lnSpc>
+                <a:spcPct val="100000"/>
+              </a:lnSpc>
+              <a:spcBef>
+                <a:spcPts val="0"/>
+              </a:spcBef>
+              <a:spcAft>
+                <a:spcPts val="0"/>
+              </a:spcAft>
+              <a:buClrTx/>
+              <a:buSzTx/>
+              <a:buFontTx/>
+              <a:buNone/>
+              <a:defRPr/>
+            </a:pPr>
+            <a:endParaRPr kumimoji="0" lang="zh-CN" altLang="en-US" sz="1800" b="0" i="0" u="none" strike="noStrike" kern="1200" cap="none" spc="0" normalizeH="0" baseline="0" noProof="0">
+              <a:ln>
+                <a:noFill/>
+              </a:ln>
+              <a:solidFill>
+                <a:schemeClr val="lt1"/>
+              </a:solidFill>
+              <a:effectLst/>
+              <a:uLnTx/>
+              <a:uFillTx/>
+              <a:latin typeface="+mn-lt"/>
+              <a:ea typeface="+mn-ea"/>
+              <a:cs typeface="+mn-cs"/>
+            </a:endParaRPr>
+          </a:p>
+        </p:txBody>
+      </p:sp>
+      <p:sp>
+        <p:nvSpPr>
+          <p:cNvPr id="10" name="矩形 9"/>
+          <p:cNvSpPr/>
+          <p:nvPr/>
+        </p:nvSpPr>
+        <p:spPr>
+          <a:xfrm>
+            <a:off x="6437313" y="3238500"/>
+            <a:ext cx="92075" cy="990600"/>
+          </a:xfrm>
+          <a:prstGeom prst="rect">
+            <a:avLst/>
+          </a:prstGeom>
+          <a:solidFill>
+            <a:schemeClr val="bg1">
+              <a:alpha val="28000"/>
+            </a:schemeClr>
+          </a:solidFill>
+          <a:ln>
+            <a:noFill/>
+          </a:ln>
+        </p:spPr>
+        <p:style>
+          <a:lnRef idx="2">
+            <a:schemeClr val="accent1">
+              <a:shade val="50000"/>
+            </a:schemeClr>
+          </a:lnRef>
+          <a:fillRef idx="1">
+            <a:schemeClr val="accent1"/>
+          </a:fillRef>
+          <a:effectRef idx="0">
+            <a:schemeClr val="accent1"/>
+          </a:effectRef>
+          <a:fontRef idx="minor">
+            <a:schemeClr val="lt1"/>
+          </a:fontRef>
+        </p:style>
+        <p:txBody>
+          <a:bodyPr anchor="ctr"/>
+          <a:lstStyle/>
+          <a:p>
+            <a:pPr marL="0" marR="0" lvl="0" indent="0" algn="ctr" defTabSz="914400" rtl="0" eaLnBrk="1" fontAlgn="auto" latinLnBrk="0" hangingPunct="1">
+              <a:lnSpc>
+                <a:spcPct val="100000"/>
+              </a:lnSpc>
+              <a:spcBef>
+                <a:spcPts val="0"/>
+              </a:spcBef>
+              <a:spcAft>
+                <a:spcPts val="0"/>
+              </a:spcAft>
+              <a:buClrTx/>
+              <a:buSzTx/>
+              <a:buFontTx/>
+              <a:buNone/>
+              <a:defRPr/>
+            </a:pPr>
+            <a:endParaRPr kumimoji="0" lang="zh-CN" altLang="en-US" sz="1800" b="0" i="0" u="none" strike="noStrike" kern="1200" cap="none" spc="0" normalizeH="0" baseline="0" noProof="0">
+              <a:ln>
+                <a:noFill/>
+              </a:ln>
+              <a:solidFill>
+                <a:schemeClr val="lt1"/>
+              </a:solidFill>
+              <a:effectLst/>
+              <a:uLnTx/>
+              <a:uFillTx/>
+              <a:latin typeface="+mn-lt"/>
+              <a:ea typeface="+mn-ea"/>
+              <a:cs typeface="+mn-cs"/>
+            </a:endParaRPr>
+          </a:p>
+        </p:txBody>
+      </p:sp>
+      <p:sp>
+        <p:nvSpPr>
+          <p:cNvPr id="11" name="矩形 10"/>
+          <p:cNvSpPr/>
+          <p:nvPr/>
+        </p:nvSpPr>
+        <p:spPr>
+          <a:xfrm>
+            <a:off x="6437313" y="4821238"/>
+            <a:ext cx="92075" cy="990600"/>
+          </a:xfrm>
+          <a:prstGeom prst="rect">
+            <a:avLst/>
+          </a:prstGeom>
+          <a:solidFill>
+            <a:schemeClr val="bg1">
+              <a:alpha val="28000"/>
+            </a:schemeClr>
+          </a:solidFill>
+          <a:ln>
+            <a:noFill/>
+          </a:ln>
+        </p:spPr>
+        <p:style>
+          <a:lnRef idx="2">
+            <a:schemeClr val="accent1">
+              <a:shade val="50000"/>
+            </a:schemeClr>
+          </a:lnRef>
+          <a:fillRef idx="1">
+            <a:schemeClr val="accent1"/>
+          </a:fillRef>
+          <a:effectRef idx="0">
+            <a:schemeClr val="accent1"/>
+          </a:effectRef>
+          <a:fontRef idx="minor">
+            <a:schemeClr val="lt1"/>
+          </a:fontRef>
+        </p:style>
+        <p:txBody>
+          <a:bodyPr anchor="ctr"/>
+          <a:lstStyle/>
+          <a:p>
+            <a:pPr marL="0" marR="0" lvl="0" indent="0" algn="ctr" defTabSz="914400" rtl="0" eaLnBrk="1" fontAlgn="auto" latinLnBrk="0" hangingPunct="1">
+              <a:lnSpc>
+                <a:spcPct val="100000"/>
+              </a:lnSpc>
+              <a:spcBef>
+                <a:spcPts val="0"/>
+              </a:spcBef>
+              <a:spcAft>
+                <a:spcPts val="0"/>
+              </a:spcAft>
+              <a:buClrTx/>
+              <a:buSzTx/>
+              <a:buFontTx/>
+              <a:buNone/>
+              <a:defRPr/>
+            </a:pPr>
+            <a:endParaRPr kumimoji="0" lang="zh-CN" altLang="en-US" sz="1800" b="0" i="0" u="none" strike="noStrike" kern="1200" cap="none" spc="0" normalizeH="0" baseline="0" noProof="0">
+              <a:ln>
+                <a:noFill/>
+              </a:ln>
+              <a:solidFill>
+                <a:schemeClr val="lt1"/>
+              </a:solidFill>
+              <a:effectLst/>
+              <a:uLnTx/>
+              <a:uFillTx/>
+              <a:latin typeface="+mn-lt"/>
+              <a:ea typeface="+mn-ea"/>
+              <a:cs typeface="+mn-cs"/>
+            </a:endParaRPr>
+          </a:p>
+        </p:txBody>
+      </p:sp>
+      <p:sp>
+        <p:nvSpPr>
+          <p:cNvPr id="24591" name="TextBox 35"/>
+          <p:cNvSpPr txBox="1"/>
+          <p:nvPr/>
+        </p:nvSpPr>
+        <p:spPr>
+          <a:xfrm>
+            <a:off x="6619875" y="1846263"/>
+            <a:ext cx="4572000" cy="736600"/>
+          </a:xfrm>
+          <a:prstGeom prst="rect">
+            <a:avLst/>
+          </a:prstGeom>
+          <a:noFill/>
+          <a:ln w="9525">
+            <a:noFill/>
+          </a:ln>
+        </p:spPr>
+        <p:txBody>
+          <a:bodyPr anchor="t" anchorCtr="0">
+            <a:spAutoFit/>
+          </a:bodyPr>
+          <a:lstStyle/>
+          <a:p>
+            <a:pPr algn="just"/>
+            <a:r>
+              <a:rPr lang="zh-CN" altLang="zh-CN" sz="1400" dirty="0">
+                <a:solidFill>
+                  <a:schemeClr val="bg1"/>
+                </a:solidFill>
+                <a:latin typeface="Microsoft YaHei" panose="020B0503020204020204" pitchFamily="34" charset="-122"/>
+                <a:ea typeface="Microsoft YaHei" panose="020B0503020204020204" pitchFamily="34" charset="-122"/>
+              </a:rPr>
+              <a:t>Add your words here,according to your need to draw the text box size.Please read the instructions and more work at the end of the manual template.</a:t>
+            </a:r>
+          </a:p>
+        </p:txBody>
+      </p:sp>
+      <p:sp>
+        <p:nvSpPr>
+          <p:cNvPr id="24592" name="TextBox 35"/>
+          <p:cNvSpPr txBox="1"/>
+          <p:nvPr/>
+        </p:nvSpPr>
+        <p:spPr>
+          <a:xfrm>
+            <a:off x="6619875" y="3351213"/>
+            <a:ext cx="4572000" cy="736600"/>
+          </a:xfrm>
+          <a:prstGeom prst="rect">
+            <a:avLst/>
+          </a:prstGeom>
+          <a:noFill/>
+          <a:ln w="9525">
+            <a:noFill/>
+          </a:ln>
+        </p:spPr>
+        <p:txBody>
+          <a:bodyPr anchor="t" anchorCtr="0">
+            <a:spAutoFit/>
+          </a:bodyPr>
+          <a:lstStyle/>
+          <a:p>
+            <a:pPr algn="just"/>
+            <a:r>
+              <a:rPr lang="zh-CN" altLang="zh-CN" sz="1400" dirty="0">
+                <a:solidFill>
+                  <a:schemeClr val="bg1"/>
+                </a:solidFill>
+                <a:latin typeface="Microsoft YaHei" panose="020B0503020204020204" pitchFamily="34" charset="-122"/>
+                <a:ea typeface="Microsoft YaHei" panose="020B0503020204020204" pitchFamily="34" charset="-122"/>
+              </a:rPr>
+              <a:t>Add your words here,according to your need to draw the text box size.Please read the instructions and more work at the end of the manual template.</a:t>
+            </a:r>
+          </a:p>
+        </p:txBody>
+      </p:sp>
+      <p:sp>
+        <p:nvSpPr>
+          <p:cNvPr id="24593" name="TextBox 35"/>
+          <p:cNvSpPr txBox="1"/>
+          <p:nvPr/>
+        </p:nvSpPr>
+        <p:spPr>
+          <a:xfrm>
+            <a:off x="6619875" y="4959350"/>
+            <a:ext cx="4572000" cy="736600"/>
+          </a:xfrm>
+          <a:prstGeom prst="rect">
+            <a:avLst/>
+          </a:prstGeom>
+          <a:noFill/>
+          <a:ln w="9525">
+            <a:noFill/>
+          </a:ln>
+        </p:spPr>
+        <p:txBody>
+          <a:bodyPr anchor="t" anchorCtr="0">
+            <a:spAutoFit/>
+          </a:bodyPr>
+          <a:lstStyle/>
+          <a:p>
+            <a:pPr algn="just"/>
+            <a:r>
+              <a:rPr lang="zh-CN" altLang="zh-CN" sz="1400" dirty="0">
+                <a:solidFill>
+                  <a:schemeClr val="bg1"/>
+                </a:solidFill>
+                <a:latin typeface="Microsoft YaHei" panose="020B0503020204020204" pitchFamily="34" charset="-122"/>
+                <a:ea typeface="Microsoft YaHei" panose="020B0503020204020204" pitchFamily="34" charset="-122"/>
+              </a:rPr>
+              <a:t>Add your words here,according to your need to draw the text box size.Please read the instructions and more work at the end of the manual template.</a:t>
+            </a:r>
           </a:p>
         </p:txBody>
       </p:sp>
@@ -16420,7 +16871,7 @@
     <p:bg>
       <p:bgPr>
         <a:blipFill rotWithShape="0">
-          <a:blip r:embed="rId1"/>
+          <a:blip r:embed="rId2"/>
           <a:stretch>
             <a:fillRect/>
           </a:stretch>
@@ -16434,7 +16885,14 @@
         <p:cNvGrpSpPr/>
         <p:nvPr/>
       </p:nvGrpSpPr>
-      <p:grpSpPr/>
+      <p:grpSpPr>
+        <a:xfrm>
+          <a:off x="0" y="0"/>
+          <a:ext cx="0" cy="0"/>
+          <a:chOff x="0" y="0"/>
+          <a:chExt cx="0" cy="0"/>
+        </a:xfrm>
+      </p:grpSpPr>
       <p:sp>
         <p:nvSpPr>
           <p:cNvPr id="6146" name="文本框 1"/>
@@ -16458,6 +16916,7 @@
           <a:bodyPr anchor="t" anchorCtr="0">
             <a:spAutoFit/>
           </a:bodyPr>
+          <a:lstStyle/>
           <a:p>
             <a:r>
               <a:rPr lang="en-US" altLang="zh-CN" sz="2400" b="1" dirty="0">
@@ -16469,13 +16928,6 @@
               </a:rPr>
               <a:t>NFC Basic</a:t>
             </a:r>
-            <a:endParaRPr lang="en-US" altLang="zh-CN" sz="2400" b="1" dirty="0">
-              <a:solidFill>
-                <a:srgbClr val="00B0F0"/>
-              </a:solidFill>
-              <a:latin typeface="Microsoft YaHei" panose="020B0503020204020204" pitchFamily="34" charset="-122"/>
-              <a:ea typeface="Microsoft YaHei" panose="020B0503020204020204" pitchFamily="34" charset="-122"/>
-            </a:endParaRPr>
           </a:p>
         </p:txBody>
       </p:sp>
@@ -16902,21 +17354,6 @@
                 </a:rPr>
                 <a:t>Benefits</a:t>
               </a:r>
-              <a:endParaRPr kumimoji="0" lang="en-US" altLang="zh-CN" sz="1465" b="0" i="0" u="none" strike="noStrike" kern="1200" cap="none" spc="0" normalizeH="0" baseline="0" noProof="0" dirty="0">
-                <a:ln>
-                  <a:noFill/>
-                </a:ln>
-                <a:solidFill>
-                  <a:srgbClr val="00B0F0"/>
-                </a:solidFill>
-                <a:effectLst/>
-                <a:uLnTx/>
-                <a:uFillTx/>
-                <a:latin typeface="Microsoft YaHei" panose="020B0503020204020204" pitchFamily="34" charset="-122"/>
-                <a:ea typeface="Microsoft YaHei" panose="020B0503020204020204" pitchFamily="34" charset="-122"/>
-                <a:cs typeface="+mn-cs"/>
-                <a:sym typeface="+mn-ea"/>
-              </a:endParaRPr>
             </a:p>
           </p:txBody>
         </p:sp>
@@ -16943,6 +17380,7 @@
             <a:bodyPr anchor="t" anchorCtr="0">
               <a:spAutoFit/>
             </a:bodyPr>
+            <a:lstStyle/>
             <a:p>
               <a:pPr algn="ctr">
                 <a:lnSpc>
@@ -16959,13 +17397,6 @@
                 </a:rPr>
                 <a:t>The benefit of NFC</a:t>
               </a:r>
-              <a:endParaRPr lang="en-US" altLang="zh-CN" sz="800" dirty="0">
-                <a:solidFill>
-                  <a:schemeClr val="bg1"/>
-                </a:solidFill>
-                <a:latin typeface="Microsoft YaHei" panose="020B0503020204020204" pitchFamily="34" charset="-122"/>
-                <a:ea typeface="Microsoft YaHei" panose="020B0503020204020204" pitchFamily="34" charset="-122"/>
-              </a:endParaRPr>
             </a:p>
           </p:txBody>
         </p:sp>
@@ -17469,21 +17900,6 @@
               </a:rPr>
               <a:t>Defination</a:t>
             </a:r>
-            <a:endParaRPr kumimoji="0" lang="en-US" altLang="zh-CN" sz="2130" b="0" i="0" u="none" strike="noStrike" kern="1200" cap="none" spc="0" normalizeH="0" baseline="0" noProof="0" dirty="0">
-              <a:ln>
-                <a:noFill/>
-              </a:ln>
-              <a:solidFill>
-                <a:srgbClr val="00B0F0"/>
-              </a:solidFill>
-              <a:effectLst/>
-              <a:uLnTx/>
-              <a:uFillTx/>
-              <a:latin typeface="Microsoft YaHei" panose="020B0503020204020204" pitchFamily="34" charset="-122"/>
-              <a:ea typeface="Microsoft YaHei" panose="020B0503020204020204" pitchFamily="34" charset="-122"/>
-              <a:cs typeface="+mn-cs"/>
-              <a:sym typeface="+mn-ea"/>
-            </a:endParaRPr>
           </a:p>
         </p:txBody>
       </p:sp>
@@ -17510,6 +17926,7 @@
           <a:bodyPr anchor="t" anchorCtr="0">
             <a:spAutoFit/>
           </a:bodyPr>
+          <a:lstStyle/>
           <a:p>
             <a:pPr algn="ctr">
               <a:lnSpc>
@@ -17526,13 +17943,6 @@
               </a:rPr>
               <a:t>What is NFC technology?</a:t>
             </a:r>
-            <a:endParaRPr lang="en-US" altLang="zh-CN" sz="1400" dirty="0">
-              <a:solidFill>
-                <a:schemeClr val="bg1"/>
-              </a:solidFill>
-              <a:latin typeface="Microsoft YaHei" panose="020B0503020204020204" pitchFamily="34" charset="-122"/>
-              <a:ea typeface="Microsoft YaHei" panose="020B0503020204020204" pitchFamily="34" charset="-122"/>
-            </a:endParaRPr>
           </a:p>
         </p:txBody>
       </p:sp>
@@ -18032,7 +18442,7 @@
                 <a:defRPr/>
               </a:pPr>
               <a:r>
-                <a:rPr kumimoji="0" lang="en-US" altLang="zh-CN" sz="1465" b="0" i="0" u="none" strike="noStrike" kern="1200" cap="none" spc="0" normalizeH="0" baseline="0" noProof="0" dirty="0" smtClean="0">
+                <a:rPr kumimoji="0" lang="en-US" altLang="zh-CN" sz="1465" b="0" i="0" u="none" strike="noStrike" kern="1200" cap="none" spc="0" normalizeH="0" baseline="0" noProof="0" dirty="0">
                   <a:ln>
                     <a:noFill/>
                   </a:ln>
@@ -18049,21 +18459,6 @@
                 </a:rPr>
                 <a:t>Usage</a:t>
               </a:r>
-              <a:endParaRPr kumimoji="0" lang="en-US" altLang="zh-CN" sz="1465" b="0" i="0" u="none" strike="noStrike" kern="1200" cap="none" spc="0" normalizeH="0" baseline="0" noProof="0" dirty="0" smtClean="0">
-                <a:ln>
-                  <a:noFill/>
-                </a:ln>
-                <a:solidFill>
-                  <a:srgbClr val="00B0F0"/>
-                </a:solidFill>
-                <a:effectLst/>
-                <a:uLnTx/>
-                <a:uFillTx/>
-                <a:latin typeface="Microsoft YaHei" panose="020B0503020204020204" pitchFamily="34" charset="-122"/>
-                <a:ea typeface="Microsoft YaHei" panose="020B0503020204020204" pitchFamily="34" charset="-122"/>
-                <a:cs typeface="+mn-cs"/>
-                <a:sym typeface="+mn-ea"/>
-              </a:endParaRPr>
             </a:p>
           </p:txBody>
         </p:sp>
@@ -18090,6 +18485,7 @@
             <a:bodyPr anchor="t" anchorCtr="0">
               <a:spAutoFit/>
             </a:bodyPr>
+            <a:lstStyle/>
             <a:p>
               <a:pPr algn="ctr">
                 <a:lnSpc>
@@ -18106,13 +18502,6 @@
                 </a:rPr>
                 <a:t>The usage of NFC</a:t>
               </a:r>
-              <a:endParaRPr lang="en-US" altLang="zh-CN" sz="1100" dirty="0">
-                <a:solidFill>
-                  <a:schemeClr val="bg1"/>
-                </a:solidFill>
-                <a:latin typeface="Microsoft YaHei" panose="020B0503020204020204" pitchFamily="34" charset="-122"/>
-                <a:ea typeface="Microsoft YaHei" panose="020B0503020204020204" pitchFamily="34" charset="-122"/>
-              </a:endParaRPr>
             </a:p>
           </p:txBody>
         </p:sp>
@@ -18630,21 +19019,6 @@
                 </a:rPr>
                 <a:t>Basic Concepts</a:t>
               </a:r>
-              <a:endParaRPr kumimoji="0" lang="en-US" altLang="zh-CN" sz="1465" b="0" i="0" u="none" strike="noStrike" kern="1200" cap="none" spc="0" normalizeH="0" baseline="0" noProof="0" dirty="0">
-                <a:ln>
-                  <a:noFill/>
-                </a:ln>
-                <a:solidFill>
-                  <a:srgbClr val="00B0F0"/>
-                </a:solidFill>
-                <a:effectLst/>
-                <a:uLnTx/>
-                <a:uFillTx/>
-                <a:latin typeface="Microsoft YaHei" panose="020B0503020204020204" pitchFamily="34" charset="-122"/>
-                <a:ea typeface="Microsoft YaHei" panose="020B0503020204020204" pitchFamily="34" charset="-122"/>
-                <a:cs typeface="+mn-cs"/>
-                <a:sym typeface="+mn-ea"/>
-              </a:endParaRPr>
             </a:p>
           </p:txBody>
         </p:sp>
@@ -18709,21 +19083,6 @@
                 </a:rPr>
                 <a:t>Some concepts</a:t>
               </a:r>
-              <a:endParaRPr kumimoji="0" lang="en-US" sz="1050" b="0" i="0" u="none" strike="noStrike" kern="1200" cap="none" spc="0" normalizeH="0" baseline="0" noProof="0" dirty="0">
-                <a:ln>
-                  <a:noFill/>
-                </a:ln>
-                <a:solidFill>
-                  <a:schemeClr val="bg1"/>
-                </a:solidFill>
-                <a:effectLst/>
-                <a:uLnTx/>
-                <a:uFillTx/>
-                <a:latin typeface="Microsoft YaHei" panose="020B0503020204020204" pitchFamily="34" charset="-122"/>
-                <a:ea typeface="Microsoft YaHei" panose="020B0503020204020204" pitchFamily="34" charset="-122"/>
-                <a:cs typeface="+mn-cs"/>
-                <a:sym typeface="+mn-ea"/>
-              </a:endParaRPr>
             </a:p>
           </p:txBody>
         </p:sp>
@@ -19241,21 +19600,6 @@
                 </a:rPr>
                 <a:t>NFC Detection</a:t>
               </a:r>
-              <a:endParaRPr kumimoji="0" lang="en-US" altLang="zh-CN" sz="1595" b="0" i="0" u="none" strike="noStrike" kern="1200" cap="none" spc="0" normalizeH="0" baseline="0" noProof="0" dirty="0">
-                <a:ln>
-                  <a:noFill/>
-                </a:ln>
-                <a:solidFill>
-                  <a:srgbClr val="00B0F0"/>
-                </a:solidFill>
-                <a:effectLst/>
-                <a:uLnTx/>
-                <a:uFillTx/>
-                <a:latin typeface="Microsoft YaHei" panose="020B0503020204020204" pitchFamily="34" charset="-122"/>
-                <a:ea typeface="Microsoft YaHei" panose="020B0503020204020204" pitchFamily="34" charset="-122"/>
-                <a:cs typeface="+mn-cs"/>
-                <a:sym typeface="+mn-ea"/>
-              </a:endParaRPr>
             </a:p>
           </p:txBody>
         </p:sp>
@@ -19282,6 +19626,7 @@
             <a:bodyPr anchor="t" anchorCtr="0">
               <a:spAutoFit/>
             </a:bodyPr>
+            <a:lstStyle/>
             <a:p>
               <a:pPr algn="ctr">
                 <a:lnSpc>
@@ -19298,13 +19643,6 @@
                 </a:rPr>
                 <a:t>How to detect if device has NFC available?</a:t>
               </a:r>
-              <a:endParaRPr lang="en-US" altLang="zh-CN" sz="1100" dirty="0">
-                <a:solidFill>
-                  <a:schemeClr val="bg1"/>
-                </a:solidFill>
-                <a:latin typeface="Microsoft YaHei" panose="020B0503020204020204" pitchFamily="34" charset="-122"/>
-                <a:ea typeface="Microsoft YaHei" panose="020B0503020204020204" pitchFamily="34" charset="-122"/>
-              </a:endParaRPr>
             </a:p>
           </p:txBody>
         </p:sp>
@@ -19542,7 +19880,9 @@
       <p:sp>
         <p:nvSpPr>
           <p:cNvPr id="3" name="Content Placeholder 2"/>
-          <p:cNvSpPr/>
+          <p:cNvSpPr>
+            <a:spLocks noGrp="1"/>
+          </p:cNvSpPr>
           <p:nvPr>
             <p:ph idx="1"/>
           </p:nvPr>
@@ -19550,8 +19890,9 @@
         <p:spPr/>
         <p:txBody>
           <a:bodyPr/>
-          <a:p>
-            <a:endParaRPr lang="en-US"/>
+          <a:lstStyle/>
+          <a:p>
+            <a:endParaRPr lang="en-US" dirty="0"/>
           </a:p>
         </p:txBody>
       </p:sp>
@@ -19572,7 +19913,7 @@
     <p:bg>
       <p:bgPr>
         <a:blipFill rotWithShape="0">
-          <a:blip r:embed="rId1"/>
+          <a:blip r:embed="rId2"/>
           <a:stretch>
             <a:fillRect/>
           </a:stretch>
@@ -19586,7 +19927,14 @@
         <p:cNvGrpSpPr/>
         <p:nvPr/>
       </p:nvGrpSpPr>
-      <p:grpSpPr/>
+      <p:grpSpPr>
+        <a:xfrm>
+          <a:off x="0" y="0"/>
+          <a:ext cx="0" cy="0"/>
+          <a:chOff x="0" y="0"/>
+          <a:chExt cx="0" cy="0"/>
+        </a:xfrm>
+      </p:grpSpPr>
       <p:sp>
         <p:nvSpPr>
           <p:cNvPr id="24578" name="文本框 1"/>
@@ -19610,6 +19958,7 @@
           <a:bodyPr anchor="t" anchorCtr="0">
             <a:spAutoFit/>
           </a:bodyPr>
+          <a:lstStyle/>
           <a:p>
             <a:r>
               <a:rPr lang="en-US" altLang="zh-CN" sz="2400" b="1" dirty="0">
@@ -19622,14 +19971,6 @@
               </a:rPr>
               <a:t>1. What is NFC?</a:t>
             </a:r>
-            <a:endParaRPr lang="en-US" altLang="zh-CN" sz="2400" b="1" dirty="0">
-              <a:solidFill>
-                <a:srgbClr val="00B0F0"/>
-              </a:solidFill>
-              <a:latin typeface="Microsoft YaHei" panose="020B0503020204020204" pitchFamily="34" charset="-122"/>
-              <a:ea typeface="Microsoft YaHei" panose="020B0503020204020204" pitchFamily="34" charset="-122"/>
-              <a:sym typeface="+mn-ea"/>
-            </a:endParaRPr>
           </a:p>
         </p:txBody>
       </p:sp>
@@ -19656,6 +19997,7 @@
           <a:bodyPr wrap="square" anchor="t" anchorCtr="0">
             <a:spAutoFit/>
           </a:bodyPr>
+          <a:lstStyle/>
           <a:p>
             <a:r>
               <a:rPr lang="en-US" altLang="zh-CN" sz="2000" b="1" dirty="0">
@@ -19667,13 +20009,6 @@
               </a:rPr>
               <a:t> </a:t>
             </a:r>
-            <a:endParaRPr lang="en-US" altLang="zh-CN" sz="2000" b="1" dirty="0">
-              <a:solidFill>
-                <a:schemeClr val="bg1"/>
-              </a:solidFill>
-              <a:latin typeface="Microsoft YaHei" panose="020B0503020204020204" pitchFamily="34" charset="-122"/>
-              <a:ea typeface="Microsoft YaHei" panose="020B0503020204020204" pitchFamily="34" charset="-122"/>
-            </a:endParaRPr>
           </a:p>
         </p:txBody>
       </p:sp>
@@ -19681,14 +20016,14 @@
         <p:nvPicPr>
           <p:cNvPr id="6" name="Content Placeholder 5"/>
           <p:cNvPicPr>
-            <a:picLocks noChangeAspect="1"/>
+            <a:picLocks noGrp="1" noChangeAspect="1"/>
           </p:cNvPicPr>
           <p:nvPr>
             <p:ph sz="half" idx="1"/>
           </p:nvPr>
         </p:nvPicPr>
         <p:blipFill>
-          <a:blip r:embed="rId2"/>
+          <a:blip r:embed="rId3"/>
           <a:stretch>
             <a:fillRect/>
           </a:stretch>
@@ -19738,6 +20073,7 @@
         </p:style>
         <p:txBody>
           <a:bodyPr rtlCol="0" anchor="ctr"/>
+          <a:lstStyle/>
           <a:p>
             <a:pPr algn="ctr"/>
             <a:r>
@@ -19752,15 +20088,6 @@
               </a:rPr>
               <a:t>Near Field Communication</a:t>
             </a:r>
-            <a:endParaRPr lang="en-US" altLang="zh-CN" sz="1600" b="1" dirty="0">
-              <a:solidFill>
-                <a:srgbClr val="0070C0"/>
-              </a:solidFill>
-              <a:latin typeface="Microsoft JhengHei" panose="020B0604030504040204" charset="-120"/>
-              <a:ea typeface="Microsoft JhengHei" panose="020B0604030504040204" charset="-120"/>
-              <a:cs typeface="Nirmala UI" panose="020B0502040204020203" charset="0"/>
-              <a:sym typeface="+mn-ea"/>
-            </a:endParaRPr>
           </a:p>
           <a:p>
             <a:pPr algn="ctr"/>
@@ -19809,15 +20136,6 @@
               </a:rPr>
               <a:t> </a:t>
             </a:r>
-            <a:endParaRPr lang="en-US" altLang="zh-CN" sz="1200" dirty="0">
-              <a:solidFill>
-                <a:schemeClr val="tx2"/>
-              </a:solidFill>
-              <a:latin typeface="Microsoft JhengHei" panose="020B0604030504040204" charset="-120"/>
-              <a:ea typeface="Microsoft JhengHei" panose="020B0604030504040204" charset="-120"/>
-              <a:cs typeface="Nirmala UI" panose="020B0502040204020203" charset="0"/>
-              <a:sym typeface="+mn-ea"/>
-            </a:endParaRPr>
           </a:p>
         </p:txBody>
       </p:sp>
@@ -19856,6 +20174,7 @@
         </p:style>
         <p:txBody>
           <a:bodyPr rtlCol="0" anchor="ctr"/>
+          <a:lstStyle/>
           <a:p>
             <a:pPr algn="ctr"/>
             <a:r>
@@ -19870,15 +20189,6 @@
               </a:rPr>
               <a:t>Radio Communication</a:t>
             </a:r>
-            <a:endParaRPr lang="en-US" altLang="zh-CN" sz="1600" b="1" dirty="0">
-              <a:solidFill>
-                <a:srgbClr val="0070C0"/>
-              </a:solidFill>
-              <a:latin typeface="Microsoft JhengHei" panose="020B0604030504040204" charset="-120"/>
-              <a:ea typeface="Microsoft JhengHei" panose="020B0604030504040204" charset="-120"/>
-              <a:cs typeface="Nirmala UI" panose="020B0502040204020203" charset="0"/>
-              <a:sym typeface="+mn-ea"/>
-            </a:endParaRPr>
           </a:p>
           <a:p>
             <a:pPr algn="ctr"/>
@@ -19927,15 +20237,6 @@
               </a:rPr>
               <a:t> </a:t>
             </a:r>
-            <a:endParaRPr lang="en-US" altLang="zh-CN" sz="1200" dirty="0">
-              <a:solidFill>
-                <a:schemeClr val="tx2"/>
-              </a:solidFill>
-              <a:latin typeface="Microsoft JhengHei" panose="020B0604030504040204" charset="-120"/>
-              <a:ea typeface="Microsoft JhengHei" panose="020B0604030504040204" charset="-120"/>
-              <a:cs typeface="Nirmala UI" panose="020B0502040204020203" charset="0"/>
-              <a:sym typeface="+mn-ea"/>
-            </a:endParaRPr>
           </a:p>
         </p:txBody>
       </p:sp>
@@ -19974,6 +20275,7 @@
         </p:style>
         <p:txBody>
           <a:bodyPr rtlCol="0" anchor="ctr"/>
+          <a:lstStyle/>
           <a:p>
             <a:pPr algn="ctr"/>
             <a:r>
@@ -19988,15 +20290,6 @@
               </a:rPr>
               <a:t>Communication mode</a:t>
             </a:r>
-            <a:endParaRPr lang="en-US" altLang="zh-CN" sz="1600" b="1" dirty="0">
-              <a:solidFill>
-                <a:srgbClr val="0070C0"/>
-              </a:solidFill>
-              <a:latin typeface="Microsoft JhengHei" panose="020B0604030504040204" charset="-120"/>
-              <a:ea typeface="Microsoft JhengHei" panose="020B0604030504040204" charset="-120"/>
-              <a:cs typeface="Nirmala UI" panose="020B0502040204020203" charset="0"/>
-              <a:sym typeface="+mn-ea"/>
-            </a:endParaRPr>
           </a:p>
           <a:p>
             <a:pPr algn="ctr"/>
@@ -20045,13 +20338,13 @@
         </p:style>
         <p:txBody>
           <a:bodyPr rtlCol="0" anchor="ctr"/>
+          <a:lstStyle/>
           <a:p>
             <a:pPr algn="ctr"/>
             <a:r>
               <a:rPr lang="en-US" b="1"/>
               <a:t>Card Emulation</a:t>
             </a:r>
-            <a:endParaRPr lang="en-US" b="1"/>
           </a:p>
           <a:p>
             <a:pPr algn="ctr"/>
@@ -20063,7 +20356,6 @@
               <a:rPr lang="en-US" sz="1000"/>
               <a:t>Enables NFC-enabled devices such as smartphones to act like smart cards, allowing users to perform transactions such as payment or ticketing</a:t>
             </a:r>
-            <a:endParaRPr lang="en-US" sz="1000"/>
           </a:p>
         </p:txBody>
       </p:sp>
@@ -20100,13 +20392,13 @@
         </p:style>
         <p:txBody>
           <a:bodyPr rtlCol="0" anchor="ctr"/>
+          <a:lstStyle/>
           <a:p>
             <a:pPr algn="ctr"/>
             <a:r>
               <a:rPr lang="en-US" b="1"/>
               <a:t>Card Reader/ Writer</a:t>
             </a:r>
-            <a:endParaRPr lang="en-US" b="1"/>
           </a:p>
           <a:p>
             <a:pPr algn="ctr"/>
@@ -20114,7 +20406,6 @@
               <a:rPr lang="en-US" sz="1000"/>
               <a:t>Enables NFC-enabled devices to read information stored on inexpensive NFC tags embedded in labels or smart posters</a:t>
             </a:r>
-            <a:endParaRPr lang="en-US" sz="1000"/>
           </a:p>
         </p:txBody>
       </p:sp>
@@ -20151,13 +20442,13 @@
         </p:style>
         <p:txBody>
           <a:bodyPr rtlCol="0" anchor="ctr"/>
+          <a:lstStyle/>
           <a:p>
             <a:pPr algn="ctr"/>
             <a:r>
               <a:rPr lang="en-US" b="1"/>
               <a:t>peer-to-peer</a:t>
             </a:r>
-            <a:endParaRPr lang="en-US" b="1"/>
           </a:p>
           <a:p>
             <a:pPr algn="ctr"/>
@@ -20169,7 +20460,6 @@
               <a:rPr lang="en-US" sz="1000"/>
               <a:t>Enables two NFC-enabled devices to communicate with each other to exchange information</a:t>
             </a:r>
-            <a:endParaRPr lang="en-US" sz="1000"/>
           </a:p>
         </p:txBody>
       </p:sp>
@@ -20316,6 +20606,7 @@
         </p:style>
         <p:txBody>
           <a:bodyPr rtlCol="0" anchor="ctr"/>
+          <a:lstStyle/>
           <a:p>
             <a:pPr algn="ctr"/>
             <a:r>
@@ -20342,15 +20633,6 @@
               </a:rPr>
               <a:t> </a:t>
             </a:r>
-            <a:endParaRPr lang="en-US" altLang="zh-CN" sz="1200" dirty="0">
-              <a:solidFill>
-                <a:schemeClr val="tx2"/>
-              </a:solidFill>
-              <a:latin typeface="Microsoft JhengHei" panose="020B0604030504040204" charset="-120"/>
-              <a:ea typeface="Microsoft JhengHei" panose="020B0604030504040204" charset="-120"/>
-              <a:cs typeface="Nirmala UI" panose="020B0502040204020203" charset="0"/>
-              <a:sym typeface="+mn-ea"/>
-            </a:endParaRPr>
           </a:p>
         </p:txBody>
       </p:sp>
@@ -20358,14 +20640,14 @@
         <p:nvPicPr>
           <p:cNvPr id="22" name="Content Placeholder 21"/>
           <p:cNvPicPr>
-            <a:picLocks noChangeAspect="1"/>
+            <a:picLocks noGrp="1" noChangeAspect="1"/>
           </p:cNvPicPr>
           <p:nvPr>
             <p:ph sz="half" idx="2"/>
           </p:nvPr>
         </p:nvPicPr>
         <p:blipFill>
-          <a:blip r:embed="rId3"/>
+          <a:blip r:embed="rId4"/>
           <a:stretch>
             <a:fillRect/>
           </a:stretch>
@@ -20389,7 +20671,7 @@
           <p:nvPr/>
         </p:nvPicPr>
         <p:blipFill>
-          <a:blip r:embed="rId4"/>
+          <a:blip r:embed="rId5"/>
           <a:stretch>
             <a:fillRect/>
           </a:stretch>
@@ -20495,6 +20777,7 @@
           <a:bodyPr wrap="square" rtlCol="0">
             <a:spAutoFit/>
           </a:bodyPr>
+          <a:lstStyle/>
           <a:p>
             <a:r>
               <a:rPr lang="en-US" sz="1400">
@@ -20504,11 +20787,6 @@
               </a:rPr>
               <a:t>Active communication</a:t>
             </a:r>
-            <a:endParaRPr lang="en-US" sz="1400">
-              <a:solidFill>
-                <a:schemeClr val="bg1"/>
-              </a:solidFill>
-            </a:endParaRPr>
           </a:p>
           <a:p>
             <a:r>
@@ -20519,11 +20797,6 @@
               </a:rPr>
               <a:t>(2 powered NFC devices)</a:t>
             </a:r>
-            <a:endParaRPr lang="en-US" sz="1000">
-              <a:solidFill>
-                <a:schemeClr val="bg1"/>
-              </a:solidFill>
-            </a:endParaRPr>
           </a:p>
         </p:txBody>
       </p:sp>
@@ -20547,6 +20820,7 @@
           <a:bodyPr wrap="square" rtlCol="0">
             <a:spAutoFit/>
           </a:bodyPr>
+          <a:lstStyle/>
           <a:p>
             <a:r>
               <a:rPr lang="en-US" sz="1400">
@@ -20556,11 +20830,6 @@
               </a:rPr>
               <a:t>Passive communication</a:t>
             </a:r>
-            <a:endParaRPr lang="en-US" sz="1400">
-              <a:solidFill>
-                <a:schemeClr val="bg1"/>
-              </a:solidFill>
-            </a:endParaRPr>
           </a:p>
           <a:p>
             <a:r>
@@ -20571,11 +20840,6 @@
               </a:rPr>
               <a:t>(1 powered NFC device &amp; 1 non (self) powered device)</a:t>
             </a:r>
-            <a:endParaRPr lang="en-US" sz="1000">
-              <a:solidFill>
-                <a:schemeClr val="bg1"/>
-              </a:solidFill>
-            </a:endParaRPr>
           </a:p>
         </p:txBody>
       </p:sp>
@@ -20596,7 +20860,7 @@
     <p:bg>
       <p:bgPr>
         <a:blipFill rotWithShape="0">
-          <a:blip r:embed="rId1"/>
+          <a:blip r:embed="rId2"/>
           <a:stretch>
             <a:fillRect/>
           </a:stretch>
@@ -20610,7 +20874,14 @@
         <p:cNvGrpSpPr/>
         <p:nvPr/>
       </p:nvGrpSpPr>
-      <p:grpSpPr/>
+      <p:grpSpPr>
+        <a:xfrm>
+          <a:off x="0" y="0"/>
+          <a:ext cx="0" cy="0"/>
+          <a:chOff x="0" y="0"/>
+          <a:chExt cx="0" cy="0"/>
+        </a:xfrm>
+      </p:grpSpPr>
       <p:sp>
         <p:nvSpPr>
           <p:cNvPr id="24578" name="文本框 1"/>
@@ -20634,6 +20905,7 @@
           <a:bodyPr wrap="square" anchor="t" anchorCtr="0">
             <a:spAutoFit/>
           </a:bodyPr>
+          <a:lstStyle/>
           <a:p>
             <a:r>
               <a:rPr lang="en-US" altLang="zh-CN" sz="2400" b="1" dirty="0">
@@ -20646,14 +20918,6 @@
               </a:rPr>
               <a:t>2. Benefit of NFC?</a:t>
             </a:r>
-            <a:endParaRPr lang="en-US" altLang="zh-CN" sz="2400" b="1" dirty="0">
-              <a:solidFill>
-                <a:srgbClr val="00B0F0"/>
-              </a:solidFill>
-              <a:latin typeface="Microsoft YaHei" panose="020B0503020204020204" pitchFamily="34" charset="-122"/>
-              <a:ea typeface="Microsoft YaHei" panose="020B0503020204020204" pitchFamily="34" charset="-122"/>
-              <a:sym typeface="+mn-ea"/>
-            </a:endParaRPr>
           </a:p>
         </p:txBody>
       </p:sp>
@@ -20665,7 +20929,7 @@
         </p:nvSpPr>
         <p:spPr>
           <a:xfrm>
-            <a:off x="1111885" y="1753235"/>
+            <a:off x="1111885" y="1395423"/>
             <a:ext cx="2547620" cy="1162050"/>
           </a:xfrm>
           <a:prstGeom prst="roundRect">
@@ -20688,6 +20952,7 @@
         </p:style>
         <p:txBody>
           <a:bodyPr rtlCol="0" anchor="ctr"/>
+          <a:lstStyle/>
           <a:p>
             <a:pPr algn="ctr"/>
             <a:r>
@@ -20698,11 +20963,6 @@
               </a:rPr>
               <a:t>Convenience</a:t>
             </a:r>
-            <a:endParaRPr lang="en-US" sz="2400">
-              <a:solidFill>
-                <a:srgbClr val="0070C0"/>
-              </a:solidFill>
-            </a:endParaRPr>
           </a:p>
         </p:txBody>
       </p:sp>
@@ -20710,36 +20970,10 @@
         <p:nvPicPr>
           <p:cNvPr id="5" name="Content Placeholder 4"/>
           <p:cNvPicPr>
-            <a:picLocks noChangeAspect="1"/>
+            <a:picLocks noGrp="1" noChangeAspect="1"/>
           </p:cNvPicPr>
           <p:nvPr>
             <p:ph sz="half" idx="1"/>
-          </p:nvPr>
-        </p:nvPicPr>
-        <p:blipFill>
-          <a:blip r:embed="rId2"/>
-          <a:stretch>
-            <a:fillRect/>
-          </a:stretch>
-        </p:blipFill>
-        <p:spPr>
-          <a:xfrm>
-            <a:off x="1888490" y="3404870"/>
-            <a:ext cx="994410" cy="801370"/>
-          </a:xfrm>
-          <a:prstGeom prst="rect">
-            <a:avLst/>
-          </a:prstGeom>
-        </p:spPr>
-      </p:pic>
-      <p:pic>
-        <p:nvPicPr>
-          <p:cNvPr id="7" name="Content Placeholder 6"/>
-          <p:cNvPicPr>
-            <a:picLocks noChangeAspect="1"/>
-          </p:cNvPicPr>
-          <p:nvPr>
-            <p:ph sz="half" idx="2"/>
           </p:nvPr>
         </p:nvPicPr>
         <p:blipFill>
@@ -20750,7 +20984,33 @@
         </p:blipFill>
         <p:spPr>
           <a:xfrm>
-            <a:off x="1888490" y="4570730"/>
+            <a:off x="1888490" y="3047058"/>
+            <a:ext cx="994410" cy="801370"/>
+          </a:xfrm>
+          <a:prstGeom prst="rect">
+            <a:avLst/>
+          </a:prstGeom>
+        </p:spPr>
+      </p:pic>
+      <p:pic>
+        <p:nvPicPr>
+          <p:cNvPr id="7" name="Content Placeholder 6"/>
+          <p:cNvPicPr>
+            <a:picLocks noGrp="1" noChangeAspect="1"/>
+          </p:cNvPicPr>
+          <p:nvPr>
+            <p:ph sz="half" idx="2"/>
+          </p:nvPr>
+        </p:nvPicPr>
+        <p:blipFill>
+          <a:blip r:embed="rId4"/>
+          <a:stretch>
+            <a:fillRect/>
+          </a:stretch>
+        </p:blipFill>
+        <p:spPr>
+          <a:xfrm>
+            <a:off x="1888490" y="4212918"/>
             <a:ext cx="994410" cy="781050"/>
           </a:xfrm>
           <a:prstGeom prst="rect">
@@ -20767,14 +21027,14 @@
           <p:nvPr/>
         </p:nvPicPr>
         <p:blipFill>
-          <a:blip r:embed="rId4"/>
+          <a:blip r:embed="rId5"/>
           <a:stretch>
             <a:fillRect/>
           </a:stretch>
         </p:blipFill>
         <p:spPr>
           <a:xfrm>
-            <a:off x="1892300" y="5563870"/>
+            <a:off x="1892300" y="5206058"/>
             <a:ext cx="990600" cy="1112520"/>
           </a:xfrm>
           <a:prstGeom prst="rect">
@@ -20790,7 +21050,7 @@
         </p:nvSpPr>
         <p:spPr>
           <a:xfrm>
-            <a:off x="6080760" y="1812290"/>
+            <a:off x="6080760" y="1454478"/>
             <a:ext cx="3172460" cy="1162050"/>
           </a:xfrm>
           <a:prstGeom prst="roundRect">
@@ -20813,6 +21073,7 @@
         </p:style>
         <p:txBody>
           <a:bodyPr rtlCol="0" anchor="ctr"/>
+          <a:lstStyle/>
           <a:p>
             <a:pPr algn="ctr"/>
             <a:r>
@@ -20823,11 +21084,6 @@
               </a:rPr>
               <a:t>Security</a:t>
             </a:r>
-            <a:endParaRPr lang="en-US" sz="2400">
-              <a:solidFill>
-                <a:srgbClr val="0070C0"/>
-              </a:solidFill>
-            </a:endParaRPr>
           </a:p>
         </p:txBody>
       </p:sp>
@@ -20839,7 +21095,7 @@
         </p:nvSpPr>
         <p:spPr>
           <a:xfrm>
-            <a:off x="8618220" y="4032250"/>
+            <a:off x="8618220" y="3674438"/>
             <a:ext cx="2540000" cy="1568450"/>
           </a:xfrm>
           <a:prstGeom prst="rect">
@@ -20866,6 +21122,7 @@
           <a:bodyPr wrap="square" rtlCol="0" anchor="t">
             <a:spAutoFit/>
           </a:bodyPr>
+          <a:lstStyle/>
           <a:p>
             <a:r>
               <a:rPr lang="en-US">
@@ -20875,11 +21132,6 @@
               </a:rPr>
               <a:t>SmartCard using Secure Element </a:t>
             </a:r>
-            <a:endParaRPr lang="en-US">
-              <a:solidFill>
-                <a:schemeClr val="bg1"/>
-              </a:solidFill>
-            </a:endParaRPr>
           </a:p>
           <a:p>
             <a:r>
@@ -20890,11 +21142,6 @@
               </a:rPr>
               <a:t>(a tamper resistant smart card chip capable of running smart card applications (called applets or cardlets) with a certain level of security and features)</a:t>
             </a:r>
-            <a:endParaRPr lang="en-US" sz="1200">
-              <a:solidFill>
-                <a:schemeClr val="bg1"/>
-              </a:solidFill>
-            </a:endParaRPr>
           </a:p>
         </p:txBody>
       </p:sp>
@@ -20906,7 +21153,7 @@
         </p:nvSpPr>
         <p:spPr>
           <a:xfrm>
-            <a:off x="5572760" y="4032250"/>
+            <a:off x="5572760" y="3674438"/>
             <a:ext cx="2540000" cy="829945"/>
           </a:xfrm>
           <a:prstGeom prst="rect">
@@ -20933,35 +21180,58 @@
           <a:bodyPr wrap="square" rtlCol="0" anchor="t">
             <a:spAutoFit/>
           </a:bodyPr>
-          <a:p>
-            <a:r>
-              <a:rPr lang="en-US">
+          <a:lstStyle/>
+          <a:p>
+            <a:r>
+              <a:rPr lang="en-US" dirty="0">
                 <a:solidFill>
                   <a:schemeClr val="bg1"/>
                 </a:solidFill>
               </a:rPr>
               <a:t>Short range communication</a:t>
             </a:r>
-            <a:endParaRPr lang="en-US">
-              <a:solidFill>
-                <a:schemeClr val="bg1"/>
-              </a:solidFill>
-            </a:endParaRPr>
-          </a:p>
-          <a:p>
-            <a:r>
-              <a:rPr lang="en-US" sz="1200">
+          </a:p>
+          <a:p>
+            <a:r>
+              <a:rPr lang="en-US" sz="1200" dirty="0">
                 <a:solidFill>
                   <a:schemeClr val="bg1"/>
                 </a:solidFill>
               </a:rPr>
-              <a:t>(hard to stolent the transfering data)</a:t>
-            </a:r>
-            <a:endParaRPr lang="en-US" sz="1200">
-              <a:solidFill>
-                <a:schemeClr val="bg1"/>
-              </a:solidFill>
-            </a:endParaRPr>
+              <a:t>(hard to </a:t>
+            </a:r>
+            <a:r>
+              <a:rPr lang="en-US" sz="1200" dirty="0" err="1">
+                <a:solidFill>
+                  <a:schemeClr val="bg1"/>
+                </a:solidFill>
+              </a:rPr>
+              <a:t>stolent</a:t>
+            </a:r>
+            <a:r>
+              <a:rPr lang="en-US" sz="1200" dirty="0">
+                <a:solidFill>
+                  <a:schemeClr val="bg1"/>
+                </a:solidFill>
+              </a:rPr>
+              <a:t> the </a:t>
+            </a:r>
+            <a:r>
+              <a:rPr lang="en-US" sz="1200" dirty="0" err="1">
+                <a:solidFill>
+                  <a:schemeClr val="bg1"/>
+                </a:solidFill>
+              </a:rPr>
+              <a:t>transfering</a:t>
+            </a:r>
+            <a:r>
+              <a:rPr lang="en-US" sz="1200" dirty="0">
+                <a:solidFill>
+                  <a:schemeClr val="bg1"/>
+                </a:solidFill>
+              </a:rPr>
+              <a:t> data)</a:t>
+            </a:r>
           </a:p>
         </p:txBody>
       </p:sp>
@@ -20969,6 +21239,7 @@
         <p:nvCxnSpPr>
           <p:cNvPr id="14" name="Straight Arrow Connector 13"/>
           <p:cNvCxnSpPr>
+            <a:cxnSpLocks/>
             <a:stCxn id="10" idx="2"/>
             <a:endCxn id="13" idx="0"/>
           </p:cNvCxnSpPr>
@@ -20976,7 +21247,7 @@
         </p:nvCxnSpPr>
         <p:spPr>
           <a:xfrm flipH="1">
-            <a:off x="6842760" y="2974340"/>
+            <a:off x="6842760" y="2616528"/>
             <a:ext cx="824230" cy="1057910"/>
           </a:xfrm>
           <a:prstGeom prst="straightConnector1">
@@ -21012,7 +21283,7 @@
         </p:nvCxnSpPr>
         <p:spPr>
           <a:xfrm>
-            <a:off x="7666990" y="2974340"/>
+            <a:off x="7666990" y="2616528"/>
             <a:ext cx="2221230" cy="1057910"/>
           </a:xfrm>
           <a:prstGeom prst="straightConnector1">
@@ -21046,14 +21317,14 @@
           <p:nvPr/>
         </p:nvPicPr>
         <p:blipFill>
-          <a:blip r:embed="rId5"/>
+          <a:blip r:embed="rId6"/>
           <a:stretch>
             <a:fillRect/>
           </a:stretch>
         </p:blipFill>
         <p:spPr>
           <a:xfrm>
-            <a:off x="9215755" y="5708650"/>
+            <a:off x="9215755" y="5350838"/>
             <a:ext cx="1344930" cy="967740"/>
           </a:xfrm>
           <a:prstGeom prst="rect">
@@ -21070,14 +21341,14 @@
           <p:nvPr/>
         </p:nvPicPr>
         <p:blipFill>
-          <a:blip r:embed="rId6"/>
+          <a:blip r:embed="rId7"/>
           <a:stretch>
             <a:fillRect/>
           </a:stretch>
         </p:blipFill>
         <p:spPr>
           <a:xfrm>
-            <a:off x="5948680" y="5563870"/>
+            <a:off x="5948680" y="5206058"/>
             <a:ext cx="1438275" cy="1047750"/>
           </a:xfrm>
           <a:prstGeom prst="rect">
@@ -21102,7 +21373,7 @@
     <p:bg>
       <p:bgPr>
         <a:blipFill rotWithShape="0">
-          <a:blip r:embed="rId1"/>
+          <a:blip r:embed="rId2"/>
           <a:stretch>
             <a:fillRect/>
           </a:stretch>
@@ -21116,7 +21387,14 @@
         <p:cNvGrpSpPr/>
         <p:nvPr/>
       </p:nvGrpSpPr>
-      <p:grpSpPr/>
+      <p:grpSpPr>
+        <a:xfrm>
+          <a:off x="0" y="0"/>
+          <a:ext cx="0" cy="0"/>
+          <a:chOff x="0" y="0"/>
+          <a:chExt cx="0" cy="0"/>
+        </a:xfrm>
+      </p:grpSpPr>
       <p:sp>
         <p:nvSpPr>
           <p:cNvPr id="24578" name="文本框 1"/>
@@ -21140,6 +21418,7 @@
           <a:bodyPr anchor="t" anchorCtr="0">
             <a:spAutoFit/>
           </a:bodyPr>
+          <a:lstStyle/>
           <a:p>
             <a:r>
               <a:rPr lang="en-US" altLang="zh-CN" sz="2400" b="1" dirty="0">
@@ -21152,14 +21431,6 @@
               </a:rPr>
               <a:t>3. NFC Usage</a:t>
             </a:r>
-            <a:endParaRPr lang="en-US" altLang="zh-CN" sz="2400" b="1" dirty="0">
-              <a:solidFill>
-                <a:srgbClr val="00B0F0"/>
-              </a:solidFill>
-              <a:latin typeface="Microsoft YaHei" panose="020B0503020204020204" pitchFamily="34" charset="-122"/>
-              <a:ea typeface="Microsoft YaHei" panose="020B0503020204020204" pitchFamily="34" charset="-122"/>
-              <a:sym typeface="+mn-ea"/>
-            </a:endParaRPr>
           </a:p>
         </p:txBody>
       </p:sp>
@@ -21194,10 +21465,11 @@
         </p:style>
         <p:txBody>
           <a:bodyPr rtlCol="0" anchor="ctr"/>
+          <a:lstStyle/>
           <a:p>
             <a:pPr algn="ctr"/>
             <a:r>
-              <a:rPr lang="en-US" sz="2400" smtClean="0">
+              <a:rPr lang="en-US" sz="2400">
                 <a:solidFill>
                   <a:srgbClr val="00B0F0"/>
                 </a:solidFill>
@@ -21205,12 +21477,6 @@
               </a:rPr>
               <a:t>Mobile transactions</a:t>
             </a:r>
-            <a:endParaRPr lang="en-US" sz="2400" smtClean="0">
-              <a:solidFill>
-                <a:srgbClr val="00B0F0"/>
-              </a:solidFill>
-              <a:sym typeface="+mn-ea"/>
-            </a:endParaRPr>
           </a:p>
         </p:txBody>
       </p:sp>
@@ -21245,10 +21511,11 @@
         </p:style>
         <p:txBody>
           <a:bodyPr rtlCol="0" anchor="ctr"/>
+          <a:lstStyle/>
           <a:p>
             <a:pPr algn="ctr"/>
             <a:r>
-              <a:rPr lang="en-US" sz="2400" smtClean="0">
+              <a:rPr lang="en-US" sz="2400">
                 <a:solidFill>
                   <a:srgbClr val="00B0F0"/>
                 </a:solidFill>
@@ -21256,12 +21523,6 @@
               </a:rPr>
               <a:t>Access Information</a:t>
             </a:r>
-            <a:endParaRPr lang="en-US" sz="2400" smtClean="0">
-              <a:solidFill>
-                <a:srgbClr val="00B0F0"/>
-              </a:solidFill>
-              <a:sym typeface="+mn-ea"/>
-            </a:endParaRPr>
           </a:p>
         </p:txBody>
       </p:sp>
@@ -21296,10 +21557,11 @@
         </p:style>
         <p:txBody>
           <a:bodyPr rtlCol="0" anchor="ctr"/>
+          <a:lstStyle/>
           <a:p>
             <a:pPr algn="ctr"/>
             <a:r>
-              <a:rPr lang="en-US" sz="2400" smtClean="0">
+              <a:rPr lang="en-US" sz="2400">
                 <a:solidFill>
                   <a:srgbClr val="00B0F0"/>
                 </a:solidFill>
@@ -21307,12 +21569,6 @@
               </a:rPr>
               <a:t>Connect Electronic Devices</a:t>
             </a:r>
-            <a:endParaRPr lang="en-US" sz="2400" smtClean="0">
-              <a:solidFill>
-                <a:srgbClr val="00B0F0"/>
-              </a:solidFill>
-              <a:sym typeface="+mn-ea"/>
-            </a:endParaRPr>
           </a:p>
         </p:txBody>
       </p:sp>
@@ -21320,70 +21576,10 @@
         <p:nvPicPr>
           <p:cNvPr id="6" name="Content Placeholder 5"/>
           <p:cNvPicPr>
-            <a:picLocks noChangeAspect="1"/>
+            <a:picLocks noGrp="1" noChangeAspect="1"/>
           </p:cNvPicPr>
           <p:nvPr>
             <p:ph sz="half" idx="1"/>
-          </p:nvPr>
-        </p:nvPicPr>
-        <p:blipFill>
-          <a:blip r:embed="rId2"/>
-          <a:stretch>
-            <a:fillRect/>
-          </a:stretch>
-        </p:blipFill>
-        <p:spPr>
-          <a:xfrm>
-            <a:off x="1769745" y="2861310"/>
-            <a:ext cx="1932940" cy="1374140"/>
-          </a:xfrm>
-          <a:prstGeom prst="rect">
-            <a:avLst/>
-          </a:prstGeom>
-        </p:spPr>
-      </p:pic>
-      <p:sp>
-        <p:nvSpPr>
-          <p:cNvPr id="8" name="Text Box 7"/>
-          <p:cNvSpPr txBox="1"/>
-          <p:nvPr/>
-        </p:nvSpPr>
-        <p:spPr>
-          <a:xfrm>
-            <a:off x="333375" y="3225800"/>
-            <a:ext cx="1314450" cy="645160"/>
-          </a:xfrm>
-          <a:prstGeom prst="rect">
-            <a:avLst/>
-          </a:prstGeom>
-          <a:noFill/>
-        </p:spPr>
-        <p:txBody>
-          <a:bodyPr wrap="square" rtlCol="0" anchor="t">
-            <a:spAutoFit/>
-          </a:bodyPr>
-          <a:p>
-            <a:r>
-              <a:rPr lang="en-US" smtClean="0">
-                <a:solidFill>
-                  <a:schemeClr val="bg1"/>
-                </a:solidFill>
-                <a:sym typeface="+mn-ea"/>
-              </a:rPr>
-              <a:t>Contactless payment</a:t>
-            </a:r>
-            <a:endParaRPr lang="en-US"/>
-          </a:p>
-        </p:txBody>
-      </p:sp>
-      <p:pic>
-        <p:nvPicPr>
-          <p:cNvPr id="9" name="Content Placeholder 8"/>
-          <p:cNvPicPr>
-            <a:picLocks noChangeAspect="1"/>
-          </p:cNvPicPr>
-          <p:nvPr>
-            <p:ph sz="half" idx="2"/>
           </p:nvPr>
         </p:nvPicPr>
         <p:blipFill>
@@ -21394,8 +21590,8 @@
         </p:blipFill>
         <p:spPr>
           <a:xfrm>
-            <a:off x="1769745" y="4841875"/>
-            <a:ext cx="1874520" cy="1238250"/>
+            <a:off x="1769745" y="2861310"/>
+            <a:ext cx="1932940" cy="1374140"/>
           </a:xfrm>
           <a:prstGeom prst="rect">
             <a:avLst/>
@@ -21404,14 +21600,14 @@
       </p:pic>
       <p:sp>
         <p:nvSpPr>
-          <p:cNvPr id="12" name="Text Box 11"/>
+          <p:cNvPr id="8" name="Text Box 7"/>
           <p:cNvSpPr txBox="1"/>
           <p:nvPr/>
         </p:nvSpPr>
         <p:spPr>
           <a:xfrm>
-            <a:off x="302895" y="5120005"/>
-            <a:ext cx="974725" cy="645160"/>
+            <a:off x="333375" y="3225800"/>
+            <a:ext cx="1314450" cy="645160"/>
           </a:xfrm>
           <a:prstGeom prst="rect">
             <a:avLst/>
@@ -21419,35 +21615,19 @@
           <a:noFill/>
         </p:spPr>
         <p:txBody>
-          <a:bodyPr wrap="none" rtlCol="0" anchor="t">
+          <a:bodyPr wrap="square" rtlCol="0" anchor="t">
             <a:spAutoFit/>
           </a:bodyPr>
-          <a:p>
-            <a:r>
-              <a:rPr lang="en-US" smtClean="0">
+          <a:lstStyle/>
+          <a:p>
+            <a:r>
+              <a:rPr lang="en-US">
                 <a:solidFill>
                   <a:schemeClr val="bg1"/>
                 </a:solidFill>
                 <a:sym typeface="+mn-ea"/>
               </a:rPr>
-              <a:t>Mobile </a:t>
-            </a:r>
-            <a:endParaRPr lang="en-US" smtClean="0">
-              <a:solidFill>
-                <a:schemeClr val="bg1"/>
-              </a:solidFill>
-              <a:sym typeface="+mn-ea"/>
-            </a:endParaRPr>
-          </a:p>
-          <a:p>
-            <a:r>
-              <a:rPr lang="en-US" smtClean="0">
-                <a:solidFill>
-                  <a:schemeClr val="bg1"/>
-                </a:solidFill>
-                <a:sym typeface="+mn-ea"/>
-              </a:rPr>
-              <a:t>ticketing</a:t>
+              <a:t>Contactless payment</a:t>
             </a:r>
             <a:endParaRPr lang="en-US"/>
           </a:p>
@@ -21455,11 +21635,13 @@
       </p:sp>
       <p:pic>
         <p:nvPicPr>
-          <p:cNvPr id="13" name="Picture 12"/>
+          <p:cNvPr id="9" name="Content Placeholder 8"/>
           <p:cNvPicPr>
-            <a:picLocks noChangeAspect="1"/>
+            <a:picLocks noGrp="1" noChangeAspect="1"/>
           </p:cNvPicPr>
-          <p:nvPr/>
+          <p:nvPr>
+            <p:ph sz="half" idx="2"/>
+          </p:nvPr>
         </p:nvPicPr>
         <p:blipFill>
           <a:blip r:embed="rId4"/>
@@ -21469,8 +21651,8 @@
         </p:blipFill>
         <p:spPr>
           <a:xfrm>
-            <a:off x="5681980" y="2896870"/>
-            <a:ext cx="2038350" cy="1600835"/>
+            <a:off x="1769745" y="4841875"/>
+            <a:ext cx="1874520" cy="1238250"/>
           </a:xfrm>
           <a:prstGeom prst="rect">
             <a:avLst/>
@@ -21479,14 +21661,14 @@
       </p:pic>
       <p:sp>
         <p:nvSpPr>
-          <p:cNvPr id="14" name="Text Box 13"/>
+          <p:cNvPr id="12" name="Text Box 11"/>
           <p:cNvSpPr txBox="1"/>
           <p:nvPr/>
         </p:nvSpPr>
         <p:spPr>
           <a:xfrm>
-            <a:off x="3582035" y="3364230"/>
-            <a:ext cx="2099945" cy="368300"/>
+            <a:off x="302895" y="5120005"/>
+            <a:ext cx="974725" cy="645160"/>
           </a:xfrm>
           <a:prstGeom prst="rect">
             <a:avLst/>
@@ -21497,16 +21679,27 @@
           <a:bodyPr wrap="none" rtlCol="0" anchor="t">
             <a:spAutoFit/>
           </a:bodyPr>
-          <a:p>
-            <a:pPr lvl="1" eaLnBrk="1" hangingPunct="1"/>
-            <a:r>
-              <a:rPr lang="en-US" smtClean="0">
+          <a:lstStyle/>
+          <a:p>
+            <a:r>
+              <a:rPr lang="en-US">
                 <a:solidFill>
                   <a:schemeClr val="bg1"/>
                 </a:solidFill>
                 <a:sym typeface="+mn-ea"/>
               </a:rPr>
-              <a:t>Advertisements</a:t>
+              <a:t>Mobile </a:t>
+            </a:r>
+          </a:p>
+          <a:p>
+            <a:r>
+              <a:rPr lang="en-US">
+                <a:solidFill>
+                  <a:schemeClr val="bg1"/>
+                </a:solidFill>
+                <a:sym typeface="+mn-ea"/>
+              </a:rPr>
+              <a:t>ticketing</a:t>
             </a:r>
             <a:endParaRPr lang="en-US"/>
           </a:p>
@@ -21514,7 +21707,7 @@
       </p:sp>
       <p:pic>
         <p:nvPicPr>
-          <p:cNvPr id="15" name="Picture 14"/>
+          <p:cNvPr id="13" name="Picture 12"/>
           <p:cNvPicPr>
             <a:picLocks noChangeAspect="1"/>
           </p:cNvPicPr>
@@ -21528,8 +21721,8 @@
         </p:blipFill>
         <p:spPr>
           <a:xfrm>
-            <a:off x="4767580" y="4830445"/>
-            <a:ext cx="2952750" cy="1419225"/>
+            <a:off x="5681980" y="2896870"/>
+            <a:ext cx="2038350" cy="1600835"/>
           </a:xfrm>
           <a:prstGeom prst="rect">
             <a:avLst/>
@@ -21538,14 +21731,14 @@
       </p:pic>
       <p:sp>
         <p:nvSpPr>
-          <p:cNvPr id="16" name="Text Box 15"/>
+          <p:cNvPr id="14" name="Text Box 13"/>
           <p:cNvSpPr txBox="1"/>
           <p:nvPr/>
         </p:nvSpPr>
         <p:spPr>
           <a:xfrm>
-            <a:off x="4699000" y="6249670"/>
-            <a:ext cx="2441575" cy="368300"/>
+            <a:off x="3582035" y="3364230"/>
+            <a:ext cx="2099945" cy="368300"/>
           </a:xfrm>
           <a:prstGeom prst="rect">
             <a:avLst/>
@@ -21556,16 +21749,17 @@
           <a:bodyPr wrap="none" rtlCol="0" anchor="t">
             <a:spAutoFit/>
           </a:bodyPr>
+          <a:lstStyle/>
           <a:p>
             <a:pPr lvl="1" eaLnBrk="1" hangingPunct="1"/>
             <a:r>
-              <a:rPr lang="en-US" smtClean="0">
+              <a:rPr lang="en-US">
                 <a:solidFill>
                   <a:schemeClr val="bg1"/>
                 </a:solidFill>
                 <a:sym typeface="+mn-ea"/>
               </a:rPr>
-              <a:t>Identification Cards</a:t>
+              <a:t>Advertisements</a:t>
             </a:r>
             <a:endParaRPr lang="en-US"/>
           </a:p>
@@ -21573,7 +21767,7 @@
       </p:sp>
       <p:pic>
         <p:nvPicPr>
-          <p:cNvPr id="17" name="Picture 16"/>
+          <p:cNvPr id="15" name="Picture 14"/>
           <p:cNvPicPr>
             <a:picLocks noChangeAspect="1"/>
           </p:cNvPicPr>
@@ -21587,8 +21781,8 @@
         </p:blipFill>
         <p:spPr>
           <a:xfrm>
-            <a:off x="9699625" y="3028315"/>
-            <a:ext cx="1561465" cy="1469390"/>
+            <a:off x="4767580" y="4830445"/>
+            <a:ext cx="2952750" cy="1419225"/>
           </a:xfrm>
           <a:prstGeom prst="rect">
             <a:avLst/>
@@ -21597,14 +21791,14 @@
       </p:pic>
       <p:sp>
         <p:nvSpPr>
-          <p:cNvPr id="18" name="Text Box 17"/>
+          <p:cNvPr id="16" name="Text Box 15"/>
           <p:cNvSpPr txBox="1"/>
           <p:nvPr/>
         </p:nvSpPr>
         <p:spPr>
           <a:xfrm>
-            <a:off x="8096250" y="3098165"/>
-            <a:ext cx="1541780" cy="922020"/>
+            <a:off x="4699000" y="6249670"/>
+            <a:ext cx="2441575" cy="368300"/>
           </a:xfrm>
           <a:prstGeom prst="rect">
             <a:avLst/>
@@ -21612,13 +21806,74 @@
           <a:noFill/>
         </p:spPr>
         <p:txBody>
+          <a:bodyPr wrap="none" rtlCol="0" anchor="t">
+            <a:spAutoFit/>
+          </a:bodyPr>
+          <a:lstStyle/>
+          <a:p>
+            <a:pPr lvl="1" eaLnBrk="1" hangingPunct="1"/>
+            <a:r>
+              <a:rPr lang="en-US">
+                <a:solidFill>
+                  <a:schemeClr val="bg1"/>
+                </a:solidFill>
+                <a:sym typeface="+mn-ea"/>
+              </a:rPr>
+              <a:t>Identification Cards</a:t>
+            </a:r>
+            <a:endParaRPr lang="en-US"/>
+          </a:p>
+        </p:txBody>
+      </p:sp>
+      <p:pic>
+        <p:nvPicPr>
+          <p:cNvPr id="17" name="Picture 16"/>
+          <p:cNvPicPr>
+            <a:picLocks noChangeAspect="1"/>
+          </p:cNvPicPr>
+          <p:nvPr/>
+        </p:nvPicPr>
+        <p:blipFill>
+          <a:blip r:embed="rId7"/>
+          <a:stretch>
+            <a:fillRect/>
+          </a:stretch>
+        </p:blipFill>
+        <p:spPr>
+          <a:xfrm>
+            <a:off x="9699625" y="3028315"/>
+            <a:ext cx="1561465" cy="1469390"/>
+          </a:xfrm>
+          <a:prstGeom prst="rect">
+            <a:avLst/>
+          </a:prstGeom>
+        </p:spPr>
+      </p:pic>
+      <p:sp>
+        <p:nvSpPr>
+          <p:cNvPr id="18" name="Text Box 17"/>
+          <p:cNvSpPr txBox="1"/>
+          <p:nvPr/>
+        </p:nvSpPr>
+        <p:spPr>
+          <a:xfrm>
+            <a:off x="8096250" y="3098165"/>
+            <a:ext cx="1541780" cy="922020"/>
+          </a:xfrm>
+          <a:prstGeom prst="rect">
+            <a:avLst/>
+          </a:prstGeom>
+          <a:noFill/>
+        </p:spPr>
+        <p:txBody>
           <a:bodyPr wrap="square" rtlCol="0" anchor="t">
             <a:spAutoFit/>
           </a:bodyPr>
+          <a:lstStyle/>
           <a:p>
             <a:pPr lvl="1" eaLnBrk="1" hangingPunct="1"/>
             <a:r>
-              <a:rPr lang="en-US" smtClean="0">
+              <a:rPr lang="en-US">
                 <a:solidFill>
                   <a:schemeClr val="bg1"/>
                 </a:solidFill>
@@ -21647,7 +21902,7 @@
     <p:bg>
       <p:bgPr>
         <a:blipFill rotWithShape="0">
-          <a:blip r:embed="rId1"/>
+          <a:blip r:embed="rId2"/>
           <a:stretch>
             <a:fillRect/>
           </a:stretch>
@@ -21661,7 +21916,14 @@
         <p:cNvGrpSpPr/>
         <p:nvPr/>
       </p:nvGrpSpPr>
-      <p:grpSpPr/>
+      <p:grpSpPr>
+        <a:xfrm>
+          <a:off x="0" y="0"/>
+          <a:ext cx="0" cy="0"/>
+          <a:chOff x="0" y="0"/>
+          <a:chExt cx="0" cy="0"/>
+        </a:xfrm>
+      </p:grpSpPr>
       <p:sp>
         <p:nvSpPr>
           <p:cNvPr id="24578" name="文本框 1"/>
@@ -21685,6 +21947,7 @@
           <a:bodyPr wrap="square" anchor="t" anchorCtr="0">
             <a:spAutoFit/>
           </a:bodyPr>
+          <a:lstStyle/>
           <a:p>
             <a:r>
               <a:rPr lang="en-US" altLang="zh-CN" sz="2400" b="1" dirty="0">
@@ -21697,39 +21960,541 @@
               </a:rPr>
               <a:t>4. Basic concepts</a:t>
             </a:r>
-            <a:endParaRPr lang="en-US" altLang="zh-CN" sz="2400" b="1" dirty="0">
-              <a:solidFill>
-                <a:srgbClr val="00B0F0"/>
-              </a:solidFill>
-              <a:latin typeface="Microsoft YaHei" panose="020B0503020204020204" pitchFamily="34" charset="-122"/>
-              <a:ea typeface="Microsoft YaHei" panose="020B0503020204020204" pitchFamily="34" charset="-122"/>
-              <a:sym typeface="+mn-ea"/>
-            </a:endParaRPr>
-          </a:p>
-        </p:txBody>
-      </p:sp>
-      <p:sp>
-        <p:nvSpPr>
-          <p:cNvPr id="11" name="矩形 10"/>
+          </a:p>
+        </p:txBody>
+      </p:sp>
+      <p:sp>
+        <p:nvSpPr>
+          <p:cNvPr id="4" name="Rounded Rectangle 3"/>
           <p:cNvSpPr/>
           <p:nvPr/>
         </p:nvSpPr>
         <p:spPr>
           <a:xfrm>
-            <a:off x="6437313" y="4821238"/>
-            <a:ext cx="92075" cy="990600"/>
+            <a:off x="575310" y="4583957"/>
+            <a:ext cx="1523365" cy="1739265"/>
+          </a:xfrm>
+          <a:prstGeom prst="roundRect">
+            <a:avLst/>
+          </a:prstGeom>
+        </p:spPr>
+        <p:style>
+          <a:lnRef idx="2">
+            <a:schemeClr val="accent6"/>
+          </a:lnRef>
+          <a:fillRef idx="1">
+            <a:schemeClr val="lt1"/>
+          </a:fillRef>
+          <a:effectRef idx="0">
+            <a:schemeClr val="accent6"/>
+          </a:effectRef>
+          <a:fontRef idx="minor">
+            <a:schemeClr val="dk1"/>
+          </a:fontRef>
+        </p:style>
+        <p:txBody>
+          <a:bodyPr rtlCol="0" anchor="ctr"/>
+          <a:lstStyle/>
+          <a:p>
+            <a:pPr algn="ctr"/>
+            <a:r>
+              <a:rPr lang="en-US" sz="2400">
+                <a:solidFill>
+                  <a:srgbClr val="0070C0"/>
+                </a:solidFill>
+              </a:rPr>
+              <a:t>NFC Tags</a:t>
+            </a:r>
+          </a:p>
+        </p:txBody>
+      </p:sp>
+      <p:sp>
+        <p:nvSpPr>
+          <p:cNvPr id="5" name="Rounded Rectangle 4"/>
+          <p:cNvSpPr/>
+          <p:nvPr/>
+        </p:nvSpPr>
+        <p:spPr>
+          <a:xfrm>
+            <a:off x="2683510" y="4583957"/>
+            <a:ext cx="1523365" cy="1739265"/>
+          </a:xfrm>
+          <a:prstGeom prst="roundRect">
+            <a:avLst/>
+          </a:prstGeom>
+        </p:spPr>
+        <p:style>
+          <a:lnRef idx="2">
+            <a:schemeClr val="accent6"/>
+          </a:lnRef>
+          <a:fillRef idx="1">
+            <a:schemeClr val="lt1"/>
+          </a:fillRef>
+          <a:effectRef idx="0">
+            <a:schemeClr val="accent6"/>
+          </a:effectRef>
+          <a:fontRef idx="minor">
+            <a:schemeClr val="dk1"/>
+          </a:fontRef>
+        </p:style>
+        <p:txBody>
+          <a:bodyPr rtlCol="0" anchor="ctr"/>
+          <a:lstStyle/>
+          <a:p>
+            <a:pPr algn="ctr"/>
+            <a:r>
+              <a:rPr lang="en-US" sz="2400">
+                <a:solidFill>
+                  <a:srgbClr val="0070C0"/>
+                </a:solidFill>
+              </a:rPr>
+              <a:t>NDEF</a:t>
+            </a:r>
+          </a:p>
+          <a:p>
+            <a:pPr algn="ctr"/>
+            <a:r>
+              <a:rPr lang="en-US" sz="1800">
+                <a:solidFill>
+                  <a:srgbClr val="0070C0"/>
+                </a:solidFill>
+              </a:rPr>
+              <a:t>NFC Data Exchange Format</a:t>
+            </a:r>
+          </a:p>
+        </p:txBody>
+      </p:sp>
+      <p:sp>
+        <p:nvSpPr>
+          <p:cNvPr id="6" name="Rounded Rectangle 5"/>
+          <p:cNvSpPr/>
+          <p:nvPr/>
+        </p:nvSpPr>
+        <p:spPr>
+          <a:xfrm>
+            <a:off x="4935855" y="4583957"/>
+            <a:ext cx="1593215" cy="1738630"/>
+          </a:xfrm>
+          <a:prstGeom prst="roundRect">
+            <a:avLst/>
+          </a:prstGeom>
+        </p:spPr>
+        <p:style>
+          <a:lnRef idx="2">
+            <a:schemeClr val="accent6"/>
+          </a:lnRef>
+          <a:fillRef idx="1">
+            <a:schemeClr val="lt1"/>
+          </a:fillRef>
+          <a:effectRef idx="0">
+            <a:schemeClr val="accent6"/>
+          </a:effectRef>
+          <a:fontRef idx="minor">
+            <a:schemeClr val="dk1"/>
+          </a:fontRef>
+        </p:style>
+        <p:txBody>
+          <a:bodyPr rtlCol="0" anchor="ctr"/>
+          <a:lstStyle/>
+          <a:p>
+            <a:pPr algn="ctr"/>
+            <a:r>
+              <a:rPr lang="en-US" sz="2400">
+                <a:solidFill>
+                  <a:srgbClr val="0070C0"/>
+                </a:solidFill>
+              </a:rPr>
+              <a:t>APDU</a:t>
+            </a:r>
+          </a:p>
+          <a:p>
+            <a:pPr algn="ctr"/>
+            <a:r>
+              <a:rPr lang="en-US" sz="1800">
+                <a:solidFill>
+                  <a:srgbClr val="0070C0"/>
+                </a:solidFill>
+              </a:rPr>
+              <a:t>Application Protocol data unit</a:t>
+            </a:r>
+          </a:p>
+        </p:txBody>
+      </p:sp>
+      <p:sp>
+        <p:nvSpPr>
+          <p:cNvPr id="7" name="Rounded Rectangle 6"/>
+          <p:cNvSpPr/>
+          <p:nvPr/>
+        </p:nvSpPr>
+        <p:spPr>
+          <a:xfrm>
+            <a:off x="7145020" y="4583957"/>
+            <a:ext cx="1523365" cy="1739265"/>
+          </a:xfrm>
+          <a:prstGeom prst="roundRect">
+            <a:avLst/>
+          </a:prstGeom>
+        </p:spPr>
+        <p:style>
+          <a:lnRef idx="2">
+            <a:schemeClr val="accent6"/>
+          </a:lnRef>
+          <a:fillRef idx="1">
+            <a:schemeClr val="lt1"/>
+          </a:fillRef>
+          <a:effectRef idx="0">
+            <a:schemeClr val="accent6"/>
+          </a:effectRef>
+          <a:fontRef idx="minor">
+            <a:schemeClr val="dk1"/>
+          </a:fontRef>
+        </p:style>
+        <p:txBody>
+          <a:bodyPr rtlCol="0" anchor="ctr"/>
+          <a:lstStyle/>
+          <a:p>
+            <a:pPr algn="ctr"/>
+            <a:r>
+              <a:rPr lang="en-US" sz="2400">
+                <a:solidFill>
+                  <a:srgbClr val="0070C0"/>
+                </a:solidFill>
+              </a:rPr>
+              <a:t>Applet</a:t>
+            </a:r>
+          </a:p>
+        </p:txBody>
+      </p:sp>
+      <p:sp>
+        <p:nvSpPr>
+          <p:cNvPr id="8" name="Rounded Rectangle 7"/>
+          <p:cNvSpPr/>
+          <p:nvPr/>
+        </p:nvSpPr>
+        <p:spPr>
+          <a:xfrm>
+            <a:off x="9488170" y="4583957"/>
+            <a:ext cx="1523365" cy="1739265"/>
+          </a:xfrm>
+          <a:prstGeom prst="roundRect">
+            <a:avLst/>
+          </a:prstGeom>
+        </p:spPr>
+        <p:style>
+          <a:lnRef idx="2">
+            <a:schemeClr val="accent6"/>
+          </a:lnRef>
+          <a:fillRef idx="1">
+            <a:schemeClr val="lt1"/>
+          </a:fillRef>
+          <a:effectRef idx="0">
+            <a:schemeClr val="accent6"/>
+          </a:effectRef>
+          <a:fontRef idx="minor">
+            <a:schemeClr val="dk1"/>
+          </a:fontRef>
+        </p:style>
+        <p:txBody>
+          <a:bodyPr rtlCol="0" anchor="ctr"/>
+          <a:lstStyle/>
+          <a:p>
+            <a:pPr algn="ctr"/>
+            <a:r>
+              <a:rPr lang="en-US" sz="2400">
+                <a:solidFill>
+                  <a:srgbClr val="0070C0"/>
+                </a:solidFill>
+              </a:rPr>
+              <a:t>NFC Tag</a:t>
+            </a:r>
+          </a:p>
+        </p:txBody>
+      </p:sp>
+      <p:sp>
+        <p:nvSpPr>
+          <p:cNvPr id="13" name="Rectangle: Rounded Corners 12">
+            <a:extLst>
+              <a:ext uri="{FF2B5EF4-FFF2-40B4-BE49-F238E27FC236}">
+                <a16:creationId xmlns:a16="http://schemas.microsoft.com/office/drawing/2014/main" id="{F8E1A7F3-4CED-4A61-BBC1-8755885EA6E9}"/>
+              </a:ext>
+            </a:extLst>
+          </p:cNvPr>
+          <p:cNvSpPr/>
+          <p:nvPr/>
+        </p:nvSpPr>
+        <p:spPr>
+          <a:xfrm>
+            <a:off x="8517834" y="678180"/>
+            <a:ext cx="2637182" cy="2750820"/>
+          </a:xfrm>
+          <a:prstGeom prst="roundRect">
+            <a:avLst/>
+          </a:prstGeom>
+        </p:spPr>
+        <p:style>
+          <a:lnRef idx="1">
+            <a:schemeClr val="accent2"/>
+          </a:lnRef>
+          <a:fillRef idx="2">
+            <a:schemeClr val="accent2"/>
+          </a:fillRef>
+          <a:effectRef idx="1">
+            <a:schemeClr val="accent2"/>
+          </a:effectRef>
+          <a:fontRef idx="minor">
+            <a:schemeClr val="dk1"/>
+          </a:fontRef>
+        </p:style>
+        <p:txBody>
+          <a:bodyPr rtlCol="0" anchor="ctr"/>
+          <a:lstStyle/>
+          <a:p>
+            <a:pPr algn="ctr"/>
+            <a:endParaRPr lang="en-US"/>
+          </a:p>
+        </p:txBody>
+      </p:sp>
+      <p:sp>
+        <p:nvSpPr>
+          <p:cNvPr id="14" name="Rectangle: Rounded Corners 13">
+            <a:extLst>
+              <a:ext uri="{FF2B5EF4-FFF2-40B4-BE49-F238E27FC236}">
+                <a16:creationId xmlns:a16="http://schemas.microsoft.com/office/drawing/2014/main" id="{D1B33607-20A2-4759-8B5E-D337D1F795B7}"/>
+              </a:ext>
+            </a:extLst>
+          </p:cNvPr>
+          <p:cNvSpPr/>
+          <p:nvPr/>
+        </p:nvSpPr>
+        <p:spPr>
+          <a:xfrm>
+            <a:off x="9100929" y="1049717"/>
+            <a:ext cx="1567070" cy="1948069"/>
+          </a:xfrm>
+          <a:prstGeom prst="roundRect">
+            <a:avLst/>
+          </a:prstGeom>
+        </p:spPr>
+        <p:style>
+          <a:lnRef idx="1">
+            <a:schemeClr val="accent3"/>
+          </a:lnRef>
+          <a:fillRef idx="2">
+            <a:schemeClr val="accent3"/>
+          </a:fillRef>
+          <a:effectRef idx="1">
+            <a:schemeClr val="accent3"/>
+          </a:effectRef>
+          <a:fontRef idx="minor">
+            <a:schemeClr val="dk1"/>
+          </a:fontRef>
+        </p:style>
+        <p:txBody>
+          <a:bodyPr rtlCol="0" anchor="ctr"/>
+          <a:lstStyle/>
+          <a:p>
+            <a:pPr algn="ctr"/>
+            <a:endParaRPr lang="en-US"/>
+          </a:p>
+        </p:txBody>
+      </p:sp>
+      <p:pic>
+        <p:nvPicPr>
+          <p:cNvPr id="16" name="Picture 15">
+            <a:extLst>
+              <a:ext uri="{FF2B5EF4-FFF2-40B4-BE49-F238E27FC236}">
+                <a16:creationId xmlns:a16="http://schemas.microsoft.com/office/drawing/2014/main" id="{A8490010-D1C0-4B30-A8A1-6BBB9015A961}"/>
+              </a:ext>
+            </a:extLst>
+          </p:cNvPr>
+          <p:cNvPicPr>
+            <a:picLocks noChangeAspect="1"/>
+          </p:cNvPicPr>
+          <p:nvPr/>
+        </p:nvPicPr>
+        <p:blipFill>
+          <a:blip r:embed="rId3"/>
+          <a:stretch>
+            <a:fillRect/>
+          </a:stretch>
+        </p:blipFill>
+        <p:spPr>
+          <a:xfrm>
+            <a:off x="776080" y="975760"/>
+            <a:ext cx="1945807" cy="1993852"/>
           </a:xfrm>
           <a:prstGeom prst="rect">
             <a:avLst/>
           </a:prstGeom>
-          <a:solidFill>
-            <a:schemeClr val="bg1">
-              <a:alpha val="28000"/>
-            </a:schemeClr>
-          </a:solidFill>
-          <a:ln>
-            <a:noFill/>
+        </p:spPr>
+      </p:pic>
+      <p:pic>
+        <p:nvPicPr>
+          <p:cNvPr id="20" name="Picture 19">
+            <a:extLst>
+              <a:ext uri="{FF2B5EF4-FFF2-40B4-BE49-F238E27FC236}">
+                <a16:creationId xmlns:a16="http://schemas.microsoft.com/office/drawing/2014/main" id="{F938BC7F-37ED-44B3-AF23-11838D342C77}"/>
+              </a:ext>
+            </a:extLst>
+          </p:cNvPr>
+          <p:cNvPicPr>
+            <a:picLocks noChangeAspect="1"/>
+          </p:cNvPicPr>
+          <p:nvPr/>
+        </p:nvPicPr>
+        <p:blipFill>
+          <a:blip r:embed="rId4"/>
+          <a:stretch>
+            <a:fillRect/>
+          </a:stretch>
+        </p:blipFill>
+        <p:spPr>
+          <a:xfrm>
+            <a:off x="4597055" y="1166707"/>
+            <a:ext cx="2543175" cy="1724025"/>
+          </a:xfrm>
+          <a:prstGeom prst="rect">
+            <a:avLst/>
+          </a:prstGeom>
+        </p:spPr>
+      </p:pic>
+      <p:cxnSp>
+        <p:nvCxnSpPr>
+          <p:cNvPr id="22" name="Straight Arrow Connector 21">
+            <a:extLst>
+              <a:ext uri="{FF2B5EF4-FFF2-40B4-BE49-F238E27FC236}">
+                <a16:creationId xmlns:a16="http://schemas.microsoft.com/office/drawing/2014/main" id="{82A6A50E-78E0-485D-8DE6-D43FE0E907F9}"/>
+              </a:ext>
+            </a:extLst>
+          </p:cNvPr>
+          <p:cNvCxnSpPr/>
+          <p:nvPr/>
+        </p:nvCxnSpPr>
+        <p:spPr>
+          <a:xfrm>
+            <a:off x="2748391" y="1669774"/>
+            <a:ext cx="1770600" cy="0"/>
+          </a:xfrm>
+          <a:prstGeom prst="straightConnector1">
+            <a:avLst/>
+          </a:prstGeom>
+          <a:ln w="28575">
+            <a:tailEnd type="triangle"/>
           </a:ln>
+        </p:spPr>
+        <p:style>
+          <a:lnRef idx="1">
+            <a:schemeClr val="accent2"/>
+          </a:lnRef>
+          <a:fillRef idx="0">
+            <a:schemeClr val="accent2"/>
+          </a:fillRef>
+          <a:effectRef idx="0">
+            <a:schemeClr val="accent2"/>
+          </a:effectRef>
+          <a:fontRef idx="minor">
+            <a:schemeClr val="tx1"/>
+          </a:fontRef>
+        </p:style>
+      </p:cxnSp>
+      <p:cxnSp>
+        <p:nvCxnSpPr>
+          <p:cNvPr id="24" name="Straight Arrow Connector 23">
+            <a:extLst>
+              <a:ext uri="{FF2B5EF4-FFF2-40B4-BE49-F238E27FC236}">
+                <a16:creationId xmlns:a16="http://schemas.microsoft.com/office/drawing/2014/main" id="{0C32D9FC-1959-4828-AC33-980AE651105D}"/>
+              </a:ext>
+            </a:extLst>
+          </p:cNvPr>
+          <p:cNvCxnSpPr/>
+          <p:nvPr/>
+        </p:nvCxnSpPr>
+        <p:spPr>
+          <a:xfrm flipH="1">
+            <a:off x="2748391" y="2252870"/>
+            <a:ext cx="1770600" cy="0"/>
+          </a:xfrm>
+          <a:prstGeom prst="straightConnector1">
+            <a:avLst/>
+          </a:prstGeom>
+          <a:ln w="28575">
+            <a:tailEnd type="triangle"/>
+          </a:ln>
+        </p:spPr>
+        <p:style>
+          <a:lnRef idx="2">
+            <a:schemeClr val="accent1"/>
+          </a:lnRef>
+          <a:fillRef idx="0">
+            <a:schemeClr val="accent1"/>
+          </a:fillRef>
+          <a:effectRef idx="1">
+            <a:schemeClr val="accent1"/>
+          </a:effectRef>
+          <a:fontRef idx="minor">
+            <a:schemeClr val="tx1"/>
+          </a:fontRef>
+        </p:style>
+      </p:cxnSp>
+      <p:sp>
+        <p:nvSpPr>
+          <p:cNvPr id="25" name="TextBox 24">
+            <a:extLst>
+              <a:ext uri="{FF2B5EF4-FFF2-40B4-BE49-F238E27FC236}">
+                <a16:creationId xmlns:a16="http://schemas.microsoft.com/office/drawing/2014/main" id="{DAE881AA-F117-45FA-ACEA-64C4F605BF35}"/>
+              </a:ext>
+            </a:extLst>
+          </p:cNvPr>
+          <p:cNvSpPr txBox="1"/>
+          <p:nvPr/>
+        </p:nvSpPr>
+        <p:spPr>
+          <a:xfrm>
+            <a:off x="3089932" y="1019742"/>
+            <a:ext cx="1258956" cy="646331"/>
+          </a:xfrm>
+          <a:prstGeom prst="rect">
+            <a:avLst/>
+          </a:prstGeom>
+          <a:noFill/>
+        </p:spPr>
+        <p:txBody>
+          <a:bodyPr wrap="square" rtlCol="0">
+            <a:spAutoFit/>
+          </a:bodyPr>
+          <a:lstStyle/>
+          <a:p>
+            <a:r>
+              <a:rPr lang="en-US" dirty="0">
+                <a:solidFill>
+                  <a:schemeClr val="bg1"/>
+                </a:solidFill>
+              </a:rPr>
+              <a:t>APDU command</a:t>
+            </a:r>
+          </a:p>
+        </p:txBody>
+      </p:sp>
+      <p:sp>
+        <p:nvSpPr>
+          <p:cNvPr id="27" name="Rectangle 26">
+            <a:extLst>
+              <a:ext uri="{FF2B5EF4-FFF2-40B4-BE49-F238E27FC236}">
+                <a16:creationId xmlns:a16="http://schemas.microsoft.com/office/drawing/2014/main" id="{59A814B9-BE2A-47B9-904C-B417B60CB6FD}"/>
+              </a:ext>
+            </a:extLst>
+          </p:cNvPr>
+          <p:cNvSpPr/>
+          <p:nvPr/>
+        </p:nvSpPr>
+        <p:spPr>
+          <a:xfrm>
+            <a:off x="3110806" y="2369764"/>
+            <a:ext cx="1096069" cy="520967"/>
+          </a:xfrm>
+          <a:prstGeom prst="rect">
+            <a:avLst/>
+          </a:prstGeom>
         </p:spPr>
         <p:style>
           <a:lnRef idx="2">
@@ -21748,361 +22513,280 @@
           </a:fontRef>
         </p:style>
         <p:txBody>
-          <a:bodyPr anchor="ctr"/>
-          <a:lstStyle/>
-          <a:p>
-            <a:pPr marL="0" marR="0" lvl="0" indent="0" algn="ctr" defTabSz="914400" rtl="0" eaLnBrk="1" fontAlgn="auto" latinLnBrk="0" hangingPunct="1">
-              <a:lnSpc>
-                <a:spcPct val="100000"/>
-              </a:lnSpc>
-              <a:spcBef>
-                <a:spcPts val="0"/>
-              </a:spcBef>
-              <a:spcAft>
-                <a:spcPts val="0"/>
-              </a:spcAft>
-              <a:buClrTx/>
-              <a:buSzTx/>
-              <a:buFontTx/>
-              <a:buNone/>
-              <a:defRPr/>
-            </a:pPr>
-            <a:endParaRPr kumimoji="0" lang="zh-CN" altLang="en-US" sz="1800" b="0" i="0" u="none" strike="noStrike" kern="1200" cap="none" spc="0" normalizeH="0" baseline="0" noProof="0">
-              <a:ln>
-                <a:noFill/>
-              </a:ln>
-              <a:solidFill>
-                <a:schemeClr val="lt1"/>
-              </a:solidFill>
-              <a:effectLst/>
-              <a:uLnTx/>
-              <a:uFillTx/>
-              <a:latin typeface="+mn-lt"/>
-              <a:ea typeface="+mn-ea"/>
-              <a:cs typeface="+mn-cs"/>
-            </a:endParaRPr>
-          </a:p>
-        </p:txBody>
-      </p:sp>
-      <p:sp>
-        <p:nvSpPr>
-          <p:cNvPr id="24593" name="TextBox 35"/>
+          <a:bodyPr rtlCol="0" anchor="ctr"/>
+          <a:lstStyle/>
+          <a:p>
+            <a:pPr algn="ctr"/>
+            <a:r>
+              <a:rPr lang="en-US" dirty="0"/>
+              <a:t>NDEF message </a:t>
+            </a:r>
+          </a:p>
+        </p:txBody>
+      </p:sp>
+      <p:sp>
+        <p:nvSpPr>
+          <p:cNvPr id="29" name="TextBox 28">
+            <a:extLst>
+              <a:ext uri="{FF2B5EF4-FFF2-40B4-BE49-F238E27FC236}">
+                <a16:creationId xmlns:a16="http://schemas.microsoft.com/office/drawing/2014/main" id="{62FA8846-289B-4429-9E88-00B09F851819}"/>
+              </a:ext>
+            </a:extLst>
+          </p:cNvPr>
           <p:cNvSpPr txBox="1"/>
           <p:nvPr/>
         </p:nvSpPr>
         <p:spPr>
           <a:xfrm>
-            <a:off x="6619875" y="4959350"/>
-            <a:ext cx="4572000" cy="736600"/>
+            <a:off x="9352720" y="1158241"/>
+            <a:ext cx="967409" cy="369332"/>
           </a:xfrm>
           <a:prstGeom prst="rect">
             <a:avLst/>
           </a:prstGeom>
           <a:noFill/>
-          <a:ln w="9525">
-            <a:noFill/>
-          </a:ln>
-        </p:spPr>
-        <p:txBody>
-          <a:bodyPr anchor="t" anchorCtr="0">
+        </p:spPr>
+        <p:txBody>
+          <a:bodyPr wrap="square" rtlCol="0">
             <a:spAutoFit/>
           </a:bodyPr>
-          <a:p>
-            <a:pPr algn="just"/>
-            <a:r>
-              <a:rPr lang="zh-CN" altLang="zh-CN" sz="1400" dirty="0">
-                <a:solidFill>
-                  <a:schemeClr val="bg1"/>
-                </a:solidFill>
-                <a:latin typeface="Microsoft YaHei" panose="020B0503020204020204" pitchFamily="34" charset="-122"/>
-                <a:ea typeface="Microsoft YaHei" panose="020B0503020204020204" pitchFamily="34" charset="-122"/>
-              </a:rPr>
-              <a:t>Add your words here,according to your need to draw the text box size.Please read the instructions and more work at the end of the manual template.</a:t>
-            </a:r>
-            <a:endParaRPr lang="zh-CN" altLang="zh-CN" sz="1400" dirty="0">
-              <a:solidFill>
-                <a:schemeClr val="bg1"/>
-              </a:solidFill>
-              <a:latin typeface="Microsoft YaHei" panose="020B0503020204020204" pitchFamily="34" charset="-122"/>
-              <a:ea typeface="Microsoft YaHei" panose="020B0503020204020204" pitchFamily="34" charset="-122"/>
-            </a:endParaRPr>
-          </a:p>
-        </p:txBody>
-      </p:sp>
-      <p:sp>
-        <p:nvSpPr>
-          <p:cNvPr id="4" name="Rounded Rectangle 3"/>
+          <a:lstStyle/>
+          <a:p>
+            <a:r>
+              <a:rPr lang="en-US" dirty="0"/>
+              <a:t>Applet</a:t>
+            </a:r>
+          </a:p>
+        </p:txBody>
+      </p:sp>
+      <p:sp>
+        <p:nvSpPr>
+          <p:cNvPr id="30" name="TextBox 29">
+            <a:extLst>
+              <a:ext uri="{FF2B5EF4-FFF2-40B4-BE49-F238E27FC236}">
+                <a16:creationId xmlns:a16="http://schemas.microsoft.com/office/drawing/2014/main" id="{77F573EB-9A8F-4400-A291-1EC542692BC5}"/>
+              </a:ext>
+            </a:extLst>
+          </p:cNvPr>
+          <p:cNvSpPr txBox="1"/>
+          <p:nvPr/>
+        </p:nvSpPr>
+        <p:spPr>
+          <a:xfrm>
+            <a:off x="8920175" y="678180"/>
+            <a:ext cx="1901535" cy="369332"/>
+          </a:xfrm>
+          <a:prstGeom prst="rect">
+            <a:avLst/>
+          </a:prstGeom>
+          <a:noFill/>
+        </p:spPr>
+        <p:txBody>
+          <a:bodyPr wrap="square" rtlCol="0">
+            <a:spAutoFit/>
+          </a:bodyPr>
+          <a:lstStyle/>
+          <a:p>
+            <a:r>
+              <a:rPr lang="en-US" dirty="0"/>
+              <a:t>Secure element</a:t>
+            </a:r>
+          </a:p>
+        </p:txBody>
+      </p:sp>
+      <p:sp>
+        <p:nvSpPr>
+          <p:cNvPr id="31" name="Rectangle 30">
+            <a:extLst>
+              <a:ext uri="{FF2B5EF4-FFF2-40B4-BE49-F238E27FC236}">
+                <a16:creationId xmlns:a16="http://schemas.microsoft.com/office/drawing/2014/main" id="{48AA0C31-7C74-44A9-A1B2-F01385FAA428}"/>
+              </a:ext>
+            </a:extLst>
+          </p:cNvPr>
           <p:cNvSpPr/>
           <p:nvPr/>
         </p:nvSpPr>
         <p:spPr>
           <a:xfrm>
-            <a:off x="575310" y="2026285"/>
-            <a:ext cx="1523365" cy="1739265"/>
-          </a:xfrm>
-          <a:prstGeom prst="roundRect">
+            <a:off x="9884464" y="1666073"/>
+            <a:ext cx="571501" cy="189231"/>
+          </a:xfrm>
+          <a:prstGeom prst="rect">
             <a:avLst/>
           </a:prstGeom>
         </p:spPr>
         <p:style>
           <a:lnRef idx="2">
-            <a:schemeClr val="accent6"/>
+            <a:schemeClr val="accent1">
+              <a:shade val="50000"/>
+            </a:schemeClr>
           </a:lnRef>
           <a:fillRef idx="1">
-            <a:schemeClr val="lt1"/>
+            <a:schemeClr val="accent1"/>
           </a:fillRef>
           <a:effectRef idx="0">
-            <a:schemeClr val="accent6"/>
+            <a:schemeClr val="accent1"/>
           </a:effectRef>
           <a:fontRef idx="minor">
-            <a:schemeClr val="dk1"/>
+            <a:schemeClr val="lt1"/>
           </a:fontRef>
         </p:style>
         <p:txBody>
           <a:bodyPr rtlCol="0" anchor="ctr"/>
+          <a:lstStyle/>
           <a:p>
             <a:pPr algn="ctr"/>
             <a:r>
-              <a:rPr lang="en-US" sz="2400">
-                <a:solidFill>
-                  <a:srgbClr val="0070C0"/>
-                </a:solidFill>
-              </a:rPr>
-              <a:t>NFC Tags</a:t>
-            </a:r>
-            <a:endParaRPr lang="en-US" sz="2400">
-              <a:solidFill>
-                <a:srgbClr val="0070C0"/>
-              </a:solidFill>
-            </a:endParaRPr>
-          </a:p>
-        </p:txBody>
-      </p:sp>
-      <p:sp>
-        <p:nvSpPr>
-          <p:cNvPr id="5" name="Rounded Rectangle 4"/>
+              <a:rPr lang="en-US" dirty="0"/>
+              <a:t>tag</a:t>
+            </a:r>
+          </a:p>
+        </p:txBody>
+      </p:sp>
+      <p:sp>
+        <p:nvSpPr>
+          <p:cNvPr id="34" name="Rectangle 33">
+            <a:extLst>
+              <a:ext uri="{FF2B5EF4-FFF2-40B4-BE49-F238E27FC236}">
+                <a16:creationId xmlns:a16="http://schemas.microsoft.com/office/drawing/2014/main" id="{8CA23DD1-B23D-4166-B889-49C922D22122}"/>
+              </a:ext>
+            </a:extLst>
+          </p:cNvPr>
           <p:cNvSpPr/>
           <p:nvPr/>
         </p:nvSpPr>
         <p:spPr>
           <a:xfrm>
-            <a:off x="2683510" y="2026285"/>
-            <a:ext cx="1523365" cy="1739265"/>
-          </a:xfrm>
-          <a:prstGeom prst="roundRect">
+            <a:off x="9884464" y="1988938"/>
+            <a:ext cx="571501" cy="189231"/>
+          </a:xfrm>
+          <a:prstGeom prst="rect">
             <a:avLst/>
           </a:prstGeom>
         </p:spPr>
         <p:style>
           <a:lnRef idx="2">
-            <a:schemeClr val="accent6"/>
+            <a:schemeClr val="accent1">
+              <a:shade val="50000"/>
+            </a:schemeClr>
           </a:lnRef>
           <a:fillRef idx="1">
-            <a:schemeClr val="lt1"/>
+            <a:schemeClr val="accent1"/>
           </a:fillRef>
           <a:effectRef idx="0">
-            <a:schemeClr val="accent6"/>
+            <a:schemeClr val="accent1"/>
           </a:effectRef>
           <a:fontRef idx="minor">
-            <a:schemeClr val="dk1"/>
+            <a:schemeClr val="lt1"/>
           </a:fontRef>
         </p:style>
         <p:txBody>
           <a:bodyPr rtlCol="0" anchor="ctr"/>
+          <a:lstStyle/>
           <a:p>
             <a:pPr algn="ctr"/>
             <a:r>
-              <a:rPr lang="en-US" sz="2400">
-                <a:solidFill>
-                  <a:srgbClr val="0070C0"/>
-                </a:solidFill>
-              </a:rPr>
-              <a:t>NDEF</a:t>
-            </a:r>
-            <a:endParaRPr lang="en-US" sz="2400">
-              <a:solidFill>
-                <a:srgbClr val="0070C0"/>
-              </a:solidFill>
-            </a:endParaRPr>
-          </a:p>
-          <a:p>
-            <a:pPr algn="ctr"/>
-            <a:r>
-              <a:rPr lang="en-US" sz="1800">
-                <a:solidFill>
-                  <a:srgbClr val="0070C0"/>
-                </a:solidFill>
-              </a:rPr>
-              <a:t>NFC Data Exchange Format</a:t>
-            </a:r>
-            <a:endParaRPr lang="en-US" sz="1800">
-              <a:solidFill>
-                <a:srgbClr val="0070C0"/>
-              </a:solidFill>
-            </a:endParaRPr>
-          </a:p>
-        </p:txBody>
-      </p:sp>
-      <p:sp>
-        <p:nvSpPr>
-          <p:cNvPr id="6" name="Rounded Rectangle 5"/>
+              <a:rPr lang="en-US" dirty="0"/>
+              <a:t>Tag</a:t>
+            </a:r>
+          </a:p>
+        </p:txBody>
+      </p:sp>
+      <p:sp>
+        <p:nvSpPr>
+          <p:cNvPr id="35" name="Rectangle 34">
+            <a:extLst>
+              <a:ext uri="{FF2B5EF4-FFF2-40B4-BE49-F238E27FC236}">
+                <a16:creationId xmlns:a16="http://schemas.microsoft.com/office/drawing/2014/main" id="{1E36E8C1-3B9F-4E38-8E83-BB0F3EF02609}"/>
+              </a:ext>
+            </a:extLst>
+          </p:cNvPr>
           <p:cNvSpPr/>
           <p:nvPr/>
         </p:nvSpPr>
         <p:spPr>
           <a:xfrm>
-            <a:off x="4935855" y="2026285"/>
-            <a:ext cx="1593215" cy="1738630"/>
-          </a:xfrm>
-          <a:prstGeom prst="roundRect">
+            <a:off x="9890261" y="2338167"/>
+            <a:ext cx="571501" cy="189231"/>
+          </a:xfrm>
+          <a:prstGeom prst="rect">
             <a:avLst/>
           </a:prstGeom>
         </p:spPr>
         <p:style>
           <a:lnRef idx="2">
-            <a:schemeClr val="accent6"/>
+            <a:schemeClr val="accent1">
+              <a:shade val="50000"/>
+            </a:schemeClr>
           </a:lnRef>
           <a:fillRef idx="1">
-            <a:schemeClr val="lt1"/>
+            <a:schemeClr val="accent1"/>
           </a:fillRef>
           <a:effectRef idx="0">
-            <a:schemeClr val="accent6"/>
+            <a:schemeClr val="accent1"/>
           </a:effectRef>
           <a:fontRef idx="minor">
-            <a:schemeClr val="dk1"/>
+            <a:schemeClr val="lt1"/>
           </a:fontRef>
         </p:style>
         <p:txBody>
           <a:bodyPr rtlCol="0" anchor="ctr"/>
+          <a:lstStyle/>
           <a:p>
             <a:pPr algn="ctr"/>
             <a:r>
-              <a:rPr lang="en-US" sz="2400">
-                <a:solidFill>
-                  <a:srgbClr val="0070C0"/>
-                </a:solidFill>
-              </a:rPr>
-              <a:t>APDU</a:t>
-            </a:r>
-            <a:endParaRPr lang="en-US" sz="2400">
-              <a:solidFill>
-                <a:srgbClr val="0070C0"/>
-              </a:solidFill>
-            </a:endParaRPr>
-          </a:p>
-          <a:p>
-            <a:pPr algn="ctr"/>
-            <a:r>
-              <a:rPr lang="en-US" sz="1800">
-                <a:solidFill>
-                  <a:srgbClr val="0070C0"/>
-                </a:solidFill>
-              </a:rPr>
-              <a:t>Application Protocol data unit</a:t>
-            </a:r>
-            <a:endParaRPr lang="en-US" sz="1800">
-              <a:solidFill>
-                <a:srgbClr val="0070C0"/>
-              </a:solidFill>
-            </a:endParaRPr>
-          </a:p>
-        </p:txBody>
-      </p:sp>
-      <p:sp>
-        <p:nvSpPr>
-          <p:cNvPr id="7" name="Rounded Rectangle 6"/>
+              <a:rPr lang="en-US" dirty="0"/>
+              <a:t>tag</a:t>
+            </a:r>
+          </a:p>
+        </p:txBody>
+      </p:sp>
+      <p:sp>
+        <p:nvSpPr>
+          <p:cNvPr id="36" name="Rectangle 35">
+            <a:extLst>
+              <a:ext uri="{FF2B5EF4-FFF2-40B4-BE49-F238E27FC236}">
+                <a16:creationId xmlns:a16="http://schemas.microsoft.com/office/drawing/2014/main" id="{6593180F-040C-44BC-9D9A-E09FD1F1D2F5}"/>
+              </a:ext>
+            </a:extLst>
+          </p:cNvPr>
           <p:cNvSpPr/>
           <p:nvPr/>
         </p:nvSpPr>
         <p:spPr>
           <a:xfrm>
-            <a:off x="7145020" y="2026285"/>
-            <a:ext cx="1523365" cy="1739265"/>
-          </a:xfrm>
-          <a:prstGeom prst="roundRect">
+            <a:off x="9884464" y="2658827"/>
+            <a:ext cx="571501" cy="189231"/>
+          </a:xfrm>
+          <a:prstGeom prst="rect">
             <a:avLst/>
           </a:prstGeom>
         </p:spPr>
         <p:style>
           <a:lnRef idx="2">
-            <a:schemeClr val="accent6"/>
+            <a:schemeClr val="accent1">
+              <a:shade val="50000"/>
+            </a:schemeClr>
           </a:lnRef>
           <a:fillRef idx="1">
-            <a:schemeClr val="lt1"/>
+            <a:schemeClr val="accent1"/>
           </a:fillRef>
           <a:effectRef idx="0">
-            <a:schemeClr val="accent6"/>
+            <a:schemeClr val="accent1"/>
           </a:effectRef>
           <a:fontRef idx="minor">
-            <a:schemeClr val="dk1"/>
+            <a:schemeClr val="lt1"/>
           </a:fontRef>
         </p:style>
         <p:txBody>
           <a:bodyPr rtlCol="0" anchor="ctr"/>
+          <a:lstStyle/>
           <a:p>
             <a:pPr algn="ctr"/>
             <a:r>
-              <a:rPr lang="en-US" sz="2400">
-                <a:solidFill>
-                  <a:srgbClr val="0070C0"/>
-                </a:solidFill>
-              </a:rPr>
-              <a:t>Applet</a:t>
-            </a:r>
-            <a:endParaRPr lang="en-US" sz="2400">
-              <a:solidFill>
-                <a:srgbClr val="0070C0"/>
-              </a:solidFill>
-            </a:endParaRPr>
-          </a:p>
-        </p:txBody>
-      </p:sp>
-      <p:sp>
-        <p:nvSpPr>
-          <p:cNvPr id="8" name="Rounded Rectangle 7"/>
-          <p:cNvSpPr/>
-          <p:nvPr/>
-        </p:nvSpPr>
-        <p:spPr>
-          <a:xfrm>
-            <a:off x="9488170" y="2026285"/>
-            <a:ext cx="1523365" cy="1739265"/>
-          </a:xfrm>
-          <a:prstGeom prst="roundRect">
-            <a:avLst/>
-          </a:prstGeom>
-        </p:spPr>
-        <p:style>
-          <a:lnRef idx="2">
-            <a:schemeClr val="accent6"/>
-          </a:lnRef>
-          <a:fillRef idx="1">
-            <a:schemeClr val="lt1"/>
-          </a:fillRef>
-          <a:effectRef idx="0">
-            <a:schemeClr val="accent6"/>
-          </a:effectRef>
-          <a:fontRef idx="minor">
-            <a:schemeClr val="dk1"/>
-          </a:fontRef>
-        </p:style>
-        <p:txBody>
-          <a:bodyPr rtlCol="0" anchor="ctr"/>
-          <a:p>
-            <a:pPr algn="ctr"/>
-            <a:r>
-              <a:rPr lang="en-US" sz="2400">
-                <a:solidFill>
-                  <a:srgbClr val="0070C0"/>
-                </a:solidFill>
-              </a:rPr>
-              <a:t>NFC Tag</a:t>
-            </a:r>
-            <a:endParaRPr lang="en-US" sz="2400">
-              <a:solidFill>
-                <a:srgbClr val="0070C0"/>
-              </a:solidFill>
-            </a:endParaRPr>
+              <a:rPr lang="en-US" dirty="0"/>
+              <a:t>tag</a:t>
+            </a:r>
           </a:p>
         </p:txBody>
       </p:sp>
@@ -22123,7 +22807,7 @@
     <p:bg>
       <p:bgPr>
         <a:blipFill rotWithShape="0">
-          <a:blip r:embed="rId1"/>
+          <a:blip r:embed="rId2"/>
           <a:stretch>
             <a:fillRect/>
           </a:stretch>
@@ -22137,7 +22821,14 @@
         <p:cNvGrpSpPr/>
         <p:nvPr/>
       </p:nvGrpSpPr>
-      <p:grpSpPr/>
+      <p:grpSpPr>
+        <a:xfrm>
+          <a:off x="0" y="0"/>
+          <a:ext cx="0" cy="0"/>
+          <a:chOff x="0" y="0"/>
+          <a:chExt cx="0" cy="0"/>
+        </a:xfrm>
+      </p:grpSpPr>
       <p:sp>
         <p:nvSpPr>
           <p:cNvPr id="2" name="文本框 1"/>
@@ -22161,6 +22852,7 @@
           <a:bodyPr wrap="square" anchor="t" anchorCtr="0">
             <a:spAutoFit/>
           </a:bodyPr>
+          <a:lstStyle/>
           <a:p>
             <a:r>
               <a:rPr lang="en-US" altLang="zh-CN" sz="2400" b="1" dirty="0">
@@ -22173,14 +22865,6 @@
               </a:rPr>
               <a:t>4. Basic concepts</a:t>
             </a:r>
-            <a:endParaRPr lang="en-US" altLang="zh-CN" sz="2400" b="1" dirty="0">
-              <a:solidFill>
-                <a:srgbClr val="00B0F0"/>
-              </a:solidFill>
-              <a:latin typeface="Microsoft YaHei" panose="020B0503020204020204" pitchFamily="34" charset="-122"/>
-              <a:ea typeface="Microsoft YaHei" panose="020B0503020204020204" pitchFamily="34" charset="-122"/>
-              <a:sym typeface="+mn-ea"/>
-            </a:endParaRPr>
           </a:p>
         </p:txBody>
       </p:sp>
@@ -22204,6 +22888,7 @@
           <a:bodyPr wrap="square" rtlCol="0">
             <a:spAutoFit/>
           </a:bodyPr>
+          <a:lstStyle/>
           <a:p>
             <a:r>
               <a:rPr lang="en-US" sz="2200" b="1">
@@ -22213,11 +22898,6 @@
               </a:rPr>
               <a:t>NFC TAGS</a:t>
             </a:r>
-            <a:endParaRPr lang="en-US" sz="2200" b="1">
-              <a:solidFill>
-                <a:schemeClr val="bg1"/>
-              </a:solidFill>
-            </a:endParaRPr>
           </a:p>
         </p:txBody>
       </p:sp>
@@ -22252,6 +22932,7 @@
         </p:style>
         <p:txBody>
           <a:bodyPr rtlCol="0" anchor="ctr"/>
+          <a:lstStyle/>
           <a:p>
             <a:pPr algn="ctr"/>
             <a:r>
@@ -22265,14 +22946,6 @@
               </a:rPr>
               <a:t>passive data stores</a:t>
             </a:r>
-            <a:endParaRPr lang="zh-CN" altLang="zh-CN" sz="2400" dirty="0" smtClean="0">
-              <a:solidFill>
-                <a:srgbClr val="00B0F0"/>
-              </a:solidFill>
-              <a:latin typeface="Microsoft YaHei" panose="020B0503020204020204" pitchFamily="34" charset="-122"/>
-              <a:ea typeface="Microsoft YaHei" panose="020B0503020204020204" pitchFamily="34" charset="-122"/>
-              <a:sym typeface="+mn-ea"/>
-            </a:endParaRPr>
           </a:p>
         </p:txBody>
       </p:sp>
@@ -22290,18 +22963,24 @@
           <a:prstGeom prst="rect">
             <a:avLst/>
           </a:prstGeom>
+          <a:solidFill>
+            <a:schemeClr val="accent6">
+              <a:alpha val="50000"/>
+            </a:schemeClr>
+          </a:solidFill>
+          <a:ln>
+            <a:noFill/>
+          </a:ln>
         </p:spPr>
         <p:style>
-          <a:lnRef idx="2">
-            <a:schemeClr val="accent1">
-              <a:shade val="50000"/>
-            </a:schemeClr>
+          <a:lnRef idx="0">
+            <a:scrgbClr r="0" g="0" b="0"/>
           </a:lnRef>
-          <a:fillRef idx="1">
-            <a:schemeClr val="accent1"/>
+          <a:fillRef idx="0">
+            <a:scrgbClr r="0" g="0" b="0"/>
           </a:fillRef>
           <a:effectRef idx="0">
-            <a:schemeClr val="accent1"/>
+            <a:scrgbClr r="0" g="0" b="0"/>
           </a:effectRef>
           <a:fontRef idx="minor">
             <a:schemeClr val="lt1"/>
@@ -22309,6 +22988,7 @@
         </p:style>
         <p:txBody>
           <a:bodyPr rtlCol="0" anchor="ctr"/>
+          <a:lstStyle/>
           <a:p>
             <a:pPr algn="l"/>
             <a:r>
@@ -22366,14 +23046,6 @@
               </a:rPr>
               <a:t>).</a:t>
             </a:r>
-            <a:endParaRPr lang="en-US" altLang="zh-CN" sz="1600" dirty="0">
-              <a:solidFill>
-                <a:schemeClr val="bg1"/>
-              </a:solidFill>
-              <a:latin typeface="Microsoft YaHei" panose="020B0503020204020204" pitchFamily="34" charset="-122"/>
-              <a:ea typeface="Microsoft YaHei" panose="020B0503020204020204" pitchFamily="34" charset="-122"/>
-              <a:sym typeface="+mn-ea"/>
-            </a:endParaRPr>
           </a:p>
           <a:p>
             <a:pPr algn="l"/>
@@ -22478,6 +23150,7 @@
         </p:style>
         <p:txBody>
           <a:bodyPr rtlCol="0" anchor="ctr"/>
+          <a:lstStyle/>
           <a:p>
             <a:pPr algn="ctr"/>
             <a:r>
@@ -22491,14 +23164,6 @@
               </a:rPr>
               <a:t>secure personal data storage</a:t>
             </a:r>
-            <a:endParaRPr lang="zh-CN" altLang="zh-CN" sz="2400" dirty="0" smtClean="0">
-              <a:solidFill>
-                <a:srgbClr val="00B0F0"/>
-              </a:solidFill>
-              <a:latin typeface="Microsoft YaHei" panose="020B0503020204020204" pitchFamily="34" charset="-122"/>
-              <a:ea typeface="Microsoft YaHei" panose="020B0503020204020204" pitchFamily="34" charset="-122"/>
-              <a:sym typeface="+mn-ea"/>
-            </a:endParaRPr>
           </a:p>
         </p:txBody>
       </p:sp>
@@ -22516,18 +23181,24 @@
           <a:prstGeom prst="rect">
             <a:avLst/>
           </a:prstGeom>
+          <a:solidFill>
+            <a:schemeClr val="accent6">
+              <a:alpha val="50000"/>
+            </a:schemeClr>
+          </a:solidFill>
+          <a:ln>
+            <a:noFill/>
+          </a:ln>
         </p:spPr>
         <p:style>
-          <a:lnRef idx="2">
-            <a:schemeClr val="accent1">
-              <a:shade val="50000"/>
-            </a:schemeClr>
+          <a:lnRef idx="0">
+            <a:scrgbClr r="0" g="0" b="0"/>
           </a:lnRef>
-          <a:fillRef idx="1">
-            <a:schemeClr val="accent1"/>
+          <a:fillRef idx="0">
+            <a:scrgbClr r="0" g="0" b="0"/>
           </a:fillRef>
           <a:effectRef idx="0">
-            <a:schemeClr val="accent1"/>
+            <a:scrgbClr r="0" g="0" b="0"/>
           </a:effectRef>
           <a:fontRef idx="minor">
             <a:schemeClr val="lt1"/>
@@ -22535,6 +23206,7 @@
         </p:style>
         <p:txBody>
           <a:bodyPr rtlCol="0" anchor="ctr"/>
+          <a:lstStyle/>
           <a:p>
             <a:pPr algn="l"/>
             <a:r>
@@ -22570,14 +23242,6 @@
               </a:rPr>
               <a:t>.</a:t>
             </a:r>
-            <a:endParaRPr lang="en-US" altLang="zh-CN" sz="1600" dirty="0">
-              <a:solidFill>
-                <a:schemeClr val="bg1"/>
-              </a:solidFill>
-              <a:latin typeface="Microsoft YaHei" panose="020B0503020204020204" pitchFamily="34" charset="-122"/>
-              <a:ea typeface="Microsoft YaHei" panose="020B0503020204020204" pitchFamily="34" charset="-122"/>
-              <a:sym typeface="+mn-ea"/>
-            </a:endParaRPr>
           </a:p>
           <a:p>
             <a:pPr algn="l"/>
@@ -22631,7 +23295,7 @@
     <p:bg>
       <p:bgPr>
         <a:blipFill rotWithShape="0">
-          <a:blip r:embed="rId1"/>
+          <a:blip r:embed="rId2"/>
           <a:stretch>
             <a:fillRect/>
           </a:stretch>
@@ -22645,17 +23309,24 @@
         <p:cNvGrpSpPr/>
         <p:nvPr/>
       </p:nvGrpSpPr>
-      <p:grpSpPr/>
-      <p:sp>
-        <p:nvSpPr>
-          <p:cNvPr id="24578" name="文本框 1"/>
+      <p:grpSpPr>
+        <a:xfrm>
+          <a:off x="0" y="0"/>
+          <a:ext cx="0" cy="0"/>
+          <a:chOff x="0" y="0"/>
+          <a:chExt cx="0" cy="0"/>
+        </a:xfrm>
+      </p:grpSpPr>
+      <p:sp>
+        <p:nvSpPr>
+          <p:cNvPr id="2" name="文本框 1"/>
           <p:cNvSpPr txBox="1"/>
           <p:nvPr/>
         </p:nvSpPr>
         <p:spPr>
           <a:xfrm>
-            <a:off x="333375" y="217488"/>
-            <a:ext cx="2671763" cy="460375"/>
+            <a:off x="333375" y="217805"/>
+            <a:ext cx="3648710" cy="460375"/>
           </a:xfrm>
           <a:prstGeom prst="rect">
             <a:avLst/>
@@ -22666,47 +23337,123 @@
           </a:ln>
         </p:spPr>
         <p:txBody>
-          <a:bodyPr anchor="t" anchorCtr="0">
+          <a:bodyPr wrap="square" anchor="t" anchorCtr="0">
             <a:spAutoFit/>
           </a:bodyPr>
-          <a:p>
-            <a:r>
-              <a:rPr lang="zh-CN" altLang="en-US" sz="2400" b="1" dirty="0">
+          <a:lstStyle/>
+          <a:p>
+            <a:r>
+              <a:rPr lang="en-US" altLang="zh-CN" sz="2400" b="1" dirty="0">
                 <a:solidFill>
                   <a:srgbClr val="00B0F0"/>
                 </a:solidFill>
                 <a:latin typeface="Microsoft YaHei" panose="020B0503020204020204" pitchFamily="34" charset="-122"/>
                 <a:ea typeface="Microsoft YaHei" panose="020B0503020204020204" pitchFamily="34" charset="-122"/>
+                <a:sym typeface="+mn-ea"/>
               </a:rPr>
-              <a:t>Add your title</a:t>
-            </a:r>
-            <a:endParaRPr lang="zh-CN" altLang="en-US" sz="2400" b="1" dirty="0">
-              <a:solidFill>
-                <a:srgbClr val="00B0F0"/>
-              </a:solidFill>
-              <a:latin typeface="Microsoft YaHei" panose="020B0503020204020204" pitchFamily="34" charset="-122"/>
-              <a:ea typeface="Microsoft YaHei" panose="020B0503020204020204" pitchFamily="34" charset="-122"/>
-            </a:endParaRPr>
-          </a:p>
-        </p:txBody>
-      </p:sp>
-      <p:sp>
-        <p:nvSpPr>
-          <p:cNvPr id="9" name="矩形 8"/>
+              <a:t>4. Basic concepts</a:t>
+            </a:r>
+          </a:p>
+        </p:txBody>
+      </p:sp>
+      <p:sp>
+        <p:nvSpPr>
+          <p:cNvPr id="3" name="Text Box 2"/>
+          <p:cNvSpPr txBox="1"/>
+          <p:nvPr/>
+        </p:nvSpPr>
+        <p:spPr>
+          <a:xfrm>
+            <a:off x="4840605" y="290195"/>
+            <a:ext cx="5774386" cy="429895"/>
+          </a:xfrm>
+          <a:prstGeom prst="rect">
+            <a:avLst/>
+          </a:prstGeom>
+          <a:noFill/>
+        </p:spPr>
+        <p:txBody>
+          <a:bodyPr wrap="square" rtlCol="0">
+            <a:spAutoFit/>
+          </a:bodyPr>
+          <a:lstStyle/>
+          <a:p>
+            <a:r>
+              <a:rPr lang="en-US" sz="2200" b="1" dirty="0">
+                <a:solidFill>
+                  <a:schemeClr val="bg1"/>
+                </a:solidFill>
+              </a:rPr>
+              <a:t>NDEF – NFC Data Exchange Format</a:t>
+            </a:r>
+          </a:p>
+        </p:txBody>
+      </p:sp>
+      <p:sp>
+        <p:nvSpPr>
+          <p:cNvPr id="5" name="Rounded Rectangle 4"/>
           <p:cNvSpPr/>
           <p:nvPr/>
         </p:nvSpPr>
         <p:spPr>
           <a:xfrm>
-            <a:off x="6437313" y="1733550"/>
-            <a:ext cx="92075" cy="990600"/>
+            <a:off x="1299210" y="1363345"/>
+            <a:ext cx="2830195" cy="1162050"/>
+          </a:xfrm>
+          <a:prstGeom prst="roundRect">
+            <a:avLst/>
+          </a:prstGeom>
+        </p:spPr>
+        <p:style>
+          <a:lnRef idx="2">
+            <a:schemeClr val="accent6"/>
+          </a:lnRef>
+          <a:fillRef idx="1">
+            <a:schemeClr val="lt1"/>
+          </a:fillRef>
+          <a:effectRef idx="0">
+            <a:schemeClr val="accent6"/>
+          </a:effectRef>
+          <a:fontRef idx="minor">
+            <a:schemeClr val="dk1"/>
+          </a:fontRef>
+        </p:style>
+        <p:txBody>
+          <a:bodyPr rtlCol="0" anchor="ctr"/>
+          <a:lstStyle/>
+          <a:p>
+            <a:pPr algn="ctr"/>
+            <a:r>
+              <a:rPr lang="zh-CN" altLang="zh-CN" sz="2400" dirty="0">
+                <a:solidFill>
+                  <a:srgbClr val="00B0F0"/>
+                </a:solidFill>
+                <a:latin typeface="Microsoft YaHei" panose="020B0503020204020204" pitchFamily="34" charset="-122"/>
+                <a:ea typeface="Microsoft YaHei" panose="020B0503020204020204" pitchFamily="34" charset="-122"/>
+                <a:sym typeface="+mn-ea"/>
+              </a:rPr>
+              <a:t>passive data stores</a:t>
+            </a:r>
+          </a:p>
+        </p:txBody>
+      </p:sp>
+      <p:sp>
+        <p:nvSpPr>
+          <p:cNvPr id="6" name="Rectangles 5"/>
+          <p:cNvSpPr/>
+          <p:nvPr/>
+        </p:nvSpPr>
+        <p:spPr>
+          <a:xfrm>
+            <a:off x="4928870" y="1374140"/>
+            <a:ext cx="5544185" cy="1151255"/>
           </a:xfrm>
           <a:prstGeom prst="rect">
             <a:avLst/>
           </a:prstGeom>
           <a:solidFill>
-            <a:schemeClr val="bg1">
-              <a:alpha val="28000"/>
+            <a:schemeClr val="accent6">
+              <a:alpha val="50000"/>
             </a:schemeClr>
           </a:solidFill>
           <a:ln>
@@ -22714,75 +23461,217 @@
           </a:ln>
         </p:spPr>
         <p:style>
-          <a:lnRef idx="2">
-            <a:schemeClr val="accent1">
-              <a:shade val="50000"/>
-            </a:schemeClr>
+          <a:lnRef idx="0">
+            <a:scrgbClr r="0" g="0" b="0"/>
           </a:lnRef>
-          <a:fillRef idx="1">
-            <a:schemeClr val="accent1"/>
+          <a:fillRef idx="0">
+            <a:scrgbClr r="0" g="0" b="0"/>
           </a:fillRef>
           <a:effectRef idx="0">
-            <a:schemeClr val="accent1"/>
+            <a:scrgbClr r="0" g="0" b="0"/>
           </a:effectRef>
           <a:fontRef idx="minor">
             <a:schemeClr val="lt1"/>
           </a:fontRef>
         </p:style>
         <p:txBody>
-          <a:bodyPr anchor="ctr"/>
-          <a:lstStyle/>
-          <a:p>
-            <a:pPr marL="0" marR="0" lvl="0" indent="0" algn="ctr" defTabSz="914400" rtl="0" eaLnBrk="1" fontAlgn="auto" latinLnBrk="0" hangingPunct="1">
-              <a:lnSpc>
-                <a:spcPct val="100000"/>
-              </a:lnSpc>
-              <a:spcBef>
-                <a:spcPts val="0"/>
-              </a:spcBef>
-              <a:spcAft>
-                <a:spcPts val="0"/>
-              </a:spcAft>
-              <a:buClrTx/>
-              <a:buSzTx/>
-              <a:buFontTx/>
-              <a:buNone/>
-              <a:defRPr/>
-            </a:pPr>
-            <a:endParaRPr kumimoji="0" lang="zh-CN" altLang="en-US" sz="1800" b="0" i="0" u="none" strike="noStrike" kern="1200" cap="none" spc="0" normalizeH="0" baseline="0" noProof="0">
-              <a:ln>
-                <a:noFill/>
-              </a:ln>
+          <a:bodyPr rtlCol="0" anchor="ctr"/>
+          <a:lstStyle/>
+          <a:p>
+            <a:pPr algn="l"/>
+            <a:r>
+              <a:rPr lang="en-US" altLang="zh-CN" sz="1600" dirty="0">
+                <a:solidFill>
+                  <a:schemeClr val="bg1"/>
+                </a:solidFill>
+                <a:latin typeface="Microsoft YaHei" panose="020B0503020204020204" pitchFamily="34" charset="-122"/>
+                <a:ea typeface="Microsoft YaHei" panose="020B0503020204020204" pitchFamily="34" charset="-122"/>
+                <a:sym typeface="+mn-ea"/>
+              </a:rPr>
+              <a:t>- </a:t>
+            </a:r>
+            <a:r>
+              <a:rPr lang="zh-CN" altLang="zh-CN" sz="1600" dirty="0">
+                <a:solidFill>
+                  <a:schemeClr val="bg1"/>
+                </a:solidFill>
+                <a:latin typeface="Microsoft YaHei" panose="020B0503020204020204" pitchFamily="34" charset="-122"/>
+                <a:ea typeface="Microsoft YaHei" panose="020B0503020204020204" pitchFamily="34" charset="-122"/>
+                <a:sym typeface="+mn-ea"/>
+              </a:rPr>
+              <a:t>contain data (</a:t>
+            </a:r>
+            <a:r>
+              <a:rPr lang="en-US" altLang="zh-CN" sz="1600" dirty="0">
+                <a:solidFill>
+                  <a:schemeClr val="bg1"/>
+                </a:solidFill>
+                <a:latin typeface="Microsoft YaHei" panose="020B0503020204020204" pitchFamily="34" charset="-122"/>
+                <a:ea typeface="Microsoft YaHei" panose="020B0503020204020204" pitchFamily="34" charset="-122"/>
+                <a:sym typeface="+mn-ea"/>
+              </a:rPr>
+              <a:t>betweens</a:t>
+            </a:r>
+            <a:r>
+              <a:rPr lang="zh-CN" altLang="zh-CN" sz="1600" dirty="0">
+                <a:solidFill>
+                  <a:schemeClr val="bg1"/>
+                </a:solidFill>
+                <a:latin typeface="Microsoft YaHei" panose="020B0503020204020204" pitchFamily="34" charset="-122"/>
+                <a:ea typeface="Microsoft YaHei" panose="020B0503020204020204" pitchFamily="34" charset="-122"/>
+                <a:sym typeface="+mn-ea"/>
+              </a:rPr>
+              <a:t> 96 and 8,192 bytes</a:t>
+            </a:r>
+            <a:r>
+              <a:rPr lang="en-US" altLang="zh-CN" sz="1600" dirty="0">
+                <a:solidFill>
+                  <a:schemeClr val="bg1"/>
+                </a:solidFill>
+                <a:latin typeface="Microsoft YaHei" panose="020B0503020204020204" pitchFamily="34" charset="-122"/>
+                <a:ea typeface="Microsoft YaHei" panose="020B0503020204020204" pitchFamily="34" charset="-122"/>
+                <a:sym typeface="+mn-ea"/>
+              </a:rPr>
+              <a:t>).</a:t>
+            </a:r>
+          </a:p>
+          <a:p>
+            <a:pPr algn="l"/>
+            <a:r>
+              <a:rPr lang="en-US" altLang="zh-CN" sz="1600" dirty="0">
+                <a:solidFill>
+                  <a:schemeClr val="bg1"/>
+                </a:solidFill>
+                <a:latin typeface="Microsoft YaHei" panose="020B0503020204020204" pitchFamily="34" charset="-122"/>
+                <a:ea typeface="Microsoft YaHei" panose="020B0503020204020204" pitchFamily="34" charset="-122"/>
+                <a:sym typeface="+mn-ea"/>
+              </a:rPr>
+              <a:t>- </a:t>
+            </a:r>
+            <a:r>
+              <a:rPr lang="zh-CN" altLang="zh-CN" sz="1600" dirty="0">
+                <a:solidFill>
+                  <a:schemeClr val="bg1"/>
+                </a:solidFill>
+                <a:latin typeface="Microsoft YaHei" panose="020B0503020204020204" pitchFamily="34" charset="-122"/>
+                <a:ea typeface="Microsoft YaHei" panose="020B0503020204020204" pitchFamily="34" charset="-122"/>
+                <a:sym typeface="+mn-ea"/>
+              </a:rPr>
+              <a:t>are read-only in normal use, but may be rewritable</a:t>
+            </a:r>
+            <a:endParaRPr lang="en-US" altLang="zh-CN" sz="1600" dirty="0">
               <a:solidFill>
-                <a:schemeClr val="lt1"/>
+                <a:schemeClr val="bg1"/>
               </a:solidFill>
-              <a:effectLst/>
-              <a:uLnTx/>
-              <a:uFillTx/>
-              <a:latin typeface="+mn-lt"/>
-              <a:ea typeface="+mn-ea"/>
-              <a:cs typeface="+mn-cs"/>
+              <a:latin typeface="Microsoft YaHei" panose="020B0503020204020204" pitchFamily="34" charset="-122"/>
+              <a:ea typeface="Microsoft YaHei" panose="020B0503020204020204" pitchFamily="34" charset="-122"/>
+              <a:sym typeface="+mn-ea"/>
             </a:endParaRPr>
           </a:p>
-        </p:txBody>
-      </p:sp>
-      <p:sp>
-        <p:nvSpPr>
-          <p:cNvPr id="10" name="矩形 9"/>
+          <a:p>
+            <a:pPr algn="l"/>
+            <a:r>
+              <a:rPr lang="en-US" altLang="zh-CN" sz="1600" dirty="0">
+                <a:solidFill>
+                  <a:schemeClr val="bg1"/>
+                </a:solidFill>
+                <a:latin typeface="Microsoft YaHei" panose="020B0503020204020204" pitchFamily="34" charset="-122"/>
+                <a:ea typeface="Microsoft YaHei" panose="020B0503020204020204" pitchFamily="34" charset="-122"/>
+                <a:sym typeface="+mn-ea"/>
+              </a:rPr>
+              <a:t>- </a:t>
+            </a:r>
+            <a:r>
+              <a:rPr lang="zh-CN" altLang="zh-CN" sz="1600" dirty="0">
+                <a:solidFill>
+                  <a:schemeClr val="bg1"/>
+                </a:solidFill>
+                <a:latin typeface="Microsoft YaHei" panose="020B0503020204020204" pitchFamily="34" charset="-122"/>
+                <a:ea typeface="Microsoft YaHei" panose="020B0503020204020204" pitchFamily="34" charset="-122"/>
+                <a:sym typeface="+mn-ea"/>
+              </a:rPr>
+              <a:t>can be read, and under some circumstances written to, by an NFC device</a:t>
+            </a:r>
+            <a:r>
+              <a:rPr lang="en-US" altLang="zh-CN" sz="1600" dirty="0">
+                <a:solidFill>
+                  <a:schemeClr val="bg1"/>
+                </a:solidFill>
+                <a:latin typeface="Microsoft YaHei" panose="020B0503020204020204" pitchFamily="34" charset="-122"/>
+                <a:ea typeface="Microsoft YaHei" panose="020B0503020204020204" pitchFamily="34" charset="-122"/>
+                <a:sym typeface="+mn-ea"/>
+              </a:rPr>
+              <a:t>.</a:t>
+            </a:r>
+            <a:endParaRPr lang="en-US" sz="1600"/>
+          </a:p>
+        </p:txBody>
+      </p:sp>
+      <p:sp>
+        <p:nvSpPr>
+          <p:cNvPr id="7" name="Rounded Rectangle 6"/>
           <p:cNvSpPr/>
           <p:nvPr/>
         </p:nvSpPr>
         <p:spPr>
           <a:xfrm>
-            <a:off x="6437313" y="3238500"/>
-            <a:ext cx="92075" cy="990600"/>
+            <a:off x="1299210" y="3296920"/>
+            <a:ext cx="2830195" cy="1162050"/>
+          </a:xfrm>
+          <a:prstGeom prst="roundRect">
+            <a:avLst/>
+          </a:prstGeom>
+        </p:spPr>
+        <p:style>
+          <a:lnRef idx="2">
+            <a:schemeClr val="accent6"/>
+          </a:lnRef>
+          <a:fillRef idx="1">
+            <a:schemeClr val="lt1"/>
+          </a:fillRef>
+          <a:effectRef idx="0">
+            <a:schemeClr val="accent6"/>
+          </a:effectRef>
+          <a:fontRef idx="minor">
+            <a:schemeClr val="dk1"/>
+          </a:fontRef>
+        </p:style>
+        <p:txBody>
+          <a:bodyPr rtlCol="0" anchor="ctr"/>
+          <a:lstStyle/>
+          <a:p>
+            <a:pPr algn="ctr"/>
+            <a:r>
+              <a:rPr lang="zh-CN" altLang="zh-CN" sz="2400" dirty="0">
+                <a:solidFill>
+                  <a:srgbClr val="00B0F0"/>
+                </a:solidFill>
+                <a:latin typeface="Microsoft YaHei" panose="020B0503020204020204" pitchFamily="34" charset="-122"/>
+                <a:ea typeface="Microsoft YaHei" panose="020B0503020204020204" pitchFamily="34" charset="-122"/>
+                <a:sym typeface="+mn-ea"/>
+              </a:rPr>
+              <a:t>secure personal data storage</a:t>
+            </a:r>
+          </a:p>
+        </p:txBody>
+      </p:sp>
+      <p:sp>
+        <p:nvSpPr>
+          <p:cNvPr id="8" name="Rectangles 7"/>
+          <p:cNvSpPr/>
+          <p:nvPr/>
+        </p:nvSpPr>
+        <p:spPr>
+          <a:xfrm>
+            <a:off x="4928870" y="3241040"/>
+            <a:ext cx="5544185" cy="1297305"/>
           </a:xfrm>
           <a:prstGeom prst="rect">
             <a:avLst/>
           </a:prstGeom>
           <a:solidFill>
-            <a:schemeClr val="bg1">
-              <a:alpha val="28000"/>
+            <a:schemeClr val="accent6">
+              <a:alpha val="50000"/>
             </a:schemeClr>
           </a:solidFill>
           <a:ln>
@@ -22790,270 +23679,99 @@
           </a:ln>
         </p:spPr>
         <p:style>
-          <a:lnRef idx="2">
-            <a:schemeClr val="accent1">
-              <a:shade val="50000"/>
-            </a:schemeClr>
+          <a:lnRef idx="0">
+            <a:scrgbClr r="0" g="0" b="0"/>
           </a:lnRef>
-          <a:fillRef idx="1">
-            <a:schemeClr val="accent1"/>
+          <a:fillRef idx="0">
+            <a:scrgbClr r="0" g="0" b="0"/>
           </a:fillRef>
           <a:effectRef idx="0">
-            <a:schemeClr val="accent1"/>
+            <a:scrgbClr r="0" g="0" b="0"/>
           </a:effectRef>
           <a:fontRef idx="minor">
             <a:schemeClr val="lt1"/>
           </a:fontRef>
         </p:style>
         <p:txBody>
-          <a:bodyPr anchor="ctr"/>
-          <a:lstStyle/>
-          <a:p>
-            <a:pPr marL="0" marR="0" lvl="0" indent="0" algn="ctr" defTabSz="914400" rtl="0" eaLnBrk="1" fontAlgn="auto" latinLnBrk="0" hangingPunct="1">
-              <a:lnSpc>
-                <a:spcPct val="100000"/>
-              </a:lnSpc>
-              <a:spcBef>
-                <a:spcPts val="0"/>
-              </a:spcBef>
-              <a:spcAft>
-                <a:spcPts val="0"/>
-              </a:spcAft>
-              <a:buClrTx/>
-              <a:buSzTx/>
-              <a:buFontTx/>
-              <a:buNone/>
-              <a:defRPr/>
-            </a:pPr>
-            <a:endParaRPr kumimoji="0" lang="zh-CN" altLang="en-US" sz="1800" b="0" i="0" u="none" strike="noStrike" kern="1200" cap="none" spc="0" normalizeH="0" baseline="0" noProof="0">
-              <a:ln>
-                <a:noFill/>
-              </a:ln>
-              <a:solidFill>
-                <a:schemeClr val="lt1"/>
-              </a:solidFill>
-              <a:effectLst/>
-              <a:uLnTx/>
-              <a:uFillTx/>
-              <a:latin typeface="+mn-lt"/>
-              <a:ea typeface="+mn-ea"/>
-              <a:cs typeface="+mn-cs"/>
-            </a:endParaRPr>
-          </a:p>
-        </p:txBody>
-      </p:sp>
-      <p:sp>
-        <p:nvSpPr>
-          <p:cNvPr id="11" name="矩形 10"/>
-          <p:cNvSpPr/>
-          <p:nvPr/>
-        </p:nvSpPr>
-        <p:spPr>
-          <a:xfrm>
-            <a:off x="6437313" y="4821238"/>
-            <a:ext cx="92075" cy="990600"/>
-          </a:xfrm>
-          <a:prstGeom prst="rect">
-            <a:avLst/>
-          </a:prstGeom>
-          <a:solidFill>
-            <a:schemeClr val="bg1">
-              <a:alpha val="28000"/>
-            </a:schemeClr>
-          </a:solidFill>
-          <a:ln>
-            <a:noFill/>
-          </a:ln>
-        </p:spPr>
-        <p:style>
-          <a:lnRef idx="2">
-            <a:schemeClr val="accent1">
-              <a:shade val="50000"/>
-            </a:schemeClr>
-          </a:lnRef>
-          <a:fillRef idx="1">
-            <a:schemeClr val="accent1"/>
-          </a:fillRef>
-          <a:effectRef idx="0">
-            <a:schemeClr val="accent1"/>
-          </a:effectRef>
-          <a:fontRef idx="minor">
-            <a:schemeClr val="lt1"/>
-          </a:fontRef>
-        </p:style>
-        <p:txBody>
-          <a:bodyPr anchor="ctr"/>
-          <a:lstStyle/>
-          <a:p>
-            <a:pPr marL="0" marR="0" lvl="0" indent="0" algn="ctr" defTabSz="914400" rtl="0" eaLnBrk="1" fontAlgn="auto" latinLnBrk="0" hangingPunct="1">
-              <a:lnSpc>
-                <a:spcPct val="100000"/>
-              </a:lnSpc>
-              <a:spcBef>
-                <a:spcPts val="0"/>
-              </a:spcBef>
-              <a:spcAft>
-                <a:spcPts val="0"/>
-              </a:spcAft>
-              <a:buClrTx/>
-              <a:buSzTx/>
-              <a:buFontTx/>
-              <a:buNone/>
-              <a:defRPr/>
-            </a:pPr>
-            <a:endParaRPr kumimoji="0" lang="zh-CN" altLang="en-US" sz="1800" b="0" i="0" u="none" strike="noStrike" kern="1200" cap="none" spc="0" normalizeH="0" baseline="0" noProof="0">
-              <a:ln>
-                <a:noFill/>
-              </a:ln>
-              <a:solidFill>
-                <a:schemeClr val="lt1"/>
-              </a:solidFill>
-              <a:effectLst/>
-              <a:uLnTx/>
-              <a:uFillTx/>
-              <a:latin typeface="+mn-lt"/>
-              <a:ea typeface="+mn-ea"/>
-              <a:cs typeface="+mn-cs"/>
-            </a:endParaRPr>
-          </a:p>
-        </p:txBody>
-      </p:sp>
-      <p:sp>
-        <p:nvSpPr>
-          <p:cNvPr id="24591" name="TextBox 35"/>
-          <p:cNvSpPr txBox="1"/>
-          <p:nvPr/>
-        </p:nvSpPr>
-        <p:spPr>
-          <a:xfrm>
-            <a:off x="6619875" y="1846263"/>
-            <a:ext cx="4572000" cy="736600"/>
-          </a:xfrm>
-          <a:prstGeom prst="rect">
-            <a:avLst/>
-          </a:prstGeom>
-          <a:noFill/>
-          <a:ln w="9525">
-            <a:noFill/>
-          </a:ln>
-        </p:spPr>
-        <p:txBody>
-          <a:bodyPr anchor="t" anchorCtr="0">
-            <a:spAutoFit/>
-          </a:bodyPr>
-          <a:p>
-            <a:pPr algn="just"/>
-            <a:r>
-              <a:rPr lang="zh-CN" altLang="zh-CN" sz="1400" dirty="0">
+          <a:bodyPr rtlCol="0" anchor="ctr"/>
+          <a:lstStyle/>
+          <a:p>
+            <a:pPr algn="l"/>
+            <a:r>
+              <a:rPr lang="en-US" altLang="zh-CN" sz="1600" dirty="0">
                 <a:solidFill>
                   <a:schemeClr val="bg1"/>
                 </a:solidFill>
                 <a:latin typeface="Microsoft YaHei" panose="020B0503020204020204" pitchFamily="34" charset="-122"/>
                 <a:ea typeface="Microsoft YaHei" panose="020B0503020204020204" pitchFamily="34" charset="-122"/>
+                <a:sym typeface="+mn-ea"/>
               </a:rPr>
-              <a:t>Add your words here,according to your need to draw the text box size.Please read the instructions and more work at the end of the manual template.</a:t>
-            </a:r>
-            <a:endParaRPr lang="zh-CN" altLang="zh-CN" sz="1400" dirty="0">
+              <a:t>- includes </a:t>
+            </a:r>
+            <a:r>
+              <a:rPr lang="zh-CN" altLang="zh-CN" sz="1600" dirty="0">
+                <a:solidFill>
+                  <a:schemeClr val="bg1"/>
+                </a:solidFill>
+                <a:latin typeface="Microsoft YaHei" panose="020B0503020204020204" pitchFamily="34" charset="-122"/>
+                <a:ea typeface="Microsoft YaHei" panose="020B0503020204020204" pitchFamily="34" charset="-122"/>
+                <a:sym typeface="+mn-ea"/>
+              </a:rPr>
+              <a:t>debit or credit card information, loyalty program data, personal identification numbers (PINs), contacts</a:t>
+            </a:r>
+            <a:r>
+              <a:rPr lang="en-US" altLang="zh-CN" sz="1600" dirty="0">
+                <a:solidFill>
+                  <a:schemeClr val="bg1"/>
+                </a:solidFill>
+                <a:latin typeface="Microsoft YaHei" panose="020B0503020204020204" pitchFamily="34" charset="-122"/>
+                <a:ea typeface="Microsoft YaHei" panose="020B0503020204020204" pitchFamily="34" charset="-122"/>
+                <a:sym typeface="+mn-ea"/>
+              </a:rPr>
+              <a:t>.</a:t>
+            </a:r>
+          </a:p>
+          <a:p>
+            <a:pPr algn="l"/>
+            <a:r>
+              <a:rPr lang="en-US" altLang="zh-CN" sz="1600" dirty="0">
+                <a:solidFill>
+                  <a:schemeClr val="bg1"/>
+                </a:solidFill>
+                <a:latin typeface="Microsoft YaHei" panose="020B0503020204020204" pitchFamily="34" charset="-122"/>
+                <a:ea typeface="Microsoft YaHei" panose="020B0503020204020204" pitchFamily="34" charset="-122"/>
+                <a:sym typeface="+mn-ea"/>
+              </a:rPr>
+              <a:t>- </a:t>
+            </a:r>
+            <a:r>
+              <a:rPr lang="zh-CN" altLang="zh-CN" sz="1600" dirty="0">
+                <a:solidFill>
+                  <a:schemeClr val="bg1"/>
+                </a:solidFill>
+                <a:latin typeface="Microsoft YaHei" panose="020B0503020204020204" pitchFamily="34" charset="-122"/>
+                <a:ea typeface="Microsoft YaHei" panose="020B0503020204020204" pitchFamily="34" charset="-122"/>
+                <a:sym typeface="+mn-ea"/>
+              </a:rPr>
+              <a:t>NFC tags can be custom-encoded by their manufacturers or use the industry specifications.</a:t>
+            </a:r>
+            <a:endParaRPr lang="en-US" altLang="zh-CN" sz="1600" dirty="0">
               <a:solidFill>
                 <a:schemeClr val="bg1"/>
               </a:solidFill>
               <a:latin typeface="Microsoft YaHei" panose="020B0503020204020204" pitchFamily="34" charset="-122"/>
               <a:ea typeface="Microsoft YaHei" panose="020B0503020204020204" pitchFamily="34" charset="-122"/>
+              <a:sym typeface="+mn-ea"/>
             </a:endParaRPr>
           </a:p>
         </p:txBody>
       </p:sp>
-      <p:sp>
-        <p:nvSpPr>
-          <p:cNvPr id="24592" name="TextBox 35"/>
-          <p:cNvSpPr txBox="1"/>
-          <p:nvPr/>
-        </p:nvSpPr>
-        <p:spPr>
-          <a:xfrm>
-            <a:off x="6619875" y="3351213"/>
-            <a:ext cx="4572000" cy="736600"/>
-          </a:xfrm>
-          <a:prstGeom prst="rect">
-            <a:avLst/>
-          </a:prstGeom>
-          <a:noFill/>
-          <a:ln w="9525">
-            <a:noFill/>
-          </a:ln>
-        </p:spPr>
-        <p:txBody>
-          <a:bodyPr anchor="t" anchorCtr="0">
-            <a:spAutoFit/>
-          </a:bodyPr>
-          <a:p>
-            <a:pPr algn="just"/>
-            <a:r>
-              <a:rPr lang="zh-CN" altLang="zh-CN" sz="1400" dirty="0">
-                <a:solidFill>
-                  <a:schemeClr val="bg1"/>
-                </a:solidFill>
-                <a:latin typeface="Microsoft YaHei" panose="020B0503020204020204" pitchFamily="34" charset="-122"/>
-                <a:ea typeface="Microsoft YaHei" panose="020B0503020204020204" pitchFamily="34" charset="-122"/>
-              </a:rPr>
-              <a:t>Add your words here,according to your need to draw the text box size.Please read the instructions and more work at the end of the manual template.</a:t>
-            </a:r>
-            <a:endParaRPr lang="zh-CN" altLang="zh-CN" sz="1400" dirty="0">
-              <a:solidFill>
-                <a:schemeClr val="bg1"/>
-              </a:solidFill>
-              <a:latin typeface="Microsoft YaHei" panose="020B0503020204020204" pitchFamily="34" charset="-122"/>
-              <a:ea typeface="Microsoft YaHei" panose="020B0503020204020204" pitchFamily="34" charset="-122"/>
-            </a:endParaRPr>
-          </a:p>
-        </p:txBody>
-      </p:sp>
-      <p:sp>
-        <p:nvSpPr>
-          <p:cNvPr id="24593" name="TextBox 35"/>
-          <p:cNvSpPr txBox="1"/>
-          <p:nvPr/>
-        </p:nvSpPr>
-        <p:spPr>
-          <a:xfrm>
-            <a:off x="6619875" y="4959350"/>
-            <a:ext cx="4572000" cy="736600"/>
-          </a:xfrm>
-          <a:prstGeom prst="rect">
-            <a:avLst/>
-          </a:prstGeom>
-          <a:noFill/>
-          <a:ln w="9525">
-            <a:noFill/>
-          </a:ln>
-        </p:spPr>
-        <p:txBody>
-          <a:bodyPr anchor="t" anchorCtr="0">
-            <a:spAutoFit/>
-          </a:bodyPr>
-          <a:p>
-            <a:pPr algn="just"/>
-            <a:r>
-              <a:rPr lang="zh-CN" altLang="zh-CN" sz="1400" dirty="0">
-                <a:solidFill>
-                  <a:schemeClr val="bg1"/>
-                </a:solidFill>
-                <a:latin typeface="Microsoft YaHei" panose="020B0503020204020204" pitchFamily="34" charset="-122"/>
-                <a:ea typeface="Microsoft YaHei" panose="020B0503020204020204" pitchFamily="34" charset="-122"/>
-              </a:rPr>
-              <a:t>Add your words here,according to your need to draw the text box size.Please read the instructions and more work at the end of the manual template.</a:t>
-            </a:r>
-            <a:endParaRPr lang="zh-CN" altLang="zh-CN" sz="1400" dirty="0">
-              <a:solidFill>
-                <a:schemeClr val="bg1"/>
-              </a:solidFill>
-              <a:latin typeface="Microsoft YaHei" panose="020B0503020204020204" pitchFamily="34" charset="-122"/>
-              <a:ea typeface="Microsoft YaHei" panose="020B0503020204020204" pitchFamily="34" charset="-122"/>
-            </a:endParaRPr>
-          </a:p>
-        </p:txBody>
-      </p:sp>
     </p:spTree>
+    <p:extLst>
+      <p:ext uri="{BB962C8B-B14F-4D97-AF65-F5344CB8AC3E}">
+        <p14:creationId xmlns:p14="http://schemas.microsoft.com/office/powerpoint/2010/main" val="3998971740"/>
+      </p:ext>
+    </p:extLst>
   </p:cSld>
   <p:clrMapOvr>
     <a:masterClrMapping/>
@@ -23315,6 +24033,8 @@
       </a:bgFillStyleLst>
     </a:fmtScheme>
   </a:themeElements>
+  <a:objectDefaults/>
+  <a:extraClrSchemeLst/>
   <a:extLst>
     <a:ext uri="{05A4C25C-085E-4340-85A3-A5531E510DB2}">
       <thm15:themeFamily xmlns:thm15="http://schemas.microsoft.com/office/thememl/2012/main" name="Office Theme" id="{62F939B6-93AF-4DB8-9C6B-D6C7DFDC589F}" vid="{4A3C46E8-61CC-4603-A589-7422A47A8E4A}"/>
@@ -23574,6 +24294,8 @@
       </a:bgFillStyleLst>
     </a:fmtScheme>
   </a:themeElements>
+  <a:objectDefaults/>
+  <a:extraClrSchemeLst/>
   <a:extLst>
     <a:ext uri="{05A4C25C-085E-4340-85A3-A5531E510DB2}">
       <thm15:themeFamily xmlns:thm15="http://schemas.microsoft.com/office/thememl/2012/main" name="Office Theme" id="{62F939B6-93AF-4DB8-9C6B-D6C7DFDC589F}" vid="{4A3C46E8-61CC-4603-A589-7422A47A8E4A}"/>
@@ -23833,6 +24555,8 @@
       </a:bgFillStyleLst>
     </a:fmtScheme>
   </a:themeElements>
+  <a:objectDefaults/>
+  <a:extraClrSchemeLst/>
   <a:extLst>
     <a:ext uri="{05A4C25C-085E-4340-85A3-A5531E510DB2}">
       <thm15:themeFamily xmlns:thm15="http://schemas.microsoft.com/office/thememl/2012/main" name="Office Theme" id="{62F939B6-93AF-4DB8-9C6B-D6C7DFDC589F}" vid="{4A3C46E8-61CC-4603-A589-7422A47A8E4A}"/>
@@ -24092,6 +24816,8 @@
       </a:bgFillStyleLst>
     </a:fmtScheme>
   </a:themeElements>
+  <a:objectDefaults/>
+  <a:extraClrSchemeLst/>
   <a:extLst>
     <a:ext uri="{05A4C25C-085E-4340-85A3-A5531E510DB2}">
       <thm15:themeFamily xmlns:thm15="http://schemas.microsoft.com/office/thememl/2012/main" name="Office Theme" id="{62F939B6-93AF-4DB8-9C6B-D6C7DFDC589F}" vid="{4A3C46E8-61CC-4603-A589-7422A47A8E4A}"/>

--- a/NFC Technology workshop.pptx
+++ b/NFC Technology workshop.pptx
@@ -3,50 +3,50 @@
 <p:presentation xmlns:a="http://schemas.openxmlformats.org/drawingml/2006/main" xmlns:r="http://schemas.openxmlformats.org/officeDocument/2006/relationships" xmlns:p="http://schemas.openxmlformats.org/presentationml/2006/main">
   <p:sldMasterIdLst>
     <p:sldMasterId id="2147483648" r:id="rId1"/>
-    <p:sldMasterId id="2147483660" r:id="rId2"/>
+    <p:sldMasterId id="2147483660" r:id="rId3"/>
   </p:sldMasterIdLst>
   <p:notesMasterIdLst>
-    <p:notesMasterId r:id="rId38"/>
+    <p:notesMasterId r:id="rId39"/>
   </p:notesMasterIdLst>
   <p:handoutMasterIdLst>
-    <p:handoutMasterId r:id="rId39"/>
+    <p:handoutMasterId r:id="rId40"/>
   </p:handoutMasterIdLst>
   <p:sldIdLst>
-    <p:sldId id="257" r:id="rId3"/>
-    <p:sldId id="279" r:id="rId4"/>
-    <p:sldId id="335" r:id="rId5"/>
-    <p:sldId id="280" r:id="rId6"/>
-    <p:sldId id="272" r:id="rId7"/>
-    <p:sldId id="330" r:id="rId8"/>
-    <p:sldId id="331" r:id="rId9"/>
-    <p:sldId id="315" r:id="rId10"/>
-    <p:sldId id="316" r:id="rId11"/>
-    <p:sldId id="333" r:id="rId12"/>
-    <p:sldId id="332" r:id="rId13"/>
-    <p:sldId id="334" r:id="rId14"/>
-    <p:sldId id="336" r:id="rId15"/>
-    <p:sldId id="318" r:id="rId16"/>
-    <p:sldId id="319" r:id="rId17"/>
-    <p:sldId id="337" r:id="rId18"/>
-    <p:sldId id="338" r:id="rId19"/>
-    <p:sldId id="339" r:id="rId20"/>
-    <p:sldId id="340" r:id="rId21"/>
-    <p:sldId id="341" r:id="rId22"/>
-    <p:sldId id="343" r:id="rId23"/>
-    <p:sldId id="344" r:id="rId24"/>
-    <p:sldId id="345" r:id="rId25"/>
-    <p:sldId id="346" r:id="rId26"/>
-    <p:sldId id="347" r:id="rId27"/>
-    <p:sldId id="342" r:id="rId28"/>
-    <p:sldId id="348" r:id="rId29"/>
-    <p:sldId id="349" r:id="rId30"/>
-    <p:sldId id="350" r:id="rId31"/>
-    <p:sldId id="351" r:id="rId32"/>
-    <p:sldId id="352" r:id="rId33"/>
-    <p:sldId id="353" r:id="rId34"/>
-    <p:sldId id="354" r:id="rId35"/>
-    <p:sldId id="355" r:id="rId36"/>
-    <p:sldId id="356" r:id="rId37"/>
+    <p:sldId id="257" r:id="rId4"/>
+    <p:sldId id="279" r:id="rId5"/>
+    <p:sldId id="335" r:id="rId6"/>
+    <p:sldId id="280" r:id="rId7"/>
+    <p:sldId id="272" r:id="rId8"/>
+    <p:sldId id="330" r:id="rId9"/>
+    <p:sldId id="331" r:id="rId10"/>
+    <p:sldId id="315" r:id="rId11"/>
+    <p:sldId id="316" r:id="rId12"/>
+    <p:sldId id="333" r:id="rId13"/>
+    <p:sldId id="332" r:id="rId14"/>
+    <p:sldId id="334" r:id="rId15"/>
+    <p:sldId id="336" r:id="rId16"/>
+    <p:sldId id="318" r:id="rId17"/>
+    <p:sldId id="319" r:id="rId18"/>
+    <p:sldId id="337" r:id="rId19"/>
+    <p:sldId id="338" r:id="rId20"/>
+    <p:sldId id="339" r:id="rId21"/>
+    <p:sldId id="340" r:id="rId22"/>
+    <p:sldId id="341" r:id="rId23"/>
+    <p:sldId id="343" r:id="rId24"/>
+    <p:sldId id="344" r:id="rId25"/>
+    <p:sldId id="345" r:id="rId26"/>
+    <p:sldId id="346" r:id="rId27"/>
+    <p:sldId id="347" r:id="rId28"/>
+    <p:sldId id="342" r:id="rId29"/>
+    <p:sldId id="348" r:id="rId30"/>
+    <p:sldId id="349" r:id="rId31"/>
+    <p:sldId id="350" r:id="rId32"/>
+    <p:sldId id="351" r:id="rId33"/>
+    <p:sldId id="352" r:id="rId34"/>
+    <p:sldId id="353" r:id="rId35"/>
+    <p:sldId id="354" r:id="rId36"/>
+    <p:sldId id="355" r:id="rId37"/>
+    <p:sldId id="356" r:id="rId38"/>
   </p:sldIdLst>
   <p:sldSz cx="12192000" cy="6858000"/>
   <p:notesSz cx="6858000" cy="9144000"/>
@@ -243,22 +243,6 @@
       </a:defRPr>
     </a:lvl9pPr>
   </p:defaultTextStyle>
-  <p:extLst>
-    <p:ext uri="{EFAFB233-063F-42B5-8137-9DF3F51BA10A}">
-      <p15:sldGuideLst xmlns:p15="http://schemas.microsoft.com/office/powerpoint/2012/main">
-        <p15:guide id="1" orient="horz" pos="2068">
-          <p15:clr>
-            <a:srgbClr val="A4A3A4"/>
-          </p15:clr>
-        </p15:guide>
-        <p15:guide id="2" pos="3828">
-          <p15:clr>
-            <a:srgbClr val="A4A3A4"/>
-          </p15:clr>
-        </p15:guide>
-      </p15:sldGuideLst>
-    </p:ext>
-  </p:extLst>
 </p:presentation>
 </file>
 
@@ -350,7 +334,6 @@
                 <a:ea typeface="SimSun" panose="02010600030101010101" pitchFamily="2" charset="-122"/>
                 <a:cs typeface="+mn-cs"/>
               </a:rPr>
-              <a:t>2021/11/25</a:t>
             </a:fld>
             <a:endParaRPr lang="zh-CN" altLang="en-US" strike="noStrike" noProof="1"/>
           </a:p>
@@ -422,18 +405,12 @@
                 <a:ea typeface="SimSun" panose="02010600030101010101" pitchFamily="2" charset="-122"/>
                 <a:cs typeface="+mn-cs"/>
               </a:rPr>
-              <a:t>‹#›</a:t>
             </a:fld>
             <a:endParaRPr lang="zh-CN" altLang="en-US" strike="noStrike" noProof="1"/>
           </a:p>
         </p:txBody>
       </p:sp>
     </p:spTree>
-    <p:extLst>
-      <p:ext uri="{BB962C8B-B14F-4D97-AF65-F5344CB8AC3E}">
-        <p14:creationId xmlns:p14="http://schemas.microsoft.com/office/powerpoint/2010/main" val="1"/>
-      </p:ext>
-    </p:extLst>
   </p:cSld>
   <p:clrMap bg1="lt1" tx1="dk1" bg2="lt2" tx2="dk2" accent1="accent1" accent2="accent2" accent3="accent3" accent4="accent4" accent5="accent5" accent6="accent6" hlink="hlink" folHlink="folHlink"/>
 </p:handoutMaster>
@@ -717,6 +694,20 @@
               </a:rPr>
               <a:t>单击此处编辑母版文本样式</a:t>
             </a:r>
+            <a:endParaRPr kumimoji="0" lang="zh-CN" altLang="en-US" sz="1200" b="0" i="0" u="none" strike="noStrike" kern="1200" cap="none" spc="0" normalizeH="0" baseline="0" noProof="0">
+              <a:ln>
+                <a:noFill/>
+              </a:ln>
+              <a:solidFill>
+                <a:schemeClr val="tx1"/>
+              </a:solidFill>
+              <a:effectLst/>
+              <a:uLnTx/>
+              <a:uFillTx/>
+              <a:latin typeface="+mn-lt"/>
+              <a:ea typeface="+mn-ea"/>
+              <a:cs typeface="+mn-cs"/>
+            </a:endParaRPr>
           </a:p>
           <a:p>
             <a:pPr marL="457200" marR="0" lvl="1" indent="0" algn="l" defTabSz="914400" rtl="0" eaLnBrk="1" fontAlgn="base" latinLnBrk="0" hangingPunct="1">
@@ -752,6 +743,20 @@
               </a:rPr>
               <a:t>第二级</a:t>
             </a:r>
+            <a:endParaRPr kumimoji="0" lang="zh-CN" altLang="en-US" sz="1200" b="0" i="0" u="none" strike="noStrike" kern="1200" cap="none" spc="0" normalizeH="0" baseline="0" noProof="0">
+              <a:ln>
+                <a:noFill/>
+              </a:ln>
+              <a:solidFill>
+                <a:schemeClr val="tx1"/>
+              </a:solidFill>
+              <a:effectLst/>
+              <a:uLnTx/>
+              <a:uFillTx/>
+              <a:latin typeface="+mn-lt"/>
+              <a:ea typeface="+mn-ea"/>
+              <a:cs typeface="+mn-cs"/>
+            </a:endParaRPr>
           </a:p>
           <a:p>
             <a:pPr marL="914400" marR="0" lvl="2" indent="0" algn="l" defTabSz="914400" rtl="0" eaLnBrk="1" fontAlgn="base" latinLnBrk="0" hangingPunct="1">
@@ -787,6 +792,20 @@
               </a:rPr>
               <a:t>第三级</a:t>
             </a:r>
+            <a:endParaRPr kumimoji="0" lang="zh-CN" altLang="en-US" sz="1200" b="0" i="0" u="none" strike="noStrike" kern="1200" cap="none" spc="0" normalizeH="0" baseline="0" noProof="0">
+              <a:ln>
+                <a:noFill/>
+              </a:ln>
+              <a:solidFill>
+                <a:schemeClr val="tx1"/>
+              </a:solidFill>
+              <a:effectLst/>
+              <a:uLnTx/>
+              <a:uFillTx/>
+              <a:latin typeface="+mn-lt"/>
+              <a:ea typeface="+mn-ea"/>
+              <a:cs typeface="+mn-cs"/>
+            </a:endParaRPr>
           </a:p>
           <a:p>
             <a:pPr marL="1371600" marR="0" lvl="3" indent="0" algn="l" defTabSz="914400" rtl="0" eaLnBrk="1" fontAlgn="base" latinLnBrk="0" hangingPunct="1">
@@ -822,6 +841,20 @@
               </a:rPr>
               <a:t>第四级</a:t>
             </a:r>
+            <a:endParaRPr kumimoji="0" lang="zh-CN" altLang="en-US" sz="1200" b="0" i="0" u="none" strike="noStrike" kern="1200" cap="none" spc="0" normalizeH="0" baseline="0" noProof="0">
+              <a:ln>
+                <a:noFill/>
+              </a:ln>
+              <a:solidFill>
+                <a:schemeClr val="tx1"/>
+              </a:solidFill>
+              <a:effectLst/>
+              <a:uLnTx/>
+              <a:uFillTx/>
+              <a:latin typeface="+mn-lt"/>
+              <a:ea typeface="+mn-ea"/>
+              <a:cs typeface="+mn-cs"/>
+            </a:endParaRPr>
           </a:p>
           <a:p>
             <a:pPr marL="1828800" marR="0" lvl="4" indent="0" algn="l" defTabSz="914400" rtl="0" eaLnBrk="1" fontAlgn="base" latinLnBrk="0" hangingPunct="1">
@@ -857,6 +890,20 @@
               </a:rPr>
               <a:t>第五级</a:t>
             </a:r>
+            <a:endParaRPr kumimoji="0" lang="zh-CN" altLang="en-US" sz="1200" b="0" i="0" u="none" strike="noStrike" kern="1200" cap="none" spc="0" normalizeH="0" baseline="0" noProof="0">
+              <a:ln>
+                <a:noFill/>
+              </a:ln>
+              <a:solidFill>
+                <a:schemeClr val="tx1"/>
+              </a:solidFill>
+              <a:effectLst/>
+              <a:uLnTx/>
+              <a:uFillTx/>
+              <a:latin typeface="+mn-lt"/>
+              <a:ea typeface="+mn-ea"/>
+              <a:cs typeface="+mn-cs"/>
+            </a:endParaRPr>
           </a:p>
         </p:txBody>
       </p:sp>
@@ -959,7 +1006,6 @@
                 <a:ea typeface="SimSun" panose="02010600030101010101" pitchFamily="2" charset="-122"/>
                 <a:cs typeface="+mn-cs"/>
               </a:rPr>
-              <a:t>‹#›</a:t>
             </a:fld>
             <a:endParaRPr lang="zh-CN" altLang="en-US" sz="1200" strike="noStrike" noProof="1"/>
           </a:p>
@@ -1140,6 +1186,7 @@
               <a:rPr lang="zh-CN" altLang="en-US" strike="noStrike" noProof="1"/>
               <a:t>单击此处编辑母版标题样式</a:t>
             </a:r>
+            <a:endParaRPr lang="zh-CN" altLang="en-US" strike="noStrike" noProof="1"/>
           </a:p>
         </p:txBody>
       </p:sp>
@@ -1205,6 +1252,7 @@
               <a:rPr lang="zh-CN" altLang="en-US" strike="noStrike" noProof="1"/>
               <a:t>单击此处编辑母版副标题样式</a:t>
             </a:r>
+            <a:endParaRPr lang="zh-CN" altLang="en-US" strike="noStrike" noProof="1"/>
           </a:p>
         </p:txBody>
       </p:sp>
@@ -1330,7 +1378,6 @@
                 <a:ea typeface="SimSun" panose="02010600030101010101" pitchFamily="2" charset="-122"/>
                 <a:cs typeface="+mn-cs"/>
               </a:rPr>
-              <a:t>‹#›</a:t>
             </a:fld>
             <a:endParaRPr lang="zh-CN" altLang="en-US" strike="noStrike" noProof="1">
               <a:latin typeface="Calibri" panose="020F0502020204030204" pitchFamily="34" charset="0"/>
@@ -1386,6 +1433,7 @@
               <a:rPr lang="zh-CN" altLang="en-US" strike="noStrike" noProof="1"/>
               <a:t>单击此处编辑母版标题样式</a:t>
             </a:r>
+            <a:endParaRPr lang="zh-CN" altLang="en-US" strike="noStrike" noProof="1"/>
           </a:p>
         </p:txBody>
       </p:sp>
@@ -1409,6 +1457,7 @@
               <a:rPr lang="zh-CN" altLang="en-US" strike="noStrike" noProof="1"/>
               <a:t>单击此处编辑母版文本样式</a:t>
             </a:r>
+            <a:endParaRPr lang="zh-CN" altLang="en-US" strike="noStrike" noProof="1"/>
           </a:p>
           <a:p>
             <a:pPr lvl="1" fontAlgn="base"/>
@@ -1416,6 +1465,7 @@
               <a:rPr lang="zh-CN" altLang="en-US" strike="noStrike" noProof="1"/>
               <a:t>第二级</a:t>
             </a:r>
+            <a:endParaRPr lang="zh-CN" altLang="en-US" strike="noStrike" noProof="1"/>
           </a:p>
           <a:p>
             <a:pPr lvl="2" fontAlgn="base"/>
@@ -1423,6 +1473,7 @@
               <a:rPr lang="zh-CN" altLang="en-US" strike="noStrike" noProof="1"/>
               <a:t>第三级</a:t>
             </a:r>
+            <a:endParaRPr lang="zh-CN" altLang="en-US" strike="noStrike" noProof="1"/>
           </a:p>
           <a:p>
             <a:pPr lvl="3" fontAlgn="base"/>
@@ -1430,6 +1481,7 @@
               <a:rPr lang="zh-CN" altLang="en-US" strike="noStrike" noProof="1"/>
               <a:t>第四级</a:t>
             </a:r>
+            <a:endParaRPr lang="zh-CN" altLang="en-US" strike="noStrike" noProof="1"/>
           </a:p>
           <a:p>
             <a:pPr lvl="4" fontAlgn="base"/>
@@ -1437,6 +1489,7 @@
               <a:rPr lang="zh-CN" altLang="en-US" strike="noStrike" noProof="1"/>
               <a:t>第五级</a:t>
             </a:r>
+            <a:endParaRPr lang="zh-CN" altLang="en-US" strike="noStrike" noProof="1"/>
           </a:p>
         </p:txBody>
       </p:sp>
@@ -1562,7 +1615,6 @@
                 <a:ea typeface="SimSun" panose="02010600030101010101" pitchFamily="2" charset="-122"/>
                 <a:cs typeface="+mn-cs"/>
               </a:rPr>
-              <a:t>‹#›</a:t>
             </a:fld>
             <a:endParaRPr lang="zh-CN" altLang="en-US" strike="noStrike" noProof="1">
               <a:latin typeface="Calibri" panose="020F0502020204030204" pitchFamily="34" charset="0"/>
@@ -1623,6 +1675,7 @@
               <a:rPr lang="zh-CN" altLang="en-US" strike="noStrike" noProof="1"/>
               <a:t>单击此处编辑母版标题样式</a:t>
             </a:r>
+            <a:endParaRPr lang="zh-CN" altLang="en-US" strike="noStrike" noProof="1"/>
           </a:p>
         </p:txBody>
       </p:sp>
@@ -1651,6 +1704,7 @@
               <a:rPr lang="zh-CN" altLang="en-US" strike="noStrike" noProof="1"/>
               <a:t>单击此处编辑母版文本样式</a:t>
             </a:r>
+            <a:endParaRPr lang="zh-CN" altLang="en-US" strike="noStrike" noProof="1"/>
           </a:p>
           <a:p>
             <a:pPr lvl="1" fontAlgn="base"/>
@@ -1658,6 +1712,7 @@
               <a:rPr lang="zh-CN" altLang="en-US" strike="noStrike" noProof="1"/>
               <a:t>第二级</a:t>
             </a:r>
+            <a:endParaRPr lang="zh-CN" altLang="en-US" strike="noStrike" noProof="1"/>
           </a:p>
           <a:p>
             <a:pPr lvl="2" fontAlgn="base"/>
@@ -1665,6 +1720,7 @@
               <a:rPr lang="zh-CN" altLang="en-US" strike="noStrike" noProof="1"/>
               <a:t>第三级</a:t>
             </a:r>
+            <a:endParaRPr lang="zh-CN" altLang="en-US" strike="noStrike" noProof="1"/>
           </a:p>
           <a:p>
             <a:pPr lvl="3" fontAlgn="base"/>
@@ -1672,6 +1728,7 @@
               <a:rPr lang="zh-CN" altLang="en-US" strike="noStrike" noProof="1"/>
               <a:t>第四级</a:t>
             </a:r>
+            <a:endParaRPr lang="zh-CN" altLang="en-US" strike="noStrike" noProof="1"/>
           </a:p>
           <a:p>
             <a:pPr lvl="4" fontAlgn="base"/>
@@ -1679,6 +1736,7 @@
               <a:rPr lang="zh-CN" altLang="en-US" strike="noStrike" noProof="1"/>
               <a:t>第五级</a:t>
             </a:r>
+            <a:endParaRPr lang="zh-CN" altLang="en-US" strike="noStrike" noProof="1"/>
           </a:p>
         </p:txBody>
       </p:sp>
@@ -1804,7 +1862,6 @@
                 <a:ea typeface="SimSun" panose="02010600030101010101" pitchFamily="2" charset="-122"/>
                 <a:cs typeface="+mn-cs"/>
               </a:rPr>
-              <a:t>‹#›</a:t>
             </a:fld>
             <a:endParaRPr lang="zh-CN" altLang="en-US" strike="noStrike" noProof="1">
               <a:latin typeface="Calibri" panose="020F0502020204030204" pitchFamily="34" charset="0"/>
@@ -1869,6 +1926,7 @@
               <a:rPr lang="zh-CN" altLang="en-US" strike="noStrike" noProof="1"/>
               <a:t>单击此处编辑母版标题样式</a:t>
             </a:r>
+            <a:endParaRPr lang="zh-CN" altLang="en-US" strike="noStrike" noProof="1"/>
           </a:p>
         </p:txBody>
       </p:sp>
@@ -1934,6 +1992,7 @@
               <a:rPr lang="zh-CN" altLang="en-US" strike="noStrike" noProof="1"/>
               <a:t>单击此处编辑母版副标题样式</a:t>
             </a:r>
+            <a:endParaRPr lang="zh-CN" altLang="en-US" strike="noStrike" noProof="1"/>
           </a:p>
         </p:txBody>
       </p:sp>
@@ -2059,7 +2118,6 @@
                 <a:ea typeface="SimSun" panose="02010600030101010101" pitchFamily="2" charset="-122"/>
                 <a:cs typeface="+mn-cs"/>
               </a:rPr>
-              <a:t>‹#›</a:t>
             </a:fld>
             <a:endParaRPr lang="zh-CN" altLang="en-US" strike="noStrike" noProof="1">
               <a:latin typeface="Calibri" panose="020F0502020204030204" pitchFamily="34" charset="0"/>
@@ -2115,6 +2173,7 @@
               <a:rPr lang="zh-CN" altLang="en-US" strike="noStrike" noProof="1"/>
               <a:t>单击此处编辑母版标题样式</a:t>
             </a:r>
+            <a:endParaRPr lang="zh-CN" altLang="en-US" strike="noStrike" noProof="1"/>
           </a:p>
         </p:txBody>
       </p:sp>
@@ -2138,6 +2197,7 @@
               <a:rPr lang="zh-CN" altLang="en-US" strike="noStrike" noProof="1"/>
               <a:t>单击此处编辑母版文本样式</a:t>
             </a:r>
+            <a:endParaRPr lang="zh-CN" altLang="en-US" strike="noStrike" noProof="1"/>
           </a:p>
           <a:p>
             <a:pPr lvl="1" fontAlgn="base"/>
@@ -2145,6 +2205,7 @@
               <a:rPr lang="zh-CN" altLang="en-US" strike="noStrike" noProof="1"/>
               <a:t>第二级</a:t>
             </a:r>
+            <a:endParaRPr lang="zh-CN" altLang="en-US" strike="noStrike" noProof="1"/>
           </a:p>
           <a:p>
             <a:pPr lvl="2" fontAlgn="base"/>
@@ -2152,6 +2213,7 @@
               <a:rPr lang="zh-CN" altLang="en-US" strike="noStrike" noProof="1"/>
               <a:t>第三级</a:t>
             </a:r>
+            <a:endParaRPr lang="zh-CN" altLang="en-US" strike="noStrike" noProof="1"/>
           </a:p>
           <a:p>
             <a:pPr lvl="3" fontAlgn="base"/>
@@ -2159,6 +2221,7 @@
               <a:rPr lang="zh-CN" altLang="en-US" strike="noStrike" noProof="1"/>
               <a:t>第四级</a:t>
             </a:r>
+            <a:endParaRPr lang="zh-CN" altLang="en-US" strike="noStrike" noProof="1"/>
           </a:p>
           <a:p>
             <a:pPr lvl="4" fontAlgn="base"/>
@@ -2166,6 +2229,7 @@
               <a:rPr lang="zh-CN" altLang="en-US" strike="noStrike" noProof="1"/>
               <a:t>第五级</a:t>
             </a:r>
+            <a:endParaRPr lang="zh-CN" altLang="en-US" strike="noStrike" noProof="1"/>
           </a:p>
         </p:txBody>
       </p:sp>
@@ -2291,7 +2355,6 @@
                 <a:ea typeface="SimSun" panose="02010600030101010101" pitchFamily="2" charset="-122"/>
                 <a:cs typeface="+mn-cs"/>
               </a:rPr>
-              <a:t>‹#›</a:t>
             </a:fld>
             <a:endParaRPr lang="zh-CN" altLang="en-US" strike="noStrike" noProof="1">
               <a:latin typeface="Calibri" panose="020F0502020204030204" pitchFamily="34" charset="0"/>
@@ -2356,6 +2419,7 @@
               <a:rPr lang="zh-CN" altLang="en-US" strike="noStrike" noProof="1"/>
               <a:t>单击此处编辑母版标题样式</a:t>
             </a:r>
+            <a:endParaRPr lang="zh-CN" altLang="en-US" strike="noStrike" noProof="1"/>
           </a:p>
         </p:txBody>
       </p:sp>
@@ -2475,6 +2539,7 @@
               <a:rPr lang="zh-CN" altLang="en-US" strike="noStrike" noProof="1"/>
               <a:t>单击此处编辑母版文本样式</a:t>
             </a:r>
+            <a:endParaRPr lang="zh-CN" altLang="en-US" strike="noStrike" noProof="1"/>
           </a:p>
         </p:txBody>
       </p:sp>
@@ -2600,7 +2665,6 @@
                 <a:ea typeface="SimSun" panose="02010600030101010101" pitchFamily="2" charset="-122"/>
                 <a:cs typeface="+mn-cs"/>
               </a:rPr>
-              <a:t>‹#›</a:t>
             </a:fld>
             <a:endParaRPr lang="zh-CN" altLang="en-US" strike="noStrike" noProof="1">
               <a:latin typeface="Calibri" panose="020F0502020204030204" pitchFamily="34" charset="0"/>
@@ -2656,6 +2720,7 @@
               <a:rPr lang="zh-CN" altLang="en-US" strike="noStrike" noProof="1"/>
               <a:t>单击此处编辑母版标题样式</a:t>
             </a:r>
+            <a:endParaRPr lang="zh-CN" altLang="en-US" strike="noStrike" noProof="1"/>
           </a:p>
         </p:txBody>
       </p:sp>
@@ -2684,6 +2749,7 @@
               <a:rPr lang="zh-CN" altLang="en-US" strike="noStrike" noProof="1"/>
               <a:t>单击此处编辑母版文本样式</a:t>
             </a:r>
+            <a:endParaRPr lang="zh-CN" altLang="en-US" strike="noStrike" noProof="1"/>
           </a:p>
           <a:p>
             <a:pPr lvl="1" fontAlgn="base"/>
@@ -2691,6 +2757,7 @@
               <a:rPr lang="zh-CN" altLang="en-US" strike="noStrike" noProof="1"/>
               <a:t>第二级</a:t>
             </a:r>
+            <a:endParaRPr lang="zh-CN" altLang="en-US" strike="noStrike" noProof="1"/>
           </a:p>
           <a:p>
             <a:pPr lvl="2" fontAlgn="base"/>
@@ -2698,6 +2765,7 @@
               <a:rPr lang="zh-CN" altLang="en-US" strike="noStrike" noProof="1"/>
               <a:t>第三级</a:t>
             </a:r>
+            <a:endParaRPr lang="zh-CN" altLang="en-US" strike="noStrike" noProof="1"/>
           </a:p>
           <a:p>
             <a:pPr lvl="3" fontAlgn="base"/>
@@ -2705,6 +2773,7 @@
               <a:rPr lang="zh-CN" altLang="en-US" strike="noStrike" noProof="1"/>
               <a:t>第四级</a:t>
             </a:r>
+            <a:endParaRPr lang="zh-CN" altLang="en-US" strike="noStrike" noProof="1"/>
           </a:p>
           <a:p>
             <a:pPr lvl="4" fontAlgn="base"/>
@@ -2712,6 +2781,7 @@
               <a:rPr lang="zh-CN" altLang="en-US" strike="noStrike" noProof="1"/>
               <a:t>第五级</a:t>
             </a:r>
+            <a:endParaRPr lang="zh-CN" altLang="en-US" strike="noStrike" noProof="1"/>
           </a:p>
         </p:txBody>
       </p:sp>
@@ -2740,6 +2810,7 @@
               <a:rPr lang="zh-CN" altLang="en-US" strike="noStrike" noProof="1"/>
               <a:t>单击此处编辑母版文本样式</a:t>
             </a:r>
+            <a:endParaRPr lang="zh-CN" altLang="en-US" strike="noStrike" noProof="1"/>
           </a:p>
           <a:p>
             <a:pPr lvl="1" fontAlgn="base"/>
@@ -2747,6 +2818,7 @@
               <a:rPr lang="zh-CN" altLang="en-US" strike="noStrike" noProof="1"/>
               <a:t>第二级</a:t>
             </a:r>
+            <a:endParaRPr lang="zh-CN" altLang="en-US" strike="noStrike" noProof="1"/>
           </a:p>
           <a:p>
             <a:pPr lvl="2" fontAlgn="base"/>
@@ -2754,6 +2826,7 @@
               <a:rPr lang="zh-CN" altLang="en-US" strike="noStrike" noProof="1"/>
               <a:t>第三级</a:t>
             </a:r>
+            <a:endParaRPr lang="zh-CN" altLang="en-US" strike="noStrike" noProof="1"/>
           </a:p>
           <a:p>
             <a:pPr lvl="3" fontAlgn="base"/>
@@ -2761,6 +2834,7 @@
               <a:rPr lang="zh-CN" altLang="en-US" strike="noStrike" noProof="1"/>
               <a:t>第四级</a:t>
             </a:r>
+            <a:endParaRPr lang="zh-CN" altLang="en-US" strike="noStrike" noProof="1"/>
           </a:p>
           <a:p>
             <a:pPr lvl="4" fontAlgn="base"/>
@@ -2768,6 +2842,7 @@
               <a:rPr lang="zh-CN" altLang="en-US" strike="noStrike" noProof="1"/>
               <a:t>第五级</a:t>
             </a:r>
+            <a:endParaRPr lang="zh-CN" altLang="en-US" strike="noStrike" noProof="1"/>
           </a:p>
         </p:txBody>
       </p:sp>
@@ -2893,7 +2968,6 @@
                 <a:ea typeface="SimSun" panose="02010600030101010101" pitchFamily="2" charset="-122"/>
                 <a:cs typeface="+mn-cs"/>
               </a:rPr>
-              <a:t>‹#›</a:t>
             </a:fld>
             <a:endParaRPr lang="zh-CN" altLang="en-US" strike="noStrike" noProof="1">
               <a:latin typeface="Calibri" panose="020F0502020204030204" pitchFamily="34" charset="0"/>
@@ -2954,6 +3028,7 @@
               <a:rPr lang="zh-CN" altLang="en-US" strike="noStrike" noProof="1"/>
               <a:t>单击此处编辑母版标题样式</a:t>
             </a:r>
+            <a:endParaRPr lang="zh-CN" altLang="en-US" strike="noStrike" noProof="1"/>
           </a:p>
         </p:txBody>
       </p:sp>
@@ -3019,6 +3094,7 @@
               <a:rPr lang="zh-CN" altLang="en-US" strike="noStrike" noProof="1"/>
               <a:t>单击此处编辑母版文本样式</a:t>
             </a:r>
+            <a:endParaRPr lang="zh-CN" altLang="en-US" strike="noStrike" noProof="1"/>
           </a:p>
         </p:txBody>
       </p:sp>
@@ -3047,6 +3123,7 @@
               <a:rPr lang="zh-CN" altLang="en-US" strike="noStrike" noProof="1"/>
               <a:t>单击此处编辑母版文本样式</a:t>
             </a:r>
+            <a:endParaRPr lang="zh-CN" altLang="en-US" strike="noStrike" noProof="1"/>
           </a:p>
           <a:p>
             <a:pPr lvl="1" fontAlgn="base"/>
@@ -3054,6 +3131,7 @@
               <a:rPr lang="zh-CN" altLang="en-US" strike="noStrike" noProof="1"/>
               <a:t>第二级</a:t>
             </a:r>
+            <a:endParaRPr lang="zh-CN" altLang="en-US" strike="noStrike" noProof="1"/>
           </a:p>
           <a:p>
             <a:pPr lvl="2" fontAlgn="base"/>
@@ -3061,6 +3139,7 @@
               <a:rPr lang="zh-CN" altLang="en-US" strike="noStrike" noProof="1"/>
               <a:t>第三级</a:t>
             </a:r>
+            <a:endParaRPr lang="zh-CN" altLang="en-US" strike="noStrike" noProof="1"/>
           </a:p>
           <a:p>
             <a:pPr lvl="3" fontAlgn="base"/>
@@ -3068,6 +3147,7 @@
               <a:rPr lang="zh-CN" altLang="en-US" strike="noStrike" noProof="1"/>
               <a:t>第四级</a:t>
             </a:r>
+            <a:endParaRPr lang="zh-CN" altLang="en-US" strike="noStrike" noProof="1"/>
           </a:p>
           <a:p>
             <a:pPr lvl="4" fontAlgn="base"/>
@@ -3075,6 +3155,7 @@
               <a:rPr lang="zh-CN" altLang="en-US" strike="noStrike" noProof="1"/>
               <a:t>第五级</a:t>
             </a:r>
+            <a:endParaRPr lang="zh-CN" altLang="en-US" strike="noStrike" noProof="1"/>
           </a:p>
         </p:txBody>
       </p:sp>
@@ -3140,6 +3221,7 @@
               <a:rPr lang="zh-CN" altLang="en-US" strike="noStrike" noProof="1"/>
               <a:t>单击此处编辑母版文本样式</a:t>
             </a:r>
+            <a:endParaRPr lang="zh-CN" altLang="en-US" strike="noStrike" noProof="1"/>
           </a:p>
         </p:txBody>
       </p:sp>
@@ -3168,6 +3250,7 @@
               <a:rPr lang="zh-CN" altLang="en-US" strike="noStrike" noProof="1"/>
               <a:t>单击此处编辑母版文本样式</a:t>
             </a:r>
+            <a:endParaRPr lang="zh-CN" altLang="en-US" strike="noStrike" noProof="1"/>
           </a:p>
           <a:p>
             <a:pPr lvl="1" fontAlgn="base"/>
@@ -3175,6 +3258,7 @@
               <a:rPr lang="zh-CN" altLang="en-US" strike="noStrike" noProof="1"/>
               <a:t>第二级</a:t>
             </a:r>
+            <a:endParaRPr lang="zh-CN" altLang="en-US" strike="noStrike" noProof="1"/>
           </a:p>
           <a:p>
             <a:pPr lvl="2" fontAlgn="base"/>
@@ -3182,6 +3266,7 @@
               <a:rPr lang="zh-CN" altLang="en-US" strike="noStrike" noProof="1"/>
               <a:t>第三级</a:t>
             </a:r>
+            <a:endParaRPr lang="zh-CN" altLang="en-US" strike="noStrike" noProof="1"/>
           </a:p>
           <a:p>
             <a:pPr lvl="3" fontAlgn="base"/>
@@ -3189,6 +3274,7 @@
               <a:rPr lang="zh-CN" altLang="en-US" strike="noStrike" noProof="1"/>
               <a:t>第四级</a:t>
             </a:r>
+            <a:endParaRPr lang="zh-CN" altLang="en-US" strike="noStrike" noProof="1"/>
           </a:p>
           <a:p>
             <a:pPr lvl="4" fontAlgn="base"/>
@@ -3196,6 +3282,7 @@
               <a:rPr lang="zh-CN" altLang="en-US" strike="noStrike" noProof="1"/>
               <a:t>第五级</a:t>
             </a:r>
+            <a:endParaRPr lang="zh-CN" altLang="en-US" strike="noStrike" noProof="1"/>
           </a:p>
         </p:txBody>
       </p:sp>
@@ -3321,7 +3408,6 @@
                 <a:ea typeface="SimSun" panose="02010600030101010101" pitchFamily="2" charset="-122"/>
                 <a:cs typeface="+mn-cs"/>
               </a:rPr>
-              <a:t>‹#›</a:t>
             </a:fld>
             <a:endParaRPr lang="zh-CN" altLang="en-US" strike="noStrike" noProof="1">
               <a:latin typeface="Calibri" panose="020F0502020204030204" pitchFamily="34" charset="0"/>
@@ -3377,6 +3463,7 @@
               <a:rPr lang="zh-CN" altLang="en-US" strike="noStrike" noProof="1"/>
               <a:t>单击此处编辑母版标题样式</a:t>
             </a:r>
+            <a:endParaRPr lang="zh-CN" altLang="en-US" strike="noStrike" noProof="1"/>
           </a:p>
         </p:txBody>
       </p:sp>
@@ -3502,7 +3589,6 @@
                 <a:ea typeface="SimSun" panose="02010600030101010101" pitchFamily="2" charset="-122"/>
                 <a:cs typeface="+mn-cs"/>
               </a:rPr>
-              <a:t>‹#›</a:t>
             </a:fld>
             <a:endParaRPr lang="zh-CN" altLang="en-US" strike="noStrike" noProof="1">
               <a:latin typeface="Calibri" panose="020F0502020204030204" pitchFamily="34" charset="0"/>
@@ -3660,7 +3746,6 @@
                 <a:ea typeface="SimSun" panose="02010600030101010101" pitchFamily="2" charset="-122"/>
                 <a:cs typeface="+mn-cs"/>
               </a:rPr>
-              <a:t>‹#›</a:t>
             </a:fld>
             <a:endParaRPr lang="zh-CN" altLang="en-US" strike="noStrike" noProof="1">
               <a:latin typeface="Calibri" panose="020F0502020204030204" pitchFamily="34" charset="0"/>
@@ -3725,6 +3810,7 @@
               <a:rPr lang="zh-CN" altLang="en-US" strike="noStrike" noProof="1"/>
               <a:t>单击此处编辑母版标题样式</a:t>
             </a:r>
+            <a:endParaRPr lang="zh-CN" altLang="en-US" strike="noStrike" noProof="1"/>
           </a:p>
         </p:txBody>
       </p:sp>
@@ -3781,6 +3867,7 @@
               <a:rPr lang="zh-CN" altLang="en-US" strike="noStrike" noProof="1"/>
               <a:t>单击此处编辑母版文本样式</a:t>
             </a:r>
+            <a:endParaRPr lang="zh-CN" altLang="en-US" strike="noStrike" noProof="1"/>
           </a:p>
           <a:p>
             <a:pPr lvl="1" fontAlgn="base"/>
@@ -3788,6 +3875,7 @@
               <a:rPr lang="zh-CN" altLang="en-US" strike="noStrike" noProof="1"/>
               <a:t>第二级</a:t>
             </a:r>
+            <a:endParaRPr lang="zh-CN" altLang="en-US" strike="noStrike" noProof="1"/>
           </a:p>
           <a:p>
             <a:pPr lvl="2" fontAlgn="base"/>
@@ -3795,6 +3883,7 @@
               <a:rPr lang="zh-CN" altLang="en-US" strike="noStrike" noProof="1"/>
               <a:t>第三级</a:t>
             </a:r>
+            <a:endParaRPr lang="zh-CN" altLang="en-US" strike="noStrike" noProof="1"/>
           </a:p>
           <a:p>
             <a:pPr lvl="3" fontAlgn="base"/>
@@ -3802,6 +3891,7 @@
               <a:rPr lang="zh-CN" altLang="en-US" strike="noStrike" noProof="1"/>
               <a:t>第四级</a:t>
             </a:r>
+            <a:endParaRPr lang="zh-CN" altLang="en-US" strike="noStrike" noProof="1"/>
           </a:p>
           <a:p>
             <a:pPr lvl="4" fontAlgn="base"/>
@@ -3809,6 +3899,7 @@
               <a:rPr lang="zh-CN" altLang="en-US" strike="noStrike" noProof="1"/>
               <a:t>第五级</a:t>
             </a:r>
+            <a:endParaRPr lang="zh-CN" altLang="en-US" strike="noStrike" noProof="1"/>
           </a:p>
         </p:txBody>
       </p:sp>
@@ -3874,6 +3965,7 @@
               <a:rPr lang="zh-CN" altLang="en-US" strike="noStrike" noProof="1"/>
               <a:t>单击此处编辑母版文本样式</a:t>
             </a:r>
+            <a:endParaRPr lang="zh-CN" altLang="en-US" strike="noStrike" noProof="1"/>
           </a:p>
         </p:txBody>
       </p:sp>
@@ -3999,7 +4091,6 @@
                 <a:ea typeface="SimSun" panose="02010600030101010101" pitchFamily="2" charset="-122"/>
                 <a:cs typeface="+mn-cs"/>
               </a:rPr>
-              <a:t>‹#›</a:t>
             </a:fld>
             <a:endParaRPr lang="zh-CN" altLang="en-US" strike="noStrike" noProof="1">
               <a:latin typeface="Calibri" panose="020F0502020204030204" pitchFamily="34" charset="0"/>
@@ -4055,6 +4146,7 @@
               <a:rPr lang="zh-CN" altLang="en-US" strike="noStrike" noProof="1"/>
               <a:t>单击此处编辑母版标题样式</a:t>
             </a:r>
+            <a:endParaRPr lang="zh-CN" altLang="en-US" strike="noStrike" noProof="1"/>
           </a:p>
         </p:txBody>
       </p:sp>
@@ -4078,6 +4170,7 @@
               <a:rPr lang="zh-CN" altLang="en-US" strike="noStrike" noProof="1"/>
               <a:t>单击此处编辑母版文本样式</a:t>
             </a:r>
+            <a:endParaRPr lang="zh-CN" altLang="en-US" strike="noStrike" noProof="1"/>
           </a:p>
           <a:p>
             <a:pPr lvl="1" fontAlgn="base"/>
@@ -4085,6 +4178,7 @@
               <a:rPr lang="zh-CN" altLang="en-US" strike="noStrike" noProof="1"/>
               <a:t>第二级</a:t>
             </a:r>
+            <a:endParaRPr lang="zh-CN" altLang="en-US" strike="noStrike" noProof="1"/>
           </a:p>
           <a:p>
             <a:pPr lvl="2" fontAlgn="base"/>
@@ -4092,6 +4186,7 @@
               <a:rPr lang="zh-CN" altLang="en-US" strike="noStrike" noProof="1"/>
               <a:t>第三级</a:t>
             </a:r>
+            <a:endParaRPr lang="zh-CN" altLang="en-US" strike="noStrike" noProof="1"/>
           </a:p>
           <a:p>
             <a:pPr lvl="3" fontAlgn="base"/>
@@ -4099,6 +4194,7 @@
               <a:rPr lang="zh-CN" altLang="en-US" strike="noStrike" noProof="1"/>
               <a:t>第四级</a:t>
             </a:r>
+            <a:endParaRPr lang="zh-CN" altLang="en-US" strike="noStrike" noProof="1"/>
           </a:p>
           <a:p>
             <a:pPr lvl="4" fontAlgn="base"/>
@@ -4106,6 +4202,7 @@
               <a:rPr lang="zh-CN" altLang="en-US" strike="noStrike" noProof="1"/>
               <a:t>第五级</a:t>
             </a:r>
+            <a:endParaRPr lang="zh-CN" altLang="en-US" strike="noStrike" noProof="1"/>
           </a:p>
         </p:txBody>
       </p:sp>
@@ -4231,7 +4328,6 @@
                 <a:ea typeface="SimSun" panose="02010600030101010101" pitchFamily="2" charset="-122"/>
                 <a:cs typeface="+mn-cs"/>
               </a:rPr>
-              <a:t>‹#›</a:t>
             </a:fld>
             <a:endParaRPr lang="zh-CN" altLang="en-US" strike="noStrike" noProof="1">
               <a:latin typeface="Calibri" panose="020F0502020204030204" pitchFamily="34" charset="0"/>
@@ -4296,6 +4392,7 @@
               <a:rPr lang="zh-CN" altLang="en-US" strike="noStrike" noProof="1"/>
               <a:t>单击此处编辑母版标题样式</a:t>
             </a:r>
+            <a:endParaRPr lang="zh-CN" altLang="en-US" strike="noStrike" noProof="1"/>
           </a:p>
         </p:txBody>
       </p:sp>
@@ -4453,6 +4550,7 @@
               <a:rPr lang="zh-CN" altLang="en-US" strike="noStrike" noProof="1"/>
               <a:t>单击此处编辑母版文本样式</a:t>
             </a:r>
+            <a:endParaRPr lang="zh-CN" altLang="en-US" strike="noStrike" noProof="1"/>
           </a:p>
         </p:txBody>
       </p:sp>
@@ -4578,7 +4676,6 @@
                 <a:ea typeface="SimSun" panose="02010600030101010101" pitchFamily="2" charset="-122"/>
                 <a:cs typeface="+mn-cs"/>
               </a:rPr>
-              <a:t>‹#›</a:t>
             </a:fld>
             <a:endParaRPr lang="zh-CN" altLang="en-US" strike="noStrike" noProof="1">
               <a:latin typeface="Calibri" panose="020F0502020204030204" pitchFamily="34" charset="0"/>
@@ -4634,6 +4731,7 @@
               <a:rPr lang="zh-CN" altLang="en-US" strike="noStrike" noProof="1"/>
               <a:t>单击此处编辑母版标题样式</a:t>
             </a:r>
+            <a:endParaRPr lang="zh-CN" altLang="en-US" strike="noStrike" noProof="1"/>
           </a:p>
         </p:txBody>
       </p:sp>
@@ -4657,6 +4755,7 @@
               <a:rPr lang="zh-CN" altLang="en-US" strike="noStrike" noProof="1"/>
               <a:t>单击此处编辑母版文本样式</a:t>
             </a:r>
+            <a:endParaRPr lang="zh-CN" altLang="en-US" strike="noStrike" noProof="1"/>
           </a:p>
           <a:p>
             <a:pPr lvl="1" fontAlgn="base"/>
@@ -4664,6 +4763,7 @@
               <a:rPr lang="zh-CN" altLang="en-US" strike="noStrike" noProof="1"/>
               <a:t>第二级</a:t>
             </a:r>
+            <a:endParaRPr lang="zh-CN" altLang="en-US" strike="noStrike" noProof="1"/>
           </a:p>
           <a:p>
             <a:pPr lvl="2" fontAlgn="base"/>
@@ -4671,6 +4771,7 @@
               <a:rPr lang="zh-CN" altLang="en-US" strike="noStrike" noProof="1"/>
               <a:t>第三级</a:t>
             </a:r>
+            <a:endParaRPr lang="zh-CN" altLang="en-US" strike="noStrike" noProof="1"/>
           </a:p>
           <a:p>
             <a:pPr lvl="3" fontAlgn="base"/>
@@ -4678,6 +4779,7 @@
               <a:rPr lang="zh-CN" altLang="en-US" strike="noStrike" noProof="1"/>
               <a:t>第四级</a:t>
             </a:r>
+            <a:endParaRPr lang="zh-CN" altLang="en-US" strike="noStrike" noProof="1"/>
           </a:p>
           <a:p>
             <a:pPr lvl="4" fontAlgn="base"/>
@@ -4685,6 +4787,7 @@
               <a:rPr lang="zh-CN" altLang="en-US" strike="noStrike" noProof="1"/>
               <a:t>第五级</a:t>
             </a:r>
+            <a:endParaRPr lang="zh-CN" altLang="en-US" strike="noStrike" noProof="1"/>
           </a:p>
         </p:txBody>
       </p:sp>
@@ -4810,7 +4913,6 @@
                 <a:ea typeface="SimSun" panose="02010600030101010101" pitchFamily="2" charset="-122"/>
                 <a:cs typeface="+mn-cs"/>
               </a:rPr>
-              <a:t>‹#›</a:t>
             </a:fld>
             <a:endParaRPr lang="zh-CN" altLang="en-US" strike="noStrike" noProof="1">
               <a:latin typeface="Calibri" panose="020F0502020204030204" pitchFamily="34" charset="0"/>
@@ -4871,6 +4973,7 @@
               <a:rPr lang="zh-CN" altLang="en-US" strike="noStrike" noProof="1"/>
               <a:t>单击此处编辑母版标题样式</a:t>
             </a:r>
+            <a:endParaRPr lang="zh-CN" altLang="en-US" strike="noStrike" noProof="1"/>
           </a:p>
         </p:txBody>
       </p:sp>
@@ -4899,6 +5002,7 @@
               <a:rPr lang="zh-CN" altLang="en-US" strike="noStrike" noProof="1"/>
               <a:t>单击此处编辑母版文本样式</a:t>
             </a:r>
+            <a:endParaRPr lang="zh-CN" altLang="en-US" strike="noStrike" noProof="1"/>
           </a:p>
           <a:p>
             <a:pPr lvl="1" fontAlgn="base"/>
@@ -4906,6 +5010,7 @@
               <a:rPr lang="zh-CN" altLang="en-US" strike="noStrike" noProof="1"/>
               <a:t>第二级</a:t>
             </a:r>
+            <a:endParaRPr lang="zh-CN" altLang="en-US" strike="noStrike" noProof="1"/>
           </a:p>
           <a:p>
             <a:pPr lvl="2" fontAlgn="base"/>
@@ -4913,6 +5018,7 @@
               <a:rPr lang="zh-CN" altLang="en-US" strike="noStrike" noProof="1"/>
               <a:t>第三级</a:t>
             </a:r>
+            <a:endParaRPr lang="zh-CN" altLang="en-US" strike="noStrike" noProof="1"/>
           </a:p>
           <a:p>
             <a:pPr lvl="3" fontAlgn="base"/>
@@ -4920,6 +5026,7 @@
               <a:rPr lang="zh-CN" altLang="en-US" strike="noStrike" noProof="1"/>
               <a:t>第四级</a:t>
             </a:r>
+            <a:endParaRPr lang="zh-CN" altLang="en-US" strike="noStrike" noProof="1"/>
           </a:p>
           <a:p>
             <a:pPr lvl="4" fontAlgn="base"/>
@@ -4927,6 +5034,7 @@
               <a:rPr lang="zh-CN" altLang="en-US" strike="noStrike" noProof="1"/>
               <a:t>第五级</a:t>
             </a:r>
+            <a:endParaRPr lang="zh-CN" altLang="en-US" strike="noStrike" noProof="1"/>
           </a:p>
         </p:txBody>
       </p:sp>
@@ -5052,7 +5160,6 @@
                 <a:ea typeface="SimSun" panose="02010600030101010101" pitchFamily="2" charset="-122"/>
                 <a:cs typeface="+mn-cs"/>
               </a:rPr>
-              <a:t>‹#›</a:t>
             </a:fld>
             <a:endParaRPr lang="zh-CN" altLang="en-US" strike="noStrike" noProof="1">
               <a:latin typeface="Calibri" panose="020F0502020204030204" pitchFamily="34" charset="0"/>
@@ -5117,6 +5224,7 @@
               <a:rPr lang="zh-CN" altLang="en-US" strike="noStrike" noProof="1"/>
               <a:t>单击此处编辑母版标题样式</a:t>
             </a:r>
+            <a:endParaRPr lang="zh-CN" altLang="en-US" strike="noStrike" noProof="1"/>
           </a:p>
         </p:txBody>
       </p:sp>
@@ -5236,6 +5344,7 @@
               <a:rPr lang="zh-CN" altLang="en-US" strike="noStrike" noProof="1"/>
               <a:t>单击此处编辑母版文本样式</a:t>
             </a:r>
+            <a:endParaRPr lang="zh-CN" altLang="en-US" strike="noStrike" noProof="1"/>
           </a:p>
         </p:txBody>
       </p:sp>
@@ -5361,7 +5470,6 @@
                 <a:ea typeface="SimSun" panose="02010600030101010101" pitchFamily="2" charset="-122"/>
                 <a:cs typeface="+mn-cs"/>
               </a:rPr>
-              <a:t>‹#›</a:t>
             </a:fld>
             <a:endParaRPr lang="zh-CN" altLang="en-US" strike="noStrike" noProof="1">
               <a:latin typeface="Calibri" panose="020F0502020204030204" pitchFamily="34" charset="0"/>
@@ -5417,6 +5525,7 @@
               <a:rPr lang="zh-CN" altLang="en-US" strike="noStrike" noProof="1"/>
               <a:t>单击此处编辑母版标题样式</a:t>
             </a:r>
+            <a:endParaRPr lang="zh-CN" altLang="en-US" strike="noStrike" noProof="1"/>
           </a:p>
         </p:txBody>
       </p:sp>
@@ -5445,6 +5554,7 @@
               <a:rPr lang="zh-CN" altLang="en-US" strike="noStrike" noProof="1"/>
               <a:t>单击此处编辑母版文本样式</a:t>
             </a:r>
+            <a:endParaRPr lang="zh-CN" altLang="en-US" strike="noStrike" noProof="1"/>
           </a:p>
           <a:p>
             <a:pPr lvl="1" fontAlgn="base"/>
@@ -5452,6 +5562,7 @@
               <a:rPr lang="zh-CN" altLang="en-US" strike="noStrike" noProof="1"/>
               <a:t>第二级</a:t>
             </a:r>
+            <a:endParaRPr lang="zh-CN" altLang="en-US" strike="noStrike" noProof="1"/>
           </a:p>
           <a:p>
             <a:pPr lvl="2" fontAlgn="base"/>
@@ -5459,6 +5570,7 @@
               <a:rPr lang="zh-CN" altLang="en-US" strike="noStrike" noProof="1"/>
               <a:t>第三级</a:t>
             </a:r>
+            <a:endParaRPr lang="zh-CN" altLang="en-US" strike="noStrike" noProof="1"/>
           </a:p>
           <a:p>
             <a:pPr lvl="3" fontAlgn="base"/>
@@ -5466,6 +5578,7 @@
               <a:rPr lang="zh-CN" altLang="en-US" strike="noStrike" noProof="1"/>
               <a:t>第四级</a:t>
             </a:r>
+            <a:endParaRPr lang="zh-CN" altLang="en-US" strike="noStrike" noProof="1"/>
           </a:p>
           <a:p>
             <a:pPr lvl="4" fontAlgn="base"/>
@@ -5473,6 +5586,7 @@
               <a:rPr lang="zh-CN" altLang="en-US" strike="noStrike" noProof="1"/>
               <a:t>第五级</a:t>
             </a:r>
+            <a:endParaRPr lang="zh-CN" altLang="en-US" strike="noStrike" noProof="1"/>
           </a:p>
         </p:txBody>
       </p:sp>
@@ -5501,6 +5615,7 @@
               <a:rPr lang="zh-CN" altLang="en-US" strike="noStrike" noProof="1"/>
               <a:t>单击此处编辑母版文本样式</a:t>
             </a:r>
+            <a:endParaRPr lang="zh-CN" altLang="en-US" strike="noStrike" noProof="1"/>
           </a:p>
           <a:p>
             <a:pPr lvl="1" fontAlgn="base"/>
@@ -5508,6 +5623,7 @@
               <a:rPr lang="zh-CN" altLang="en-US" strike="noStrike" noProof="1"/>
               <a:t>第二级</a:t>
             </a:r>
+            <a:endParaRPr lang="zh-CN" altLang="en-US" strike="noStrike" noProof="1"/>
           </a:p>
           <a:p>
             <a:pPr lvl="2" fontAlgn="base"/>
@@ -5515,6 +5631,7 @@
               <a:rPr lang="zh-CN" altLang="en-US" strike="noStrike" noProof="1"/>
               <a:t>第三级</a:t>
             </a:r>
+            <a:endParaRPr lang="zh-CN" altLang="en-US" strike="noStrike" noProof="1"/>
           </a:p>
           <a:p>
             <a:pPr lvl="3" fontAlgn="base"/>
@@ -5522,6 +5639,7 @@
               <a:rPr lang="zh-CN" altLang="en-US" strike="noStrike" noProof="1"/>
               <a:t>第四级</a:t>
             </a:r>
+            <a:endParaRPr lang="zh-CN" altLang="en-US" strike="noStrike" noProof="1"/>
           </a:p>
           <a:p>
             <a:pPr lvl="4" fontAlgn="base"/>
@@ -5529,6 +5647,7 @@
               <a:rPr lang="zh-CN" altLang="en-US" strike="noStrike" noProof="1"/>
               <a:t>第五级</a:t>
             </a:r>
+            <a:endParaRPr lang="zh-CN" altLang="en-US" strike="noStrike" noProof="1"/>
           </a:p>
         </p:txBody>
       </p:sp>
@@ -5654,7 +5773,6 @@
                 <a:ea typeface="SimSun" panose="02010600030101010101" pitchFamily="2" charset="-122"/>
                 <a:cs typeface="+mn-cs"/>
               </a:rPr>
-              <a:t>‹#›</a:t>
             </a:fld>
             <a:endParaRPr lang="zh-CN" altLang="en-US" strike="noStrike" noProof="1">
               <a:latin typeface="Calibri" panose="020F0502020204030204" pitchFamily="34" charset="0"/>
@@ -5715,6 +5833,7 @@
               <a:rPr lang="zh-CN" altLang="en-US" strike="noStrike" noProof="1"/>
               <a:t>单击此处编辑母版标题样式</a:t>
             </a:r>
+            <a:endParaRPr lang="zh-CN" altLang="en-US" strike="noStrike" noProof="1"/>
           </a:p>
         </p:txBody>
       </p:sp>
@@ -5780,6 +5899,7 @@
               <a:rPr lang="zh-CN" altLang="en-US" strike="noStrike" noProof="1"/>
               <a:t>单击此处编辑母版文本样式</a:t>
             </a:r>
+            <a:endParaRPr lang="zh-CN" altLang="en-US" strike="noStrike" noProof="1"/>
           </a:p>
         </p:txBody>
       </p:sp>
@@ -5808,6 +5928,7 @@
               <a:rPr lang="zh-CN" altLang="en-US" strike="noStrike" noProof="1"/>
               <a:t>单击此处编辑母版文本样式</a:t>
             </a:r>
+            <a:endParaRPr lang="zh-CN" altLang="en-US" strike="noStrike" noProof="1"/>
           </a:p>
           <a:p>
             <a:pPr lvl="1" fontAlgn="base"/>
@@ -5815,6 +5936,7 @@
               <a:rPr lang="zh-CN" altLang="en-US" strike="noStrike" noProof="1"/>
               <a:t>第二级</a:t>
             </a:r>
+            <a:endParaRPr lang="zh-CN" altLang="en-US" strike="noStrike" noProof="1"/>
           </a:p>
           <a:p>
             <a:pPr lvl="2" fontAlgn="base"/>
@@ -5822,6 +5944,7 @@
               <a:rPr lang="zh-CN" altLang="en-US" strike="noStrike" noProof="1"/>
               <a:t>第三级</a:t>
             </a:r>
+            <a:endParaRPr lang="zh-CN" altLang="en-US" strike="noStrike" noProof="1"/>
           </a:p>
           <a:p>
             <a:pPr lvl="3" fontAlgn="base"/>
@@ -5829,6 +5952,7 @@
               <a:rPr lang="zh-CN" altLang="en-US" strike="noStrike" noProof="1"/>
               <a:t>第四级</a:t>
             </a:r>
+            <a:endParaRPr lang="zh-CN" altLang="en-US" strike="noStrike" noProof="1"/>
           </a:p>
           <a:p>
             <a:pPr lvl="4" fontAlgn="base"/>
@@ -5836,6 +5960,7 @@
               <a:rPr lang="zh-CN" altLang="en-US" strike="noStrike" noProof="1"/>
               <a:t>第五级</a:t>
             </a:r>
+            <a:endParaRPr lang="zh-CN" altLang="en-US" strike="noStrike" noProof="1"/>
           </a:p>
         </p:txBody>
       </p:sp>
@@ -5901,6 +6026,7 @@
               <a:rPr lang="zh-CN" altLang="en-US" strike="noStrike" noProof="1"/>
               <a:t>单击此处编辑母版文本样式</a:t>
             </a:r>
+            <a:endParaRPr lang="zh-CN" altLang="en-US" strike="noStrike" noProof="1"/>
           </a:p>
         </p:txBody>
       </p:sp>
@@ -5929,6 +6055,7 @@
               <a:rPr lang="zh-CN" altLang="en-US" strike="noStrike" noProof="1"/>
               <a:t>单击此处编辑母版文本样式</a:t>
             </a:r>
+            <a:endParaRPr lang="zh-CN" altLang="en-US" strike="noStrike" noProof="1"/>
           </a:p>
           <a:p>
             <a:pPr lvl="1" fontAlgn="base"/>
@@ -5936,6 +6063,7 @@
               <a:rPr lang="zh-CN" altLang="en-US" strike="noStrike" noProof="1"/>
               <a:t>第二级</a:t>
             </a:r>
+            <a:endParaRPr lang="zh-CN" altLang="en-US" strike="noStrike" noProof="1"/>
           </a:p>
           <a:p>
             <a:pPr lvl="2" fontAlgn="base"/>
@@ -5943,6 +6071,7 @@
               <a:rPr lang="zh-CN" altLang="en-US" strike="noStrike" noProof="1"/>
               <a:t>第三级</a:t>
             </a:r>
+            <a:endParaRPr lang="zh-CN" altLang="en-US" strike="noStrike" noProof="1"/>
           </a:p>
           <a:p>
             <a:pPr lvl="3" fontAlgn="base"/>
@@ -5950,6 +6079,7 @@
               <a:rPr lang="zh-CN" altLang="en-US" strike="noStrike" noProof="1"/>
               <a:t>第四级</a:t>
             </a:r>
+            <a:endParaRPr lang="zh-CN" altLang="en-US" strike="noStrike" noProof="1"/>
           </a:p>
           <a:p>
             <a:pPr lvl="4" fontAlgn="base"/>
@@ -5957,6 +6087,7 @@
               <a:rPr lang="zh-CN" altLang="en-US" strike="noStrike" noProof="1"/>
               <a:t>第五级</a:t>
             </a:r>
+            <a:endParaRPr lang="zh-CN" altLang="en-US" strike="noStrike" noProof="1"/>
           </a:p>
         </p:txBody>
       </p:sp>
@@ -6082,7 +6213,6 @@
                 <a:ea typeface="SimSun" panose="02010600030101010101" pitchFamily="2" charset="-122"/>
                 <a:cs typeface="+mn-cs"/>
               </a:rPr>
-              <a:t>‹#›</a:t>
             </a:fld>
             <a:endParaRPr lang="zh-CN" altLang="en-US" strike="noStrike" noProof="1">
               <a:latin typeface="Calibri" panose="020F0502020204030204" pitchFamily="34" charset="0"/>
@@ -6138,6 +6268,7 @@
               <a:rPr lang="zh-CN" altLang="en-US" strike="noStrike" noProof="1"/>
               <a:t>单击此处编辑母版标题样式</a:t>
             </a:r>
+            <a:endParaRPr lang="zh-CN" altLang="en-US" strike="noStrike" noProof="1"/>
           </a:p>
         </p:txBody>
       </p:sp>
@@ -6263,7 +6394,6 @@
                 <a:ea typeface="SimSun" panose="02010600030101010101" pitchFamily="2" charset="-122"/>
                 <a:cs typeface="+mn-cs"/>
               </a:rPr>
-              <a:t>‹#›</a:t>
             </a:fld>
             <a:endParaRPr lang="zh-CN" altLang="en-US" strike="noStrike" noProof="1">
               <a:latin typeface="Calibri" panose="020F0502020204030204" pitchFamily="34" charset="0"/>
@@ -6421,7 +6551,6 @@
                 <a:ea typeface="SimSun" panose="02010600030101010101" pitchFamily="2" charset="-122"/>
                 <a:cs typeface="+mn-cs"/>
               </a:rPr>
-              <a:t>‹#›</a:t>
             </a:fld>
             <a:endParaRPr lang="zh-CN" altLang="en-US" strike="noStrike" noProof="1">
               <a:latin typeface="Calibri" panose="020F0502020204030204" pitchFamily="34" charset="0"/>
@@ -6486,6 +6615,7 @@
               <a:rPr lang="zh-CN" altLang="en-US" strike="noStrike" noProof="1"/>
               <a:t>单击此处编辑母版标题样式</a:t>
             </a:r>
+            <a:endParaRPr lang="zh-CN" altLang="en-US" strike="noStrike" noProof="1"/>
           </a:p>
         </p:txBody>
       </p:sp>
@@ -6542,6 +6672,7 @@
               <a:rPr lang="zh-CN" altLang="en-US" strike="noStrike" noProof="1"/>
               <a:t>单击此处编辑母版文本样式</a:t>
             </a:r>
+            <a:endParaRPr lang="zh-CN" altLang="en-US" strike="noStrike" noProof="1"/>
           </a:p>
           <a:p>
             <a:pPr lvl="1" fontAlgn="base"/>
@@ -6549,6 +6680,7 @@
               <a:rPr lang="zh-CN" altLang="en-US" strike="noStrike" noProof="1"/>
               <a:t>第二级</a:t>
             </a:r>
+            <a:endParaRPr lang="zh-CN" altLang="en-US" strike="noStrike" noProof="1"/>
           </a:p>
           <a:p>
             <a:pPr lvl="2" fontAlgn="base"/>
@@ -6556,6 +6688,7 @@
               <a:rPr lang="zh-CN" altLang="en-US" strike="noStrike" noProof="1"/>
               <a:t>第三级</a:t>
             </a:r>
+            <a:endParaRPr lang="zh-CN" altLang="en-US" strike="noStrike" noProof="1"/>
           </a:p>
           <a:p>
             <a:pPr lvl="3" fontAlgn="base"/>
@@ -6563,6 +6696,7 @@
               <a:rPr lang="zh-CN" altLang="en-US" strike="noStrike" noProof="1"/>
               <a:t>第四级</a:t>
             </a:r>
+            <a:endParaRPr lang="zh-CN" altLang="en-US" strike="noStrike" noProof="1"/>
           </a:p>
           <a:p>
             <a:pPr lvl="4" fontAlgn="base"/>
@@ -6570,6 +6704,7 @@
               <a:rPr lang="zh-CN" altLang="en-US" strike="noStrike" noProof="1"/>
               <a:t>第五级</a:t>
             </a:r>
+            <a:endParaRPr lang="zh-CN" altLang="en-US" strike="noStrike" noProof="1"/>
           </a:p>
         </p:txBody>
       </p:sp>
@@ -6635,6 +6770,7 @@
               <a:rPr lang="zh-CN" altLang="en-US" strike="noStrike" noProof="1"/>
               <a:t>单击此处编辑母版文本样式</a:t>
             </a:r>
+            <a:endParaRPr lang="zh-CN" altLang="en-US" strike="noStrike" noProof="1"/>
           </a:p>
         </p:txBody>
       </p:sp>
@@ -6760,7 +6896,6 @@
                 <a:ea typeface="SimSun" panose="02010600030101010101" pitchFamily="2" charset="-122"/>
                 <a:cs typeface="+mn-cs"/>
               </a:rPr>
-              <a:t>‹#›</a:t>
             </a:fld>
             <a:endParaRPr lang="zh-CN" altLang="en-US" strike="noStrike" noProof="1">
               <a:latin typeface="Calibri" panose="020F0502020204030204" pitchFamily="34" charset="0"/>
@@ -6825,6 +6960,7 @@
               <a:rPr lang="zh-CN" altLang="en-US" strike="noStrike" noProof="1"/>
               <a:t>单击此处编辑母版标题样式</a:t>
             </a:r>
+            <a:endParaRPr lang="zh-CN" altLang="en-US" strike="noStrike" noProof="1"/>
           </a:p>
         </p:txBody>
       </p:sp>
@@ -6982,6 +7118,7 @@
               <a:rPr lang="zh-CN" altLang="en-US" strike="noStrike" noProof="1"/>
               <a:t>单击此处编辑母版文本样式</a:t>
             </a:r>
+            <a:endParaRPr lang="zh-CN" altLang="en-US" strike="noStrike" noProof="1"/>
           </a:p>
         </p:txBody>
       </p:sp>
@@ -7107,7 +7244,6 @@
                 <a:ea typeface="SimSun" panose="02010600030101010101" pitchFamily="2" charset="-122"/>
                 <a:cs typeface="+mn-cs"/>
               </a:rPr>
-              <a:t>‹#›</a:t>
             </a:fld>
             <a:endParaRPr lang="zh-CN" altLang="en-US" strike="noStrike" noProof="1">
               <a:latin typeface="Calibri" panose="020F0502020204030204" pitchFamily="34" charset="0"/>
@@ -7180,6 +7316,7 @@
               <a:rPr lang="zh-CN" altLang="en-US" dirty="0"/>
               <a:t>单击此处编辑母版标题样式</a:t>
             </a:r>
+            <a:endParaRPr lang="zh-CN" altLang="en-US" dirty="0"/>
           </a:p>
         </p:txBody>
       </p:sp>
@@ -7215,6 +7352,7 @@
               <a:rPr lang="zh-CN" altLang="en-US" dirty="0"/>
               <a:t>单击此处编辑母版文本样式</a:t>
             </a:r>
+            <a:endParaRPr lang="zh-CN" altLang="en-US" dirty="0"/>
           </a:p>
           <a:p>
             <a:pPr lvl="1"/>
@@ -7222,6 +7360,7 @@
               <a:rPr lang="zh-CN" altLang="en-US" dirty="0"/>
               <a:t>第二级</a:t>
             </a:r>
+            <a:endParaRPr lang="zh-CN" altLang="en-US" dirty="0"/>
           </a:p>
           <a:p>
             <a:pPr lvl="2"/>
@@ -7229,6 +7368,7 @@
               <a:rPr lang="zh-CN" altLang="en-US" dirty="0"/>
               <a:t>第三级</a:t>
             </a:r>
+            <a:endParaRPr lang="zh-CN" altLang="en-US" dirty="0"/>
           </a:p>
           <a:p>
             <a:pPr lvl="3"/>
@@ -7236,6 +7376,7 @@
               <a:rPr lang="zh-CN" altLang="en-US" dirty="0"/>
               <a:t>第四级</a:t>
             </a:r>
+            <a:endParaRPr lang="zh-CN" altLang="en-US" dirty="0"/>
           </a:p>
           <a:p>
             <a:pPr lvl="4"/>
@@ -7243,6 +7384,7 @@
               <a:rPr lang="zh-CN" altLang="en-US" dirty="0"/>
               <a:t>第五级</a:t>
             </a:r>
+            <a:endParaRPr lang="zh-CN" altLang="en-US" dirty="0"/>
           </a:p>
         </p:txBody>
       </p:sp>
@@ -7436,7 +7578,6 @@
                 <a:ea typeface="SimSun" panose="02010600030101010101" pitchFamily="2" charset="-122"/>
                 <a:cs typeface="+mn-cs"/>
               </a:rPr>
-              <a:t>‹#›</a:t>
             </a:fld>
             <a:endParaRPr lang="zh-CN" altLang="en-US" strike="noStrike" noProof="1">
               <a:latin typeface="Calibri" panose="020F0502020204030204" pitchFamily="34" charset="0"/>
@@ -7962,6 +8103,7 @@
               <a:rPr lang="zh-CN" altLang="en-US" dirty="0"/>
               <a:t>单击此处编辑母版标题样式</a:t>
             </a:r>
+            <a:endParaRPr lang="zh-CN" altLang="en-US" dirty="0"/>
           </a:p>
         </p:txBody>
       </p:sp>
@@ -7997,6 +8139,7 @@
               <a:rPr lang="zh-CN" altLang="en-US" dirty="0"/>
               <a:t>单击此处编辑母版文本样式</a:t>
             </a:r>
+            <a:endParaRPr lang="zh-CN" altLang="en-US" dirty="0"/>
           </a:p>
           <a:p>
             <a:pPr lvl="1"/>
@@ -8004,6 +8147,7 @@
               <a:rPr lang="zh-CN" altLang="en-US" dirty="0"/>
               <a:t>第二级</a:t>
             </a:r>
+            <a:endParaRPr lang="zh-CN" altLang="en-US" dirty="0"/>
           </a:p>
           <a:p>
             <a:pPr lvl="2"/>
@@ -8011,6 +8155,7 @@
               <a:rPr lang="zh-CN" altLang="en-US" dirty="0"/>
               <a:t>第三级</a:t>
             </a:r>
+            <a:endParaRPr lang="zh-CN" altLang="en-US" dirty="0"/>
           </a:p>
           <a:p>
             <a:pPr lvl="3"/>
@@ -8018,6 +8163,7 @@
               <a:rPr lang="zh-CN" altLang="en-US" dirty="0"/>
               <a:t>第四级</a:t>
             </a:r>
+            <a:endParaRPr lang="zh-CN" altLang="en-US" dirty="0"/>
           </a:p>
           <a:p>
             <a:pPr lvl="4"/>
@@ -8025,6 +8171,7 @@
               <a:rPr lang="zh-CN" altLang="en-US" dirty="0"/>
               <a:t>第五级</a:t>
             </a:r>
+            <a:endParaRPr lang="zh-CN" altLang="en-US" dirty="0"/>
           </a:p>
         </p:txBody>
       </p:sp>
@@ -8218,7 +8365,6 @@
                 <a:ea typeface="SimSun" panose="02010600030101010101" pitchFamily="2" charset="-122"/>
                 <a:cs typeface="+mn-cs"/>
               </a:rPr>
-              <a:t>‹#›</a:t>
             </a:fld>
             <a:endParaRPr lang="zh-CN" altLang="en-US" strike="noStrike" noProof="1">
               <a:latin typeface="Calibri" panose="020F0502020204030204" pitchFamily="34" charset="0"/>
@@ -8735,7 +8881,7 @@
           <p:nvPr/>
         </p:nvPicPr>
         <p:blipFill>
-          <a:blip r:embed="rId2"/>
+          <a:blip r:embed="rId1"/>
           <a:stretch>
             <a:fillRect/>
           </a:stretch>
@@ -8978,6 +9124,13 @@
               </a:rPr>
               <a:t>NFC TECHNOLOGY </a:t>
             </a:r>
+            <a:endParaRPr lang="en-US" altLang="zh-CN" sz="5400" b="1" dirty="0">
+              <a:solidFill>
+                <a:srgbClr val="00B0F0"/>
+              </a:solidFill>
+              <a:latin typeface="Microsoft YaHei" panose="020B0503020204020204" pitchFamily="34" charset="-122"/>
+              <a:ea typeface="Microsoft YaHei" panose="020B0503020204020204" pitchFamily="34" charset="-122"/>
+            </a:endParaRPr>
           </a:p>
         </p:txBody>
       </p:sp>
@@ -9051,6 +9204,13 @@
               </a:rPr>
               <a:t>Smartdev Mobile Team</a:t>
             </a:r>
+            <a:endParaRPr lang="en-US" altLang="zh-CN" dirty="0">
+              <a:solidFill>
+                <a:schemeClr val="bg1"/>
+              </a:solidFill>
+              <a:latin typeface="Microsoft YaHei" panose="020B0503020204020204" pitchFamily="34" charset="-122"/>
+              <a:ea typeface="Microsoft YaHei" panose="020B0503020204020204" pitchFamily="34" charset="-122"/>
+            </a:endParaRPr>
           </a:p>
         </p:txBody>
       </p:sp>
@@ -9111,7 +9271,7 @@
           </p:nvPr>
         </p:nvPicPr>
         <p:blipFill>
-          <a:blip r:embed="rId3"/>
+          <a:blip r:embed="rId2"/>
           <a:stretch>
             <a:fillRect/>
           </a:stretch>
@@ -9147,7 +9307,7 @@
     <p:bg>
       <p:bgPr>
         <a:blipFill rotWithShape="0">
-          <a:blip r:embed="rId2"/>
+          <a:blip r:embed="rId1"/>
           <a:stretch>
             <a:fillRect/>
           </a:stretch>
@@ -9205,6 +9365,14 @@
               </a:rPr>
               <a:t>4. Basic concepts</a:t>
             </a:r>
+            <a:endParaRPr lang="en-US" altLang="zh-CN" sz="2400" b="1" dirty="0">
+              <a:solidFill>
+                <a:srgbClr val="00B0F0"/>
+              </a:solidFill>
+              <a:latin typeface="Microsoft YaHei" panose="020B0503020204020204" pitchFamily="34" charset="-122"/>
+              <a:ea typeface="Microsoft YaHei" panose="020B0503020204020204" pitchFamily="34" charset="-122"/>
+              <a:sym typeface="+mn-ea"/>
+            </a:endParaRPr>
           </a:p>
         </p:txBody>
       </p:sp>
@@ -9238,6 +9406,11 @@
               </a:rPr>
               <a:t>NDEF – NFC Data Exchange Format</a:t>
             </a:r>
+            <a:endParaRPr lang="en-US" sz="2200" b="1" dirty="0">
+              <a:solidFill>
+                <a:schemeClr val="bg1"/>
+              </a:solidFill>
+            </a:endParaRPr>
           </a:p>
         </p:txBody>
       </p:sp>
@@ -9353,20 +9526,14 @@
       </p:sp>
       <p:pic>
         <p:nvPicPr>
-          <p:cNvPr id="9" name="Picture 8">
-            <a:extLst>
-              <a:ext uri="{FF2B5EF4-FFF2-40B4-BE49-F238E27FC236}">
-                <a16:creationId xmlns:a16="http://schemas.microsoft.com/office/drawing/2014/main" id="{6E634D28-A1F1-4B8D-BB84-EDF10A3D1E63}"/>
-              </a:ext>
-            </a:extLst>
-          </p:cNvPr>
+          <p:cNvPr id="9" name="Picture 8"/>
           <p:cNvPicPr>
             <a:picLocks noChangeAspect="1"/>
           </p:cNvPicPr>
           <p:nvPr/>
         </p:nvPicPr>
         <p:blipFill>
-          <a:blip r:embed="rId3"/>
+          <a:blip r:embed="rId2"/>
           <a:stretch>
             <a:fillRect/>
           </a:stretch>
@@ -9382,11 +9549,6 @@
         </p:spPr>
       </p:pic>
     </p:spTree>
-    <p:extLst>
-      <p:ext uri="{BB962C8B-B14F-4D97-AF65-F5344CB8AC3E}">
-        <p14:creationId xmlns:p14="http://schemas.microsoft.com/office/powerpoint/2010/main" val="1756966267"/>
-      </p:ext>
-    </p:extLst>
   </p:cSld>
   <p:clrMapOvr>
     <a:masterClrMapping/>
@@ -9403,7 +9565,7 @@
     <p:bg>
       <p:bgPr>
         <a:blipFill rotWithShape="0">
-          <a:blip r:embed="rId2"/>
+          <a:blip r:embed="rId1"/>
           <a:stretch>
             <a:fillRect/>
           </a:stretch>
@@ -9461,6 +9623,14 @@
               </a:rPr>
               <a:t>4. Basic concepts</a:t>
             </a:r>
+            <a:endParaRPr lang="en-US" altLang="zh-CN" sz="2400" b="1" dirty="0">
+              <a:solidFill>
+                <a:srgbClr val="00B0F0"/>
+              </a:solidFill>
+              <a:latin typeface="Microsoft YaHei" panose="020B0503020204020204" pitchFamily="34" charset="-122"/>
+              <a:ea typeface="Microsoft YaHei" panose="020B0503020204020204" pitchFamily="34" charset="-122"/>
+              <a:sym typeface="+mn-ea"/>
+            </a:endParaRPr>
           </a:p>
         </p:txBody>
       </p:sp>
@@ -9494,6 +9664,11 @@
               </a:rPr>
               <a:t>APDU – Application Protocol Data Unit</a:t>
             </a:r>
+            <a:endParaRPr lang="en-US" sz="2200" b="1" dirty="0">
+              <a:solidFill>
+                <a:schemeClr val="bg1"/>
+              </a:solidFill>
+            </a:endParaRPr>
           </a:p>
         </p:txBody>
       </p:sp>
@@ -9547,7 +9722,7 @@
                 </a:solidFill>
                 <a:effectLst/>
                 <a:latin typeface="Arial" panose="020B0604020202020204" pitchFamily="34" charset="0"/>
-                <a:hlinkClick r:id="rId3" tooltip="Card reader"/>
+                <a:hlinkClick r:id="rId2" tooltip="Card reader"/>
               </a:rPr>
               <a:t>smart card reader</a:t>
             </a:r>
@@ -9622,7 +9797,7 @@
                 </a:solidFill>
                 <a:effectLst/>
                 <a:latin typeface="Arial" panose="020B0604020202020204" pitchFamily="34" charset="0"/>
-                <a:hlinkClick r:id="rId4" tooltip="ISO/IEC 7816"/>
+                <a:hlinkClick r:id="rId3" tooltip="ISO/IEC 7816"/>
               </a:rPr>
               <a:t>ISO/IEC 7816</a:t>
             </a:r>
@@ -9649,20 +9824,14 @@
       </p:sp>
       <p:pic>
         <p:nvPicPr>
-          <p:cNvPr id="9" name="Picture 8">
-            <a:extLst>
-              <a:ext uri="{FF2B5EF4-FFF2-40B4-BE49-F238E27FC236}">
-                <a16:creationId xmlns:a16="http://schemas.microsoft.com/office/drawing/2014/main" id="{B8916040-49DC-47CC-9A87-619FF10227A7}"/>
-              </a:ext>
-            </a:extLst>
-          </p:cNvPr>
+          <p:cNvPr id="9" name="Picture 8"/>
           <p:cNvPicPr>
             <a:picLocks noChangeAspect="1"/>
           </p:cNvPicPr>
           <p:nvPr/>
         </p:nvPicPr>
         <p:blipFill>
-          <a:blip r:embed="rId5"/>
+          <a:blip r:embed="rId4"/>
           <a:stretch>
             <a:fillRect/>
           </a:stretch>
@@ -9678,11 +9847,6 @@
         </p:spPr>
       </p:pic>
     </p:spTree>
-    <p:extLst>
-      <p:ext uri="{BB962C8B-B14F-4D97-AF65-F5344CB8AC3E}">
-        <p14:creationId xmlns:p14="http://schemas.microsoft.com/office/powerpoint/2010/main" val="3998971740"/>
-      </p:ext>
-    </p:extLst>
   </p:cSld>
   <p:clrMapOvr>
     <a:masterClrMapping/>
@@ -9699,7 +9863,7 @@
     <p:bg>
       <p:bgPr>
         <a:blipFill rotWithShape="0">
-          <a:blip r:embed="rId2"/>
+          <a:blip r:embed="rId1"/>
           <a:stretch>
             <a:fillRect/>
           </a:stretch>
@@ -9757,6 +9921,14 @@
               </a:rPr>
               <a:t>4. Basic concepts</a:t>
             </a:r>
+            <a:endParaRPr lang="en-US" altLang="zh-CN" sz="2400" b="1" dirty="0">
+              <a:solidFill>
+                <a:srgbClr val="00B0F0"/>
+              </a:solidFill>
+              <a:latin typeface="Microsoft YaHei" panose="020B0503020204020204" pitchFamily="34" charset="-122"/>
+              <a:ea typeface="Microsoft YaHei" panose="020B0503020204020204" pitchFamily="34" charset="-122"/>
+              <a:sym typeface="+mn-ea"/>
+            </a:endParaRPr>
           </a:p>
         </p:txBody>
       </p:sp>
@@ -9790,6 +9962,11 @@
               </a:rPr>
               <a:t>Applet – Application Protocol Data Unit</a:t>
             </a:r>
+            <a:endParaRPr lang="en-US" sz="2200" b="1" dirty="0">
+              <a:solidFill>
+                <a:schemeClr val="bg1"/>
+              </a:solidFill>
+            </a:endParaRPr>
           </a:p>
         </p:txBody>
       </p:sp>
@@ -9843,7 +10020,7 @@
                 </a:solidFill>
                 <a:effectLst/>
                 <a:latin typeface="Arial" panose="020B0604020202020204" pitchFamily="34" charset="0"/>
-                <a:hlinkClick r:id="rId3" tooltip="Card reader"/>
+                <a:hlinkClick r:id="rId2" tooltip="Card reader"/>
               </a:rPr>
               <a:t>smart card reader</a:t>
             </a:r>
@@ -9918,7 +10095,7 @@
                 </a:solidFill>
                 <a:effectLst/>
                 <a:latin typeface="Arial" panose="020B0604020202020204" pitchFamily="34" charset="0"/>
-                <a:hlinkClick r:id="rId4" tooltip="ISO/IEC 7816"/>
+                <a:hlinkClick r:id="rId3" tooltip="ISO/IEC 7816"/>
               </a:rPr>
               <a:t>ISO/IEC 7816</a:t>
             </a:r>
@@ -9945,20 +10122,14 @@
       </p:sp>
       <p:pic>
         <p:nvPicPr>
-          <p:cNvPr id="9" name="Picture 8">
-            <a:extLst>
-              <a:ext uri="{FF2B5EF4-FFF2-40B4-BE49-F238E27FC236}">
-                <a16:creationId xmlns:a16="http://schemas.microsoft.com/office/drawing/2014/main" id="{B8916040-49DC-47CC-9A87-619FF10227A7}"/>
-              </a:ext>
-            </a:extLst>
-          </p:cNvPr>
+          <p:cNvPr id="9" name="Picture 8"/>
           <p:cNvPicPr>
             <a:picLocks noChangeAspect="1"/>
           </p:cNvPicPr>
           <p:nvPr/>
         </p:nvPicPr>
         <p:blipFill>
-          <a:blip r:embed="rId5"/>
+          <a:blip r:embed="rId4"/>
           <a:stretch>
             <a:fillRect/>
           </a:stretch>
@@ -9974,11 +10145,6 @@
         </p:spPr>
       </p:pic>
     </p:spTree>
-    <p:extLst>
-      <p:ext uri="{BB962C8B-B14F-4D97-AF65-F5344CB8AC3E}">
-        <p14:creationId xmlns:p14="http://schemas.microsoft.com/office/powerpoint/2010/main" val="4014386641"/>
-      </p:ext>
-    </p:extLst>
   </p:cSld>
   <p:clrMapOvr>
     <a:masterClrMapping/>
@@ -9995,7 +10161,7 @@
     <p:bg>
       <p:bgPr>
         <a:blipFill rotWithShape="0">
-          <a:blip r:embed="rId2"/>
+          <a:blip r:embed="rId1"/>
           <a:stretch>
             <a:fillRect/>
           </a:stretch>
@@ -10675,6 +10841,13 @@
                 </a:rPr>
                 <a:t>NFC Protocol (APDU)</a:t>
               </a:r>
+              <a:endParaRPr lang="en-US" altLang="zh-CN" sz="2400" b="1" dirty="0">
+                <a:solidFill>
+                  <a:schemeClr val="bg1"/>
+                </a:solidFill>
+                <a:latin typeface="Microsoft YaHei" panose="020B0503020204020204" pitchFamily="34" charset="-122"/>
+                <a:ea typeface="Microsoft YaHei" panose="020B0503020204020204" pitchFamily="34" charset="-122"/>
+              </a:endParaRPr>
             </a:p>
           </p:txBody>
         </p:sp>
@@ -11088,6 +11261,13 @@
                 </a:rPr>
                 <a:t>Read an NFC Card</a:t>
               </a:r>
+              <a:endParaRPr lang="en-US" altLang="zh-CN" sz="2400" b="1" dirty="0">
+                <a:solidFill>
+                  <a:schemeClr val="bg1"/>
+                </a:solidFill>
+                <a:latin typeface="Microsoft YaHei" panose="020B0503020204020204" pitchFamily="34" charset="-122"/>
+                <a:ea typeface="Microsoft YaHei" panose="020B0503020204020204" pitchFamily="34" charset="-122"/>
+              </a:endParaRPr>
             </a:p>
           </p:txBody>
         </p:sp>
@@ -11505,6 +11685,13 @@
                 </a:rPr>
                 <a:t>Simulate an NFC Card</a:t>
               </a:r>
+              <a:endParaRPr lang="en-US" altLang="zh-CN" sz="2400" b="1" dirty="0">
+                <a:solidFill>
+                  <a:schemeClr val="bg1"/>
+                </a:solidFill>
+                <a:latin typeface="Microsoft YaHei" panose="020B0503020204020204" pitchFamily="34" charset="-122"/>
+                <a:ea typeface="Microsoft YaHei" panose="020B0503020204020204" pitchFamily="34" charset="-122"/>
+              </a:endParaRPr>
             </a:p>
           </p:txBody>
         </p:sp>
@@ -11935,11 +12122,6 @@
         </p:txBody>
       </p:sp>
     </p:spTree>
-    <p:extLst>
-      <p:ext uri="{BB962C8B-B14F-4D97-AF65-F5344CB8AC3E}">
-        <p14:creationId xmlns:p14="http://schemas.microsoft.com/office/powerpoint/2010/main" val="1342215138"/>
-      </p:ext>
-    </p:extLst>
   </p:cSld>
   <p:clrMapOvr>
     <a:masterClrMapping/>
@@ -11956,7 +12138,7 @@
     <p:bg>
       <p:bgPr>
         <a:blipFill rotWithShape="0">
-          <a:blip r:embed="rId2"/>
+          <a:blip r:embed="rId1"/>
           <a:stretch>
             <a:fillRect/>
           </a:stretch>
@@ -12025,20 +12207,14 @@
       </p:sp>
       <p:pic>
         <p:nvPicPr>
-          <p:cNvPr id="12" name="Picture 11">
-            <a:extLst>
-              <a:ext uri="{FF2B5EF4-FFF2-40B4-BE49-F238E27FC236}">
-                <a16:creationId xmlns:a16="http://schemas.microsoft.com/office/drawing/2014/main" id="{D0DB7A7E-97E1-4B57-B244-AED4450846A4}"/>
-              </a:ext>
-            </a:extLst>
-          </p:cNvPr>
+          <p:cNvPr id="12" name="Picture 11"/>
           <p:cNvPicPr>
             <a:picLocks noChangeAspect="1"/>
           </p:cNvPicPr>
           <p:nvPr/>
         </p:nvPicPr>
         <p:blipFill>
-          <a:blip r:embed="rId3"/>
+          <a:blip r:embed="rId2"/>
           <a:stretch>
             <a:fillRect/>
           </a:stretch>
@@ -12055,20 +12231,14 @@
       </p:pic>
       <p:pic>
         <p:nvPicPr>
-          <p:cNvPr id="13" name="Picture 12">
-            <a:extLst>
-              <a:ext uri="{FF2B5EF4-FFF2-40B4-BE49-F238E27FC236}">
-                <a16:creationId xmlns:a16="http://schemas.microsoft.com/office/drawing/2014/main" id="{272A3087-485F-40D0-B814-74565211CC29}"/>
-              </a:ext>
-            </a:extLst>
-          </p:cNvPr>
+          <p:cNvPr id="13" name="Picture 12"/>
           <p:cNvPicPr>
             <a:picLocks noChangeAspect="1"/>
           </p:cNvPicPr>
           <p:nvPr/>
         </p:nvPicPr>
         <p:blipFill>
-          <a:blip r:embed="rId4"/>
+          <a:blip r:embed="rId3"/>
           <a:stretch>
             <a:fillRect/>
           </a:stretch>
@@ -12085,16 +12255,8 @@
       </p:pic>
       <p:cxnSp>
         <p:nvCxnSpPr>
-          <p:cNvPr id="14" name="Straight Arrow Connector 13">
-            <a:extLst>
-              <a:ext uri="{FF2B5EF4-FFF2-40B4-BE49-F238E27FC236}">
-                <a16:creationId xmlns:a16="http://schemas.microsoft.com/office/drawing/2014/main" id="{AE17DF68-F21F-4AE6-AD2E-FB502E3BDA3C}"/>
-              </a:ext>
-            </a:extLst>
-          </p:cNvPr>
-          <p:cNvCxnSpPr>
-            <a:cxnSpLocks/>
-          </p:cNvCxnSpPr>
+          <p:cNvPr id="14" name="Straight Arrow Connector 13"/>
+          <p:cNvCxnSpPr/>
           <p:nvPr/>
         </p:nvCxnSpPr>
         <p:spPr>
@@ -12126,16 +12288,8 @@
       </p:cxnSp>
       <p:cxnSp>
         <p:nvCxnSpPr>
-          <p:cNvPr id="15" name="Straight Arrow Connector 14">
-            <a:extLst>
-              <a:ext uri="{FF2B5EF4-FFF2-40B4-BE49-F238E27FC236}">
-                <a16:creationId xmlns:a16="http://schemas.microsoft.com/office/drawing/2014/main" id="{E4FFB839-2D49-4B92-A032-EB1046ABF5A3}"/>
-              </a:ext>
-            </a:extLst>
-          </p:cNvPr>
-          <p:cNvCxnSpPr>
-            <a:cxnSpLocks/>
-          </p:cNvCxnSpPr>
+          <p:cNvPr id="15" name="Straight Arrow Connector 14"/>
+          <p:cNvCxnSpPr/>
           <p:nvPr/>
         </p:nvCxnSpPr>
         <p:spPr>
@@ -12167,13 +12321,7 @@
       </p:cxnSp>
       <p:sp>
         <p:nvSpPr>
-          <p:cNvPr id="16" name="TextBox 15">
-            <a:extLst>
-              <a:ext uri="{FF2B5EF4-FFF2-40B4-BE49-F238E27FC236}">
-                <a16:creationId xmlns:a16="http://schemas.microsoft.com/office/drawing/2014/main" id="{CD6EA81D-8E24-42EC-A195-020296EDBAC9}"/>
-              </a:ext>
-            </a:extLst>
-          </p:cNvPr>
+          <p:cNvPr id="16" name="TextBox 15"/>
           <p:cNvSpPr txBox="1"/>
           <p:nvPr/>
         </p:nvSpPr>
@@ -12201,18 +12349,17 @@
               </a:rPr>
               <a:t>Command APDU</a:t>
             </a:r>
+            <a:endParaRPr lang="en-US" dirty="0">
+              <a:solidFill>
+                <a:schemeClr val="bg1"/>
+              </a:solidFill>
+            </a:endParaRPr>
           </a:p>
         </p:txBody>
       </p:sp>
       <p:sp>
         <p:nvSpPr>
-          <p:cNvPr id="20" name="TextBox 19">
-            <a:extLst>
-              <a:ext uri="{FF2B5EF4-FFF2-40B4-BE49-F238E27FC236}">
-                <a16:creationId xmlns:a16="http://schemas.microsoft.com/office/drawing/2014/main" id="{46184508-B0AF-49AF-B7F5-2D30EA20C6B3}"/>
-              </a:ext>
-            </a:extLst>
-          </p:cNvPr>
+          <p:cNvPr id="20" name="TextBox 19"/>
           <p:cNvSpPr txBox="1"/>
           <p:nvPr/>
         </p:nvSpPr>
@@ -12322,18 +12469,13 @@
               <a:rPr lang="en-US" dirty="0"/>
               <a:t> </a:t>
             </a:r>
+            <a:endParaRPr lang="en-US" dirty="0"/>
           </a:p>
         </p:txBody>
       </p:sp>
       <p:sp>
         <p:nvSpPr>
-          <p:cNvPr id="24" name="TextBox 23">
-            <a:extLst>
-              <a:ext uri="{FF2B5EF4-FFF2-40B4-BE49-F238E27FC236}">
-                <a16:creationId xmlns:a16="http://schemas.microsoft.com/office/drawing/2014/main" id="{7EFDFCEF-327C-4D33-A886-66B508C80268}"/>
-              </a:ext>
-            </a:extLst>
-          </p:cNvPr>
+          <p:cNvPr id="24" name="TextBox 23"/>
           <p:cNvSpPr txBox="1"/>
           <p:nvPr/>
         </p:nvSpPr>
@@ -12383,18 +12525,13 @@
               <a:rPr lang="en-US" dirty="0"/>
               <a:t> </a:t>
             </a:r>
+            <a:endParaRPr lang="en-US" dirty="0"/>
           </a:p>
         </p:txBody>
       </p:sp>
       <p:sp>
         <p:nvSpPr>
-          <p:cNvPr id="25" name="TextBox 24">
-            <a:extLst>
-              <a:ext uri="{FF2B5EF4-FFF2-40B4-BE49-F238E27FC236}">
-                <a16:creationId xmlns:a16="http://schemas.microsoft.com/office/drawing/2014/main" id="{8DE2239D-5F82-4797-8B5B-D5650C718297}"/>
-              </a:ext>
-            </a:extLst>
-          </p:cNvPr>
+          <p:cNvPr id="25" name="TextBox 24"/>
           <p:cNvSpPr txBox="1"/>
           <p:nvPr/>
         </p:nvSpPr>
@@ -12422,6 +12559,11 @@
               </a:rPr>
               <a:t>Response APDU</a:t>
             </a:r>
+            <a:endParaRPr lang="en-US" dirty="0">
+              <a:solidFill>
+                <a:schemeClr val="bg1"/>
+              </a:solidFill>
+            </a:endParaRPr>
           </a:p>
         </p:txBody>
       </p:sp>
@@ -12442,7 +12584,7 @@
     <p:bg>
       <p:bgPr>
         <a:blipFill rotWithShape="0">
-          <a:blip r:embed="rId2"/>
+          <a:blip r:embed="rId1"/>
           <a:stretch>
             <a:fillRect/>
           </a:stretch>
@@ -12511,13 +12653,7 @@
       </p:sp>
       <p:sp>
         <p:nvSpPr>
-          <p:cNvPr id="12" name="Text Box 2">
-            <a:extLst>
-              <a:ext uri="{FF2B5EF4-FFF2-40B4-BE49-F238E27FC236}">
-                <a16:creationId xmlns:a16="http://schemas.microsoft.com/office/drawing/2014/main" id="{ABFF313C-03D5-4E5A-B728-81AD8F10ADEB}"/>
-              </a:ext>
-            </a:extLst>
-          </p:cNvPr>
+          <p:cNvPr id="12" name="Text Box 2"/>
           <p:cNvSpPr txBox="1"/>
           <p:nvPr/>
         </p:nvSpPr>
@@ -12545,25 +12681,24 @@
               </a:rPr>
               <a:t>Command APDU</a:t>
             </a:r>
+            <a:endParaRPr lang="en-US" sz="2200" b="1" dirty="0">
+              <a:solidFill>
+                <a:schemeClr val="bg1"/>
+              </a:solidFill>
+            </a:endParaRPr>
           </a:p>
         </p:txBody>
       </p:sp>
       <p:pic>
         <p:nvPicPr>
-          <p:cNvPr id="3" name="Picture 2">
-            <a:extLst>
-              <a:ext uri="{FF2B5EF4-FFF2-40B4-BE49-F238E27FC236}">
-                <a16:creationId xmlns:a16="http://schemas.microsoft.com/office/drawing/2014/main" id="{A1FBB77E-C186-404C-98CF-CAACBD949980}"/>
-              </a:ext>
-            </a:extLst>
-          </p:cNvPr>
+          <p:cNvPr id="3" name="Picture 2"/>
           <p:cNvPicPr>
             <a:picLocks noChangeAspect="1"/>
           </p:cNvPicPr>
           <p:nvPr/>
         </p:nvPicPr>
         <p:blipFill>
-          <a:blip r:embed="rId3"/>
+          <a:blip r:embed="rId2"/>
           <a:stretch>
             <a:fillRect/>
           </a:stretch>
@@ -12578,6 +12713,174 @@
           </a:prstGeom>
         </p:spPr>
       </p:pic>
+      <p:sp>
+        <p:nvSpPr>
+          <p:cNvPr id="20" name="TextBox 19"/>
+          <p:cNvSpPr txBox="1"/>
+          <p:nvPr/>
+        </p:nvSpPr>
+        <p:spPr>
+          <a:xfrm>
+            <a:off x="2613756" y="1005736"/>
+            <a:ext cx="6096000" cy="369332"/>
+          </a:xfrm>
+          <a:prstGeom prst="rect">
+            <a:avLst/>
+          </a:prstGeom>
+          <a:solidFill>
+            <a:schemeClr val="bg1"/>
+          </a:solidFill>
+        </p:spPr>
+        <p:txBody>
+          <a:bodyPr wrap="square">
+            <a:spAutoFit/>
+          </a:bodyPr>
+          <a:p>
+            <a:r>
+              <a:rPr lang="en-US" b="1" dirty="0">
+                <a:solidFill>
+                  <a:schemeClr val="accent1"/>
+                </a:solidFill>
+              </a:rPr>
+              <a:t>00</a:t>
+            </a:r>
+            <a:r>
+              <a:rPr lang="en-US" dirty="0">
+                <a:solidFill>
+                  <a:schemeClr val="bg1"/>
+                </a:solidFill>
+              </a:rPr>
+              <a:t> </a:t>
+            </a:r>
+            <a:r>
+              <a:rPr lang="en-US" b="1" dirty="0">
+                <a:solidFill>
+                  <a:srgbClr val="C00000"/>
+                </a:solidFill>
+              </a:rPr>
+              <a:t>A4</a:t>
+            </a:r>
+            <a:r>
+              <a:rPr lang="en-US" dirty="0">
+                <a:solidFill>
+                  <a:schemeClr val="bg1"/>
+                </a:solidFill>
+              </a:rPr>
+              <a:t> </a:t>
+            </a:r>
+            <a:r>
+              <a:rPr lang="en-US" dirty="0">
+                <a:solidFill>
+                  <a:srgbClr val="7030A0"/>
+                </a:solidFill>
+              </a:rPr>
+              <a:t>04</a:t>
+            </a:r>
+            <a:r>
+              <a:rPr lang="en-US" dirty="0">
+                <a:solidFill>
+                  <a:schemeClr val="bg1"/>
+                </a:solidFill>
+              </a:rPr>
+              <a:t> </a:t>
+            </a:r>
+            <a:r>
+              <a:rPr lang="en-US" dirty="0">
+                <a:solidFill>
+                  <a:schemeClr val="accent6"/>
+                </a:solidFill>
+              </a:rPr>
+              <a:t>00</a:t>
+            </a:r>
+            <a:r>
+              <a:rPr lang="en-US" dirty="0">
+                <a:solidFill>
+                  <a:schemeClr val="bg1"/>
+                </a:solidFill>
+              </a:rPr>
+              <a:t> </a:t>
+            </a:r>
+            <a:r>
+              <a:rPr lang="en-US" dirty="0">
+                <a:solidFill>
+                  <a:srgbClr val="00B0F0"/>
+                </a:solidFill>
+              </a:rPr>
+              <a:t>0E</a:t>
+            </a:r>
+            <a:r>
+              <a:rPr lang="en-US" dirty="0"/>
+              <a:t>32 50 41 59 2E 53 59 53 2E 44 44 46 30 31 </a:t>
+            </a:r>
+            <a:r>
+              <a:rPr lang="en-US" dirty="0">
+                <a:solidFill>
+                  <a:schemeClr val="accent2"/>
+                </a:solidFill>
+              </a:rPr>
+              <a:t>00</a:t>
+            </a:r>
+            <a:r>
+              <a:rPr lang="en-US" dirty="0"/>
+              <a:t> </a:t>
+            </a:r>
+            <a:endParaRPr lang="en-US" dirty="0"/>
+          </a:p>
+        </p:txBody>
+      </p:sp>
+      <p:sp>
+        <p:nvSpPr>
+          <p:cNvPr id="5" name="TextBox 4"/>
+          <p:cNvSpPr txBox="1"/>
+          <p:nvPr/>
+        </p:nvSpPr>
+        <p:spPr>
+          <a:xfrm>
+            <a:off x="890357" y="5945563"/>
+            <a:ext cx="6827346" cy="769441"/>
+          </a:xfrm>
+          <a:prstGeom prst="rect">
+            <a:avLst/>
+          </a:prstGeom>
+          <a:noFill/>
+        </p:spPr>
+        <p:txBody>
+          <a:bodyPr wrap="square" rtlCol="0">
+            <a:spAutoFit/>
+          </a:bodyPr>
+          <a:p>
+            <a:r>
+              <a:rPr lang="en-US" sz="2200" dirty="0">
+                <a:solidFill>
+                  <a:schemeClr val="accent1"/>
+                </a:solidFill>
+              </a:rPr>
+              <a:t>Smart Cart Commands &amp; Response codes reference:</a:t>
+            </a:r>
+            <a:endParaRPr lang="en-US" sz="2200" dirty="0">
+              <a:solidFill>
+                <a:schemeClr val="accent1"/>
+              </a:solidFill>
+            </a:endParaRPr>
+          </a:p>
+          <a:p>
+            <a:r>
+              <a:rPr lang="en-US" sz="2200" dirty="0">
+                <a:solidFill>
+                  <a:schemeClr val="accent1"/>
+                </a:solidFill>
+                <a:hlinkClick r:id="rId3"/>
+              </a:rPr>
+              <a:t>http://www.wrankl.de/SCTables/SCTables.html </a:t>
+            </a:r>
+            <a:endParaRPr lang="en-US" sz="2200" dirty="0">
+              <a:solidFill>
+                <a:schemeClr val="accent1"/>
+              </a:solidFill>
+            </a:endParaRPr>
+          </a:p>
+        </p:txBody>
+      </p:sp>
     </p:spTree>
   </p:cSld>
   <p:clrMapOvr>
@@ -12595,7 +12898,7 @@
     <p:bg>
       <p:bgPr>
         <a:blipFill rotWithShape="0">
-          <a:blip r:embed="rId2"/>
+          <a:blip r:embed="rId1"/>
           <a:stretch>
             <a:fillRect/>
           </a:stretch>
@@ -12664,13 +12967,7 @@
       </p:sp>
       <p:sp>
         <p:nvSpPr>
-          <p:cNvPr id="12" name="Text Box 2">
-            <a:extLst>
-              <a:ext uri="{FF2B5EF4-FFF2-40B4-BE49-F238E27FC236}">
-                <a16:creationId xmlns:a16="http://schemas.microsoft.com/office/drawing/2014/main" id="{ABFF313C-03D5-4E5A-B728-81AD8F10ADEB}"/>
-              </a:ext>
-            </a:extLst>
-          </p:cNvPr>
+          <p:cNvPr id="12" name="Text Box 2"/>
           <p:cNvSpPr txBox="1"/>
           <p:nvPr/>
         </p:nvSpPr>
@@ -12698,25 +12995,24 @@
               </a:rPr>
               <a:t>Command APDU</a:t>
             </a:r>
+            <a:endParaRPr lang="en-US" sz="2200" b="1" dirty="0">
+              <a:solidFill>
+                <a:schemeClr val="bg1"/>
+              </a:solidFill>
+            </a:endParaRPr>
           </a:p>
         </p:txBody>
       </p:sp>
       <p:pic>
         <p:nvPicPr>
-          <p:cNvPr id="4" name="Picture 3">
-            <a:extLst>
-              <a:ext uri="{FF2B5EF4-FFF2-40B4-BE49-F238E27FC236}">
-                <a16:creationId xmlns:a16="http://schemas.microsoft.com/office/drawing/2014/main" id="{00ECC2A9-313E-4CE4-8611-812F8B4134AA}"/>
-              </a:ext>
-            </a:extLst>
-          </p:cNvPr>
+          <p:cNvPr id="4" name="Picture 3"/>
           <p:cNvPicPr>
             <a:picLocks noChangeAspect="1"/>
           </p:cNvPicPr>
           <p:nvPr/>
         </p:nvPicPr>
         <p:blipFill>
-          <a:blip r:embed="rId3"/>
+          <a:blip r:embed="rId2"/>
           <a:stretch>
             <a:fillRect/>
           </a:stretch>
@@ -12733,13 +13029,7 @@
       </p:pic>
       <p:sp>
         <p:nvSpPr>
-          <p:cNvPr id="7" name="TextBox 6">
-            <a:extLst>
-              <a:ext uri="{FF2B5EF4-FFF2-40B4-BE49-F238E27FC236}">
-                <a16:creationId xmlns:a16="http://schemas.microsoft.com/office/drawing/2014/main" id="{5C354863-D2AB-4F18-A664-D5BA9EC0F5CC}"/>
-              </a:ext>
-            </a:extLst>
-          </p:cNvPr>
+          <p:cNvPr id="7" name="TextBox 6"/>
           <p:cNvSpPr txBox="1"/>
           <p:nvPr/>
         </p:nvSpPr>
@@ -12849,18 +13139,13 @@
               <a:rPr lang="en-US" dirty="0"/>
               <a:t> </a:t>
             </a:r>
+            <a:endParaRPr lang="en-US" dirty="0"/>
           </a:p>
         </p:txBody>
       </p:sp>
       <p:sp>
         <p:nvSpPr>
-          <p:cNvPr id="5" name="TextBox 4">
-            <a:extLst>
-              <a:ext uri="{FF2B5EF4-FFF2-40B4-BE49-F238E27FC236}">
-                <a16:creationId xmlns:a16="http://schemas.microsoft.com/office/drawing/2014/main" id="{F373A031-4021-49F6-B357-15D83D7D3F2A}"/>
-              </a:ext>
-            </a:extLst>
-          </p:cNvPr>
+          <p:cNvPr id="5" name="TextBox 4"/>
           <p:cNvSpPr txBox="1"/>
           <p:nvPr/>
         </p:nvSpPr>
@@ -12888,18 +13173,17 @@
               </a:rPr>
               <a:t>Select PPSE command</a:t>
             </a:r>
+            <a:endParaRPr lang="en-US" sz="2200" b="1" dirty="0">
+              <a:solidFill>
+                <a:schemeClr val="accent1"/>
+              </a:solidFill>
+            </a:endParaRPr>
           </a:p>
         </p:txBody>
       </p:sp>
       <p:sp>
         <p:nvSpPr>
-          <p:cNvPr id="6" name="Rectangle 5">
-            <a:extLst>
-              <a:ext uri="{FF2B5EF4-FFF2-40B4-BE49-F238E27FC236}">
-                <a16:creationId xmlns:a16="http://schemas.microsoft.com/office/drawing/2014/main" id="{619B6FB2-4622-4880-AB02-5F2D8D966858}"/>
-              </a:ext>
-            </a:extLst>
-          </p:cNvPr>
+          <p:cNvPr id="6" name="Rectangle 5"/>
           <p:cNvSpPr/>
           <p:nvPr/>
         </p:nvSpPr>
@@ -12946,11 +13230,6 @@
         </p:txBody>
       </p:sp>
     </p:spTree>
-    <p:extLst>
-      <p:ext uri="{BB962C8B-B14F-4D97-AF65-F5344CB8AC3E}">
-        <p14:creationId xmlns:p14="http://schemas.microsoft.com/office/powerpoint/2010/main" val="3822779046"/>
-      </p:ext>
-    </p:extLst>
   </p:cSld>
   <p:clrMapOvr>
     <a:masterClrMapping/>
@@ -12967,7 +13246,7 @@
     <p:bg>
       <p:bgPr>
         <a:blipFill rotWithShape="0">
-          <a:blip r:embed="rId2"/>
+          <a:blip r:embed="rId1"/>
           <a:stretch>
             <a:fillRect/>
           </a:stretch>
@@ -13036,13 +13315,7 @@
       </p:sp>
       <p:sp>
         <p:nvSpPr>
-          <p:cNvPr id="12" name="Text Box 2">
-            <a:extLst>
-              <a:ext uri="{FF2B5EF4-FFF2-40B4-BE49-F238E27FC236}">
-                <a16:creationId xmlns:a16="http://schemas.microsoft.com/office/drawing/2014/main" id="{ABFF313C-03D5-4E5A-B728-81AD8F10ADEB}"/>
-              </a:ext>
-            </a:extLst>
-          </p:cNvPr>
+          <p:cNvPr id="12" name="Text Box 2"/>
           <p:cNvSpPr txBox="1"/>
           <p:nvPr/>
         </p:nvSpPr>
@@ -13070,25 +13343,24 @@
               </a:rPr>
               <a:t>Command APDU</a:t>
             </a:r>
+            <a:endParaRPr lang="en-US" sz="2200" b="1" dirty="0">
+              <a:solidFill>
+                <a:schemeClr val="bg1"/>
+              </a:solidFill>
+            </a:endParaRPr>
           </a:p>
         </p:txBody>
       </p:sp>
       <p:pic>
         <p:nvPicPr>
-          <p:cNvPr id="4" name="Picture 3">
-            <a:extLst>
-              <a:ext uri="{FF2B5EF4-FFF2-40B4-BE49-F238E27FC236}">
-                <a16:creationId xmlns:a16="http://schemas.microsoft.com/office/drawing/2014/main" id="{977EAB0A-D11D-491F-86D5-D9988561C4EB}"/>
-              </a:ext>
-            </a:extLst>
-          </p:cNvPr>
+          <p:cNvPr id="4" name="Picture 3"/>
           <p:cNvPicPr>
             <a:picLocks noChangeAspect="1"/>
           </p:cNvPicPr>
           <p:nvPr/>
         </p:nvPicPr>
         <p:blipFill>
-          <a:blip r:embed="rId3"/>
+          <a:blip r:embed="rId2"/>
           <a:stretch>
             <a:fillRect/>
           </a:stretch>
@@ -13104,11 +13376,6 @@
         </p:spPr>
       </p:pic>
     </p:spTree>
-    <p:extLst>
-      <p:ext uri="{BB962C8B-B14F-4D97-AF65-F5344CB8AC3E}">
-        <p14:creationId xmlns:p14="http://schemas.microsoft.com/office/powerpoint/2010/main" val="3623375947"/>
-      </p:ext>
-    </p:extLst>
   </p:cSld>
   <p:clrMapOvr>
     <a:masterClrMapping/>
@@ -13125,7 +13392,7 @@
     <p:bg>
       <p:bgPr>
         <a:blipFill rotWithShape="0">
-          <a:blip r:embed="rId2"/>
+          <a:blip r:embed="rId1"/>
           <a:stretch>
             <a:fillRect/>
           </a:stretch>
@@ -13194,13 +13461,7 @@
       </p:sp>
       <p:sp>
         <p:nvSpPr>
-          <p:cNvPr id="12" name="Text Box 2">
-            <a:extLst>
-              <a:ext uri="{FF2B5EF4-FFF2-40B4-BE49-F238E27FC236}">
-                <a16:creationId xmlns:a16="http://schemas.microsoft.com/office/drawing/2014/main" id="{ABFF313C-03D5-4E5A-B728-81AD8F10ADEB}"/>
-              </a:ext>
-            </a:extLst>
-          </p:cNvPr>
+          <p:cNvPr id="12" name="Text Box 2"/>
           <p:cNvSpPr txBox="1"/>
           <p:nvPr/>
         </p:nvSpPr>
@@ -13228,25 +13489,24 @@
               </a:rPr>
               <a:t>Command APDU</a:t>
             </a:r>
+            <a:endParaRPr lang="en-US" sz="2200" b="1" dirty="0">
+              <a:solidFill>
+                <a:schemeClr val="bg1"/>
+              </a:solidFill>
+            </a:endParaRPr>
           </a:p>
         </p:txBody>
       </p:sp>
       <p:pic>
         <p:nvPicPr>
-          <p:cNvPr id="3" name="Picture 2">
-            <a:extLst>
-              <a:ext uri="{FF2B5EF4-FFF2-40B4-BE49-F238E27FC236}">
-                <a16:creationId xmlns:a16="http://schemas.microsoft.com/office/drawing/2014/main" id="{DF76D652-0A94-40BE-B438-1F02F5B254CD}"/>
-              </a:ext>
-            </a:extLst>
-          </p:cNvPr>
+          <p:cNvPr id="3" name="Picture 2"/>
           <p:cNvPicPr>
             <a:picLocks noChangeAspect="1"/>
           </p:cNvPicPr>
           <p:nvPr/>
         </p:nvPicPr>
         <p:blipFill>
-          <a:blip r:embed="rId3"/>
+          <a:blip r:embed="rId2"/>
           <a:stretch>
             <a:fillRect/>
           </a:stretch>
@@ -13263,13 +13523,7 @@
       </p:pic>
       <p:sp>
         <p:nvSpPr>
-          <p:cNvPr id="5" name="TextBox 4">
-            <a:extLst>
-              <a:ext uri="{FF2B5EF4-FFF2-40B4-BE49-F238E27FC236}">
-                <a16:creationId xmlns:a16="http://schemas.microsoft.com/office/drawing/2014/main" id="{B9386CA7-DD94-4D3E-B04E-44F02E75ECC3}"/>
-              </a:ext>
-            </a:extLst>
-          </p:cNvPr>
+          <p:cNvPr id="5" name="TextBox 4"/>
           <p:cNvSpPr txBox="1"/>
           <p:nvPr/>
         </p:nvSpPr>
@@ -13297,15 +13551,15 @@
               </a:rPr>
               <a:t>Select PPSE response explanation</a:t>
             </a:r>
+            <a:endParaRPr lang="en-US" sz="2200" dirty="0">
+              <a:solidFill>
+                <a:schemeClr val="accent1"/>
+              </a:solidFill>
+            </a:endParaRPr>
           </a:p>
         </p:txBody>
       </p:sp>
     </p:spTree>
-    <p:extLst>
-      <p:ext uri="{BB962C8B-B14F-4D97-AF65-F5344CB8AC3E}">
-        <p14:creationId xmlns:p14="http://schemas.microsoft.com/office/powerpoint/2010/main" val="3344848254"/>
-      </p:ext>
-    </p:extLst>
   </p:cSld>
   <p:clrMapOvr>
     <a:masterClrMapping/>
@@ -13322,7 +13576,7 @@
     <p:bg>
       <p:bgPr>
         <a:blipFill rotWithShape="0">
-          <a:blip r:embed="rId2"/>
+          <a:blip r:embed="rId1"/>
           <a:stretch>
             <a:fillRect/>
           </a:stretch>
@@ -13346,149 +13600,49 @@
       </p:grpSpPr>
       <p:sp>
         <p:nvSpPr>
-          <p:cNvPr id="24578" name="文本框 1"/>
-          <p:cNvSpPr txBox="1"/>
-          <p:nvPr/>
+          <p:cNvPr id="3" name="Title 2"/>
+          <p:cNvSpPr>
+            <a:spLocks noGrp="1"/>
+          </p:cNvSpPr>
+          <p:nvPr>
+            <p:ph type="title"/>
+          </p:nvPr>
         </p:nvSpPr>
+        <p:spPr/>
+        <p:txBody>
+          <a:bodyPr/>
+          <a:p>
+            <a:endParaRPr lang="en-US"/>
+          </a:p>
+        </p:txBody>
+      </p:sp>
+      <p:pic>
+        <p:nvPicPr>
+          <p:cNvPr id="2" name="Content Placeholder 1"/>
+          <p:cNvPicPr>
+            <a:picLocks noChangeAspect="1"/>
+          </p:cNvPicPr>
+          <p:nvPr>
+            <p:ph idx="1"/>
+          </p:nvPr>
+        </p:nvPicPr>
+        <p:blipFill>
+          <a:blip r:embed="rId2"/>
+          <a:stretch>
+            <a:fillRect/>
+          </a:stretch>
+        </p:blipFill>
         <p:spPr>
           <a:xfrm>
-            <a:off x="333375" y="217488"/>
-            <a:ext cx="2671763" cy="461665"/>
+            <a:off x="842010" y="553085"/>
+            <a:ext cx="10511790" cy="5935345"/>
           </a:xfrm>
           <a:prstGeom prst="rect">
             <a:avLst/>
           </a:prstGeom>
-          <a:noFill/>
-          <a:ln w="9525">
-            <a:noFill/>
-          </a:ln>
         </p:spPr>
-        <p:txBody>
-          <a:bodyPr anchor="t" anchorCtr="0">
-            <a:spAutoFit/>
-          </a:bodyPr>
-          <a:lstStyle/>
-          <a:p>
-            <a:r>
-              <a:rPr lang="en-US" altLang="zh-CN" sz="2400" b="1" dirty="0">
-                <a:solidFill>
-                  <a:srgbClr val="00B0F0"/>
-                </a:solidFill>
-                <a:latin typeface="Microsoft YaHei" panose="020B0503020204020204" pitchFamily="34" charset="-122"/>
-                <a:ea typeface="Microsoft YaHei" panose="020B0503020204020204" pitchFamily="34" charset="-122"/>
-              </a:rPr>
-              <a:t>APDU</a:t>
-            </a:r>
-            <a:endParaRPr lang="zh-CN" altLang="en-US" sz="2400" b="1" dirty="0">
-              <a:solidFill>
-                <a:srgbClr val="00B0F0"/>
-              </a:solidFill>
-              <a:latin typeface="Microsoft YaHei" panose="020B0503020204020204" pitchFamily="34" charset="-122"/>
-              <a:ea typeface="Microsoft YaHei" panose="020B0503020204020204" pitchFamily="34" charset="-122"/>
-            </a:endParaRPr>
-          </a:p>
-        </p:txBody>
-      </p:sp>
-      <p:sp>
-        <p:nvSpPr>
-          <p:cNvPr id="12" name="Text Box 2">
-            <a:extLst>
-              <a:ext uri="{FF2B5EF4-FFF2-40B4-BE49-F238E27FC236}">
-                <a16:creationId xmlns:a16="http://schemas.microsoft.com/office/drawing/2014/main" id="{ABFF313C-03D5-4E5A-B728-81AD8F10ADEB}"/>
-              </a:ext>
-            </a:extLst>
-          </p:cNvPr>
-          <p:cNvSpPr txBox="1"/>
-          <p:nvPr/>
-        </p:nvSpPr>
-        <p:spPr>
-          <a:xfrm>
-            <a:off x="4840605" y="290195"/>
-            <a:ext cx="5774386" cy="429895"/>
-          </a:xfrm>
-          <a:prstGeom prst="rect">
-            <a:avLst/>
-          </a:prstGeom>
-          <a:noFill/>
-        </p:spPr>
-        <p:txBody>
-          <a:bodyPr wrap="square" rtlCol="0">
-            <a:spAutoFit/>
-          </a:bodyPr>
-          <a:lstStyle/>
-          <a:p>
-            <a:r>
-              <a:rPr lang="en-US" sz="2200" b="1" dirty="0">
-                <a:solidFill>
-                  <a:schemeClr val="bg1"/>
-                </a:solidFill>
-              </a:rPr>
-              <a:t>Command APDU</a:t>
-            </a:r>
-          </a:p>
-        </p:txBody>
-      </p:sp>
-      <p:sp>
-        <p:nvSpPr>
-          <p:cNvPr id="5" name="TextBox 4">
-            <a:extLst>
-              <a:ext uri="{FF2B5EF4-FFF2-40B4-BE49-F238E27FC236}">
-                <a16:creationId xmlns:a16="http://schemas.microsoft.com/office/drawing/2014/main" id="{B9386CA7-DD94-4D3E-B04E-44F02E75ECC3}"/>
-              </a:ext>
-            </a:extLst>
-          </p:cNvPr>
-          <p:cNvSpPr txBox="1"/>
-          <p:nvPr/>
-        </p:nvSpPr>
-        <p:spPr>
-          <a:xfrm>
-            <a:off x="1426932" y="2050473"/>
-            <a:ext cx="6827346" cy="769441"/>
-          </a:xfrm>
-          <a:prstGeom prst="rect">
-            <a:avLst/>
-          </a:prstGeom>
-          <a:noFill/>
-        </p:spPr>
-        <p:txBody>
-          <a:bodyPr wrap="square" rtlCol="0">
-            <a:spAutoFit/>
-          </a:bodyPr>
-          <a:lstStyle/>
-          <a:p>
-            <a:r>
-              <a:rPr lang="en-US" sz="2200" dirty="0">
-                <a:solidFill>
-                  <a:schemeClr val="accent1"/>
-                </a:solidFill>
-              </a:rPr>
-              <a:t>Smart Cart Commands &amp; Response codes reference:</a:t>
-            </a:r>
-          </a:p>
-          <a:p>
-            <a:r>
-              <a:rPr lang="en-US" sz="2200" dirty="0">
-                <a:solidFill>
-                  <a:schemeClr val="accent1"/>
-                </a:solidFill>
-                <a:hlinkClick r:id="rId3"/>
-              </a:rPr>
-              <a:t>http://www.wrankl.de/SCTables/SCTables.html </a:t>
-            </a:r>
-            <a:endParaRPr lang="en-US" sz="2200" dirty="0">
-              <a:solidFill>
-                <a:schemeClr val="accent1"/>
-              </a:solidFill>
-            </a:endParaRPr>
-          </a:p>
-        </p:txBody>
-      </p:sp>
+      </p:pic>
     </p:spTree>
-    <p:extLst>
-      <p:ext uri="{BB962C8B-B14F-4D97-AF65-F5344CB8AC3E}">
-        <p14:creationId xmlns:p14="http://schemas.microsoft.com/office/powerpoint/2010/main" val="2781935951"/>
-      </p:ext>
-    </p:extLst>
   </p:cSld>
   <p:clrMapOvr>
     <a:masterClrMapping/>
@@ -13505,7 +13659,7 @@
     <p:bg>
       <p:bgPr>
         <a:blipFill rotWithShape="0">
-          <a:blip r:embed="rId2"/>
+          <a:blip r:embed="rId1"/>
           <a:stretch>
             <a:fillRect/>
           </a:stretch>
@@ -14189,6 +14343,13 @@
                 </a:rPr>
                 <a:t>NFC Protocol (APDU)</a:t>
               </a:r>
+              <a:endParaRPr lang="en-US" altLang="zh-CN" sz="2400" b="1" dirty="0">
+                <a:solidFill>
+                  <a:schemeClr val="bg1"/>
+                </a:solidFill>
+                <a:latin typeface="Microsoft YaHei" panose="020B0503020204020204" pitchFamily="34" charset="-122"/>
+                <a:ea typeface="Microsoft YaHei" panose="020B0503020204020204" pitchFamily="34" charset="-122"/>
+              </a:endParaRPr>
             </a:p>
           </p:txBody>
         </p:sp>
@@ -14606,6 +14767,13 @@
                 </a:rPr>
                 <a:t>Read an NFC Card</a:t>
               </a:r>
+              <a:endParaRPr lang="en-US" altLang="zh-CN" sz="2400" b="1" dirty="0">
+                <a:solidFill>
+                  <a:schemeClr val="accent2"/>
+                </a:solidFill>
+                <a:latin typeface="Microsoft YaHei" panose="020B0503020204020204" pitchFamily="34" charset="-122"/>
+                <a:ea typeface="Microsoft YaHei" panose="020B0503020204020204" pitchFamily="34" charset="-122"/>
+              </a:endParaRPr>
             </a:p>
           </p:txBody>
         </p:sp>
@@ -15023,6 +15191,13 @@
                 </a:rPr>
                 <a:t>Simulate an NFC Card</a:t>
               </a:r>
+              <a:endParaRPr lang="en-US" altLang="zh-CN" sz="2400" b="1" dirty="0">
+                <a:solidFill>
+                  <a:schemeClr val="accent2"/>
+                </a:solidFill>
+                <a:latin typeface="Microsoft YaHei" panose="020B0503020204020204" pitchFamily="34" charset="-122"/>
+                <a:ea typeface="Microsoft YaHei" panose="020B0503020204020204" pitchFamily="34" charset="-122"/>
+              </a:endParaRPr>
             </a:p>
           </p:txBody>
         </p:sp>
@@ -15469,7 +15644,7 @@
     <p:bg>
       <p:bgPr>
         <a:blipFill rotWithShape="0">
-          <a:blip r:embed="rId2"/>
+          <a:blip r:embed="rId1"/>
           <a:stretch>
             <a:fillRect/>
           </a:stretch>
@@ -16151,6 +16326,13 @@
                 </a:rPr>
                 <a:t>NFC Protocol (APDU)</a:t>
               </a:r>
+              <a:endParaRPr lang="en-US" altLang="zh-CN" sz="2400" b="1" dirty="0">
+                <a:solidFill>
+                  <a:schemeClr val="bg1"/>
+                </a:solidFill>
+                <a:latin typeface="Microsoft YaHei" panose="020B0503020204020204" pitchFamily="34" charset="-122"/>
+                <a:ea typeface="Microsoft YaHei" panose="020B0503020204020204" pitchFamily="34" charset="-122"/>
+              </a:endParaRPr>
             </a:p>
           </p:txBody>
         </p:sp>
@@ -16563,6 +16745,13 @@
                 </a:rPr>
                 <a:t>Read an NFC Card</a:t>
               </a:r>
+              <a:endParaRPr lang="en-US" altLang="zh-CN" sz="2400" b="1" dirty="0">
+                <a:solidFill>
+                  <a:schemeClr val="bg1"/>
+                </a:solidFill>
+                <a:latin typeface="Microsoft YaHei" panose="020B0503020204020204" pitchFamily="34" charset="-122"/>
+                <a:ea typeface="Microsoft YaHei" panose="020B0503020204020204" pitchFamily="34" charset="-122"/>
+              </a:endParaRPr>
             </a:p>
           </p:txBody>
         </p:sp>
@@ -16976,6 +17165,13 @@
                 </a:rPr>
                 <a:t>Simulate an NFC Card</a:t>
               </a:r>
+              <a:endParaRPr lang="en-US" altLang="zh-CN" sz="2400" b="1" dirty="0">
+                <a:solidFill>
+                  <a:schemeClr val="bg1"/>
+                </a:solidFill>
+                <a:latin typeface="Microsoft YaHei" panose="020B0503020204020204" pitchFamily="34" charset="-122"/>
+                <a:ea typeface="Microsoft YaHei" panose="020B0503020204020204" pitchFamily="34" charset="-122"/>
+              </a:endParaRPr>
             </a:p>
           </p:txBody>
         </p:sp>
@@ -17406,11 +17602,6 @@
         </p:txBody>
       </p:sp>
     </p:spTree>
-    <p:extLst>
-      <p:ext uri="{BB962C8B-B14F-4D97-AF65-F5344CB8AC3E}">
-        <p14:creationId xmlns:p14="http://schemas.microsoft.com/office/powerpoint/2010/main" val="2963785031"/>
-      </p:ext>
-    </p:extLst>
   </p:cSld>
   <p:clrMapOvr>
     <a:masterClrMapping/>
@@ -17427,7 +17618,7 @@
     <p:bg>
       <p:bgPr>
         <a:blipFill rotWithShape="0">
-          <a:blip r:embed="rId2"/>
+          <a:blip r:embed="rId1"/>
           <a:stretch>
             <a:fillRect/>
           </a:stretch>
@@ -17451,13 +17642,7 @@
       </p:grpSpPr>
       <p:sp>
         <p:nvSpPr>
-          <p:cNvPr id="12" name="Text Box 2">
-            <a:extLst>
-              <a:ext uri="{FF2B5EF4-FFF2-40B4-BE49-F238E27FC236}">
-                <a16:creationId xmlns:a16="http://schemas.microsoft.com/office/drawing/2014/main" id="{ABFF313C-03D5-4E5A-B728-81AD8F10ADEB}"/>
-              </a:ext>
-            </a:extLst>
-          </p:cNvPr>
+          <p:cNvPr id="12" name="Text Box 2"/>
           <p:cNvSpPr txBox="1"/>
           <p:nvPr/>
         </p:nvSpPr>
@@ -17485,18 +17670,17 @@
               </a:rPr>
               <a:t>Build a Card Reader</a:t>
             </a:r>
+            <a:endParaRPr lang="en-US" sz="2200" b="1" dirty="0">
+              <a:solidFill>
+                <a:schemeClr val="bg1"/>
+              </a:solidFill>
+            </a:endParaRPr>
           </a:p>
         </p:txBody>
       </p:sp>
       <p:sp>
         <p:nvSpPr>
-          <p:cNvPr id="2" name="Rectangle: Rounded Corners 1">
-            <a:extLst>
-              <a:ext uri="{FF2B5EF4-FFF2-40B4-BE49-F238E27FC236}">
-                <a16:creationId xmlns:a16="http://schemas.microsoft.com/office/drawing/2014/main" id="{4B493B16-E9A6-45D1-BAB0-087288C24834}"/>
-              </a:ext>
-            </a:extLst>
-          </p:cNvPr>
+          <p:cNvPr id="2" name="Rectangle: Rounded Corners 1"/>
           <p:cNvSpPr/>
           <p:nvPr/>
         </p:nvSpPr>
@@ -17531,18 +17715,13 @@
               <a:rPr lang="en-US" sz="2400" dirty="0"/>
               <a:t>1/ Request NFC access</a:t>
             </a:r>
+            <a:endParaRPr lang="en-US" sz="2400" dirty="0"/>
           </a:p>
         </p:txBody>
       </p:sp>
       <p:sp>
         <p:nvSpPr>
-          <p:cNvPr id="6" name="Rectangle: Rounded Corners 5">
-            <a:extLst>
-              <a:ext uri="{FF2B5EF4-FFF2-40B4-BE49-F238E27FC236}">
-                <a16:creationId xmlns:a16="http://schemas.microsoft.com/office/drawing/2014/main" id="{5CA28ABC-00AD-4C34-BF27-DF5D0C9C8A21}"/>
-              </a:ext>
-            </a:extLst>
-          </p:cNvPr>
+          <p:cNvPr id="6" name="Rectangle: Rounded Corners 5"/>
           <p:cNvSpPr/>
           <p:nvPr/>
         </p:nvSpPr>
@@ -17577,18 +17756,13 @@
               <a:rPr lang="en-US" sz="2400" dirty="0"/>
               <a:t>2/ Filter for NFC intent (optional)</a:t>
             </a:r>
+            <a:endParaRPr lang="en-US" sz="2400" dirty="0"/>
           </a:p>
         </p:txBody>
       </p:sp>
       <p:sp>
         <p:nvSpPr>
-          <p:cNvPr id="7" name="Rectangle: Rounded Corners 6">
-            <a:extLst>
-              <a:ext uri="{FF2B5EF4-FFF2-40B4-BE49-F238E27FC236}">
-                <a16:creationId xmlns:a16="http://schemas.microsoft.com/office/drawing/2014/main" id="{B5B677A9-CFB0-4765-8FB6-BD55637FE702}"/>
-              </a:ext>
-            </a:extLst>
-          </p:cNvPr>
+          <p:cNvPr id="7" name="Rectangle: Rounded Corners 6"/>
           <p:cNvSpPr/>
           <p:nvPr/>
         </p:nvSpPr>
@@ -17633,13 +17807,7 @@
       </p:sp>
       <p:sp>
         <p:nvSpPr>
-          <p:cNvPr id="8" name="Rectangle: Rounded Corners 7">
-            <a:extLst>
-              <a:ext uri="{FF2B5EF4-FFF2-40B4-BE49-F238E27FC236}">
-                <a16:creationId xmlns:a16="http://schemas.microsoft.com/office/drawing/2014/main" id="{7D75CBE3-BF20-4D0B-9368-97DC9FD85FDB}"/>
-              </a:ext>
-            </a:extLst>
-          </p:cNvPr>
+          <p:cNvPr id="8" name="Rectangle: Rounded Corners 7"/>
           <p:cNvSpPr/>
           <p:nvPr/>
         </p:nvSpPr>
@@ -17674,18 +17842,13 @@
               <a:rPr lang="en-US" sz="2400" dirty="0"/>
               <a:t>4/ Process the APDU command</a:t>
             </a:r>
+            <a:endParaRPr lang="en-US" sz="2400" dirty="0"/>
           </a:p>
         </p:txBody>
       </p:sp>
       <p:sp>
         <p:nvSpPr>
-          <p:cNvPr id="13" name="文本框 1">
-            <a:extLst>
-              <a:ext uri="{FF2B5EF4-FFF2-40B4-BE49-F238E27FC236}">
-                <a16:creationId xmlns:a16="http://schemas.microsoft.com/office/drawing/2014/main" id="{3EEEEE29-BF1B-4492-A8EB-E88969A71974}"/>
-              </a:ext>
-            </a:extLst>
-          </p:cNvPr>
+          <p:cNvPr id="13" name="文本框 1"/>
           <p:cNvSpPr txBox="1"/>
           <p:nvPr/>
         </p:nvSpPr>
@@ -17729,11 +17892,6 @@
         </p:txBody>
       </p:sp>
     </p:spTree>
-    <p:extLst>
-      <p:ext uri="{BB962C8B-B14F-4D97-AF65-F5344CB8AC3E}">
-        <p14:creationId xmlns:p14="http://schemas.microsoft.com/office/powerpoint/2010/main" val="232013631"/>
-      </p:ext>
-    </p:extLst>
   </p:cSld>
   <p:clrMapOvr>
     <a:masterClrMapping/>
@@ -17750,7 +17908,7 @@
     <p:bg>
       <p:bgPr>
         <a:blipFill rotWithShape="0">
-          <a:blip r:embed="rId2"/>
+          <a:blip r:embed="rId1"/>
           <a:stretch>
             <a:fillRect/>
           </a:stretch>
@@ -17819,13 +17977,7 @@
       </p:sp>
       <p:sp>
         <p:nvSpPr>
-          <p:cNvPr id="12" name="Text Box 2">
-            <a:extLst>
-              <a:ext uri="{FF2B5EF4-FFF2-40B4-BE49-F238E27FC236}">
-                <a16:creationId xmlns:a16="http://schemas.microsoft.com/office/drawing/2014/main" id="{ABFF313C-03D5-4E5A-B728-81AD8F10ADEB}"/>
-              </a:ext>
-            </a:extLst>
-          </p:cNvPr>
+          <p:cNvPr id="12" name="Text Box 2"/>
           <p:cNvSpPr txBox="1"/>
           <p:nvPr/>
         </p:nvSpPr>
@@ -17853,18 +18005,17 @@
               </a:rPr>
               <a:t>1. Request NFC access</a:t>
             </a:r>
+            <a:endParaRPr lang="en-US" sz="2200" b="1" dirty="0">
+              <a:solidFill>
+                <a:schemeClr val="bg1"/>
+              </a:solidFill>
+            </a:endParaRPr>
           </a:p>
         </p:txBody>
       </p:sp>
       <p:sp>
         <p:nvSpPr>
-          <p:cNvPr id="2" name="Rectangle: Rounded Corners 1">
-            <a:extLst>
-              <a:ext uri="{FF2B5EF4-FFF2-40B4-BE49-F238E27FC236}">
-                <a16:creationId xmlns:a16="http://schemas.microsoft.com/office/drawing/2014/main" id="{4B493B16-E9A6-45D1-BAB0-087288C24834}"/>
-              </a:ext>
-            </a:extLst>
-          </p:cNvPr>
+          <p:cNvPr id="2" name="Rectangle: Rounded Corners 1"/>
           <p:cNvSpPr/>
           <p:nvPr/>
         </p:nvSpPr>
@@ -17899,18 +18050,13 @@
               <a:rPr lang="en-US" sz="2400" dirty="0"/>
               <a:t>Permission to access the NFC hardware</a:t>
             </a:r>
+            <a:endParaRPr lang="en-US" sz="2400" dirty="0"/>
           </a:p>
         </p:txBody>
       </p:sp>
       <p:sp>
         <p:nvSpPr>
-          <p:cNvPr id="3" name="Rectangle 1">
-            <a:extLst>
-              <a:ext uri="{FF2B5EF4-FFF2-40B4-BE49-F238E27FC236}">
-                <a16:creationId xmlns:a16="http://schemas.microsoft.com/office/drawing/2014/main" id="{B8229491-2701-434E-81DF-EDA678083175}"/>
-              </a:ext>
-            </a:extLst>
-          </p:cNvPr>
+          <p:cNvPr id="3" name="Rectangle 1"/>
           <p:cNvSpPr>
             <a:spLocks noChangeArrowheads="1"/>
           </p:cNvSpPr>
@@ -17960,9 +18106,6 @@
         </p:spPr>
         <p:txBody>
           <a:bodyPr vert="horz" wrap="none" lIns="91440" tIns="45720" rIns="91440" bIns="45720" numCol="1" anchor="ctr" anchorCtr="0" compatLnSpc="1">
-            <a:prstTxWarp prst="textNoShape">
-              <a:avLst/>
-            </a:prstTxWarp>
             <a:spAutoFit/>
           </a:bodyPr>
           <a:lstStyle>
@@ -18054,7 +18197,6 @@
               <a:buSzTx/>
               <a:buFontTx/>
               <a:buNone/>
-              <a:tabLst/>
             </a:pPr>
             <a:r>
               <a:rPr kumimoji="0" lang="en-US" altLang="en-US" sz="1200" b="0" i="0" u="none" strike="noStrike" cap="none" normalizeH="0" baseline="0">
@@ -18122,13 +18264,7 @@
       </p:sp>
       <p:sp>
         <p:nvSpPr>
-          <p:cNvPr id="9" name="Rectangle: Rounded Corners 8">
-            <a:extLst>
-              <a:ext uri="{FF2B5EF4-FFF2-40B4-BE49-F238E27FC236}">
-                <a16:creationId xmlns:a16="http://schemas.microsoft.com/office/drawing/2014/main" id="{43D618A6-9B83-4B3B-A32D-7093B7657494}"/>
-              </a:ext>
-            </a:extLst>
-          </p:cNvPr>
+          <p:cNvPr id="9" name="Rectangle: Rounded Corners 8"/>
           <p:cNvSpPr/>
           <p:nvPr/>
         </p:nvSpPr>
@@ -18163,18 +18299,13 @@
               <a:rPr lang="en-US" sz="2400" dirty="0"/>
               <a:t>Tell Google Play that only show your app for devices that have NFC hardware</a:t>
             </a:r>
+            <a:endParaRPr lang="en-US" sz="2400" dirty="0"/>
           </a:p>
         </p:txBody>
       </p:sp>
       <p:sp>
         <p:nvSpPr>
-          <p:cNvPr id="16" name="Rectangle 3">
-            <a:extLst>
-              <a:ext uri="{FF2B5EF4-FFF2-40B4-BE49-F238E27FC236}">
-                <a16:creationId xmlns:a16="http://schemas.microsoft.com/office/drawing/2014/main" id="{01A39162-BB64-4492-9B53-7B7C61B1E311}"/>
-              </a:ext>
-            </a:extLst>
-          </p:cNvPr>
+          <p:cNvPr id="16" name="Rectangle 3"/>
           <p:cNvSpPr>
             <a:spLocks noChangeArrowheads="1"/>
           </p:cNvSpPr>
@@ -18182,8 +18313,8 @@
         </p:nvSpPr>
         <p:spPr bwMode="auto">
           <a:xfrm>
-            <a:off x="1163782" y="2681181"/>
-            <a:ext cx="8188036" cy="461665"/>
+            <a:off x="1163955" y="2496820"/>
+            <a:ext cx="9027160" cy="829945"/>
           </a:xfrm>
           <a:prstGeom prst="rect">
             <a:avLst/>
@@ -18219,9 +18350,6 @@
         </p:spPr>
         <p:txBody>
           <a:bodyPr vert="horz" wrap="square" lIns="91440" tIns="45720" rIns="91440" bIns="45720" numCol="1" anchor="ctr" anchorCtr="0" compatLnSpc="1">
-            <a:prstTxWarp prst="textNoShape">
-              <a:avLst/>
-            </a:prstTxWarp>
             <a:spAutoFit/>
           </a:bodyPr>
           <a:lstStyle/>
@@ -18240,7 +18368,6 @@
               <a:buSzTx/>
               <a:buFontTx/>
               <a:buNone/>
-              <a:tabLst/>
             </a:pPr>
             <a:r>
               <a:rPr kumimoji="0" lang="en-US" altLang="en-US" sz="2400" b="0" i="0" u="none" strike="noStrike" cap="none" normalizeH="0" baseline="0">
@@ -18322,13 +18449,7 @@
       </p:sp>
       <p:sp>
         <p:nvSpPr>
-          <p:cNvPr id="17" name="Rectangle 4">
-            <a:extLst>
-              <a:ext uri="{FF2B5EF4-FFF2-40B4-BE49-F238E27FC236}">
-                <a16:creationId xmlns:a16="http://schemas.microsoft.com/office/drawing/2014/main" id="{1DBED5A2-2D05-4565-BF24-291C6FF4423A}"/>
-              </a:ext>
-            </a:extLst>
-          </p:cNvPr>
+          <p:cNvPr id="17" name="Rectangle 4"/>
           <p:cNvSpPr>
             <a:spLocks noChangeArrowheads="1"/>
           </p:cNvSpPr>
@@ -18336,8 +18457,8 @@
         </p:nvSpPr>
         <p:spPr bwMode="auto">
           <a:xfrm>
-            <a:off x="1163782" y="5525727"/>
-            <a:ext cx="7342203" cy="830997"/>
+            <a:off x="1163955" y="5526405"/>
+            <a:ext cx="9128760" cy="829945"/>
           </a:xfrm>
           <a:prstGeom prst="rect">
             <a:avLst/>
@@ -18372,10 +18493,7 @@
           </a:extLst>
         </p:spPr>
         <p:txBody>
-          <a:bodyPr vert="horz" wrap="none" lIns="91440" tIns="45720" rIns="91440" bIns="45720" numCol="1" anchor="ctr" anchorCtr="0" compatLnSpc="1">
-            <a:prstTxWarp prst="textNoShape">
-              <a:avLst/>
-            </a:prstTxWarp>
+          <a:bodyPr vert="horz" wrap="square" lIns="91440" tIns="45720" rIns="91440" bIns="45720" numCol="1" anchor="ctr" anchorCtr="0" compatLnSpc="1">
             <a:spAutoFit/>
           </a:bodyPr>
           <a:lstStyle/>
@@ -18394,7 +18512,6 @@
               <a:buSzTx/>
               <a:buFontTx/>
               <a:buNone/>
-              <a:tabLst/>
             </a:pPr>
             <a:r>
               <a:rPr kumimoji="0" lang="en-US" altLang="en-US" sz="2400" b="0" i="0" u="none" strike="noStrike" cap="none" normalizeH="0" baseline="0">
@@ -18446,7 +18563,7 @@
                 <a:effectLst/>
                 <a:latin typeface="JetBrains Mono"/>
               </a:rPr>
-              <a:t>="android.hardware.nfc.hce"</a:t>
+              <a:t>="android.hardware.nfc"</a:t>
             </a:r>
             <a:br>
               <a:rPr kumimoji="0" lang="en-US" altLang="en-US" sz="2400" b="0" i="0" u="none" strike="noStrike" cap="none" normalizeH="0" baseline="0">
@@ -18540,13 +18657,7 @@
       </p:sp>
       <p:cxnSp>
         <p:nvCxnSpPr>
-          <p:cNvPr id="19" name="Straight Connector 18">
-            <a:extLst>
-              <a:ext uri="{FF2B5EF4-FFF2-40B4-BE49-F238E27FC236}">
-                <a16:creationId xmlns:a16="http://schemas.microsoft.com/office/drawing/2014/main" id="{2C611C8C-257D-436C-B55B-0564CB259C00}"/>
-              </a:ext>
-            </a:extLst>
-          </p:cNvPr>
+          <p:cNvPr id="19" name="Straight Connector 18"/>
           <p:cNvCxnSpPr/>
           <p:nvPr/>
         </p:nvCxnSpPr>
@@ -18575,11 +18686,6 @@
         </p:style>
       </p:cxnSp>
     </p:spTree>
-    <p:extLst>
-      <p:ext uri="{BB962C8B-B14F-4D97-AF65-F5344CB8AC3E}">
-        <p14:creationId xmlns:p14="http://schemas.microsoft.com/office/powerpoint/2010/main" val="3981065388"/>
-      </p:ext>
-    </p:extLst>
   </p:cSld>
   <p:clrMapOvr>
     <a:masterClrMapping/>
@@ -18596,7 +18702,7 @@
     <p:bg>
       <p:bgPr>
         <a:blipFill rotWithShape="0">
-          <a:blip r:embed="rId2"/>
+          <a:blip r:embed="rId1"/>
           <a:stretch>
             <a:fillRect/>
           </a:stretch>
@@ -18665,13 +18771,7 @@
       </p:sp>
       <p:sp>
         <p:nvSpPr>
-          <p:cNvPr id="12" name="Text Box 2">
-            <a:extLst>
-              <a:ext uri="{FF2B5EF4-FFF2-40B4-BE49-F238E27FC236}">
-                <a16:creationId xmlns:a16="http://schemas.microsoft.com/office/drawing/2014/main" id="{ABFF313C-03D5-4E5A-B728-81AD8F10ADEB}"/>
-              </a:ext>
-            </a:extLst>
-          </p:cNvPr>
+          <p:cNvPr id="12" name="Text Box 2"/>
           <p:cNvSpPr txBox="1"/>
           <p:nvPr/>
         </p:nvSpPr>
@@ -18707,18 +18807,17 @@
               </a:rPr>
               <a:t>Filter for NFC intent (optional)</a:t>
             </a:r>
+            <a:endParaRPr lang="en-US" sz="2400" b="1" dirty="0">
+              <a:solidFill>
+                <a:schemeClr val="bg1"/>
+              </a:solidFill>
+            </a:endParaRPr>
           </a:p>
         </p:txBody>
       </p:sp>
       <p:sp>
         <p:nvSpPr>
-          <p:cNvPr id="2" name="Rectangle: Rounded Corners 1">
-            <a:extLst>
-              <a:ext uri="{FF2B5EF4-FFF2-40B4-BE49-F238E27FC236}">
-                <a16:creationId xmlns:a16="http://schemas.microsoft.com/office/drawing/2014/main" id="{4B493B16-E9A6-45D1-BAB0-087288C24834}"/>
-              </a:ext>
-            </a:extLst>
-          </p:cNvPr>
+          <p:cNvPr id="2" name="Rectangle: Rounded Corners 1"/>
           <p:cNvSpPr/>
           <p:nvPr/>
         </p:nvSpPr>
@@ -18753,18 +18852,13 @@
               <a:rPr lang="en-US" sz="2400" dirty="0"/>
               <a:t>Register a filter</a:t>
             </a:r>
+            <a:endParaRPr lang="en-US" sz="2400" dirty="0"/>
           </a:p>
         </p:txBody>
       </p:sp>
       <p:sp>
         <p:nvSpPr>
-          <p:cNvPr id="3" name="Rectangle 1">
-            <a:extLst>
-              <a:ext uri="{FF2B5EF4-FFF2-40B4-BE49-F238E27FC236}">
-                <a16:creationId xmlns:a16="http://schemas.microsoft.com/office/drawing/2014/main" id="{B8229491-2701-434E-81DF-EDA678083175}"/>
-              </a:ext>
-            </a:extLst>
-          </p:cNvPr>
+          <p:cNvPr id="3" name="Rectangle 1"/>
           <p:cNvSpPr>
             <a:spLocks noChangeArrowheads="1"/>
           </p:cNvSpPr>
@@ -18814,9 +18908,6 @@
         </p:spPr>
         <p:txBody>
           <a:bodyPr vert="horz" wrap="none" lIns="91440" tIns="45720" rIns="91440" bIns="45720" numCol="1" anchor="ctr" anchorCtr="0" compatLnSpc="1">
-            <a:prstTxWarp prst="textNoShape">
-              <a:avLst/>
-            </a:prstTxWarp>
             <a:spAutoFit/>
           </a:bodyPr>
           <a:lstStyle>
@@ -18908,7 +18999,6 @@
               <a:buSzTx/>
               <a:buFontTx/>
               <a:buNone/>
-              <a:tabLst/>
             </a:pPr>
             <a:r>
               <a:rPr kumimoji="0" lang="en-US" altLang="en-US" sz="1200" b="0" i="0" u="none" strike="noStrike" cap="none" normalizeH="0" baseline="0">
@@ -18976,13 +19066,7 @@
       </p:sp>
       <p:sp>
         <p:nvSpPr>
-          <p:cNvPr id="9" name="Rectangle: Rounded Corners 8">
-            <a:extLst>
-              <a:ext uri="{FF2B5EF4-FFF2-40B4-BE49-F238E27FC236}">
-                <a16:creationId xmlns:a16="http://schemas.microsoft.com/office/drawing/2014/main" id="{43D618A6-9B83-4B3B-A32D-7093B7657494}"/>
-              </a:ext>
-            </a:extLst>
-          </p:cNvPr>
+          <p:cNvPr id="9" name="Rectangle: Rounded Corners 8"/>
           <p:cNvSpPr/>
           <p:nvPr/>
         </p:nvSpPr>
@@ -19017,24 +19101,20 @@
               <a:rPr lang="en-US" sz="2400" dirty="0"/>
               <a:t>Specify the kind of tech that</a:t>
             </a:r>
+            <a:endParaRPr lang="en-US" sz="2400" dirty="0"/>
           </a:p>
           <a:p>
             <a:r>
               <a:rPr lang="en-US" sz="2400" dirty="0"/>
               <a:t> our application want to handle</a:t>
             </a:r>
+            <a:endParaRPr lang="en-US" sz="2400" dirty="0"/>
           </a:p>
         </p:txBody>
       </p:sp>
       <p:sp>
         <p:nvSpPr>
-          <p:cNvPr id="5" name="Rectangle 2">
-            <a:extLst>
-              <a:ext uri="{FF2B5EF4-FFF2-40B4-BE49-F238E27FC236}">
-                <a16:creationId xmlns:a16="http://schemas.microsoft.com/office/drawing/2014/main" id="{D8F3061E-929E-4EC1-87A5-53B4BAB0A815}"/>
-              </a:ext>
-            </a:extLst>
-          </p:cNvPr>
+          <p:cNvPr id="5" name="Rectangle 2"/>
           <p:cNvSpPr>
             <a:spLocks noChangeArrowheads="1"/>
           </p:cNvSpPr>
@@ -19079,9 +19159,6 @@
         </p:spPr>
         <p:txBody>
           <a:bodyPr vert="horz" wrap="square" lIns="91440" tIns="45720" rIns="91440" bIns="45720" numCol="1" anchor="ctr" anchorCtr="0" compatLnSpc="1">
-            <a:prstTxWarp prst="textNoShape">
-              <a:avLst/>
-            </a:prstTxWarp>
             <a:spAutoFit/>
           </a:bodyPr>
           <a:lstStyle/>
@@ -19100,7 +19177,6 @@
               <a:buSzTx/>
               <a:buFontTx/>
               <a:buNone/>
-              <a:tabLst/>
             </a:pPr>
             <a:r>
               <a:rPr kumimoji="0" lang="en-US" altLang="en-US" sz="2000" b="0" i="0" u="none" strike="noStrike" cap="none" normalizeH="0" baseline="0" dirty="0">
@@ -19463,13 +19539,7 @@
       </p:sp>
       <p:sp>
         <p:nvSpPr>
-          <p:cNvPr id="6" name="Rectangle 3">
-            <a:extLst>
-              <a:ext uri="{FF2B5EF4-FFF2-40B4-BE49-F238E27FC236}">
-                <a16:creationId xmlns:a16="http://schemas.microsoft.com/office/drawing/2014/main" id="{DAB43E06-0BFD-4AC1-B3B6-7A869F72C4D0}"/>
-              </a:ext>
-            </a:extLst>
-          </p:cNvPr>
+          <p:cNvPr id="6" name="Rectangle 3"/>
           <p:cNvSpPr>
             <a:spLocks noChangeArrowheads="1"/>
           </p:cNvSpPr>
@@ -19514,9 +19584,6 @@
         </p:spPr>
         <p:txBody>
           <a:bodyPr vert="horz" wrap="square" lIns="91440" tIns="45720" rIns="91440" bIns="45720" numCol="1" anchor="ctr" anchorCtr="0" compatLnSpc="1">
-            <a:prstTxWarp prst="textNoShape">
-              <a:avLst/>
-            </a:prstTxWarp>
             <a:spAutoFit/>
           </a:bodyPr>
           <a:lstStyle/>
@@ -19535,7 +19602,6 @@
               <a:buSzTx/>
               <a:buFontTx/>
               <a:buNone/>
-              <a:tabLst/>
             </a:pPr>
             <a:r>
               <a:rPr kumimoji="0" lang="en-US" altLang="en-US" sz="1400" b="0" i="0" u="none" strike="noStrike" cap="none" normalizeH="0" baseline="0" dirty="0">
@@ -20035,13 +20101,7 @@
       </p:sp>
       <p:cxnSp>
         <p:nvCxnSpPr>
-          <p:cNvPr id="8" name="Straight Connector 7">
-            <a:extLst>
-              <a:ext uri="{FF2B5EF4-FFF2-40B4-BE49-F238E27FC236}">
-                <a16:creationId xmlns:a16="http://schemas.microsoft.com/office/drawing/2014/main" id="{1171B150-BDA3-4BE6-AF75-130D6C1A301B}"/>
-              </a:ext>
-            </a:extLst>
-          </p:cNvPr>
+          <p:cNvPr id="8" name="Straight Connector 7"/>
           <p:cNvCxnSpPr/>
           <p:nvPr/>
         </p:nvCxnSpPr>
@@ -20070,11 +20130,6 @@
         </p:style>
       </p:cxnSp>
     </p:spTree>
-    <p:extLst>
-      <p:ext uri="{BB962C8B-B14F-4D97-AF65-F5344CB8AC3E}">
-        <p14:creationId xmlns:p14="http://schemas.microsoft.com/office/powerpoint/2010/main" val="2663998612"/>
-      </p:ext>
-    </p:extLst>
   </p:cSld>
   <p:clrMapOvr>
     <a:masterClrMapping/>
@@ -20091,7 +20146,7 @@
     <p:bg>
       <p:bgPr>
         <a:blipFill rotWithShape="0">
-          <a:blip r:embed="rId2"/>
+          <a:blip r:embed="rId1"/>
           <a:stretch>
             <a:fillRect/>
           </a:stretch>
@@ -20160,13 +20215,7 @@
       </p:sp>
       <p:sp>
         <p:nvSpPr>
-          <p:cNvPr id="12" name="Text Box 2">
-            <a:extLst>
-              <a:ext uri="{FF2B5EF4-FFF2-40B4-BE49-F238E27FC236}">
-                <a16:creationId xmlns:a16="http://schemas.microsoft.com/office/drawing/2014/main" id="{ABFF313C-03D5-4E5A-B728-81AD8F10ADEB}"/>
-              </a:ext>
-            </a:extLst>
-          </p:cNvPr>
+          <p:cNvPr id="12" name="Text Box 2"/>
           <p:cNvSpPr txBox="1"/>
           <p:nvPr/>
         </p:nvSpPr>
@@ -20194,18 +20243,17 @@
               </a:rPr>
               <a:t>3. Implement NFC Adapter</a:t>
             </a:r>
+            <a:endParaRPr lang="en-US" sz="2200" b="1" dirty="0">
+              <a:solidFill>
+                <a:schemeClr val="bg1"/>
+              </a:solidFill>
+            </a:endParaRPr>
           </a:p>
         </p:txBody>
       </p:sp>
       <p:sp>
         <p:nvSpPr>
-          <p:cNvPr id="2" name="Rectangle: Rounded Corners 1">
-            <a:extLst>
-              <a:ext uri="{FF2B5EF4-FFF2-40B4-BE49-F238E27FC236}">
-                <a16:creationId xmlns:a16="http://schemas.microsoft.com/office/drawing/2014/main" id="{4B493B16-E9A6-45D1-BAB0-087288C24834}"/>
-              </a:ext>
-            </a:extLst>
-          </p:cNvPr>
+          <p:cNvPr id="2" name="Rectangle: Rounded Corners 1"/>
           <p:cNvSpPr/>
           <p:nvPr/>
         </p:nvSpPr>
@@ -20250,13 +20298,7 @@
       </p:sp>
       <p:sp>
         <p:nvSpPr>
-          <p:cNvPr id="3" name="Rectangle 1">
-            <a:extLst>
-              <a:ext uri="{FF2B5EF4-FFF2-40B4-BE49-F238E27FC236}">
-                <a16:creationId xmlns:a16="http://schemas.microsoft.com/office/drawing/2014/main" id="{B8229491-2701-434E-81DF-EDA678083175}"/>
-              </a:ext>
-            </a:extLst>
-          </p:cNvPr>
+          <p:cNvPr id="3" name="Rectangle 1"/>
           <p:cNvSpPr>
             <a:spLocks noChangeArrowheads="1"/>
           </p:cNvSpPr>
@@ -20306,9 +20348,6 @@
         </p:spPr>
         <p:txBody>
           <a:bodyPr vert="horz" wrap="none" lIns="91440" tIns="45720" rIns="91440" bIns="45720" numCol="1" anchor="ctr" anchorCtr="0" compatLnSpc="1">
-            <a:prstTxWarp prst="textNoShape">
-              <a:avLst/>
-            </a:prstTxWarp>
             <a:spAutoFit/>
           </a:bodyPr>
           <a:lstStyle>
@@ -20400,7 +20439,6 @@
               <a:buSzTx/>
               <a:buFontTx/>
               <a:buNone/>
-              <a:tabLst/>
             </a:pPr>
             <a:r>
               <a:rPr kumimoji="0" lang="en-US" altLang="en-US" sz="1200" b="0" i="0" u="none" strike="noStrike" cap="none" normalizeH="0" baseline="0">
@@ -20468,13 +20506,7 @@
       </p:sp>
       <p:sp>
         <p:nvSpPr>
-          <p:cNvPr id="9" name="Rectangle: Rounded Corners 8">
-            <a:extLst>
-              <a:ext uri="{FF2B5EF4-FFF2-40B4-BE49-F238E27FC236}">
-                <a16:creationId xmlns:a16="http://schemas.microsoft.com/office/drawing/2014/main" id="{43D618A6-9B83-4B3B-A32D-7093B7657494}"/>
-              </a:ext>
-            </a:extLst>
-          </p:cNvPr>
+          <p:cNvPr id="9" name="Rectangle: Rounded Corners 8"/>
           <p:cNvSpPr/>
           <p:nvPr/>
         </p:nvSpPr>
@@ -20509,18 +20541,13 @@
               <a:rPr lang="en-US" sz="2400" dirty="0"/>
               <a:t>Enable adapter Reader mode</a:t>
             </a:r>
+            <a:endParaRPr lang="en-US" sz="2400" dirty="0"/>
           </a:p>
         </p:txBody>
       </p:sp>
       <p:sp>
         <p:nvSpPr>
-          <p:cNvPr id="4" name="Rectangle 1">
-            <a:extLst>
-              <a:ext uri="{FF2B5EF4-FFF2-40B4-BE49-F238E27FC236}">
-                <a16:creationId xmlns:a16="http://schemas.microsoft.com/office/drawing/2014/main" id="{4E7E8B3D-3BAC-4290-A6E2-EA4D09CAAF90}"/>
-              </a:ext>
-            </a:extLst>
-          </p:cNvPr>
+          <p:cNvPr id="4" name="Rectangle 1"/>
           <p:cNvSpPr>
             <a:spLocks noChangeArrowheads="1"/>
           </p:cNvSpPr>
@@ -20565,9 +20592,6 @@
         </p:spPr>
         <p:txBody>
           <a:bodyPr vert="horz" wrap="square" lIns="91440" tIns="45720" rIns="91440" bIns="45720" numCol="1" anchor="ctr" anchorCtr="0" compatLnSpc="1">
-            <a:prstTxWarp prst="textNoShape">
-              <a:avLst/>
-            </a:prstTxWarp>
             <a:spAutoFit/>
           </a:bodyPr>
           <a:lstStyle/>
@@ -20586,7 +20610,6 @@
               <a:buSzTx/>
               <a:buFontTx/>
               <a:buNone/>
-              <a:tabLst/>
             </a:pPr>
             <a:r>
               <a:rPr kumimoji="0" lang="en-US" altLang="en-US" b="0" i="0" u="none" strike="noStrike" cap="none" normalizeH="0" baseline="0">
@@ -20655,13 +20678,7 @@
       </p:sp>
       <p:cxnSp>
         <p:nvCxnSpPr>
-          <p:cNvPr id="6" name="Straight Connector 5">
-            <a:extLst>
-              <a:ext uri="{FF2B5EF4-FFF2-40B4-BE49-F238E27FC236}">
-                <a16:creationId xmlns:a16="http://schemas.microsoft.com/office/drawing/2014/main" id="{0B357080-0C15-447C-9ECC-422757AD8F7D}"/>
-              </a:ext>
-            </a:extLst>
-          </p:cNvPr>
+          <p:cNvPr id="6" name="Straight Connector 5"/>
           <p:cNvCxnSpPr/>
           <p:nvPr/>
         </p:nvCxnSpPr>
@@ -20691,13 +20708,7 @@
       </p:cxnSp>
       <p:sp>
         <p:nvSpPr>
-          <p:cNvPr id="7" name="Rectangle 2">
-            <a:extLst>
-              <a:ext uri="{FF2B5EF4-FFF2-40B4-BE49-F238E27FC236}">
-                <a16:creationId xmlns:a16="http://schemas.microsoft.com/office/drawing/2014/main" id="{14E3AD48-50F3-411B-AF1A-B13596BC50D9}"/>
-              </a:ext>
-            </a:extLst>
-          </p:cNvPr>
+          <p:cNvPr id="7" name="Rectangle 2"/>
           <p:cNvSpPr>
             <a:spLocks noChangeArrowheads="1"/>
           </p:cNvSpPr>
@@ -20742,9 +20753,6 @@
         </p:spPr>
         <p:txBody>
           <a:bodyPr vert="horz" wrap="square" lIns="91440" tIns="45720" rIns="91440" bIns="45720" numCol="1" anchor="ctr" anchorCtr="0" compatLnSpc="1">
-            <a:prstTxWarp prst="textNoShape">
-              <a:avLst/>
-            </a:prstTxWarp>
             <a:spAutoFit/>
           </a:bodyPr>
           <a:lstStyle/>
@@ -20763,7 +20771,6 @@
               <a:buSzTx/>
               <a:buFontTx/>
               <a:buNone/>
-              <a:tabLst/>
             </a:pPr>
             <a:r>
               <a:rPr kumimoji="0" lang="en-US" altLang="en-US" b="0" i="0" u="none" strike="noStrike" cap="none" normalizeH="0" baseline="0" dirty="0" err="1">
@@ -20999,13 +21006,7 @@
       </p:sp>
       <p:cxnSp>
         <p:nvCxnSpPr>
-          <p:cNvPr id="13" name="Straight Connector 12">
-            <a:extLst>
-              <a:ext uri="{FF2B5EF4-FFF2-40B4-BE49-F238E27FC236}">
-                <a16:creationId xmlns:a16="http://schemas.microsoft.com/office/drawing/2014/main" id="{5AC63978-7DE8-45D8-B995-9BF4A4BCADEB}"/>
-              </a:ext>
-            </a:extLst>
-          </p:cNvPr>
+          <p:cNvPr id="13" name="Straight Connector 12"/>
           <p:cNvCxnSpPr/>
           <p:nvPr/>
         </p:nvCxnSpPr>
@@ -21035,13 +21036,7 @@
       </p:cxnSp>
       <p:sp>
         <p:nvSpPr>
-          <p:cNvPr id="14" name="Rectangle: Rounded Corners 13">
-            <a:extLst>
-              <a:ext uri="{FF2B5EF4-FFF2-40B4-BE49-F238E27FC236}">
-                <a16:creationId xmlns:a16="http://schemas.microsoft.com/office/drawing/2014/main" id="{0116FCA5-2CF7-471D-AEBA-74725B2188AD}"/>
-              </a:ext>
-            </a:extLst>
-          </p:cNvPr>
+          <p:cNvPr id="14" name="Rectangle: Rounded Corners 13"/>
           <p:cNvSpPr/>
           <p:nvPr/>
         </p:nvSpPr>
@@ -21076,18 +21071,13 @@
               <a:rPr lang="en-US" sz="2400" dirty="0"/>
               <a:t>Implement Reader callback</a:t>
             </a:r>
+            <a:endParaRPr lang="en-US" sz="2400" dirty="0"/>
           </a:p>
         </p:txBody>
       </p:sp>
       <p:sp>
         <p:nvSpPr>
-          <p:cNvPr id="8" name="Rectangle 3">
-            <a:extLst>
-              <a:ext uri="{FF2B5EF4-FFF2-40B4-BE49-F238E27FC236}">
-                <a16:creationId xmlns:a16="http://schemas.microsoft.com/office/drawing/2014/main" id="{022DA902-B6A5-47C3-A152-1CAC16F34A30}"/>
-              </a:ext>
-            </a:extLst>
-          </p:cNvPr>
+          <p:cNvPr id="8" name="Rectangle 3"/>
           <p:cNvSpPr>
             <a:spLocks noChangeArrowheads="1"/>
           </p:cNvSpPr>
@@ -21132,9 +21122,6 @@
         </p:spPr>
         <p:txBody>
           <a:bodyPr vert="horz" wrap="square" lIns="91440" tIns="45720" rIns="91440" bIns="45720" numCol="1" anchor="ctr" anchorCtr="0" compatLnSpc="1">
-            <a:prstTxWarp prst="textNoShape">
-              <a:avLst/>
-            </a:prstTxWarp>
             <a:spAutoFit/>
           </a:bodyPr>
           <a:lstStyle/>
@@ -21153,7 +21140,6 @@
               <a:buSzTx/>
               <a:buFontTx/>
               <a:buNone/>
-              <a:tabLst/>
             </a:pPr>
             <a:r>
               <a:rPr kumimoji="0" lang="en-US" altLang="en-US" b="0" i="0" u="none" strike="noStrike" cap="none" normalizeH="0" baseline="0">
@@ -21383,11 +21369,6 @@
         </p:txBody>
       </p:sp>
     </p:spTree>
-    <p:extLst>
-      <p:ext uri="{BB962C8B-B14F-4D97-AF65-F5344CB8AC3E}">
-        <p14:creationId xmlns:p14="http://schemas.microsoft.com/office/powerpoint/2010/main" val="1320600414"/>
-      </p:ext>
-    </p:extLst>
   </p:cSld>
   <p:clrMapOvr>
     <a:masterClrMapping/>
@@ -21404,7 +21385,7 @@
     <p:bg>
       <p:bgPr>
         <a:blipFill rotWithShape="0">
-          <a:blip r:embed="rId2"/>
+          <a:blip r:embed="rId1"/>
           <a:stretch>
             <a:fillRect/>
           </a:stretch>
@@ -21473,13 +21454,7 @@
       </p:sp>
       <p:sp>
         <p:nvSpPr>
-          <p:cNvPr id="12" name="Text Box 2">
-            <a:extLst>
-              <a:ext uri="{FF2B5EF4-FFF2-40B4-BE49-F238E27FC236}">
-                <a16:creationId xmlns:a16="http://schemas.microsoft.com/office/drawing/2014/main" id="{ABFF313C-03D5-4E5A-B728-81AD8F10ADEB}"/>
-              </a:ext>
-            </a:extLst>
-          </p:cNvPr>
+          <p:cNvPr id="12" name="Text Box 2"/>
           <p:cNvSpPr txBox="1"/>
           <p:nvPr/>
         </p:nvSpPr>
@@ -21507,18 +21482,17 @@
               </a:rPr>
               <a:t>4. Process the APDU command to read Card data </a:t>
             </a:r>
+            <a:endParaRPr lang="en-US" sz="2200" b="1" dirty="0">
+              <a:solidFill>
+                <a:schemeClr val="bg1"/>
+              </a:solidFill>
+            </a:endParaRPr>
           </a:p>
         </p:txBody>
       </p:sp>
       <p:sp>
         <p:nvSpPr>
-          <p:cNvPr id="2" name="Rectangle: Rounded Corners 1">
-            <a:extLst>
-              <a:ext uri="{FF2B5EF4-FFF2-40B4-BE49-F238E27FC236}">
-                <a16:creationId xmlns:a16="http://schemas.microsoft.com/office/drawing/2014/main" id="{4B493B16-E9A6-45D1-BAB0-087288C24834}"/>
-              </a:ext>
-            </a:extLst>
-          </p:cNvPr>
+          <p:cNvPr id="2" name="Rectangle: Rounded Corners 1"/>
           <p:cNvSpPr/>
           <p:nvPr/>
         </p:nvSpPr>
@@ -21561,18 +21535,13 @@
               <a:rPr lang="en-US" sz="2400" dirty="0"/>
               <a:t> commands</a:t>
             </a:r>
+            <a:endParaRPr lang="en-US" sz="2400" dirty="0"/>
           </a:p>
         </p:txBody>
       </p:sp>
       <p:sp>
         <p:nvSpPr>
-          <p:cNvPr id="3" name="Rectangle 1">
-            <a:extLst>
-              <a:ext uri="{FF2B5EF4-FFF2-40B4-BE49-F238E27FC236}">
-                <a16:creationId xmlns:a16="http://schemas.microsoft.com/office/drawing/2014/main" id="{B8229491-2701-434E-81DF-EDA678083175}"/>
-              </a:ext>
-            </a:extLst>
-          </p:cNvPr>
+          <p:cNvPr id="3" name="Rectangle 1"/>
           <p:cNvSpPr>
             <a:spLocks noChangeArrowheads="1"/>
           </p:cNvSpPr>
@@ -21622,9 +21591,6 @@
         </p:spPr>
         <p:txBody>
           <a:bodyPr vert="horz" wrap="none" lIns="91440" tIns="45720" rIns="91440" bIns="45720" numCol="1" anchor="ctr" anchorCtr="0" compatLnSpc="1">
-            <a:prstTxWarp prst="textNoShape">
-              <a:avLst/>
-            </a:prstTxWarp>
             <a:spAutoFit/>
           </a:bodyPr>
           <a:lstStyle>
@@ -21716,7 +21682,6 @@
               <a:buSzTx/>
               <a:buFontTx/>
               <a:buNone/>
-              <a:tabLst/>
             </a:pPr>
             <a:r>
               <a:rPr kumimoji="0" lang="en-US" altLang="en-US" sz="1200" b="0" i="0" u="none" strike="noStrike" cap="none" normalizeH="0" baseline="0">
@@ -21784,13 +21749,7 @@
       </p:sp>
       <p:sp>
         <p:nvSpPr>
-          <p:cNvPr id="9" name="Rectangle: Rounded Corners 8">
-            <a:extLst>
-              <a:ext uri="{FF2B5EF4-FFF2-40B4-BE49-F238E27FC236}">
-                <a16:creationId xmlns:a16="http://schemas.microsoft.com/office/drawing/2014/main" id="{43D618A6-9B83-4B3B-A32D-7093B7657494}"/>
-              </a:ext>
-            </a:extLst>
-          </p:cNvPr>
+          <p:cNvPr id="9" name="Rectangle: Rounded Corners 8"/>
           <p:cNvSpPr/>
           <p:nvPr/>
         </p:nvSpPr>
@@ -21825,18 +21784,13 @@
               <a:rPr lang="en-US" sz="2400" dirty="0"/>
               <a:t>Executes the commands</a:t>
             </a:r>
+            <a:endParaRPr lang="en-US" sz="2400" dirty="0"/>
           </a:p>
         </p:txBody>
       </p:sp>
       <p:cxnSp>
         <p:nvCxnSpPr>
-          <p:cNvPr id="6" name="Straight Connector 5">
-            <a:extLst>
-              <a:ext uri="{FF2B5EF4-FFF2-40B4-BE49-F238E27FC236}">
-                <a16:creationId xmlns:a16="http://schemas.microsoft.com/office/drawing/2014/main" id="{0B357080-0C15-447C-9ECC-422757AD8F7D}"/>
-              </a:ext>
-            </a:extLst>
-          </p:cNvPr>
+          <p:cNvPr id="6" name="Straight Connector 5"/>
           <p:cNvCxnSpPr/>
           <p:nvPr/>
         </p:nvCxnSpPr>
@@ -21866,13 +21820,7 @@
       </p:cxnSp>
       <p:sp>
         <p:nvSpPr>
-          <p:cNvPr id="5" name="Rectangle 1">
-            <a:extLst>
-              <a:ext uri="{FF2B5EF4-FFF2-40B4-BE49-F238E27FC236}">
-                <a16:creationId xmlns:a16="http://schemas.microsoft.com/office/drawing/2014/main" id="{9F575315-7CA2-4BC8-A185-45EBD6E0F5F9}"/>
-              </a:ext>
-            </a:extLst>
-          </p:cNvPr>
+          <p:cNvPr id="5" name="Rectangle 1"/>
           <p:cNvSpPr>
             <a:spLocks noChangeArrowheads="1"/>
           </p:cNvSpPr>
@@ -21917,9 +21865,6 @@
         </p:spPr>
         <p:txBody>
           <a:bodyPr vert="horz" wrap="square" lIns="91440" tIns="45720" rIns="91440" bIns="45720" numCol="1" anchor="ctr" anchorCtr="0" compatLnSpc="1">
-            <a:prstTxWarp prst="textNoShape">
-              <a:avLst/>
-            </a:prstTxWarp>
             <a:spAutoFit/>
           </a:bodyPr>
           <a:lstStyle/>
@@ -21938,7 +21883,6 @@
               <a:buSzTx/>
               <a:buFontTx/>
               <a:buNone/>
-              <a:tabLst/>
             </a:pPr>
             <a:r>
               <a:rPr kumimoji="0" lang="en-US" altLang="en-US" b="0" i="0" u="none" strike="noStrike" cap="none" normalizeH="0" baseline="0" dirty="0" err="1">
@@ -22379,13 +22323,7 @@
       </p:sp>
       <p:sp>
         <p:nvSpPr>
-          <p:cNvPr id="8" name="Rectangle 2">
-            <a:extLst>
-              <a:ext uri="{FF2B5EF4-FFF2-40B4-BE49-F238E27FC236}">
-                <a16:creationId xmlns:a16="http://schemas.microsoft.com/office/drawing/2014/main" id="{581F2A8F-84F1-4E5F-A37E-627FB065B3D3}"/>
-              </a:ext>
-            </a:extLst>
-          </p:cNvPr>
+          <p:cNvPr id="8" name="Rectangle 2"/>
           <p:cNvSpPr>
             <a:spLocks noChangeArrowheads="1"/>
           </p:cNvSpPr>
@@ -22430,9 +22368,6 @@
         </p:spPr>
         <p:txBody>
           <a:bodyPr vert="horz" wrap="square" lIns="91440" tIns="45720" rIns="91440" bIns="45720" numCol="1" anchor="ctr" anchorCtr="0" compatLnSpc="1">
-            <a:prstTxWarp prst="textNoShape">
-              <a:avLst/>
-            </a:prstTxWarp>
             <a:spAutoFit/>
           </a:bodyPr>
           <a:lstStyle/>
@@ -22451,7 +22386,6 @@
               <a:buSzTx/>
               <a:buFontTx/>
               <a:buNone/>
-              <a:tabLst/>
             </a:pPr>
             <a:r>
               <a:rPr kumimoji="0" lang="en-US" altLang="en-US" b="0" i="0" u="none" strike="noStrike" cap="none" normalizeH="0" baseline="0" dirty="0">
@@ -22764,11 +22698,6 @@
         </p:txBody>
       </p:sp>
     </p:spTree>
-    <p:extLst>
-      <p:ext uri="{BB962C8B-B14F-4D97-AF65-F5344CB8AC3E}">
-        <p14:creationId xmlns:p14="http://schemas.microsoft.com/office/powerpoint/2010/main" val="452447047"/>
-      </p:ext>
-    </p:extLst>
   </p:cSld>
   <p:clrMapOvr>
     <a:masterClrMapping/>
@@ -22785,7 +22714,7 @@
     <p:bg>
       <p:bgPr>
         <a:blipFill rotWithShape="0">
-          <a:blip r:embed="rId2"/>
+          <a:blip r:embed="rId1"/>
           <a:stretch>
             <a:fillRect/>
           </a:stretch>
@@ -23467,6 +23396,13 @@
                 </a:rPr>
                 <a:t>NFC Protocol (APDU)</a:t>
               </a:r>
+              <a:endParaRPr lang="en-US" altLang="zh-CN" sz="2400" b="1" dirty="0">
+                <a:solidFill>
+                  <a:schemeClr val="bg1"/>
+                </a:solidFill>
+                <a:latin typeface="Microsoft YaHei" panose="020B0503020204020204" pitchFamily="34" charset="-122"/>
+                <a:ea typeface="Microsoft YaHei" panose="020B0503020204020204" pitchFamily="34" charset="-122"/>
+              </a:endParaRPr>
             </a:p>
           </p:txBody>
         </p:sp>
@@ -23881,6 +23817,13 @@
                 </a:rPr>
                 <a:t>Read an NFC Card</a:t>
               </a:r>
+              <a:endParaRPr lang="en-US" altLang="zh-CN" sz="2400" b="1" dirty="0">
+                <a:solidFill>
+                  <a:schemeClr val="bg1"/>
+                </a:solidFill>
+                <a:latin typeface="Microsoft YaHei" panose="020B0503020204020204" pitchFamily="34" charset="-122"/>
+                <a:ea typeface="Microsoft YaHei" panose="020B0503020204020204" pitchFamily="34" charset="-122"/>
+              </a:endParaRPr>
             </a:p>
           </p:txBody>
         </p:sp>
@@ -24293,6 +24236,13 @@
                 </a:rPr>
                 <a:t>Simulate an NFC Card</a:t>
               </a:r>
+              <a:endParaRPr lang="en-US" altLang="zh-CN" sz="2400" b="1" dirty="0">
+                <a:solidFill>
+                  <a:schemeClr val="bg1"/>
+                </a:solidFill>
+                <a:latin typeface="Microsoft YaHei" panose="020B0503020204020204" pitchFamily="34" charset="-122"/>
+                <a:ea typeface="Microsoft YaHei" panose="020B0503020204020204" pitchFamily="34" charset="-122"/>
+              </a:endParaRPr>
             </a:p>
           </p:txBody>
         </p:sp>
@@ -24719,11 +24669,6 @@
         </p:txBody>
       </p:sp>
     </p:spTree>
-    <p:extLst>
-      <p:ext uri="{BB962C8B-B14F-4D97-AF65-F5344CB8AC3E}">
-        <p14:creationId xmlns:p14="http://schemas.microsoft.com/office/powerpoint/2010/main" val="3373105297"/>
-      </p:ext>
-    </p:extLst>
   </p:cSld>
   <p:clrMapOvr>
     <a:masterClrMapping/>
@@ -24740,7 +24685,7 @@
     <p:bg>
       <p:bgPr>
         <a:blipFill rotWithShape="0">
-          <a:blip r:embed="rId2"/>
+          <a:blip r:embed="rId1"/>
           <a:stretch>
             <a:fillRect/>
           </a:stretch>
@@ -24764,13 +24709,7 @@
       </p:grpSpPr>
       <p:sp>
         <p:nvSpPr>
-          <p:cNvPr id="2" name="Rectangle: Rounded Corners 1">
-            <a:extLst>
-              <a:ext uri="{FF2B5EF4-FFF2-40B4-BE49-F238E27FC236}">
-                <a16:creationId xmlns:a16="http://schemas.microsoft.com/office/drawing/2014/main" id="{4B493B16-E9A6-45D1-BAB0-087288C24834}"/>
-              </a:ext>
-            </a:extLst>
-          </p:cNvPr>
+          <p:cNvPr id="2" name="Rectangle: Rounded Corners 1"/>
           <p:cNvSpPr/>
           <p:nvPr/>
         </p:nvSpPr>
@@ -24805,18 +24744,13 @@
               <a:rPr lang="en-US" sz="2400" dirty="0"/>
               <a:t>1/ Host-base card Emulation</a:t>
             </a:r>
+            <a:endParaRPr lang="en-US" sz="2400" dirty="0"/>
           </a:p>
         </p:txBody>
       </p:sp>
       <p:sp>
         <p:nvSpPr>
-          <p:cNvPr id="6" name="Rectangle: Rounded Corners 5">
-            <a:extLst>
-              <a:ext uri="{FF2B5EF4-FFF2-40B4-BE49-F238E27FC236}">
-                <a16:creationId xmlns:a16="http://schemas.microsoft.com/office/drawing/2014/main" id="{5CA28ABC-00AD-4C34-BF27-DF5D0C9C8A21}"/>
-              </a:ext>
-            </a:extLst>
-          </p:cNvPr>
+          <p:cNvPr id="6" name="Rectangle: Rounded Corners 5"/>
           <p:cNvSpPr/>
           <p:nvPr/>
         </p:nvSpPr>
@@ -24851,18 +24785,13 @@
               <a:rPr lang="en-US" sz="2400" dirty="0"/>
               <a:t>2/ Build a Smartcard simulator</a:t>
             </a:r>
+            <a:endParaRPr lang="en-US" sz="2400" dirty="0"/>
           </a:p>
         </p:txBody>
       </p:sp>
       <p:sp>
         <p:nvSpPr>
-          <p:cNvPr id="13" name="文本框 1">
-            <a:extLst>
-              <a:ext uri="{FF2B5EF4-FFF2-40B4-BE49-F238E27FC236}">
-                <a16:creationId xmlns:a16="http://schemas.microsoft.com/office/drawing/2014/main" id="{3EEEEE29-BF1B-4492-A8EB-E88969A71974}"/>
-              </a:ext>
-            </a:extLst>
-          </p:cNvPr>
+          <p:cNvPr id="13" name="文本框 1"/>
           <p:cNvSpPr txBox="1"/>
           <p:nvPr/>
         </p:nvSpPr>
@@ -24906,11 +24835,6 @@
         </p:txBody>
       </p:sp>
     </p:spTree>
-    <p:extLst>
-      <p:ext uri="{BB962C8B-B14F-4D97-AF65-F5344CB8AC3E}">
-        <p14:creationId xmlns:p14="http://schemas.microsoft.com/office/powerpoint/2010/main" val="1668190524"/>
-      </p:ext>
-    </p:extLst>
   </p:cSld>
   <p:clrMapOvr>
     <a:masterClrMapping/>
@@ -24927,7 +24851,7 @@
     <p:bg>
       <p:bgPr>
         <a:blipFill rotWithShape="0">
-          <a:blip r:embed="rId2"/>
+          <a:blip r:embed="rId1"/>
           <a:stretch>
             <a:fillRect/>
           </a:stretch>
@@ -24951,13 +24875,7 @@
       </p:grpSpPr>
       <p:sp>
         <p:nvSpPr>
-          <p:cNvPr id="2" name="Rectangle: Rounded Corners 1">
-            <a:extLst>
-              <a:ext uri="{FF2B5EF4-FFF2-40B4-BE49-F238E27FC236}">
-                <a16:creationId xmlns:a16="http://schemas.microsoft.com/office/drawing/2014/main" id="{4B493B16-E9A6-45D1-BAB0-087288C24834}"/>
-              </a:ext>
-            </a:extLst>
-          </p:cNvPr>
+          <p:cNvPr id="2" name="Rectangle: Rounded Corners 1"/>
           <p:cNvSpPr/>
           <p:nvPr/>
         </p:nvSpPr>
@@ -24998,18 +24916,18 @@
               </a:rPr>
               <a:t>Card emulation with a secure element</a:t>
             </a:r>
+            <a:endParaRPr lang="en-US" sz="2400" i="0" dirty="0">
+              <a:solidFill>
+                <a:schemeClr val="bg1"/>
+              </a:solidFill>
+              <a:effectLst/>
+            </a:endParaRPr>
           </a:p>
         </p:txBody>
       </p:sp>
       <p:sp>
         <p:nvSpPr>
-          <p:cNvPr id="6" name="Rectangle: Rounded Corners 5">
-            <a:extLst>
-              <a:ext uri="{FF2B5EF4-FFF2-40B4-BE49-F238E27FC236}">
-                <a16:creationId xmlns:a16="http://schemas.microsoft.com/office/drawing/2014/main" id="{5CA28ABC-00AD-4C34-BF27-DF5D0C9C8A21}"/>
-              </a:ext>
-            </a:extLst>
-          </p:cNvPr>
+          <p:cNvPr id="6" name="Rectangle: Rounded Corners 5"/>
           <p:cNvSpPr/>
           <p:nvPr/>
         </p:nvSpPr>
@@ -25050,18 +24968,18 @@
               </a:rPr>
               <a:t>Host-based card emulation</a:t>
             </a:r>
+            <a:endParaRPr lang="en-US" sz="2400" i="0" dirty="0">
+              <a:solidFill>
+                <a:schemeClr val="bg1"/>
+              </a:solidFill>
+              <a:effectLst/>
+            </a:endParaRPr>
           </a:p>
         </p:txBody>
       </p:sp>
       <p:sp>
         <p:nvSpPr>
-          <p:cNvPr id="13" name="文本框 1">
-            <a:extLst>
-              <a:ext uri="{FF2B5EF4-FFF2-40B4-BE49-F238E27FC236}">
-                <a16:creationId xmlns:a16="http://schemas.microsoft.com/office/drawing/2014/main" id="{3EEEEE29-BF1B-4492-A8EB-E88969A71974}"/>
-              </a:ext>
-            </a:extLst>
-          </p:cNvPr>
+          <p:cNvPr id="13" name="文本框 1"/>
           <p:cNvSpPr txBox="1"/>
           <p:nvPr/>
         </p:nvSpPr>
@@ -25106,13 +25024,7 @@
       </p:sp>
       <p:sp>
         <p:nvSpPr>
-          <p:cNvPr id="5" name="Text Box 2">
-            <a:extLst>
-              <a:ext uri="{FF2B5EF4-FFF2-40B4-BE49-F238E27FC236}">
-                <a16:creationId xmlns:a16="http://schemas.microsoft.com/office/drawing/2014/main" id="{8AA4AA21-68C0-4375-A7C1-7397AFFBA8E5}"/>
-              </a:ext>
-            </a:extLst>
-          </p:cNvPr>
+          <p:cNvPr id="5" name="Text Box 2"/>
           <p:cNvSpPr txBox="1"/>
           <p:nvPr/>
         </p:nvSpPr>
@@ -25140,18 +25052,17 @@
               </a:rPr>
               <a:t>1. Host-base card Emulation</a:t>
             </a:r>
+            <a:endParaRPr lang="en-US" sz="2200" b="1" dirty="0">
+              <a:solidFill>
+                <a:schemeClr val="bg1"/>
+              </a:solidFill>
+            </a:endParaRPr>
           </a:p>
         </p:txBody>
       </p:sp>
       <p:cxnSp>
         <p:nvCxnSpPr>
-          <p:cNvPr id="9" name="Straight Connector 8">
-            <a:extLst>
-              <a:ext uri="{FF2B5EF4-FFF2-40B4-BE49-F238E27FC236}">
-                <a16:creationId xmlns:a16="http://schemas.microsoft.com/office/drawing/2014/main" id="{2B86D29C-6572-4B71-9BAD-79887F6434DD}"/>
-              </a:ext>
-            </a:extLst>
-          </p:cNvPr>
+          <p:cNvPr id="9" name="Straight Connector 8"/>
           <p:cNvCxnSpPr/>
           <p:nvPr/>
         </p:nvCxnSpPr>
@@ -25181,20 +25092,14 @@
       </p:cxnSp>
       <p:pic>
         <p:nvPicPr>
-          <p:cNvPr id="11" name="Picture 10">
-            <a:extLst>
-              <a:ext uri="{FF2B5EF4-FFF2-40B4-BE49-F238E27FC236}">
-                <a16:creationId xmlns:a16="http://schemas.microsoft.com/office/drawing/2014/main" id="{83EA11BF-4195-4C2F-8EC7-64CC5A8BF5AF}"/>
-              </a:ext>
-            </a:extLst>
-          </p:cNvPr>
+          <p:cNvPr id="11" name="Picture 10"/>
           <p:cNvPicPr>
             <a:picLocks noChangeAspect="1"/>
           </p:cNvPicPr>
           <p:nvPr/>
         </p:nvPicPr>
         <p:blipFill>
-          <a:blip r:embed="rId3"/>
+          <a:blip r:embed="rId2"/>
           <a:stretch>
             <a:fillRect/>
           </a:stretch>
@@ -25211,20 +25116,14 @@
       </p:pic>
       <p:pic>
         <p:nvPicPr>
-          <p:cNvPr id="14" name="Picture 13">
-            <a:extLst>
-              <a:ext uri="{FF2B5EF4-FFF2-40B4-BE49-F238E27FC236}">
-                <a16:creationId xmlns:a16="http://schemas.microsoft.com/office/drawing/2014/main" id="{10A303C4-C2E6-4C86-BA69-3C2E2C88CAF4}"/>
-              </a:ext>
-            </a:extLst>
-          </p:cNvPr>
+          <p:cNvPr id="14" name="Picture 13"/>
           <p:cNvPicPr>
             <a:picLocks noChangeAspect="1"/>
           </p:cNvPicPr>
           <p:nvPr/>
         </p:nvPicPr>
         <p:blipFill>
-          <a:blip r:embed="rId4"/>
+          <a:blip r:embed="rId3"/>
           <a:stretch>
             <a:fillRect/>
           </a:stretch>
@@ -25241,13 +25140,7 @@
       </p:pic>
       <p:sp>
         <p:nvSpPr>
-          <p:cNvPr id="16" name="TextBox 15">
-            <a:extLst>
-              <a:ext uri="{FF2B5EF4-FFF2-40B4-BE49-F238E27FC236}">
-                <a16:creationId xmlns:a16="http://schemas.microsoft.com/office/drawing/2014/main" id="{6C87C937-251D-4C31-BCEC-EFFD5EC2A716}"/>
-              </a:ext>
-            </a:extLst>
-          </p:cNvPr>
+          <p:cNvPr id="16" name="TextBox 15"/>
           <p:cNvSpPr txBox="1"/>
           <p:nvPr/>
         </p:nvSpPr>
@@ -25273,7 +25166,7 @@
                   <a:schemeClr val="bg1"/>
                 </a:solidFill>
                 <a:effectLst/>
-                <a:latin typeface="Roboto" panose="02000000000000000000" pitchFamily="2" charset="0"/>
+                <a:latin typeface="Roboto" panose="020B0604020202020204" pitchFamily="2" charset="0"/>
               </a:rPr>
               <a:t>data is routed directly to the secure element</a:t>
             </a:r>
@@ -25287,13 +25180,7 @@
       </p:sp>
       <p:sp>
         <p:nvSpPr>
-          <p:cNvPr id="18" name="TextBox 17">
-            <a:extLst>
-              <a:ext uri="{FF2B5EF4-FFF2-40B4-BE49-F238E27FC236}">
-                <a16:creationId xmlns:a16="http://schemas.microsoft.com/office/drawing/2014/main" id="{BEA64FD3-6CAF-45C4-9D23-397BB80270F2}"/>
-              </a:ext>
-            </a:extLst>
-          </p:cNvPr>
+          <p:cNvPr id="18" name="TextBox 17"/>
           <p:cNvSpPr txBox="1"/>
           <p:nvPr/>
         </p:nvSpPr>
@@ -25319,7 +25206,7 @@
                   <a:schemeClr val="bg1"/>
                 </a:solidFill>
                 <a:effectLst/>
-                <a:latin typeface="Roboto" panose="02000000000000000000" pitchFamily="2" charset="0"/>
+                <a:latin typeface="Roboto" panose="020B0604020202020204" pitchFamily="2" charset="0"/>
               </a:rPr>
               <a:t>no Android application is involved in the transaction</a:t>
             </a:r>
@@ -25333,13 +25220,7 @@
       </p:sp>
       <p:sp>
         <p:nvSpPr>
-          <p:cNvPr id="20" name="TextBox 19">
-            <a:extLst>
-              <a:ext uri="{FF2B5EF4-FFF2-40B4-BE49-F238E27FC236}">
-                <a16:creationId xmlns:a16="http://schemas.microsoft.com/office/drawing/2014/main" id="{FB8FA3EE-42EB-49BC-97A3-1D00C8CE3357}"/>
-              </a:ext>
-            </a:extLst>
-          </p:cNvPr>
+          <p:cNvPr id="20" name="TextBox 19"/>
           <p:cNvSpPr txBox="1"/>
           <p:nvPr/>
         </p:nvSpPr>
@@ -25365,7 +25246,7 @@
                   <a:schemeClr val="bg1"/>
                 </a:solidFill>
                 <a:effectLst/>
-                <a:latin typeface="Roboto" panose="02000000000000000000" pitchFamily="2" charset="0"/>
+                <a:latin typeface="Roboto" panose="020B0604020202020204" pitchFamily="2" charset="0"/>
               </a:rPr>
               <a:t>data is routed directly to the host CPU </a:t>
             </a:r>
@@ -25378,11 +25259,6 @@
         </p:txBody>
       </p:sp>
     </p:spTree>
-    <p:extLst>
-      <p:ext uri="{BB962C8B-B14F-4D97-AF65-F5344CB8AC3E}">
-        <p14:creationId xmlns:p14="http://schemas.microsoft.com/office/powerpoint/2010/main" val="2904526174"/>
-      </p:ext>
-    </p:extLst>
   </p:cSld>
   <p:clrMapOvr>
     <a:masterClrMapping/>
@@ -25399,7 +25275,7 @@
     <p:bg>
       <p:bgPr>
         <a:blipFill rotWithShape="0">
-          <a:blip r:embed="rId2"/>
+          <a:blip r:embed="rId1"/>
           <a:stretch>
             <a:fillRect/>
           </a:stretch>
@@ -25423,13 +25299,7 @@
       </p:grpSpPr>
       <p:sp>
         <p:nvSpPr>
-          <p:cNvPr id="2" name="Rectangle: Rounded Corners 1">
-            <a:extLst>
-              <a:ext uri="{FF2B5EF4-FFF2-40B4-BE49-F238E27FC236}">
-                <a16:creationId xmlns:a16="http://schemas.microsoft.com/office/drawing/2014/main" id="{4B493B16-E9A6-45D1-BAB0-087288C24834}"/>
-              </a:ext>
-            </a:extLst>
-          </p:cNvPr>
+          <p:cNvPr id="2" name="Rectangle: Rounded Corners 1"/>
           <p:cNvSpPr/>
           <p:nvPr/>
         </p:nvSpPr>
@@ -25470,18 +25340,18 @@
               </a:rPr>
               <a:t>Requires</a:t>
             </a:r>
+            <a:endParaRPr lang="en-US" sz="2400" i="0" dirty="0">
+              <a:solidFill>
+                <a:schemeClr val="bg1"/>
+              </a:solidFill>
+              <a:effectLst/>
+            </a:endParaRPr>
           </a:p>
         </p:txBody>
       </p:sp>
       <p:sp>
         <p:nvSpPr>
-          <p:cNvPr id="6" name="Rectangle: Rounded Corners 5">
-            <a:extLst>
-              <a:ext uri="{FF2B5EF4-FFF2-40B4-BE49-F238E27FC236}">
-                <a16:creationId xmlns:a16="http://schemas.microsoft.com/office/drawing/2014/main" id="{5CA28ABC-00AD-4C34-BF27-DF5D0C9C8A21}"/>
-              </a:ext>
-            </a:extLst>
-          </p:cNvPr>
+          <p:cNvPr id="6" name="Rectangle: Rounded Corners 5"/>
           <p:cNvSpPr/>
           <p:nvPr/>
         </p:nvSpPr>
@@ -25527,18 +25397,18 @@
               </a:rPr>
               <a:t>Android 4.4 or higher</a:t>
             </a:r>
+            <a:endParaRPr lang="en-US" sz="2400" i="0" dirty="0">
+              <a:solidFill>
+                <a:schemeClr val="bg1"/>
+              </a:solidFill>
+              <a:effectLst/>
+            </a:endParaRPr>
           </a:p>
         </p:txBody>
       </p:sp>
       <p:sp>
         <p:nvSpPr>
-          <p:cNvPr id="13" name="文本框 1">
-            <a:extLst>
-              <a:ext uri="{FF2B5EF4-FFF2-40B4-BE49-F238E27FC236}">
-                <a16:creationId xmlns:a16="http://schemas.microsoft.com/office/drawing/2014/main" id="{3EEEEE29-BF1B-4492-A8EB-E88969A71974}"/>
-              </a:ext>
-            </a:extLst>
-          </p:cNvPr>
+          <p:cNvPr id="13" name="文本框 1"/>
           <p:cNvSpPr txBox="1"/>
           <p:nvPr/>
         </p:nvSpPr>
@@ -25583,13 +25453,7 @@
       </p:sp>
       <p:sp>
         <p:nvSpPr>
-          <p:cNvPr id="5" name="Text Box 2">
-            <a:extLst>
-              <a:ext uri="{FF2B5EF4-FFF2-40B4-BE49-F238E27FC236}">
-                <a16:creationId xmlns:a16="http://schemas.microsoft.com/office/drawing/2014/main" id="{8AA4AA21-68C0-4375-A7C1-7397AFFBA8E5}"/>
-              </a:ext>
-            </a:extLst>
-          </p:cNvPr>
+          <p:cNvPr id="5" name="Text Box 2"/>
           <p:cNvSpPr txBox="1"/>
           <p:nvPr/>
         </p:nvSpPr>
@@ -25617,18 +25481,17 @@
               </a:rPr>
               <a:t>1. Host-base card Emulation</a:t>
             </a:r>
+            <a:endParaRPr lang="en-US" sz="2200" b="1" dirty="0">
+              <a:solidFill>
+                <a:schemeClr val="bg1"/>
+              </a:solidFill>
+            </a:endParaRPr>
           </a:p>
         </p:txBody>
       </p:sp>
       <p:sp>
         <p:nvSpPr>
-          <p:cNvPr id="17" name="Rectangle: Rounded Corners 16">
-            <a:extLst>
-              <a:ext uri="{FF2B5EF4-FFF2-40B4-BE49-F238E27FC236}">
-                <a16:creationId xmlns:a16="http://schemas.microsoft.com/office/drawing/2014/main" id="{44174517-720B-4CDB-A9CD-5E2637808621}"/>
-              </a:ext>
-            </a:extLst>
-          </p:cNvPr>
+          <p:cNvPr id="17" name="Rectangle: Rounded Corners 16"/>
           <p:cNvSpPr/>
           <p:nvPr/>
         </p:nvSpPr>
@@ -25674,6 +25537,13 @@
               </a:rPr>
               <a:t>ISO-DEP specification (based on ISO/IEC 14443-4) </a:t>
             </a:r>
+            <a:endParaRPr lang="en-US" sz="2400" b="0" i="0" dirty="0">
+              <a:solidFill>
+                <a:srgbClr val="202124"/>
+              </a:solidFill>
+              <a:effectLst/>
+              <a:latin typeface="+mj-lt"/>
+            </a:endParaRPr>
           </a:p>
           <a:p>
             <a:r>
@@ -25742,13 +25612,7 @@
       </p:sp>
       <p:sp>
         <p:nvSpPr>
-          <p:cNvPr id="19" name="Rectangle: Rounded Corners 18">
-            <a:extLst>
-              <a:ext uri="{FF2B5EF4-FFF2-40B4-BE49-F238E27FC236}">
-                <a16:creationId xmlns:a16="http://schemas.microsoft.com/office/drawing/2014/main" id="{08B9B9F0-3AE3-4A2A-88D7-E71803411C6B}"/>
-              </a:ext>
-            </a:extLst>
-          </p:cNvPr>
+          <p:cNvPr id="19" name="Rectangle: Rounded Corners 18"/>
           <p:cNvSpPr/>
           <p:nvPr/>
         </p:nvSpPr>
@@ -25805,11 +25669,6 @@
         </p:txBody>
       </p:sp>
     </p:spTree>
-    <p:extLst>
-      <p:ext uri="{BB962C8B-B14F-4D97-AF65-F5344CB8AC3E}">
-        <p14:creationId xmlns:p14="http://schemas.microsoft.com/office/powerpoint/2010/main" val="1461547945"/>
-      </p:ext>
-    </p:extLst>
   </p:cSld>
   <p:clrMapOvr>
     <a:masterClrMapping/>
@@ -25826,7 +25685,7 @@
     <p:bg>
       <p:bgPr>
         <a:blipFill rotWithShape="0">
-          <a:blip r:embed="rId2"/>
+          <a:blip r:embed="rId1"/>
           <a:stretch>
             <a:fillRect/>
           </a:stretch>
@@ -26505,6 +26364,13 @@
                 </a:rPr>
                 <a:t>NFC Protocol (APDU)</a:t>
               </a:r>
+              <a:endParaRPr lang="en-US" altLang="zh-CN" sz="2400" b="1" dirty="0">
+                <a:solidFill>
+                  <a:schemeClr val="bg1"/>
+                </a:solidFill>
+                <a:latin typeface="Microsoft YaHei" panose="020B0503020204020204" pitchFamily="34" charset="-122"/>
+                <a:ea typeface="Microsoft YaHei" panose="020B0503020204020204" pitchFamily="34" charset="-122"/>
+              </a:endParaRPr>
             </a:p>
           </p:txBody>
         </p:sp>
@@ -26922,6 +26788,13 @@
                 </a:rPr>
                 <a:t>Read an NFC Card</a:t>
               </a:r>
+              <a:endParaRPr lang="en-US" altLang="zh-CN" sz="2400" b="1" dirty="0">
+                <a:solidFill>
+                  <a:schemeClr val="bg1"/>
+                </a:solidFill>
+                <a:latin typeface="Microsoft YaHei" panose="020B0503020204020204" pitchFamily="34" charset="-122"/>
+                <a:ea typeface="Microsoft YaHei" panose="020B0503020204020204" pitchFamily="34" charset="-122"/>
+              </a:endParaRPr>
             </a:p>
           </p:txBody>
         </p:sp>
@@ -27339,6 +27212,13 @@
                 </a:rPr>
                 <a:t>Simulate an NFC Card</a:t>
               </a:r>
+              <a:endParaRPr lang="en-US" altLang="zh-CN" sz="2400" b="1" dirty="0">
+                <a:solidFill>
+                  <a:schemeClr val="bg1"/>
+                </a:solidFill>
+                <a:latin typeface="Microsoft YaHei" panose="020B0503020204020204" pitchFamily="34" charset="-122"/>
+                <a:ea typeface="Microsoft YaHei" panose="020B0503020204020204" pitchFamily="34" charset="-122"/>
+              </a:endParaRPr>
             </a:p>
           </p:txBody>
         </p:sp>
@@ -27769,11 +27649,6 @@
         </p:txBody>
       </p:sp>
     </p:spTree>
-    <p:extLst>
-      <p:ext uri="{BB962C8B-B14F-4D97-AF65-F5344CB8AC3E}">
-        <p14:creationId xmlns:p14="http://schemas.microsoft.com/office/powerpoint/2010/main" val="3514607652"/>
-      </p:ext>
-    </p:extLst>
   </p:cSld>
   <p:clrMapOvr>
     <a:masterClrMapping/>
@@ -27790,7 +27665,7 @@
     <p:bg>
       <p:bgPr>
         <a:blipFill rotWithShape="0">
-          <a:blip r:embed="rId2"/>
+          <a:blip r:embed="rId1"/>
           <a:stretch>
             <a:fillRect/>
           </a:stretch>
@@ -27814,13 +27689,7 @@
       </p:grpSpPr>
       <p:sp>
         <p:nvSpPr>
-          <p:cNvPr id="2" name="Rectangle: Rounded Corners 1">
-            <a:extLst>
-              <a:ext uri="{FF2B5EF4-FFF2-40B4-BE49-F238E27FC236}">
-                <a16:creationId xmlns:a16="http://schemas.microsoft.com/office/drawing/2014/main" id="{4B493B16-E9A6-45D1-BAB0-087288C24834}"/>
-              </a:ext>
-            </a:extLst>
-          </p:cNvPr>
+          <p:cNvPr id="2" name="Rectangle: Rounded Corners 1"/>
           <p:cNvSpPr/>
           <p:nvPr/>
         </p:nvSpPr>
@@ -27861,18 +27730,18 @@
               </a:rPr>
               <a:t>Implement an HCE service</a:t>
             </a:r>
+            <a:endParaRPr lang="en-US" sz="2400" i="0" dirty="0">
+              <a:solidFill>
+                <a:schemeClr val="bg1"/>
+              </a:solidFill>
+              <a:effectLst/>
+            </a:endParaRPr>
           </a:p>
         </p:txBody>
       </p:sp>
       <p:sp>
         <p:nvSpPr>
-          <p:cNvPr id="13" name="文本框 1">
-            <a:extLst>
-              <a:ext uri="{FF2B5EF4-FFF2-40B4-BE49-F238E27FC236}">
-                <a16:creationId xmlns:a16="http://schemas.microsoft.com/office/drawing/2014/main" id="{3EEEEE29-BF1B-4492-A8EB-E88969A71974}"/>
-              </a:ext>
-            </a:extLst>
-          </p:cNvPr>
+          <p:cNvPr id="13" name="文本框 1"/>
           <p:cNvSpPr txBox="1"/>
           <p:nvPr/>
         </p:nvSpPr>
@@ -27917,13 +27786,7 @@
       </p:sp>
       <p:sp>
         <p:nvSpPr>
-          <p:cNvPr id="5" name="Text Box 2">
-            <a:extLst>
-              <a:ext uri="{FF2B5EF4-FFF2-40B4-BE49-F238E27FC236}">
-                <a16:creationId xmlns:a16="http://schemas.microsoft.com/office/drawing/2014/main" id="{8AA4AA21-68C0-4375-A7C1-7397AFFBA8E5}"/>
-              </a:ext>
-            </a:extLst>
-          </p:cNvPr>
+          <p:cNvPr id="5" name="Text Box 2"/>
           <p:cNvSpPr txBox="1"/>
           <p:nvPr/>
         </p:nvSpPr>
@@ -27967,18 +27830,17 @@
               </a:rPr>
               <a:t> Simulator</a:t>
             </a:r>
+            <a:endParaRPr lang="en-US" sz="2200" b="1" dirty="0">
+              <a:solidFill>
+                <a:schemeClr val="bg1"/>
+              </a:solidFill>
+            </a:endParaRPr>
           </a:p>
         </p:txBody>
       </p:sp>
       <p:sp>
         <p:nvSpPr>
-          <p:cNvPr id="11" name="Rectangle: Rounded Corners 10">
-            <a:extLst>
-              <a:ext uri="{FF2B5EF4-FFF2-40B4-BE49-F238E27FC236}">
-                <a16:creationId xmlns:a16="http://schemas.microsoft.com/office/drawing/2014/main" id="{52144360-A7E3-492F-BF51-2173DE49954F}"/>
-              </a:ext>
-            </a:extLst>
-          </p:cNvPr>
+          <p:cNvPr id="11" name="Rectangle: Rounded Corners 10"/>
           <p:cNvSpPr/>
           <p:nvPr/>
         </p:nvSpPr>
@@ -28024,18 +27886,18 @@
               </a:rPr>
               <a:t>Check for HCE support</a:t>
             </a:r>
+            <a:endParaRPr lang="en-US" sz="2400" i="0" dirty="0">
+              <a:solidFill>
+                <a:schemeClr val="bg1"/>
+              </a:solidFill>
+              <a:effectLst/>
+            </a:endParaRPr>
           </a:p>
         </p:txBody>
       </p:sp>
       <p:sp>
         <p:nvSpPr>
-          <p:cNvPr id="12" name="Rectangle: Rounded Corners 11">
-            <a:extLst>
-              <a:ext uri="{FF2B5EF4-FFF2-40B4-BE49-F238E27FC236}">
-                <a16:creationId xmlns:a16="http://schemas.microsoft.com/office/drawing/2014/main" id="{79D03F77-208F-4080-A75B-D19EE35478B8}"/>
-              </a:ext>
-            </a:extLst>
-          </p:cNvPr>
+          <p:cNvPr id="12" name="Rectangle: Rounded Corners 11"/>
           <p:cNvSpPr/>
           <p:nvPr/>
         </p:nvSpPr>
@@ -28107,18 +27969,18 @@
               </a:rPr>
               <a:t> service</a:t>
             </a:r>
+            <a:endParaRPr lang="en-US" sz="2400" i="0" dirty="0">
+              <a:solidFill>
+                <a:schemeClr val="bg1"/>
+              </a:solidFill>
+              <a:effectLst/>
+            </a:endParaRPr>
           </a:p>
         </p:txBody>
       </p:sp>
       <p:sp>
         <p:nvSpPr>
-          <p:cNvPr id="14" name="Rectangle: Rounded Corners 13">
-            <a:extLst>
-              <a:ext uri="{FF2B5EF4-FFF2-40B4-BE49-F238E27FC236}">
-                <a16:creationId xmlns:a16="http://schemas.microsoft.com/office/drawing/2014/main" id="{401F22EC-C1B9-4509-909F-729FBFA727A7}"/>
-              </a:ext>
-            </a:extLst>
-          </p:cNvPr>
+          <p:cNvPr id="14" name="Rectangle: Rounded Corners 13"/>
           <p:cNvSpPr/>
           <p:nvPr/>
         </p:nvSpPr>
@@ -28164,18 +28026,18 @@
               </a:rPr>
               <a:t>Specify the Aid filter</a:t>
             </a:r>
+            <a:endParaRPr lang="en-US" sz="2400" i="0" dirty="0">
+              <a:solidFill>
+                <a:schemeClr val="bg1"/>
+              </a:solidFill>
+              <a:effectLst/>
+            </a:endParaRPr>
           </a:p>
         </p:txBody>
       </p:sp>
       <p:sp>
         <p:nvSpPr>
-          <p:cNvPr id="15" name="Rectangle: Rounded Corners 14">
-            <a:extLst>
-              <a:ext uri="{FF2B5EF4-FFF2-40B4-BE49-F238E27FC236}">
-                <a16:creationId xmlns:a16="http://schemas.microsoft.com/office/drawing/2014/main" id="{307A9EAD-4FFF-42D4-BBD0-2A66FBC41F1E}"/>
-              </a:ext>
-            </a:extLst>
-          </p:cNvPr>
+          <p:cNvPr id="15" name="Rectangle: Rounded Corners 14"/>
           <p:cNvSpPr/>
           <p:nvPr/>
         </p:nvSpPr>
@@ -28239,18 +28101,18 @@
               </a:rPr>
               <a:t> received from the Terminal</a:t>
             </a:r>
+            <a:endParaRPr lang="en-US" sz="2400" i="0" dirty="0">
+              <a:solidFill>
+                <a:schemeClr val="bg1"/>
+              </a:solidFill>
+              <a:effectLst/>
+            </a:endParaRPr>
           </a:p>
         </p:txBody>
       </p:sp>
       <p:sp>
         <p:nvSpPr>
-          <p:cNvPr id="7" name="Arrow: Right 6">
-            <a:extLst>
-              <a:ext uri="{FF2B5EF4-FFF2-40B4-BE49-F238E27FC236}">
-                <a16:creationId xmlns:a16="http://schemas.microsoft.com/office/drawing/2014/main" id="{2425CE4D-D77F-4B75-9934-DCC91F453BC8}"/>
-              </a:ext>
-            </a:extLst>
-          </p:cNvPr>
+          <p:cNvPr id="7" name="Arrow: Right 6"/>
           <p:cNvSpPr/>
           <p:nvPr/>
         </p:nvSpPr>
@@ -28296,13 +28158,7 @@
       </p:sp>
       <p:sp>
         <p:nvSpPr>
-          <p:cNvPr id="16" name="Arrow: Right 15">
-            <a:extLst>
-              <a:ext uri="{FF2B5EF4-FFF2-40B4-BE49-F238E27FC236}">
-                <a16:creationId xmlns:a16="http://schemas.microsoft.com/office/drawing/2014/main" id="{D7851FD4-42A2-44B7-9C49-457457E4FB98}"/>
-              </a:ext>
-            </a:extLst>
-          </p:cNvPr>
+          <p:cNvPr id="16" name="Arrow: Right 15"/>
           <p:cNvSpPr/>
           <p:nvPr/>
         </p:nvSpPr>
@@ -28348,13 +28204,7 @@
       </p:sp>
       <p:sp>
         <p:nvSpPr>
-          <p:cNvPr id="18" name="Arrow: Right 17">
-            <a:extLst>
-              <a:ext uri="{FF2B5EF4-FFF2-40B4-BE49-F238E27FC236}">
-                <a16:creationId xmlns:a16="http://schemas.microsoft.com/office/drawing/2014/main" id="{7FBCA01D-0B94-4EE0-B417-AB380BBA012A}"/>
-              </a:ext>
-            </a:extLst>
-          </p:cNvPr>
+          <p:cNvPr id="18" name="Arrow: Right 17"/>
           <p:cNvSpPr/>
           <p:nvPr/>
         </p:nvSpPr>
@@ -28399,11 +28249,6 @@
         </p:txBody>
       </p:sp>
     </p:spTree>
-    <p:extLst>
-      <p:ext uri="{BB962C8B-B14F-4D97-AF65-F5344CB8AC3E}">
-        <p14:creationId xmlns:p14="http://schemas.microsoft.com/office/powerpoint/2010/main" val="2539302419"/>
-      </p:ext>
-    </p:extLst>
   </p:cSld>
   <p:clrMapOvr>
     <a:masterClrMapping/>
@@ -28420,7 +28265,7 @@
     <p:bg>
       <p:bgPr>
         <a:blipFill rotWithShape="0">
-          <a:blip r:embed="rId2"/>
+          <a:blip r:embed="rId1"/>
           <a:stretch>
             <a:fillRect/>
           </a:stretch>
@@ -28444,13 +28289,7 @@
       </p:grpSpPr>
       <p:sp>
         <p:nvSpPr>
-          <p:cNvPr id="2" name="Rectangle: Rounded Corners 1">
-            <a:extLst>
-              <a:ext uri="{FF2B5EF4-FFF2-40B4-BE49-F238E27FC236}">
-                <a16:creationId xmlns:a16="http://schemas.microsoft.com/office/drawing/2014/main" id="{4B493B16-E9A6-45D1-BAB0-087288C24834}"/>
-              </a:ext>
-            </a:extLst>
-          </p:cNvPr>
+          <p:cNvPr id="2" name="Rectangle: Rounded Corners 1"/>
           <p:cNvSpPr/>
           <p:nvPr/>
         </p:nvSpPr>
@@ -28491,18 +28330,18 @@
               </a:rPr>
               <a:t>Check for HCE support</a:t>
             </a:r>
+            <a:endParaRPr lang="en-US" sz="2400" i="0" dirty="0">
+              <a:solidFill>
+                <a:schemeClr val="bg1"/>
+              </a:solidFill>
+              <a:effectLst/>
+            </a:endParaRPr>
           </a:p>
         </p:txBody>
       </p:sp>
       <p:sp>
         <p:nvSpPr>
-          <p:cNvPr id="13" name="文本框 1">
-            <a:extLst>
-              <a:ext uri="{FF2B5EF4-FFF2-40B4-BE49-F238E27FC236}">
-                <a16:creationId xmlns:a16="http://schemas.microsoft.com/office/drawing/2014/main" id="{3EEEEE29-BF1B-4492-A8EB-E88969A71974}"/>
-              </a:ext>
-            </a:extLst>
-          </p:cNvPr>
+          <p:cNvPr id="13" name="文本框 1"/>
           <p:cNvSpPr txBox="1"/>
           <p:nvPr/>
         </p:nvSpPr>
@@ -28547,13 +28386,7 @@
       </p:sp>
       <p:sp>
         <p:nvSpPr>
-          <p:cNvPr id="5" name="Text Box 2">
-            <a:extLst>
-              <a:ext uri="{FF2B5EF4-FFF2-40B4-BE49-F238E27FC236}">
-                <a16:creationId xmlns:a16="http://schemas.microsoft.com/office/drawing/2014/main" id="{8AA4AA21-68C0-4375-A7C1-7397AFFBA8E5}"/>
-              </a:ext>
-            </a:extLst>
-          </p:cNvPr>
+          <p:cNvPr id="5" name="Text Box 2"/>
           <p:cNvSpPr txBox="1"/>
           <p:nvPr/>
         </p:nvSpPr>
@@ -28597,18 +28430,17 @@
               </a:rPr>
               <a:t> Simulator</a:t>
             </a:r>
+            <a:endParaRPr lang="en-US" sz="2200" b="1" dirty="0">
+              <a:solidFill>
+                <a:schemeClr val="bg1"/>
+              </a:solidFill>
+            </a:endParaRPr>
           </a:p>
         </p:txBody>
       </p:sp>
       <p:sp>
         <p:nvSpPr>
-          <p:cNvPr id="11" name="Rectangle: Rounded Corners 10">
-            <a:extLst>
-              <a:ext uri="{FF2B5EF4-FFF2-40B4-BE49-F238E27FC236}">
-                <a16:creationId xmlns:a16="http://schemas.microsoft.com/office/drawing/2014/main" id="{52144360-A7E3-492F-BF51-2173DE49954F}"/>
-              </a:ext>
-            </a:extLst>
-          </p:cNvPr>
+          <p:cNvPr id="11" name="Rectangle: Rounded Corners 10"/>
           <p:cNvSpPr/>
           <p:nvPr/>
         </p:nvSpPr>
@@ -28666,13 +28498,7 @@
       </p:sp>
       <p:sp>
         <p:nvSpPr>
-          <p:cNvPr id="4" name="Rectangle 2">
-            <a:extLst>
-              <a:ext uri="{FF2B5EF4-FFF2-40B4-BE49-F238E27FC236}">
-                <a16:creationId xmlns:a16="http://schemas.microsoft.com/office/drawing/2014/main" id="{F1659AB7-58A5-457E-94D3-35F3BBA9B2CF}"/>
-              </a:ext>
-            </a:extLst>
-          </p:cNvPr>
+          <p:cNvPr id="4" name="Rectangle 2"/>
           <p:cNvSpPr>
             <a:spLocks noChangeArrowheads="1"/>
           </p:cNvSpPr>
@@ -28717,9 +28543,6 @@
         </p:spPr>
         <p:txBody>
           <a:bodyPr vert="horz" wrap="none" lIns="91440" tIns="45720" rIns="91440" bIns="45720" numCol="1" anchor="ctr" anchorCtr="0" compatLnSpc="1">
-            <a:prstTxWarp prst="textNoShape">
-              <a:avLst/>
-            </a:prstTxWarp>
             <a:spAutoFit/>
           </a:bodyPr>
           <a:lstStyle/>
@@ -28738,7 +28561,6 @@
               <a:buSzTx/>
               <a:buFontTx/>
               <a:buNone/>
-              <a:tabLst/>
             </a:pPr>
             <a:r>
               <a:rPr kumimoji="0" lang="en-US" altLang="en-US" b="0" i="0" u="none" strike="noStrike" cap="none" normalizeH="0" baseline="0" dirty="0">
@@ -28909,11 +28731,6 @@
         </p:txBody>
       </p:sp>
     </p:spTree>
-    <p:extLst>
-      <p:ext uri="{BB962C8B-B14F-4D97-AF65-F5344CB8AC3E}">
-        <p14:creationId xmlns:p14="http://schemas.microsoft.com/office/powerpoint/2010/main" val="48111786"/>
-      </p:ext>
-    </p:extLst>
   </p:cSld>
   <p:clrMapOvr>
     <a:masterClrMapping/>
@@ -28930,7 +28747,7 @@
     <p:bg>
       <p:bgPr>
         <a:blipFill rotWithShape="0">
-          <a:blip r:embed="rId2"/>
+          <a:blip r:embed="rId1"/>
           <a:stretch>
             <a:fillRect/>
           </a:stretch>
@@ -28954,13 +28771,7 @@
       </p:grpSpPr>
       <p:sp>
         <p:nvSpPr>
-          <p:cNvPr id="2" name="Rectangle: Rounded Corners 1">
-            <a:extLst>
-              <a:ext uri="{FF2B5EF4-FFF2-40B4-BE49-F238E27FC236}">
-                <a16:creationId xmlns:a16="http://schemas.microsoft.com/office/drawing/2014/main" id="{4B493B16-E9A6-45D1-BAB0-087288C24834}"/>
-              </a:ext>
-            </a:extLst>
-          </p:cNvPr>
+          <p:cNvPr id="2" name="Rectangle: Rounded Corners 1"/>
           <p:cNvSpPr/>
           <p:nvPr/>
         </p:nvSpPr>
@@ -29027,18 +28838,18 @@
               </a:rPr>
               <a:t> service</a:t>
             </a:r>
+            <a:endParaRPr lang="en-US" sz="2400" i="0" dirty="0">
+              <a:solidFill>
+                <a:schemeClr val="bg1"/>
+              </a:solidFill>
+              <a:effectLst/>
+            </a:endParaRPr>
           </a:p>
         </p:txBody>
       </p:sp>
       <p:sp>
         <p:nvSpPr>
-          <p:cNvPr id="13" name="文本框 1">
-            <a:extLst>
-              <a:ext uri="{FF2B5EF4-FFF2-40B4-BE49-F238E27FC236}">
-                <a16:creationId xmlns:a16="http://schemas.microsoft.com/office/drawing/2014/main" id="{3EEEEE29-BF1B-4492-A8EB-E88969A71974}"/>
-              </a:ext>
-            </a:extLst>
-          </p:cNvPr>
+          <p:cNvPr id="13" name="文本框 1"/>
           <p:cNvSpPr txBox="1"/>
           <p:nvPr/>
         </p:nvSpPr>
@@ -29083,13 +28894,7 @@
       </p:sp>
       <p:sp>
         <p:nvSpPr>
-          <p:cNvPr id="5" name="Text Box 2">
-            <a:extLst>
-              <a:ext uri="{FF2B5EF4-FFF2-40B4-BE49-F238E27FC236}">
-                <a16:creationId xmlns:a16="http://schemas.microsoft.com/office/drawing/2014/main" id="{8AA4AA21-68C0-4375-A7C1-7397AFFBA8E5}"/>
-              </a:ext>
-            </a:extLst>
-          </p:cNvPr>
+          <p:cNvPr id="5" name="Text Box 2"/>
           <p:cNvSpPr txBox="1"/>
           <p:nvPr/>
         </p:nvSpPr>
@@ -29133,18 +28938,17 @@
               </a:rPr>
               <a:t> Simulator</a:t>
             </a:r>
+            <a:endParaRPr lang="en-US" sz="2200" b="1" dirty="0">
+              <a:solidFill>
+                <a:schemeClr val="bg1"/>
+              </a:solidFill>
+            </a:endParaRPr>
           </a:p>
         </p:txBody>
       </p:sp>
       <p:sp>
         <p:nvSpPr>
-          <p:cNvPr id="3" name="Rectangle 1">
-            <a:extLst>
-              <a:ext uri="{FF2B5EF4-FFF2-40B4-BE49-F238E27FC236}">
-                <a16:creationId xmlns:a16="http://schemas.microsoft.com/office/drawing/2014/main" id="{87810DB9-44E2-46A7-AD5E-688ACA7738AD}"/>
-              </a:ext>
-            </a:extLst>
-          </p:cNvPr>
+          <p:cNvPr id="3" name="Rectangle 1"/>
           <p:cNvSpPr>
             <a:spLocks noChangeArrowheads="1"/>
           </p:cNvSpPr>
@@ -29189,9 +28993,6 @@
         </p:spPr>
         <p:txBody>
           <a:bodyPr vert="horz" wrap="none" lIns="91440" tIns="45720" rIns="91440" bIns="45720" numCol="1" anchor="ctr" anchorCtr="0" compatLnSpc="1">
-            <a:prstTxWarp prst="textNoShape">
-              <a:avLst/>
-            </a:prstTxWarp>
             <a:spAutoFit/>
           </a:bodyPr>
           <a:lstStyle/>
@@ -29210,7 +29011,6 @@
               <a:buSzTx/>
               <a:buFontTx/>
               <a:buNone/>
-              <a:tabLst/>
             </a:pPr>
             <a:r>
               <a:rPr kumimoji="0" lang="en-US" altLang="en-US" b="0" i="0" u="none" strike="noStrike" cap="none" normalizeH="0" baseline="0">
@@ -29737,11 +29537,6 @@
         </p:txBody>
       </p:sp>
     </p:spTree>
-    <p:extLst>
-      <p:ext uri="{BB962C8B-B14F-4D97-AF65-F5344CB8AC3E}">
-        <p14:creationId xmlns:p14="http://schemas.microsoft.com/office/powerpoint/2010/main" val="564426998"/>
-      </p:ext>
-    </p:extLst>
   </p:cSld>
   <p:clrMapOvr>
     <a:masterClrMapping/>
@@ -29758,7 +29553,7 @@
     <p:bg>
       <p:bgPr>
         <a:blipFill rotWithShape="0">
-          <a:blip r:embed="rId2"/>
+          <a:blip r:embed="rId1"/>
           <a:stretch>
             <a:fillRect/>
           </a:stretch>
@@ -29782,13 +29577,7 @@
       </p:grpSpPr>
       <p:sp>
         <p:nvSpPr>
-          <p:cNvPr id="2" name="Rectangle: Rounded Corners 1">
-            <a:extLst>
-              <a:ext uri="{FF2B5EF4-FFF2-40B4-BE49-F238E27FC236}">
-                <a16:creationId xmlns:a16="http://schemas.microsoft.com/office/drawing/2014/main" id="{4B493B16-E9A6-45D1-BAB0-087288C24834}"/>
-              </a:ext>
-            </a:extLst>
-          </p:cNvPr>
+          <p:cNvPr id="2" name="Rectangle: Rounded Corners 1"/>
           <p:cNvSpPr/>
           <p:nvPr/>
         </p:nvSpPr>
@@ -29829,18 +29618,18 @@
               </a:rPr>
               <a:t>Specify the Aid filter</a:t>
             </a:r>
+            <a:endParaRPr lang="en-US" sz="2400" i="0" dirty="0">
+              <a:solidFill>
+                <a:schemeClr val="bg1"/>
+              </a:solidFill>
+              <a:effectLst/>
+            </a:endParaRPr>
           </a:p>
         </p:txBody>
       </p:sp>
       <p:sp>
         <p:nvSpPr>
-          <p:cNvPr id="13" name="文本框 1">
-            <a:extLst>
-              <a:ext uri="{FF2B5EF4-FFF2-40B4-BE49-F238E27FC236}">
-                <a16:creationId xmlns:a16="http://schemas.microsoft.com/office/drawing/2014/main" id="{3EEEEE29-BF1B-4492-A8EB-E88969A71974}"/>
-              </a:ext>
-            </a:extLst>
-          </p:cNvPr>
+          <p:cNvPr id="13" name="文本框 1"/>
           <p:cNvSpPr txBox="1"/>
           <p:nvPr/>
         </p:nvSpPr>
@@ -29885,13 +29674,7 @@
       </p:sp>
       <p:sp>
         <p:nvSpPr>
-          <p:cNvPr id="5" name="Text Box 2">
-            <a:extLst>
-              <a:ext uri="{FF2B5EF4-FFF2-40B4-BE49-F238E27FC236}">
-                <a16:creationId xmlns:a16="http://schemas.microsoft.com/office/drawing/2014/main" id="{8AA4AA21-68C0-4375-A7C1-7397AFFBA8E5}"/>
-              </a:ext>
-            </a:extLst>
-          </p:cNvPr>
+          <p:cNvPr id="5" name="Text Box 2"/>
           <p:cNvSpPr txBox="1"/>
           <p:nvPr/>
         </p:nvSpPr>
@@ -29935,18 +29718,17 @@
               </a:rPr>
               <a:t> Simulator</a:t>
             </a:r>
+            <a:endParaRPr lang="en-US" sz="2200" b="1" dirty="0">
+              <a:solidFill>
+                <a:schemeClr val="bg1"/>
+              </a:solidFill>
+            </a:endParaRPr>
           </a:p>
         </p:txBody>
       </p:sp>
       <p:sp>
         <p:nvSpPr>
-          <p:cNvPr id="4" name="Rectangle 1">
-            <a:extLst>
-              <a:ext uri="{FF2B5EF4-FFF2-40B4-BE49-F238E27FC236}">
-                <a16:creationId xmlns:a16="http://schemas.microsoft.com/office/drawing/2014/main" id="{88B305BD-594C-4C13-8041-80C410B4D472}"/>
-              </a:ext>
-            </a:extLst>
-          </p:cNvPr>
+          <p:cNvPr id="4" name="Rectangle 1"/>
           <p:cNvSpPr>
             <a:spLocks noChangeArrowheads="1"/>
           </p:cNvSpPr>
@@ -29991,9 +29773,6 @@
         </p:spPr>
         <p:txBody>
           <a:bodyPr vert="horz" wrap="none" lIns="91440" tIns="45720" rIns="91440" bIns="45720" numCol="1" anchor="ctr" anchorCtr="0" compatLnSpc="1">
-            <a:prstTxWarp prst="textNoShape">
-              <a:avLst/>
-            </a:prstTxWarp>
             <a:spAutoFit/>
           </a:bodyPr>
           <a:lstStyle/>
@@ -30012,7 +29791,6 @@
               <a:buSzTx/>
               <a:buFontTx/>
               <a:buNone/>
-              <a:tabLst/>
             </a:pPr>
             <a:r>
               <a:rPr kumimoji="0" lang="en-US" altLang="en-US" b="0" i="0" u="none" strike="noStrike" cap="none" normalizeH="0" baseline="0">
@@ -30565,11 +30343,6 @@
         </p:txBody>
       </p:sp>
     </p:spTree>
-    <p:extLst>
-      <p:ext uri="{BB962C8B-B14F-4D97-AF65-F5344CB8AC3E}">
-        <p14:creationId xmlns:p14="http://schemas.microsoft.com/office/powerpoint/2010/main" val="1478021143"/>
-      </p:ext>
-    </p:extLst>
   </p:cSld>
   <p:clrMapOvr>
     <a:masterClrMapping/>
@@ -30586,7 +30359,7 @@
     <p:bg>
       <p:bgPr>
         <a:blipFill rotWithShape="0">
-          <a:blip r:embed="rId2"/>
+          <a:blip r:embed="rId1"/>
           <a:stretch>
             <a:fillRect/>
           </a:stretch>
@@ -30610,13 +30383,7 @@
       </p:grpSpPr>
       <p:sp>
         <p:nvSpPr>
-          <p:cNvPr id="2" name="Rectangle: Rounded Corners 1">
-            <a:extLst>
-              <a:ext uri="{FF2B5EF4-FFF2-40B4-BE49-F238E27FC236}">
-                <a16:creationId xmlns:a16="http://schemas.microsoft.com/office/drawing/2014/main" id="{4B493B16-E9A6-45D1-BAB0-087288C24834}"/>
-              </a:ext>
-            </a:extLst>
-          </p:cNvPr>
+          <p:cNvPr id="2" name="Rectangle: Rounded Corners 1"/>
           <p:cNvSpPr/>
           <p:nvPr/>
         </p:nvSpPr>
@@ -30675,18 +30442,18 @@
               </a:rPr>
               <a:t> received from the Terminal</a:t>
             </a:r>
+            <a:endParaRPr lang="en-US" sz="2400" i="0" dirty="0">
+              <a:solidFill>
+                <a:schemeClr val="bg1"/>
+              </a:solidFill>
+              <a:effectLst/>
+            </a:endParaRPr>
           </a:p>
         </p:txBody>
       </p:sp>
       <p:sp>
         <p:nvSpPr>
-          <p:cNvPr id="13" name="文本框 1">
-            <a:extLst>
-              <a:ext uri="{FF2B5EF4-FFF2-40B4-BE49-F238E27FC236}">
-                <a16:creationId xmlns:a16="http://schemas.microsoft.com/office/drawing/2014/main" id="{3EEEEE29-BF1B-4492-A8EB-E88969A71974}"/>
-              </a:ext>
-            </a:extLst>
-          </p:cNvPr>
+          <p:cNvPr id="13" name="文本框 1"/>
           <p:cNvSpPr txBox="1"/>
           <p:nvPr/>
         </p:nvSpPr>
@@ -30731,13 +30498,7 @@
       </p:sp>
       <p:sp>
         <p:nvSpPr>
-          <p:cNvPr id="5" name="Text Box 2">
-            <a:extLst>
-              <a:ext uri="{FF2B5EF4-FFF2-40B4-BE49-F238E27FC236}">
-                <a16:creationId xmlns:a16="http://schemas.microsoft.com/office/drawing/2014/main" id="{8AA4AA21-68C0-4375-A7C1-7397AFFBA8E5}"/>
-              </a:ext>
-            </a:extLst>
-          </p:cNvPr>
+          <p:cNvPr id="5" name="Text Box 2"/>
           <p:cNvSpPr txBox="1"/>
           <p:nvPr/>
         </p:nvSpPr>
@@ -30781,18 +30542,17 @@
               </a:rPr>
               <a:t> Simulator</a:t>
             </a:r>
+            <a:endParaRPr lang="en-US" sz="2200" b="1" dirty="0">
+              <a:solidFill>
+                <a:schemeClr val="bg1"/>
+              </a:solidFill>
+            </a:endParaRPr>
           </a:p>
         </p:txBody>
       </p:sp>
       <p:sp>
         <p:nvSpPr>
-          <p:cNvPr id="3" name="Rectangle 1">
-            <a:extLst>
-              <a:ext uri="{FF2B5EF4-FFF2-40B4-BE49-F238E27FC236}">
-                <a16:creationId xmlns:a16="http://schemas.microsoft.com/office/drawing/2014/main" id="{FD3BEACC-214A-47C3-A9E8-B7D0B9E4877B}"/>
-              </a:ext>
-            </a:extLst>
-          </p:cNvPr>
+          <p:cNvPr id="3" name="Rectangle 1"/>
           <p:cNvSpPr>
             <a:spLocks noChangeArrowheads="1"/>
           </p:cNvSpPr>
@@ -30837,9 +30597,6 @@
         </p:spPr>
         <p:txBody>
           <a:bodyPr vert="horz" wrap="square" lIns="91440" tIns="45720" rIns="91440" bIns="45720" numCol="1" anchor="ctr" anchorCtr="0" compatLnSpc="1">
-            <a:prstTxWarp prst="textNoShape">
-              <a:avLst/>
-            </a:prstTxWarp>
             <a:spAutoFit/>
           </a:bodyPr>
           <a:lstStyle/>
@@ -30858,7 +30615,6 @@
               <a:buSzTx/>
               <a:buFontTx/>
               <a:buNone/>
-              <a:tabLst/>
             </a:pPr>
             <a:r>
               <a:rPr kumimoji="0" lang="en-US" altLang="en-US" b="0" i="0" u="none" strike="noStrike" cap="none" normalizeH="0" baseline="0" dirty="0">
@@ -31234,6 +30990,16 @@
               </a:rPr>
               <a:t>)</a:t>
             </a:r>
+            <a:endParaRPr kumimoji="0" lang="en-US" altLang="en-US" b="0" i="0" u="none" strike="noStrike" cap="none" normalizeH="0" baseline="0" dirty="0">
+              <a:ln>
+                <a:noFill/>
+              </a:ln>
+              <a:solidFill>
+                <a:srgbClr val="A9B7C6"/>
+              </a:solidFill>
+              <a:effectLst/>
+              <a:latin typeface="JetBrains Mono"/>
+            </a:endParaRPr>
           </a:p>
           <a:p>
             <a:pPr marL="0" marR="0" lvl="0" indent="0" algn="l" defTabSz="914400" rtl="0" eaLnBrk="0" fontAlgn="base" latinLnBrk="0" hangingPunct="0">
@@ -31250,7 +31016,6 @@
               <a:buSzTx/>
               <a:buFontTx/>
               <a:buNone/>
-              <a:tabLst/>
             </a:pPr>
             <a:r>
               <a:rPr kumimoji="0" lang="en-US" altLang="en-US" b="0" i="0" u="none" strike="noStrike" cap="none" normalizeH="0" baseline="0" dirty="0">
@@ -31594,11 +31359,6 @@
         </p:txBody>
       </p:sp>
     </p:spTree>
-    <p:extLst>
-      <p:ext uri="{BB962C8B-B14F-4D97-AF65-F5344CB8AC3E}">
-        <p14:creationId xmlns:p14="http://schemas.microsoft.com/office/powerpoint/2010/main" val="3393971573"/>
-      </p:ext>
-    </p:extLst>
   </p:cSld>
   <p:clrMapOvr>
     <a:masterClrMapping/>
@@ -31615,7 +31375,7 @@
     <p:bg>
       <p:bgPr>
         <a:blipFill rotWithShape="0">
-          <a:blip r:embed="rId2"/>
+          <a:blip r:embed="rId1"/>
           <a:stretch>
             <a:fillRect/>
           </a:stretch>
@@ -31639,13 +31399,7 @@
       </p:grpSpPr>
       <p:sp>
         <p:nvSpPr>
-          <p:cNvPr id="4" name="Rectangle 3">
-            <a:extLst>
-              <a:ext uri="{FF2B5EF4-FFF2-40B4-BE49-F238E27FC236}">
-                <a16:creationId xmlns:a16="http://schemas.microsoft.com/office/drawing/2014/main" id="{2F14EB45-543F-4656-A126-7B1BD0E92487}"/>
-              </a:ext>
-            </a:extLst>
-          </p:cNvPr>
+          <p:cNvPr id="4" name="Rectangle 3"/>
           <p:cNvSpPr/>
           <p:nvPr/>
         </p:nvSpPr>
@@ -31685,15 +31439,26 @@
               </a:rPr>
               <a:t>Thank all !</a:t>
             </a:r>
+            <a:endParaRPr lang="en-US" sz="10000" b="1" cap="none" spc="0" dirty="0">
+              <a:ln w="13462">
+                <a:solidFill>
+                  <a:schemeClr val="bg1"/>
+                </a:solidFill>
+                <a:prstDash val="solid"/>
+              </a:ln>
+              <a:solidFill>
+                <a:srgbClr val="0070C0"/>
+              </a:solidFill>
+              <a:effectLst>
+                <a:outerShdw dist="38100" dir="2700000" algn="bl" rotWithShape="0">
+                  <a:schemeClr val="accent5"/>
+                </a:outerShdw>
+              </a:effectLst>
+            </a:endParaRPr>
           </a:p>
         </p:txBody>
       </p:sp>
     </p:spTree>
-    <p:extLst>
-      <p:ext uri="{BB962C8B-B14F-4D97-AF65-F5344CB8AC3E}">
-        <p14:creationId xmlns:p14="http://schemas.microsoft.com/office/powerpoint/2010/main" val="2485050326"/>
-      </p:ext>
-    </p:extLst>
   </p:cSld>
   <p:clrMapOvr>
     <a:masterClrMapping/>
@@ -31710,7 +31475,7 @@
     <p:bg>
       <p:bgPr>
         <a:blipFill rotWithShape="0">
-          <a:blip r:embed="rId2"/>
+          <a:blip r:embed="rId1"/>
           <a:stretch>
             <a:fillRect/>
           </a:stretch>
@@ -31767,6 +31532,13 @@
               </a:rPr>
               <a:t>NFC Basic</a:t>
             </a:r>
+            <a:endParaRPr lang="en-US" altLang="zh-CN" sz="2400" b="1" dirty="0">
+              <a:solidFill>
+                <a:srgbClr val="00B0F0"/>
+              </a:solidFill>
+              <a:latin typeface="Microsoft YaHei" panose="020B0503020204020204" pitchFamily="34" charset="-122"/>
+              <a:ea typeface="Microsoft YaHei" panose="020B0503020204020204" pitchFamily="34" charset="-122"/>
+            </a:endParaRPr>
           </a:p>
         </p:txBody>
       </p:sp>
@@ -32193,6 +31965,21 @@
                 </a:rPr>
                 <a:t>Benefits</a:t>
               </a:r>
+              <a:endParaRPr kumimoji="0" lang="en-US" altLang="zh-CN" sz="1465" b="0" i="0" u="none" strike="noStrike" kern="1200" cap="none" spc="0" normalizeH="0" baseline="0" noProof="0" dirty="0">
+                <a:ln>
+                  <a:noFill/>
+                </a:ln>
+                <a:solidFill>
+                  <a:srgbClr val="00B0F0"/>
+                </a:solidFill>
+                <a:effectLst/>
+                <a:uLnTx/>
+                <a:uFillTx/>
+                <a:latin typeface="Microsoft YaHei" panose="020B0503020204020204" pitchFamily="34" charset="-122"/>
+                <a:ea typeface="Microsoft YaHei" panose="020B0503020204020204" pitchFamily="34" charset="-122"/>
+                <a:cs typeface="+mn-cs"/>
+                <a:sym typeface="+mn-ea"/>
+              </a:endParaRPr>
             </a:p>
           </p:txBody>
         </p:sp>
@@ -32236,6 +32023,13 @@
                 </a:rPr>
                 <a:t>The benefit of NFC</a:t>
               </a:r>
+              <a:endParaRPr lang="en-US" altLang="zh-CN" sz="800" dirty="0">
+                <a:solidFill>
+                  <a:schemeClr val="bg1"/>
+                </a:solidFill>
+                <a:latin typeface="Microsoft YaHei" panose="020B0503020204020204" pitchFamily="34" charset="-122"/>
+                <a:ea typeface="Microsoft YaHei" panose="020B0503020204020204" pitchFamily="34" charset="-122"/>
+              </a:endParaRPr>
             </a:p>
           </p:txBody>
         </p:sp>
@@ -32739,6 +32533,21 @@
               </a:rPr>
               <a:t>Defination</a:t>
             </a:r>
+            <a:endParaRPr kumimoji="0" lang="en-US" altLang="zh-CN" sz="2130" b="0" i="0" u="none" strike="noStrike" kern="1200" cap="none" spc="0" normalizeH="0" baseline="0" noProof="0" dirty="0">
+              <a:ln>
+                <a:noFill/>
+              </a:ln>
+              <a:solidFill>
+                <a:srgbClr val="00B0F0"/>
+              </a:solidFill>
+              <a:effectLst/>
+              <a:uLnTx/>
+              <a:uFillTx/>
+              <a:latin typeface="Microsoft YaHei" panose="020B0503020204020204" pitchFamily="34" charset="-122"/>
+              <a:ea typeface="Microsoft YaHei" panose="020B0503020204020204" pitchFamily="34" charset="-122"/>
+              <a:cs typeface="+mn-cs"/>
+              <a:sym typeface="+mn-ea"/>
+            </a:endParaRPr>
           </a:p>
         </p:txBody>
       </p:sp>
@@ -32782,6 +32591,13 @@
               </a:rPr>
               <a:t>What is NFC technology?</a:t>
             </a:r>
+            <a:endParaRPr lang="en-US" altLang="zh-CN" sz="1400" dirty="0">
+              <a:solidFill>
+                <a:schemeClr val="bg1"/>
+              </a:solidFill>
+              <a:latin typeface="Microsoft YaHei" panose="020B0503020204020204" pitchFamily="34" charset="-122"/>
+              <a:ea typeface="Microsoft YaHei" panose="020B0503020204020204" pitchFamily="34" charset="-122"/>
+            </a:endParaRPr>
           </a:p>
         </p:txBody>
       </p:sp>
@@ -33298,6 +33114,21 @@
                 </a:rPr>
                 <a:t>Usage</a:t>
               </a:r>
+              <a:endParaRPr kumimoji="0" lang="en-US" altLang="zh-CN" sz="1465" b="0" i="0" u="none" strike="noStrike" kern="1200" cap="none" spc="0" normalizeH="0" baseline="0" noProof="0" dirty="0">
+                <a:ln>
+                  <a:noFill/>
+                </a:ln>
+                <a:solidFill>
+                  <a:srgbClr val="00B0F0"/>
+                </a:solidFill>
+                <a:effectLst/>
+                <a:uLnTx/>
+                <a:uFillTx/>
+                <a:latin typeface="Microsoft YaHei" panose="020B0503020204020204" pitchFamily="34" charset="-122"/>
+                <a:ea typeface="Microsoft YaHei" panose="020B0503020204020204" pitchFamily="34" charset="-122"/>
+                <a:cs typeface="+mn-cs"/>
+                <a:sym typeface="+mn-ea"/>
+              </a:endParaRPr>
             </a:p>
           </p:txBody>
         </p:sp>
@@ -33341,6 +33172,13 @@
                 </a:rPr>
                 <a:t>The usage of NFC</a:t>
               </a:r>
+              <a:endParaRPr lang="en-US" altLang="zh-CN" sz="1100" dirty="0">
+                <a:solidFill>
+                  <a:schemeClr val="bg1"/>
+                </a:solidFill>
+                <a:latin typeface="Microsoft YaHei" panose="020B0503020204020204" pitchFamily="34" charset="-122"/>
+                <a:ea typeface="Microsoft YaHei" panose="020B0503020204020204" pitchFamily="34" charset="-122"/>
+              </a:endParaRPr>
             </a:p>
           </p:txBody>
         </p:sp>
@@ -33858,6 +33696,21 @@
                 </a:rPr>
                 <a:t>Basic Concepts</a:t>
               </a:r>
+              <a:endParaRPr kumimoji="0" lang="en-US" altLang="zh-CN" sz="1465" b="0" i="0" u="none" strike="noStrike" kern="1200" cap="none" spc="0" normalizeH="0" baseline="0" noProof="0" dirty="0">
+                <a:ln>
+                  <a:noFill/>
+                </a:ln>
+                <a:solidFill>
+                  <a:srgbClr val="00B0F0"/>
+                </a:solidFill>
+                <a:effectLst/>
+                <a:uLnTx/>
+                <a:uFillTx/>
+                <a:latin typeface="Microsoft YaHei" panose="020B0503020204020204" pitchFamily="34" charset="-122"/>
+                <a:ea typeface="Microsoft YaHei" panose="020B0503020204020204" pitchFamily="34" charset="-122"/>
+                <a:cs typeface="+mn-cs"/>
+                <a:sym typeface="+mn-ea"/>
+              </a:endParaRPr>
             </a:p>
           </p:txBody>
         </p:sp>
@@ -33922,6 +33775,21 @@
                 </a:rPr>
                 <a:t>Some concepts</a:t>
               </a:r>
+              <a:endParaRPr kumimoji="0" lang="en-US" sz="1050" b="0" i="0" u="none" strike="noStrike" kern="1200" cap="none" spc="0" normalizeH="0" baseline="0" noProof="0" dirty="0">
+                <a:ln>
+                  <a:noFill/>
+                </a:ln>
+                <a:solidFill>
+                  <a:schemeClr val="bg1"/>
+                </a:solidFill>
+                <a:effectLst/>
+                <a:uLnTx/>
+                <a:uFillTx/>
+                <a:latin typeface="Microsoft YaHei" panose="020B0503020204020204" pitchFamily="34" charset="-122"/>
+                <a:ea typeface="Microsoft YaHei" panose="020B0503020204020204" pitchFamily="34" charset="-122"/>
+                <a:cs typeface="+mn-cs"/>
+                <a:sym typeface="+mn-ea"/>
+              </a:endParaRPr>
             </a:p>
           </p:txBody>
         </p:sp>
@@ -34439,6 +34307,21 @@
                 </a:rPr>
                 <a:t>NFC Detection</a:t>
               </a:r>
+              <a:endParaRPr kumimoji="0" lang="en-US" altLang="zh-CN" sz="1595" b="0" i="0" u="none" strike="noStrike" kern="1200" cap="none" spc="0" normalizeH="0" baseline="0" noProof="0" dirty="0">
+                <a:ln>
+                  <a:noFill/>
+                </a:ln>
+                <a:solidFill>
+                  <a:srgbClr val="00B0F0"/>
+                </a:solidFill>
+                <a:effectLst/>
+                <a:uLnTx/>
+                <a:uFillTx/>
+                <a:latin typeface="Microsoft YaHei" panose="020B0503020204020204" pitchFamily="34" charset="-122"/>
+                <a:ea typeface="Microsoft YaHei" panose="020B0503020204020204" pitchFamily="34" charset="-122"/>
+                <a:cs typeface="+mn-cs"/>
+                <a:sym typeface="+mn-ea"/>
+              </a:endParaRPr>
             </a:p>
           </p:txBody>
         </p:sp>
@@ -34482,6 +34365,13 @@
                 </a:rPr>
                 <a:t>How to detect if device has NFC available?</a:t>
               </a:r>
+              <a:endParaRPr lang="en-US" altLang="zh-CN" sz="1100" dirty="0">
+                <a:solidFill>
+                  <a:schemeClr val="bg1"/>
+                </a:solidFill>
+                <a:latin typeface="Microsoft YaHei" panose="020B0503020204020204" pitchFamily="34" charset="-122"/>
+                <a:ea typeface="Microsoft YaHei" panose="020B0503020204020204" pitchFamily="34" charset="-122"/>
+              </a:endParaRPr>
             </a:p>
           </p:txBody>
         </p:sp>
@@ -34752,7 +34642,7 @@
     <p:bg>
       <p:bgPr>
         <a:blipFill rotWithShape="0">
-          <a:blip r:embed="rId2"/>
+          <a:blip r:embed="rId1"/>
           <a:stretch>
             <a:fillRect/>
           </a:stretch>
@@ -34810,6 +34700,14 @@
               </a:rPr>
               <a:t>1. What is NFC?</a:t>
             </a:r>
+            <a:endParaRPr lang="en-US" altLang="zh-CN" sz="2400" b="1" dirty="0">
+              <a:solidFill>
+                <a:srgbClr val="00B0F0"/>
+              </a:solidFill>
+              <a:latin typeface="Microsoft YaHei" panose="020B0503020204020204" pitchFamily="34" charset="-122"/>
+              <a:ea typeface="Microsoft YaHei" panose="020B0503020204020204" pitchFamily="34" charset="-122"/>
+              <a:sym typeface="+mn-ea"/>
+            </a:endParaRPr>
           </a:p>
         </p:txBody>
       </p:sp>
@@ -34848,6 +34746,13 @@
               </a:rPr>
               <a:t> </a:t>
             </a:r>
+            <a:endParaRPr lang="en-US" altLang="zh-CN" sz="2000" b="1" dirty="0">
+              <a:solidFill>
+                <a:schemeClr val="bg1"/>
+              </a:solidFill>
+              <a:latin typeface="Microsoft YaHei" panose="020B0503020204020204" pitchFamily="34" charset="-122"/>
+              <a:ea typeface="Microsoft YaHei" panose="020B0503020204020204" pitchFamily="34" charset="-122"/>
+            </a:endParaRPr>
           </a:p>
         </p:txBody>
       </p:sp>
@@ -34862,7 +34767,7 @@
           </p:nvPr>
         </p:nvPicPr>
         <p:blipFill>
-          <a:blip r:embed="rId3"/>
+          <a:blip r:embed="rId2"/>
           <a:stretch>
             <a:fillRect/>
           </a:stretch>
@@ -34927,6 +34832,15 @@
               </a:rPr>
               <a:t>Near Field Communication</a:t>
             </a:r>
+            <a:endParaRPr lang="en-US" altLang="zh-CN" sz="1600" b="1" dirty="0">
+              <a:solidFill>
+                <a:srgbClr val="0070C0"/>
+              </a:solidFill>
+              <a:latin typeface="Microsoft JhengHei" panose="020B0604030504040204" charset="-120"/>
+              <a:ea typeface="Microsoft JhengHei" panose="020B0604030504040204" charset="-120"/>
+              <a:cs typeface="Nirmala UI" panose="020B0502040204020203" charset="0"/>
+              <a:sym typeface="+mn-ea"/>
+            </a:endParaRPr>
           </a:p>
           <a:p>
             <a:pPr algn="ctr"/>
@@ -34975,6 +34889,15 @@
               </a:rPr>
               <a:t> </a:t>
             </a:r>
+            <a:endParaRPr lang="en-US" altLang="zh-CN" sz="1200" dirty="0">
+              <a:solidFill>
+                <a:schemeClr val="tx2"/>
+              </a:solidFill>
+              <a:latin typeface="Microsoft JhengHei" panose="020B0604030504040204" charset="-120"/>
+              <a:ea typeface="Microsoft JhengHei" panose="020B0604030504040204" charset="-120"/>
+              <a:cs typeface="Nirmala UI" panose="020B0502040204020203" charset="0"/>
+              <a:sym typeface="+mn-ea"/>
+            </a:endParaRPr>
           </a:p>
         </p:txBody>
       </p:sp>
@@ -35028,6 +34951,15 @@
               </a:rPr>
               <a:t>Radio Communication</a:t>
             </a:r>
+            <a:endParaRPr lang="en-US" altLang="zh-CN" sz="1600" b="1" dirty="0">
+              <a:solidFill>
+                <a:srgbClr val="0070C0"/>
+              </a:solidFill>
+              <a:latin typeface="Microsoft JhengHei" panose="020B0604030504040204" charset="-120"/>
+              <a:ea typeface="Microsoft JhengHei" panose="020B0604030504040204" charset="-120"/>
+              <a:cs typeface="Nirmala UI" panose="020B0502040204020203" charset="0"/>
+              <a:sym typeface="+mn-ea"/>
+            </a:endParaRPr>
           </a:p>
           <a:p>
             <a:pPr algn="ctr"/>
@@ -35076,6 +35008,15 @@
               </a:rPr>
               <a:t> </a:t>
             </a:r>
+            <a:endParaRPr lang="en-US" altLang="zh-CN" sz="1200" dirty="0">
+              <a:solidFill>
+                <a:schemeClr val="tx2"/>
+              </a:solidFill>
+              <a:latin typeface="Microsoft JhengHei" panose="020B0604030504040204" charset="-120"/>
+              <a:ea typeface="Microsoft JhengHei" panose="020B0604030504040204" charset="-120"/>
+              <a:cs typeface="Nirmala UI" panose="020B0502040204020203" charset="0"/>
+              <a:sym typeface="+mn-ea"/>
+            </a:endParaRPr>
           </a:p>
         </p:txBody>
       </p:sp>
@@ -35129,6 +35070,15 @@
               </a:rPr>
               <a:t>Communication mode</a:t>
             </a:r>
+            <a:endParaRPr lang="en-US" altLang="zh-CN" sz="1600" b="1" dirty="0">
+              <a:solidFill>
+                <a:srgbClr val="0070C0"/>
+              </a:solidFill>
+              <a:latin typeface="Microsoft JhengHei" panose="020B0604030504040204" charset="-120"/>
+              <a:ea typeface="Microsoft JhengHei" panose="020B0604030504040204" charset="-120"/>
+              <a:cs typeface="Nirmala UI" panose="020B0502040204020203" charset="0"/>
+              <a:sym typeface="+mn-ea"/>
+            </a:endParaRPr>
           </a:p>
           <a:p>
             <a:pPr algn="ctr"/>
@@ -35184,6 +35134,7 @@
               <a:rPr lang="en-US" b="1" dirty="0"/>
               <a:t>Card Emulation</a:t>
             </a:r>
+            <a:endParaRPr lang="en-US" b="1" dirty="0"/>
           </a:p>
           <a:p>
             <a:pPr algn="ctr"/>
@@ -35191,6 +35142,7 @@
               <a:rPr lang="en-US" sz="1200" dirty="0"/>
               <a:t>Enables NFC-enabled devices such as smartphones to act like smart cards, allowing users to perform transactions such as payment or ticketing</a:t>
             </a:r>
+            <a:endParaRPr lang="en-US" sz="1200" dirty="0"/>
           </a:p>
         </p:txBody>
       </p:sp>
@@ -35234,6 +35186,7 @@
               <a:rPr lang="en-US" b="1" dirty="0"/>
               <a:t>Card Reader/ Writer</a:t>
             </a:r>
+            <a:endParaRPr lang="en-US" b="1" dirty="0"/>
           </a:p>
           <a:p>
             <a:pPr algn="ctr"/>
@@ -35241,6 +35194,7 @@
               <a:rPr lang="en-US" sz="1200" dirty="0"/>
               <a:t>Enables NFC-enabled devices to read information stored on inexpensive NFC tags embedded in labels or smart posters</a:t>
             </a:r>
+            <a:endParaRPr lang="en-US" sz="1200" dirty="0"/>
           </a:p>
         </p:txBody>
       </p:sp>
@@ -35284,6 +35238,7 @@
               <a:rPr lang="en-US" b="1" dirty="0"/>
               <a:t>peer-to-peer</a:t>
             </a:r>
+            <a:endParaRPr lang="en-US" b="1" dirty="0"/>
           </a:p>
           <a:p>
             <a:pPr algn="ctr"/>
@@ -35295,6 +35250,7 @@
               <a:rPr lang="en-US" sz="1200" dirty="0"/>
               <a:t>Enables two NFC-enabled devices to communicate with each other to exchange information</a:t>
             </a:r>
+            <a:endParaRPr lang="en-US" sz="1200" dirty="0"/>
           </a:p>
         </p:txBody>
       </p:sp>
@@ -35468,6 +35424,15 @@
               </a:rPr>
               <a:t> </a:t>
             </a:r>
+            <a:endParaRPr lang="en-US" altLang="zh-CN" sz="1200" dirty="0">
+              <a:solidFill>
+                <a:schemeClr val="tx2"/>
+              </a:solidFill>
+              <a:latin typeface="Microsoft JhengHei" panose="020B0604030504040204" charset="-120"/>
+              <a:ea typeface="Microsoft JhengHei" panose="020B0604030504040204" charset="-120"/>
+              <a:cs typeface="Nirmala UI" panose="020B0502040204020203" charset="0"/>
+              <a:sym typeface="+mn-ea"/>
+            </a:endParaRPr>
           </a:p>
         </p:txBody>
       </p:sp>
@@ -35482,7 +35447,7 @@
           </p:nvPr>
         </p:nvPicPr>
         <p:blipFill>
-          <a:blip r:embed="rId4"/>
+          <a:blip r:embed="rId3"/>
           <a:stretch>
             <a:fillRect/>
           </a:stretch>
@@ -35506,7 +35471,7 @@
           <p:nvPr/>
         </p:nvPicPr>
         <p:blipFill>
-          <a:blip r:embed="rId5"/>
+          <a:blip r:embed="rId4"/>
           <a:stretch>
             <a:fillRect/>
           </a:stretch>
@@ -35622,6 +35587,11 @@
               </a:rPr>
               <a:t>Active communication</a:t>
             </a:r>
+            <a:endParaRPr lang="en-US" sz="1400">
+              <a:solidFill>
+                <a:schemeClr val="bg1"/>
+              </a:solidFill>
+            </a:endParaRPr>
           </a:p>
           <a:p>
             <a:r>
@@ -35632,6 +35602,11 @@
               </a:rPr>
               <a:t>(2 powered NFC devices)</a:t>
             </a:r>
+            <a:endParaRPr lang="en-US" sz="1000">
+              <a:solidFill>
+                <a:schemeClr val="bg1"/>
+              </a:solidFill>
+            </a:endParaRPr>
           </a:p>
         </p:txBody>
       </p:sp>
@@ -35665,6 +35640,11 @@
               </a:rPr>
               <a:t>Passive communication</a:t>
             </a:r>
+            <a:endParaRPr lang="en-US" sz="1400">
+              <a:solidFill>
+                <a:schemeClr val="bg1"/>
+              </a:solidFill>
+            </a:endParaRPr>
           </a:p>
           <a:p>
             <a:r>
@@ -35675,6 +35655,11 @@
               </a:rPr>
               <a:t>(1 powered NFC device &amp; 1 non (self) powered device)</a:t>
             </a:r>
+            <a:endParaRPr lang="en-US" sz="1000">
+              <a:solidFill>
+                <a:schemeClr val="bg1"/>
+              </a:solidFill>
+            </a:endParaRPr>
           </a:p>
         </p:txBody>
       </p:sp>
@@ -35686,6 +35671,706 @@
   <p:transition spd="slow">
     <p:wipe/>
   </p:transition>
+  <p:timing>
+    <p:tnLst>
+      <p:par>
+        <p:cTn id="1" dur="indefinite" restart="never" nodeType="tmRoot">
+          <p:childTnLst>
+            <p:seq concurrent="1" nextAc="seek">
+              <p:cTn id="2" dur="indefinite" nodeType="mainSeq">
+                <p:childTnLst>
+                  <p:par>
+                    <p:cTn id="3" fill="hold">
+                      <p:stCondLst>
+                        <p:cond delay="indefinite"/>
+                      </p:stCondLst>
+                      <p:childTnLst>
+                        <p:par>
+                          <p:cTn id="4" fill="hold">
+                            <p:stCondLst>
+                              <p:cond delay="0"/>
+                            </p:stCondLst>
+                            <p:childTnLst>
+                              <p:par>
+                                <p:cTn id="5" presetID="1" presetClass="entr" presetSubtype="0" fill="hold" grpId="0" nodeType="clickEffect">
+                                  <p:stCondLst>
+                                    <p:cond delay="0"/>
+                                  </p:stCondLst>
+                                  <p:childTnLst>
+                                    <p:set>
+                                      <p:cBhvr>
+                                        <p:cTn id="6" dur="1" fill="hold">
+                                          <p:stCondLst>
+                                            <p:cond delay="0"/>
+                                          </p:stCondLst>
+                                        </p:cTn>
+                                        <p:tgtEl>
+                                          <p:spTgt spid="8"/>
+                                        </p:tgtEl>
+                                        <p:attrNameLst>
+                                          <p:attrName>style.visibility</p:attrName>
+                                        </p:attrNameLst>
+                                      </p:cBhvr>
+                                      <p:to>
+                                        <p:strVal val="visible"/>
+                                      </p:to>
+                                    </p:set>
+                                  </p:childTnLst>
+                                </p:cTn>
+                              </p:par>
+                            </p:childTnLst>
+                          </p:cTn>
+                        </p:par>
+                      </p:childTnLst>
+                    </p:cTn>
+                  </p:par>
+                  <p:par>
+                    <p:cTn id="7" fill="hold">
+                      <p:stCondLst>
+                        <p:cond delay="indefinite"/>
+                      </p:stCondLst>
+                      <p:childTnLst>
+                        <p:par>
+                          <p:cTn id="8" fill="hold">
+                            <p:stCondLst>
+                              <p:cond delay="0"/>
+                            </p:stCondLst>
+                            <p:childTnLst>
+                              <p:par>
+                                <p:cTn id="9" presetID="1" presetClass="entr" presetSubtype="0" fill="hold" grpId="0" nodeType="clickEffect">
+                                  <p:stCondLst>
+                                    <p:cond delay="0"/>
+                                  </p:stCondLst>
+                                  <p:childTnLst>
+                                    <p:set>
+                                      <p:cBhvr>
+                                        <p:cTn id="10" dur="1" fill="hold">
+                                          <p:stCondLst>
+                                            <p:cond delay="0"/>
+                                          </p:stCondLst>
+                                        </p:cTn>
+                                        <p:tgtEl>
+                                          <p:spTgt spid="12"/>
+                                        </p:tgtEl>
+                                        <p:attrNameLst>
+                                          <p:attrName>style.visibility</p:attrName>
+                                        </p:attrNameLst>
+                                      </p:cBhvr>
+                                      <p:to>
+                                        <p:strVal val="visible"/>
+                                      </p:to>
+                                    </p:set>
+                                  </p:childTnLst>
+                                </p:cTn>
+                              </p:par>
+                            </p:childTnLst>
+                          </p:cTn>
+                        </p:par>
+                      </p:childTnLst>
+                    </p:cTn>
+                  </p:par>
+                  <p:par>
+                    <p:cTn id="11" fill="hold">
+                      <p:stCondLst>
+                        <p:cond delay="indefinite"/>
+                      </p:stCondLst>
+                      <p:childTnLst>
+                        <p:par>
+                          <p:cTn id="12" fill="hold">
+                            <p:stCondLst>
+                              <p:cond delay="0"/>
+                            </p:stCondLst>
+                            <p:childTnLst>
+                              <p:par>
+                                <p:cTn id="13" presetID="3" presetClass="entr" presetSubtype="10" fill="hold" nodeType="clickEffect">
+                                  <p:stCondLst>
+                                    <p:cond delay="0"/>
+                                  </p:stCondLst>
+                                  <p:childTnLst>
+                                    <p:set>
+                                      <p:cBhvr>
+                                        <p:cTn id="14" dur="1" fill="hold">
+                                          <p:stCondLst>
+                                            <p:cond delay="0"/>
+                                          </p:stCondLst>
+                                        </p:cTn>
+                                        <p:tgtEl>
+                                          <p:spTgt spid="25"/>
+                                        </p:tgtEl>
+                                        <p:attrNameLst>
+                                          <p:attrName>style.visibility</p:attrName>
+                                        </p:attrNameLst>
+                                      </p:cBhvr>
+                                      <p:to>
+                                        <p:strVal val="visible"/>
+                                      </p:to>
+                                    </p:set>
+                                    <p:animEffect transition="in" filter="blinds(horizontal)">
+                                      <p:cBhvr>
+                                        <p:cTn id="15" dur="500"/>
+                                        <p:tgtEl>
+                                          <p:spTgt spid="25"/>
+                                        </p:tgtEl>
+                                      </p:cBhvr>
+                                    </p:animEffect>
+                                  </p:childTnLst>
+                                </p:cTn>
+                              </p:par>
+                              <p:par>
+                                <p:cTn id="16" presetID="3" presetClass="entr" presetSubtype="10" fill="hold" nodeType="withEffect">
+                                  <p:stCondLst>
+                                    <p:cond delay="0"/>
+                                  </p:stCondLst>
+                                  <p:childTnLst>
+                                    <p:set>
+                                      <p:cBhvr>
+                                        <p:cTn id="17" dur="1" fill="hold">
+                                          <p:stCondLst>
+                                            <p:cond delay="0"/>
+                                          </p:stCondLst>
+                                        </p:cTn>
+                                        <p:tgtEl>
+                                          <p:spTgt spid="22"/>
+                                        </p:tgtEl>
+                                        <p:attrNameLst>
+                                          <p:attrName>style.visibility</p:attrName>
+                                        </p:attrNameLst>
+                                      </p:cBhvr>
+                                      <p:to>
+                                        <p:strVal val="visible"/>
+                                      </p:to>
+                                    </p:set>
+                                    <p:animEffect transition="in" filter="blinds(horizontal)">
+                                      <p:cBhvr>
+                                        <p:cTn id="18" dur="500"/>
+                                        <p:tgtEl>
+                                          <p:spTgt spid="22"/>
+                                        </p:tgtEl>
+                                      </p:cBhvr>
+                                    </p:animEffect>
+                                  </p:childTnLst>
+                                </p:cTn>
+                              </p:par>
+                              <p:par>
+                                <p:cTn id="19" presetID="3" presetClass="entr" presetSubtype="10" fill="hold" grpId="0" nodeType="withEffect">
+                                  <p:stCondLst>
+                                    <p:cond delay="0"/>
+                                  </p:stCondLst>
+                                  <p:childTnLst>
+                                    <p:set>
+                                      <p:cBhvr>
+                                        <p:cTn id="20" dur="1" fill="hold">
+                                          <p:stCondLst>
+                                            <p:cond delay="0"/>
+                                          </p:stCondLst>
+                                        </p:cTn>
+                                        <p:tgtEl>
+                                          <p:spTgt spid="27"/>
+                                        </p:tgtEl>
+                                        <p:attrNameLst>
+                                          <p:attrName>style.visibility</p:attrName>
+                                        </p:attrNameLst>
+                                      </p:cBhvr>
+                                      <p:to>
+                                        <p:strVal val="visible"/>
+                                      </p:to>
+                                    </p:set>
+                                    <p:animEffect transition="in" filter="blinds(horizontal)">
+                                      <p:cBhvr>
+                                        <p:cTn id="21" dur="500"/>
+                                        <p:tgtEl>
+                                          <p:spTgt spid="27"/>
+                                        </p:tgtEl>
+                                      </p:cBhvr>
+                                    </p:animEffect>
+                                  </p:childTnLst>
+                                </p:cTn>
+                              </p:par>
+                            </p:childTnLst>
+                          </p:cTn>
+                        </p:par>
+                      </p:childTnLst>
+                    </p:cTn>
+                  </p:par>
+                  <p:par>
+                    <p:cTn id="22" fill="hold">
+                      <p:stCondLst>
+                        <p:cond delay="indefinite"/>
+                      </p:stCondLst>
+                      <p:childTnLst>
+                        <p:par>
+                          <p:cTn id="23" fill="hold">
+                            <p:stCondLst>
+                              <p:cond delay="0"/>
+                            </p:stCondLst>
+                            <p:childTnLst>
+                              <p:par>
+                                <p:cTn id="24" presetID="3" presetClass="entr" presetSubtype="10" fill="hold" nodeType="clickEffect">
+                                  <p:stCondLst>
+                                    <p:cond delay="0"/>
+                                  </p:stCondLst>
+                                  <p:childTnLst>
+                                    <p:set>
+                                      <p:cBhvr>
+                                        <p:cTn id="25" dur="1" fill="hold">
+                                          <p:stCondLst>
+                                            <p:cond delay="0"/>
+                                          </p:stCondLst>
+                                        </p:cTn>
+                                        <p:tgtEl>
+                                          <p:spTgt spid="26"/>
+                                        </p:tgtEl>
+                                        <p:attrNameLst>
+                                          <p:attrName>style.visibility</p:attrName>
+                                        </p:attrNameLst>
+                                      </p:cBhvr>
+                                      <p:to>
+                                        <p:strVal val="visible"/>
+                                      </p:to>
+                                    </p:set>
+                                    <p:animEffect transition="in" filter="blinds(horizontal)">
+                                      <p:cBhvr>
+                                        <p:cTn id="26" dur="500"/>
+                                        <p:tgtEl>
+                                          <p:spTgt spid="26"/>
+                                        </p:tgtEl>
+                                      </p:cBhvr>
+                                    </p:animEffect>
+                                  </p:childTnLst>
+                                </p:cTn>
+                              </p:par>
+                              <p:par>
+                                <p:cTn id="27" presetID="3" presetClass="entr" presetSubtype="10" fill="hold" nodeType="withEffect">
+                                  <p:stCondLst>
+                                    <p:cond delay="0"/>
+                                  </p:stCondLst>
+                                  <p:childTnLst>
+                                    <p:set>
+                                      <p:cBhvr>
+                                        <p:cTn id="28" dur="1" fill="hold">
+                                          <p:stCondLst>
+                                            <p:cond delay="0"/>
+                                          </p:stCondLst>
+                                        </p:cTn>
+                                        <p:tgtEl>
+                                          <p:spTgt spid="24"/>
+                                        </p:tgtEl>
+                                        <p:attrNameLst>
+                                          <p:attrName>style.visibility</p:attrName>
+                                        </p:attrNameLst>
+                                      </p:cBhvr>
+                                      <p:to>
+                                        <p:strVal val="visible"/>
+                                      </p:to>
+                                    </p:set>
+                                    <p:animEffect transition="in" filter="blinds(horizontal)">
+                                      <p:cBhvr>
+                                        <p:cTn id="29" dur="500"/>
+                                        <p:tgtEl>
+                                          <p:spTgt spid="24"/>
+                                        </p:tgtEl>
+                                      </p:cBhvr>
+                                    </p:animEffect>
+                                  </p:childTnLst>
+                                </p:cTn>
+                              </p:par>
+                              <p:par>
+                                <p:cTn id="30" presetID="3" presetClass="entr" presetSubtype="10" fill="hold" grpId="0" nodeType="withEffect">
+                                  <p:stCondLst>
+                                    <p:cond delay="0"/>
+                                  </p:stCondLst>
+                                  <p:childTnLst>
+                                    <p:set>
+                                      <p:cBhvr>
+                                        <p:cTn id="31" dur="1" fill="hold">
+                                          <p:stCondLst>
+                                            <p:cond delay="0"/>
+                                          </p:stCondLst>
+                                        </p:cTn>
+                                        <p:tgtEl>
+                                          <p:spTgt spid="28"/>
+                                        </p:tgtEl>
+                                        <p:attrNameLst>
+                                          <p:attrName>style.visibility</p:attrName>
+                                        </p:attrNameLst>
+                                      </p:cBhvr>
+                                      <p:to>
+                                        <p:strVal val="visible"/>
+                                      </p:to>
+                                    </p:set>
+                                    <p:animEffect transition="in" filter="blinds(horizontal)">
+                                      <p:cBhvr>
+                                        <p:cTn id="32" dur="500"/>
+                                        <p:tgtEl>
+                                          <p:spTgt spid="28"/>
+                                        </p:tgtEl>
+                                      </p:cBhvr>
+                                    </p:animEffect>
+                                  </p:childTnLst>
+                                </p:cTn>
+                              </p:par>
+                            </p:childTnLst>
+                          </p:cTn>
+                        </p:par>
+                      </p:childTnLst>
+                    </p:cTn>
+                  </p:par>
+                  <p:par>
+                    <p:cTn id="33" fill="hold">
+                      <p:stCondLst>
+                        <p:cond delay="indefinite"/>
+                      </p:stCondLst>
+                      <p:childTnLst>
+                        <p:par>
+                          <p:cTn id="34" fill="hold">
+                            <p:stCondLst>
+                              <p:cond delay="0"/>
+                            </p:stCondLst>
+                            <p:childTnLst>
+                              <p:par>
+                                <p:cTn id="35" presetID="3" presetClass="entr" presetSubtype="10" fill="hold" grpId="0" nodeType="clickEffect">
+                                  <p:stCondLst>
+                                    <p:cond delay="0"/>
+                                  </p:stCondLst>
+                                  <p:childTnLst>
+                                    <p:set>
+                                      <p:cBhvr>
+                                        <p:cTn id="36" dur="1" fill="hold">
+                                          <p:stCondLst>
+                                            <p:cond delay="0"/>
+                                          </p:stCondLst>
+                                        </p:cTn>
+                                        <p:tgtEl>
+                                          <p:spTgt spid="14"/>
+                                        </p:tgtEl>
+                                        <p:attrNameLst>
+                                          <p:attrName>style.visibility</p:attrName>
+                                        </p:attrNameLst>
+                                      </p:cBhvr>
+                                      <p:to>
+                                        <p:strVal val="visible"/>
+                                      </p:to>
+                                    </p:set>
+                                    <p:animEffect transition="in" filter="blinds(horizontal)">
+                                      <p:cBhvr>
+                                        <p:cTn id="37" dur="500"/>
+                                        <p:tgtEl>
+                                          <p:spTgt spid="14"/>
+                                        </p:tgtEl>
+                                      </p:cBhvr>
+                                    </p:animEffect>
+                                  </p:childTnLst>
+                                </p:cTn>
+                              </p:par>
+                            </p:childTnLst>
+                          </p:cTn>
+                        </p:par>
+                      </p:childTnLst>
+                    </p:cTn>
+                  </p:par>
+                  <p:par>
+                    <p:cTn id="38" fill="hold">
+                      <p:stCondLst>
+                        <p:cond delay="indefinite"/>
+                      </p:stCondLst>
+                      <p:childTnLst>
+                        <p:par>
+                          <p:cTn id="39" fill="hold">
+                            <p:stCondLst>
+                              <p:cond delay="0"/>
+                            </p:stCondLst>
+                            <p:childTnLst>
+                              <p:par>
+                                <p:cTn id="40" presetID="3" presetClass="entr" presetSubtype="10" fill="hold" grpId="0" nodeType="clickEffect">
+                                  <p:stCondLst>
+                                    <p:cond delay="0"/>
+                                  </p:stCondLst>
+                                  <p:childTnLst>
+                                    <p:set>
+                                      <p:cBhvr>
+                                        <p:cTn id="41" dur="1" fill="hold">
+                                          <p:stCondLst>
+                                            <p:cond delay="0"/>
+                                          </p:stCondLst>
+                                        </p:cTn>
+                                        <p:tgtEl>
+                                          <p:spTgt spid="16"/>
+                                        </p:tgtEl>
+                                        <p:attrNameLst>
+                                          <p:attrName>style.visibility</p:attrName>
+                                        </p:attrNameLst>
+                                      </p:cBhvr>
+                                      <p:to>
+                                        <p:strVal val="visible"/>
+                                      </p:to>
+                                    </p:set>
+                                    <p:animEffect transition="in" filter="blinds(horizontal)">
+                                      <p:cBhvr>
+                                        <p:cTn id="42" dur="500"/>
+                                        <p:tgtEl>
+                                          <p:spTgt spid="16"/>
+                                        </p:tgtEl>
+                                      </p:cBhvr>
+                                    </p:animEffect>
+                                  </p:childTnLst>
+                                </p:cTn>
+                              </p:par>
+                              <p:par>
+                                <p:cTn id="43" presetID="3" presetClass="entr" presetSubtype="10" fill="hold" nodeType="withEffect">
+                                  <p:stCondLst>
+                                    <p:cond delay="0"/>
+                                  </p:stCondLst>
+                                  <p:childTnLst>
+                                    <p:set>
+                                      <p:cBhvr>
+                                        <p:cTn id="44" dur="1" fill="hold">
+                                          <p:stCondLst>
+                                            <p:cond delay="0"/>
+                                          </p:stCondLst>
+                                        </p:cTn>
+                                        <p:tgtEl>
+                                          <p:spTgt spid="19"/>
+                                        </p:tgtEl>
+                                        <p:attrNameLst>
+                                          <p:attrName>style.visibility</p:attrName>
+                                        </p:attrNameLst>
+                                      </p:cBhvr>
+                                      <p:to>
+                                        <p:strVal val="visible"/>
+                                      </p:to>
+                                    </p:set>
+                                    <p:animEffect transition="in" filter="blinds(horizontal)">
+                                      <p:cBhvr>
+                                        <p:cTn id="45" dur="500"/>
+                                        <p:tgtEl>
+                                          <p:spTgt spid="19"/>
+                                        </p:tgtEl>
+                                      </p:cBhvr>
+                                    </p:animEffect>
+                                  </p:childTnLst>
+                                </p:cTn>
+                              </p:par>
+                            </p:childTnLst>
+                          </p:cTn>
+                        </p:par>
+                      </p:childTnLst>
+                    </p:cTn>
+                  </p:par>
+                  <p:par>
+                    <p:cTn id="46" fill="hold">
+                      <p:stCondLst>
+                        <p:cond delay="indefinite"/>
+                      </p:stCondLst>
+                      <p:childTnLst>
+                        <p:par>
+                          <p:cTn id="47" fill="hold">
+                            <p:stCondLst>
+                              <p:cond delay="0"/>
+                            </p:stCondLst>
+                            <p:childTnLst>
+                              <p:par>
+                                <p:cTn id="48" presetID="3" presetClass="entr" presetSubtype="10" fill="hold" nodeType="clickEffect">
+                                  <p:stCondLst>
+                                    <p:cond delay="0"/>
+                                  </p:stCondLst>
+                                  <p:childTnLst>
+                                    <p:set>
+                                      <p:cBhvr>
+                                        <p:cTn id="49" dur="1" fill="hold">
+                                          <p:stCondLst>
+                                            <p:cond delay="0"/>
+                                          </p:stCondLst>
+                                        </p:cTn>
+                                        <p:tgtEl>
+                                          <p:spTgt spid="20"/>
+                                        </p:tgtEl>
+                                        <p:attrNameLst>
+                                          <p:attrName>style.visibility</p:attrName>
+                                        </p:attrNameLst>
+                                      </p:cBhvr>
+                                      <p:to>
+                                        <p:strVal val="visible"/>
+                                      </p:to>
+                                    </p:set>
+                                    <p:animEffect transition="in" filter="blinds(horizontal)">
+                                      <p:cBhvr>
+                                        <p:cTn id="50" dur="500"/>
+                                        <p:tgtEl>
+                                          <p:spTgt spid="20"/>
+                                        </p:tgtEl>
+                                      </p:cBhvr>
+                                    </p:animEffect>
+                                  </p:childTnLst>
+                                </p:cTn>
+                              </p:par>
+                              <p:par>
+                                <p:cTn id="51" presetID="3" presetClass="entr" presetSubtype="10" fill="hold" grpId="0" nodeType="withEffect">
+                                  <p:stCondLst>
+                                    <p:cond delay="0"/>
+                                  </p:stCondLst>
+                                  <p:childTnLst>
+                                    <p:set>
+                                      <p:cBhvr>
+                                        <p:cTn id="52" dur="1" fill="hold">
+                                          <p:stCondLst>
+                                            <p:cond delay="0"/>
+                                          </p:stCondLst>
+                                        </p:cTn>
+                                        <p:tgtEl>
+                                          <p:spTgt spid="17"/>
+                                        </p:tgtEl>
+                                        <p:attrNameLst>
+                                          <p:attrName>style.visibility</p:attrName>
+                                        </p:attrNameLst>
+                                      </p:cBhvr>
+                                      <p:to>
+                                        <p:strVal val="visible"/>
+                                      </p:to>
+                                    </p:set>
+                                    <p:animEffect transition="in" filter="blinds(horizontal)">
+                                      <p:cBhvr>
+                                        <p:cTn id="53" dur="500"/>
+                                        <p:tgtEl>
+                                          <p:spTgt spid="17"/>
+                                        </p:tgtEl>
+                                      </p:cBhvr>
+                                    </p:animEffect>
+                                  </p:childTnLst>
+                                </p:cTn>
+                              </p:par>
+                            </p:childTnLst>
+                          </p:cTn>
+                        </p:par>
+                      </p:childTnLst>
+                    </p:cTn>
+                  </p:par>
+                  <p:par>
+                    <p:cTn id="54" fill="hold">
+                      <p:stCondLst>
+                        <p:cond delay="indefinite"/>
+                      </p:stCondLst>
+                      <p:childTnLst>
+                        <p:par>
+                          <p:cTn id="55" fill="hold">
+                            <p:stCondLst>
+                              <p:cond delay="0"/>
+                            </p:stCondLst>
+                            <p:childTnLst>
+                              <p:par>
+                                <p:cTn id="56" presetID="3" presetClass="entr" presetSubtype="10" fill="hold" nodeType="clickEffect">
+                                  <p:stCondLst>
+                                    <p:cond delay="0"/>
+                                  </p:stCondLst>
+                                  <p:childTnLst>
+                                    <p:set>
+                                      <p:cBhvr>
+                                        <p:cTn id="57" dur="1" fill="hold">
+                                          <p:stCondLst>
+                                            <p:cond delay="0"/>
+                                          </p:stCondLst>
+                                        </p:cTn>
+                                        <p:tgtEl>
+                                          <p:spTgt spid="18"/>
+                                        </p:tgtEl>
+                                        <p:attrNameLst>
+                                          <p:attrName>style.visibility</p:attrName>
+                                        </p:attrNameLst>
+                                      </p:cBhvr>
+                                      <p:to>
+                                        <p:strVal val="visible"/>
+                                      </p:to>
+                                    </p:set>
+                                    <p:animEffect transition="in" filter="blinds(horizontal)">
+                                      <p:cBhvr>
+                                        <p:cTn id="58" dur="500"/>
+                                        <p:tgtEl>
+                                          <p:spTgt spid="18"/>
+                                        </p:tgtEl>
+                                      </p:cBhvr>
+                                    </p:animEffect>
+                                  </p:childTnLst>
+                                </p:cTn>
+                              </p:par>
+                              <p:par>
+                                <p:cTn id="59" presetID="3" presetClass="entr" presetSubtype="10" fill="hold" grpId="0" nodeType="withEffect">
+                                  <p:stCondLst>
+                                    <p:cond delay="0"/>
+                                  </p:stCondLst>
+                                  <p:childTnLst>
+                                    <p:set>
+                                      <p:cBhvr>
+                                        <p:cTn id="60" dur="1" fill="hold">
+                                          <p:stCondLst>
+                                            <p:cond delay="0"/>
+                                          </p:stCondLst>
+                                        </p:cTn>
+                                        <p:tgtEl>
+                                          <p:spTgt spid="15"/>
+                                        </p:tgtEl>
+                                        <p:attrNameLst>
+                                          <p:attrName>style.visibility</p:attrName>
+                                        </p:attrNameLst>
+                                      </p:cBhvr>
+                                      <p:to>
+                                        <p:strVal val="visible"/>
+                                      </p:to>
+                                    </p:set>
+                                    <p:animEffect transition="in" filter="blinds(horizontal)">
+                                      <p:cBhvr>
+                                        <p:cTn id="61" dur="500"/>
+                                        <p:tgtEl>
+                                          <p:spTgt spid="15"/>
+                                        </p:tgtEl>
+                                      </p:cBhvr>
+                                    </p:animEffect>
+                                  </p:childTnLst>
+                                </p:cTn>
+                              </p:par>
+                            </p:childTnLst>
+                          </p:cTn>
+                        </p:par>
+                      </p:childTnLst>
+                    </p:cTn>
+                  </p:par>
+                </p:childTnLst>
+              </p:cTn>
+              <p:prevCondLst>
+                <p:cond evt="onPrev" delay="0">
+                  <p:tgtEl>
+                    <p:sldTgt/>
+                  </p:tgtEl>
+                </p:cond>
+              </p:prevCondLst>
+              <p:nextCondLst>
+                <p:cond evt="onNext" delay="0">
+                  <p:tgtEl>
+                    <p:sldTgt/>
+                  </p:tgtEl>
+                </p:cond>
+              </p:nextCondLst>
+            </p:seq>
+          </p:childTnLst>
+        </p:cTn>
+      </p:par>
+    </p:tnLst>
+    <p:bldLst>
+      <p:bldP spid="8" grpId="0" animBg="1"/>
+      <p:bldP spid="8" grpId="1" animBg="1"/>
+      <p:bldP spid="12" grpId="0" animBg="1"/>
+      <p:bldP spid="27" grpId="0"/>
+      <p:bldP spid="27" grpId="1"/>
+      <p:bldP spid="28" grpId="0"/>
+      <p:bldP spid="28" grpId="1"/>
+      <p:bldP spid="14" grpId="0" animBg="1"/>
+      <p:bldP spid="14" grpId="1" animBg="1"/>
+      <p:bldP spid="16" grpId="0" animBg="1"/>
+      <p:bldP spid="16" grpId="1" animBg="1"/>
+      <p:bldP spid="17" grpId="0" animBg="1"/>
+      <p:bldP spid="17" grpId="1" animBg="1"/>
+      <p:bldP spid="15" grpId="0" animBg="1"/>
+      <p:bldP spid="15" grpId="1" animBg="1"/>
+    </p:bldLst>
+  </p:timing>
 </p:sld>
 </file>
 
@@ -35695,7 +36380,7 @@
     <p:bg>
       <p:bgPr>
         <a:blipFill rotWithShape="0">
-          <a:blip r:embed="rId2"/>
+          <a:blip r:embed="rId1"/>
           <a:stretch>
             <a:fillRect/>
           </a:stretch>
@@ -35753,6 +36438,14 @@
               </a:rPr>
               <a:t>2. Benefit of NFC?</a:t>
             </a:r>
+            <a:endParaRPr lang="en-US" altLang="zh-CN" sz="2400" b="1" dirty="0">
+              <a:solidFill>
+                <a:srgbClr val="00B0F0"/>
+              </a:solidFill>
+              <a:latin typeface="Microsoft YaHei" panose="020B0503020204020204" pitchFamily="34" charset="-122"/>
+              <a:ea typeface="Microsoft YaHei" panose="020B0503020204020204" pitchFamily="34" charset="-122"/>
+              <a:sym typeface="+mn-ea"/>
+            </a:endParaRPr>
           </a:p>
         </p:txBody>
       </p:sp>
@@ -35798,6 +36491,11 @@
               </a:rPr>
               <a:t>Convenience</a:t>
             </a:r>
+            <a:endParaRPr lang="en-US" sz="2400">
+              <a:solidFill>
+                <a:srgbClr val="0070C0"/>
+              </a:solidFill>
+            </a:endParaRPr>
           </a:p>
         </p:txBody>
       </p:sp>
@@ -35812,7 +36510,7 @@
           </p:nvPr>
         </p:nvPicPr>
         <p:blipFill>
-          <a:blip r:embed="rId3"/>
+          <a:blip r:embed="rId2"/>
           <a:stretch>
             <a:fillRect/>
           </a:stretch>
@@ -35838,7 +36536,7 @@
           </p:nvPr>
         </p:nvPicPr>
         <p:blipFill>
-          <a:blip r:embed="rId4"/>
+          <a:blip r:embed="rId3"/>
           <a:stretch>
             <a:fillRect/>
           </a:stretch>
@@ -35862,7 +36560,7 @@
           <p:nvPr/>
         </p:nvPicPr>
         <p:blipFill>
-          <a:blip r:embed="rId5"/>
+          <a:blip r:embed="rId4"/>
           <a:stretch>
             <a:fillRect/>
           </a:stretch>
@@ -35919,6 +36617,11 @@
               </a:rPr>
               <a:t>Security</a:t>
             </a:r>
+            <a:endParaRPr lang="en-US" sz="2400">
+              <a:solidFill>
+                <a:srgbClr val="0070C0"/>
+              </a:solidFill>
+            </a:endParaRPr>
           </a:p>
         </p:txBody>
       </p:sp>
@@ -35967,6 +36670,11 @@
               </a:rPr>
               <a:t>SmartCard using Secure Element </a:t>
             </a:r>
+            <a:endParaRPr lang="en-US">
+              <a:solidFill>
+                <a:schemeClr val="bg1"/>
+              </a:solidFill>
+            </a:endParaRPr>
           </a:p>
           <a:p>
             <a:r>
@@ -35977,6 +36685,11 @@
               </a:rPr>
               <a:t>(a tamper resistant smart card chip capable of running smart card applications (called applets or cardlets) with a certain level of security and features)</a:t>
             </a:r>
+            <a:endParaRPr lang="en-US" sz="1200">
+              <a:solidFill>
+                <a:schemeClr val="bg1"/>
+              </a:solidFill>
+            </a:endParaRPr>
           </a:p>
         </p:txBody>
       </p:sp>
@@ -36025,6 +36738,11 @@
               </a:rPr>
               <a:t>Short range communication</a:t>
             </a:r>
+            <a:endParaRPr lang="en-US" dirty="0">
+              <a:solidFill>
+                <a:schemeClr val="bg1"/>
+              </a:solidFill>
+            </a:endParaRPr>
           </a:p>
           <a:p>
             <a:r>
@@ -36067,6 +36785,11 @@
               </a:rPr>
               <a:t> data)</a:t>
             </a:r>
+            <a:endParaRPr lang="en-US" sz="1200" dirty="0">
+              <a:solidFill>
+                <a:schemeClr val="bg1"/>
+              </a:solidFill>
+            </a:endParaRPr>
           </a:p>
         </p:txBody>
       </p:sp>
@@ -36074,7 +36797,6 @@
         <p:nvCxnSpPr>
           <p:cNvPr id="14" name="Straight Arrow Connector 13"/>
           <p:cNvCxnSpPr>
-            <a:cxnSpLocks/>
             <a:stCxn id="10" idx="2"/>
             <a:endCxn id="13" idx="0"/>
           </p:cNvCxnSpPr>
@@ -36152,7 +36874,7 @@
           <p:nvPr/>
         </p:nvPicPr>
         <p:blipFill>
-          <a:blip r:embed="rId6"/>
+          <a:blip r:embed="rId5"/>
           <a:stretch>
             <a:fillRect/>
           </a:stretch>
@@ -36176,7 +36898,7 @@
           <p:nvPr/>
         </p:nvPicPr>
         <p:blipFill>
-          <a:blip r:embed="rId7"/>
+          <a:blip r:embed="rId6"/>
           <a:stretch>
             <a:fillRect/>
           </a:stretch>
@@ -36199,6 +36921,504 @@
   <p:transition spd="slow">
     <p:wipe/>
   </p:transition>
+  <p:timing>
+    <p:tnLst>
+      <p:par>
+        <p:cTn id="1" dur="indefinite" restart="never" nodeType="tmRoot">
+          <p:childTnLst>
+            <p:seq concurrent="1" nextAc="seek">
+              <p:cTn id="2" dur="indefinite" nodeType="mainSeq">
+                <p:childTnLst>
+                  <p:par>
+                    <p:cTn id="3" fill="hold">
+                      <p:stCondLst>
+                        <p:cond delay="indefinite"/>
+                      </p:stCondLst>
+                      <p:childTnLst>
+                        <p:par>
+                          <p:cTn id="4" fill="hold">
+                            <p:stCondLst>
+                              <p:cond delay="0"/>
+                            </p:stCondLst>
+                            <p:childTnLst>
+                              <p:par>
+                                <p:cTn id="5" presetID="3" presetClass="entr" presetSubtype="10" fill="hold" grpId="0" nodeType="clickEffect">
+                                  <p:stCondLst>
+                                    <p:cond delay="0"/>
+                                  </p:stCondLst>
+                                  <p:childTnLst>
+                                    <p:set>
+                                      <p:cBhvr>
+                                        <p:cTn id="6" dur="1" fill="hold">
+                                          <p:stCondLst>
+                                            <p:cond delay="0"/>
+                                          </p:stCondLst>
+                                        </p:cTn>
+                                        <p:tgtEl>
+                                          <p:spTgt spid="4"/>
+                                        </p:tgtEl>
+                                        <p:attrNameLst>
+                                          <p:attrName>style.visibility</p:attrName>
+                                        </p:attrNameLst>
+                                      </p:cBhvr>
+                                      <p:to>
+                                        <p:strVal val="visible"/>
+                                      </p:to>
+                                    </p:set>
+                                    <p:animEffect transition="in" filter="blinds(horizontal)">
+                                      <p:cBhvr>
+                                        <p:cTn id="7" dur="500"/>
+                                        <p:tgtEl>
+                                          <p:spTgt spid="4"/>
+                                        </p:tgtEl>
+                                      </p:cBhvr>
+                                    </p:animEffect>
+                                  </p:childTnLst>
+                                </p:cTn>
+                              </p:par>
+                            </p:childTnLst>
+                          </p:cTn>
+                        </p:par>
+                      </p:childTnLst>
+                    </p:cTn>
+                  </p:par>
+                  <p:par>
+                    <p:cTn id="8" fill="hold">
+                      <p:stCondLst>
+                        <p:cond delay="indefinite"/>
+                      </p:stCondLst>
+                      <p:childTnLst>
+                        <p:par>
+                          <p:cTn id="9" fill="hold">
+                            <p:stCondLst>
+                              <p:cond delay="0"/>
+                            </p:stCondLst>
+                            <p:childTnLst>
+                              <p:par>
+                                <p:cTn id="10" presetID="3" presetClass="entr" presetSubtype="10" fill="hold" nodeType="clickEffect">
+                                  <p:stCondLst>
+                                    <p:cond delay="0"/>
+                                  </p:stCondLst>
+                                  <p:childTnLst>
+                                    <p:set>
+                                      <p:cBhvr>
+                                        <p:cTn id="11" dur="1" fill="hold">
+                                          <p:stCondLst>
+                                            <p:cond delay="0"/>
+                                          </p:stCondLst>
+                                        </p:cTn>
+                                        <p:tgtEl>
+                                          <p:spTgt spid="5"/>
+                                        </p:tgtEl>
+                                        <p:attrNameLst>
+                                          <p:attrName>style.visibility</p:attrName>
+                                        </p:attrNameLst>
+                                      </p:cBhvr>
+                                      <p:to>
+                                        <p:strVal val="visible"/>
+                                      </p:to>
+                                    </p:set>
+                                    <p:animEffect transition="in" filter="blinds(horizontal)">
+                                      <p:cBhvr>
+                                        <p:cTn id="12" dur="500"/>
+                                        <p:tgtEl>
+                                          <p:spTgt spid="5"/>
+                                        </p:tgtEl>
+                                      </p:cBhvr>
+                                    </p:animEffect>
+                                  </p:childTnLst>
+                                </p:cTn>
+                              </p:par>
+                            </p:childTnLst>
+                          </p:cTn>
+                        </p:par>
+                      </p:childTnLst>
+                    </p:cTn>
+                  </p:par>
+                  <p:par>
+                    <p:cTn id="13" fill="hold">
+                      <p:stCondLst>
+                        <p:cond delay="indefinite"/>
+                      </p:stCondLst>
+                      <p:childTnLst>
+                        <p:par>
+                          <p:cTn id="14" fill="hold">
+                            <p:stCondLst>
+                              <p:cond delay="0"/>
+                            </p:stCondLst>
+                            <p:childTnLst>
+                              <p:par>
+                                <p:cTn id="15" presetID="3" presetClass="entr" presetSubtype="10" fill="hold" nodeType="clickEffect">
+                                  <p:stCondLst>
+                                    <p:cond delay="0"/>
+                                  </p:stCondLst>
+                                  <p:childTnLst>
+                                    <p:set>
+                                      <p:cBhvr>
+                                        <p:cTn id="16" dur="1" fill="hold">
+                                          <p:stCondLst>
+                                            <p:cond delay="0"/>
+                                          </p:stCondLst>
+                                        </p:cTn>
+                                        <p:tgtEl>
+                                          <p:spTgt spid="7"/>
+                                        </p:tgtEl>
+                                        <p:attrNameLst>
+                                          <p:attrName>style.visibility</p:attrName>
+                                        </p:attrNameLst>
+                                      </p:cBhvr>
+                                      <p:to>
+                                        <p:strVal val="visible"/>
+                                      </p:to>
+                                    </p:set>
+                                    <p:animEffect transition="in" filter="blinds(horizontal)">
+                                      <p:cBhvr>
+                                        <p:cTn id="17" dur="500"/>
+                                        <p:tgtEl>
+                                          <p:spTgt spid="7"/>
+                                        </p:tgtEl>
+                                      </p:cBhvr>
+                                    </p:animEffect>
+                                  </p:childTnLst>
+                                </p:cTn>
+                              </p:par>
+                            </p:childTnLst>
+                          </p:cTn>
+                        </p:par>
+                      </p:childTnLst>
+                    </p:cTn>
+                  </p:par>
+                  <p:par>
+                    <p:cTn id="18" fill="hold">
+                      <p:stCondLst>
+                        <p:cond delay="indefinite"/>
+                      </p:stCondLst>
+                      <p:childTnLst>
+                        <p:par>
+                          <p:cTn id="19" fill="hold">
+                            <p:stCondLst>
+                              <p:cond delay="0"/>
+                            </p:stCondLst>
+                            <p:childTnLst>
+                              <p:par>
+                                <p:cTn id="20" presetID="3" presetClass="entr" presetSubtype="10" fill="hold" grpId="0" nodeType="clickEffect">
+                                  <p:stCondLst>
+                                    <p:cond delay="0"/>
+                                  </p:stCondLst>
+                                  <p:childTnLst>
+                                    <p:set>
+                                      <p:cBhvr>
+                                        <p:cTn id="21" dur="1" fill="hold">
+                                          <p:stCondLst>
+                                            <p:cond delay="0"/>
+                                          </p:stCondLst>
+                                        </p:cTn>
+                                        <p:tgtEl>
+                                          <p:spTgt spid="10"/>
+                                        </p:tgtEl>
+                                        <p:attrNameLst>
+                                          <p:attrName>style.visibility</p:attrName>
+                                        </p:attrNameLst>
+                                      </p:cBhvr>
+                                      <p:to>
+                                        <p:strVal val="visible"/>
+                                      </p:to>
+                                    </p:set>
+                                    <p:animEffect transition="in" filter="blinds(horizontal)">
+                                      <p:cBhvr>
+                                        <p:cTn id="22" dur="500"/>
+                                        <p:tgtEl>
+                                          <p:spTgt spid="10"/>
+                                        </p:tgtEl>
+                                      </p:cBhvr>
+                                    </p:animEffect>
+                                  </p:childTnLst>
+                                </p:cTn>
+                              </p:par>
+                            </p:childTnLst>
+                          </p:cTn>
+                        </p:par>
+                      </p:childTnLst>
+                    </p:cTn>
+                  </p:par>
+                  <p:par>
+                    <p:cTn id="23" fill="hold">
+                      <p:stCondLst>
+                        <p:cond delay="indefinite"/>
+                      </p:stCondLst>
+                      <p:childTnLst>
+                        <p:par>
+                          <p:cTn id="24" fill="hold">
+                            <p:stCondLst>
+                              <p:cond delay="0"/>
+                            </p:stCondLst>
+                            <p:childTnLst>
+                              <p:par>
+                                <p:cTn id="25" presetID="3" presetClass="entr" presetSubtype="10" fill="hold" nodeType="clickEffect">
+                                  <p:stCondLst>
+                                    <p:cond delay="0"/>
+                                  </p:stCondLst>
+                                  <p:childTnLst>
+                                    <p:set>
+                                      <p:cBhvr>
+                                        <p:cTn id="26" dur="1" fill="hold">
+                                          <p:stCondLst>
+                                            <p:cond delay="0"/>
+                                          </p:stCondLst>
+                                        </p:cTn>
+                                        <p:tgtEl>
+                                          <p:spTgt spid="14"/>
+                                        </p:tgtEl>
+                                        <p:attrNameLst>
+                                          <p:attrName>style.visibility</p:attrName>
+                                        </p:attrNameLst>
+                                      </p:cBhvr>
+                                      <p:to>
+                                        <p:strVal val="visible"/>
+                                      </p:to>
+                                    </p:set>
+                                    <p:animEffect transition="in" filter="blinds(horizontal)">
+                                      <p:cBhvr>
+                                        <p:cTn id="27" dur="500"/>
+                                        <p:tgtEl>
+                                          <p:spTgt spid="14"/>
+                                        </p:tgtEl>
+                                      </p:cBhvr>
+                                    </p:animEffect>
+                                  </p:childTnLst>
+                                </p:cTn>
+                              </p:par>
+                              <p:par>
+                                <p:cTn id="28" presetID="3" presetClass="entr" presetSubtype="10" fill="hold" grpId="0" nodeType="withEffect">
+                                  <p:stCondLst>
+                                    <p:cond delay="0"/>
+                                  </p:stCondLst>
+                                  <p:childTnLst>
+                                    <p:set>
+                                      <p:cBhvr>
+                                        <p:cTn id="29" dur="1" fill="hold">
+                                          <p:stCondLst>
+                                            <p:cond delay="0"/>
+                                          </p:stCondLst>
+                                        </p:cTn>
+                                        <p:tgtEl>
+                                          <p:spTgt spid="13"/>
+                                        </p:tgtEl>
+                                        <p:attrNameLst>
+                                          <p:attrName>style.visibility</p:attrName>
+                                        </p:attrNameLst>
+                                      </p:cBhvr>
+                                      <p:to>
+                                        <p:strVal val="visible"/>
+                                      </p:to>
+                                    </p:set>
+                                    <p:animEffect transition="in" filter="blinds(horizontal)">
+                                      <p:cBhvr>
+                                        <p:cTn id="30" dur="500"/>
+                                        <p:tgtEl>
+                                          <p:spTgt spid="13"/>
+                                        </p:tgtEl>
+                                      </p:cBhvr>
+                                    </p:animEffect>
+                                  </p:childTnLst>
+                                </p:cTn>
+                              </p:par>
+                              <p:par>
+                                <p:cTn id="31" presetID="3" presetClass="entr" presetSubtype="10" fill="hold" nodeType="withEffect">
+                                  <p:stCondLst>
+                                    <p:cond delay="0"/>
+                                  </p:stCondLst>
+                                  <p:childTnLst>
+                                    <p:set>
+                                      <p:cBhvr>
+                                        <p:cTn id="32" dur="1" fill="hold">
+                                          <p:stCondLst>
+                                            <p:cond delay="0"/>
+                                          </p:stCondLst>
+                                        </p:cTn>
+                                        <p:tgtEl>
+                                          <p:spTgt spid="17"/>
+                                        </p:tgtEl>
+                                        <p:attrNameLst>
+                                          <p:attrName>style.visibility</p:attrName>
+                                        </p:attrNameLst>
+                                      </p:cBhvr>
+                                      <p:to>
+                                        <p:strVal val="visible"/>
+                                      </p:to>
+                                    </p:set>
+                                    <p:animEffect transition="in" filter="blinds(horizontal)">
+                                      <p:cBhvr>
+                                        <p:cTn id="33" dur="500"/>
+                                        <p:tgtEl>
+                                          <p:spTgt spid="17"/>
+                                        </p:tgtEl>
+                                      </p:cBhvr>
+                                    </p:animEffect>
+                                  </p:childTnLst>
+                                </p:cTn>
+                              </p:par>
+                            </p:childTnLst>
+                          </p:cTn>
+                        </p:par>
+                      </p:childTnLst>
+                    </p:cTn>
+                  </p:par>
+                  <p:par>
+                    <p:cTn id="34" fill="hold">
+                      <p:stCondLst>
+                        <p:cond delay="indefinite"/>
+                      </p:stCondLst>
+                      <p:childTnLst>
+                        <p:par>
+                          <p:cTn id="35" fill="hold">
+                            <p:stCondLst>
+                              <p:cond delay="0"/>
+                            </p:stCondLst>
+                            <p:childTnLst>
+                              <p:par>
+                                <p:cTn id="36" presetID="4" presetClass="entr" presetSubtype="16" fill="hold" nodeType="clickEffect">
+                                  <p:stCondLst>
+                                    <p:cond delay="0"/>
+                                  </p:stCondLst>
+                                  <p:childTnLst>
+                                    <p:set>
+                                      <p:cBhvr>
+                                        <p:cTn id="37" dur="1" fill="hold">
+                                          <p:stCondLst>
+                                            <p:cond delay="0"/>
+                                          </p:stCondLst>
+                                        </p:cTn>
+                                        <p:tgtEl>
+                                          <p:spTgt spid="15"/>
+                                        </p:tgtEl>
+                                        <p:attrNameLst>
+                                          <p:attrName>style.visibility</p:attrName>
+                                        </p:attrNameLst>
+                                      </p:cBhvr>
+                                      <p:to>
+                                        <p:strVal val="visible"/>
+                                      </p:to>
+                                    </p:set>
+                                    <p:animEffect transition="in" filter="box(in)">
+                                      <p:cBhvr>
+                                        <p:cTn id="38" dur="2000"/>
+                                        <p:tgtEl>
+                                          <p:spTgt spid="15"/>
+                                        </p:tgtEl>
+                                      </p:cBhvr>
+                                    </p:animEffect>
+                                  </p:childTnLst>
+                                </p:cTn>
+                              </p:par>
+                              <p:par>
+                                <p:cTn id="39" presetID="4" presetClass="entr" presetSubtype="16" fill="hold" grpId="0" nodeType="withEffect">
+                                  <p:stCondLst>
+                                    <p:cond delay="0"/>
+                                  </p:stCondLst>
+                                  <p:childTnLst>
+                                    <p:set>
+                                      <p:cBhvr>
+                                        <p:cTn id="40" dur="1" fill="hold">
+                                          <p:stCondLst>
+                                            <p:cond delay="0"/>
+                                          </p:stCondLst>
+                                        </p:cTn>
+                                        <p:tgtEl>
+                                          <p:spTgt spid="12"/>
+                                        </p:tgtEl>
+                                        <p:attrNameLst>
+                                          <p:attrName>style.visibility</p:attrName>
+                                        </p:attrNameLst>
+                                      </p:cBhvr>
+                                      <p:to>
+                                        <p:strVal val="visible"/>
+                                      </p:to>
+                                    </p:set>
+                                    <p:animEffect transition="in" filter="box(in)">
+                                      <p:cBhvr>
+                                        <p:cTn id="41" dur="2000"/>
+                                        <p:tgtEl>
+                                          <p:spTgt spid="12"/>
+                                        </p:tgtEl>
+                                      </p:cBhvr>
+                                    </p:animEffect>
+                                  </p:childTnLst>
+                                </p:cTn>
+                              </p:par>
+                              <p:par>
+                                <p:cTn id="42" presetID="4" presetClass="entr" presetSubtype="16" fill="hold" nodeType="withEffect">
+                                  <p:stCondLst>
+                                    <p:cond delay="0"/>
+                                  </p:stCondLst>
+                                  <p:childTnLst>
+                                    <p:set>
+                                      <p:cBhvr>
+                                        <p:cTn id="43" dur="1" fill="hold">
+                                          <p:stCondLst>
+                                            <p:cond delay="0"/>
+                                          </p:stCondLst>
+                                        </p:cTn>
+                                        <p:tgtEl>
+                                          <p:spTgt spid="16"/>
+                                        </p:tgtEl>
+                                        <p:attrNameLst>
+                                          <p:attrName>style.visibility</p:attrName>
+                                        </p:attrNameLst>
+                                      </p:cBhvr>
+                                      <p:to>
+                                        <p:strVal val="visible"/>
+                                      </p:to>
+                                    </p:set>
+                                    <p:animEffect transition="in" filter="box(in)">
+                                      <p:cBhvr>
+                                        <p:cTn id="44" dur="2000"/>
+                                        <p:tgtEl>
+                                          <p:spTgt spid="16"/>
+                                        </p:tgtEl>
+                                      </p:cBhvr>
+                                    </p:animEffect>
+                                  </p:childTnLst>
+                                </p:cTn>
+                              </p:par>
+                            </p:childTnLst>
+                          </p:cTn>
+                        </p:par>
+                      </p:childTnLst>
+                    </p:cTn>
+                  </p:par>
+                </p:childTnLst>
+              </p:cTn>
+              <p:prevCondLst>
+                <p:cond evt="onPrev" delay="0">
+                  <p:tgtEl>
+                    <p:sldTgt/>
+                  </p:tgtEl>
+                </p:cond>
+              </p:prevCondLst>
+              <p:nextCondLst>
+                <p:cond evt="onNext" delay="0">
+                  <p:tgtEl>
+                    <p:sldTgt/>
+                  </p:tgtEl>
+                </p:cond>
+              </p:nextCondLst>
+            </p:seq>
+          </p:childTnLst>
+        </p:cTn>
+      </p:par>
+    </p:tnLst>
+    <p:bldLst>
+      <p:bldP spid="4" grpId="0" animBg="1"/>
+      <p:bldP spid="4" grpId="1" animBg="1"/>
+      <p:bldP spid="10" grpId="0" animBg="1"/>
+      <p:bldP spid="10" grpId="1" animBg="1"/>
+      <p:bldP spid="13" grpId="0" animBg="1"/>
+      <p:bldP spid="13" grpId="1" animBg="1"/>
+      <p:bldP spid="12" grpId="0" animBg="1"/>
+      <p:bldP spid="12" grpId="1" animBg="1"/>
+    </p:bldLst>
+  </p:timing>
 </p:sld>
 </file>
 
@@ -36208,7 +37428,7 @@
     <p:bg>
       <p:bgPr>
         <a:blipFill rotWithShape="0">
-          <a:blip r:embed="rId2"/>
+          <a:blip r:embed="rId1"/>
           <a:stretch>
             <a:fillRect/>
           </a:stretch>
@@ -36266,6 +37486,14 @@
               </a:rPr>
               <a:t>3. NFC Usage</a:t>
             </a:r>
+            <a:endParaRPr lang="en-US" altLang="zh-CN" sz="2400" b="1" dirty="0">
+              <a:solidFill>
+                <a:srgbClr val="00B0F0"/>
+              </a:solidFill>
+              <a:latin typeface="Microsoft YaHei" panose="020B0503020204020204" pitchFamily="34" charset="-122"/>
+              <a:ea typeface="Microsoft YaHei" panose="020B0503020204020204" pitchFamily="34" charset="-122"/>
+              <a:sym typeface="+mn-ea"/>
+            </a:endParaRPr>
           </a:p>
         </p:txBody>
       </p:sp>
@@ -36312,6 +37540,12 @@
               </a:rPr>
               <a:t>Mobile transactions</a:t>
             </a:r>
+            <a:endParaRPr lang="en-US" sz="2400">
+              <a:solidFill>
+                <a:srgbClr val="00B0F0"/>
+              </a:solidFill>
+              <a:sym typeface="+mn-ea"/>
+            </a:endParaRPr>
           </a:p>
         </p:txBody>
       </p:sp>
@@ -36358,6 +37592,12 @@
               </a:rPr>
               <a:t>Access Information</a:t>
             </a:r>
+            <a:endParaRPr lang="en-US" sz="2400">
+              <a:solidFill>
+                <a:srgbClr val="00B0F0"/>
+              </a:solidFill>
+              <a:sym typeface="+mn-ea"/>
+            </a:endParaRPr>
           </a:p>
         </p:txBody>
       </p:sp>
@@ -36404,6 +37644,12 @@
               </a:rPr>
               <a:t>Connect Electronic Devices</a:t>
             </a:r>
+            <a:endParaRPr lang="en-US" sz="2400">
+              <a:solidFill>
+                <a:srgbClr val="00B0F0"/>
+              </a:solidFill>
+              <a:sym typeface="+mn-ea"/>
+            </a:endParaRPr>
           </a:p>
         </p:txBody>
       </p:sp>
@@ -36418,7 +37664,7 @@
           </p:nvPr>
         </p:nvPicPr>
         <p:blipFill>
-          <a:blip r:embed="rId3"/>
+          <a:blip r:embed="rId2"/>
           <a:stretch>
             <a:fillRect/>
           </a:stretch>
@@ -36479,7 +37725,7 @@
           </p:nvPr>
         </p:nvPicPr>
         <p:blipFill>
-          <a:blip r:embed="rId4"/>
+          <a:blip r:embed="rId3"/>
           <a:stretch>
             <a:fillRect/>
           </a:stretch>
@@ -36525,6 +37771,12 @@
               </a:rPr>
               <a:t>Mobile </a:t>
             </a:r>
+            <a:endParaRPr lang="en-US">
+              <a:solidFill>
+                <a:schemeClr val="bg1"/>
+              </a:solidFill>
+              <a:sym typeface="+mn-ea"/>
+            </a:endParaRPr>
           </a:p>
           <a:p>
             <a:r>
@@ -36549,7 +37801,7 @@
           <p:nvPr/>
         </p:nvPicPr>
         <p:blipFill>
-          <a:blip r:embed="rId5"/>
+          <a:blip r:embed="rId4"/>
           <a:stretch>
             <a:fillRect/>
           </a:stretch>
@@ -36609,7 +37861,7 @@
           <p:nvPr/>
         </p:nvPicPr>
         <p:blipFill>
-          <a:blip r:embed="rId6"/>
+          <a:blip r:embed="rId5"/>
           <a:stretch>
             <a:fillRect/>
           </a:stretch>
@@ -36669,7 +37921,7 @@
           <p:nvPr/>
         </p:nvPicPr>
         <p:blipFill>
-          <a:blip r:embed="rId7"/>
+          <a:blip r:embed="rId6"/>
           <a:stretch>
             <a:fillRect/>
           </a:stretch>
@@ -36728,6 +37980,653 @@
   <p:transition spd="slow">
     <p:wipe/>
   </p:transition>
+  <p:timing>
+    <p:tnLst>
+      <p:par>
+        <p:cTn id="1" dur="indefinite" restart="never" nodeType="tmRoot">
+          <p:childTnLst>
+            <p:seq concurrent="1" nextAc="seek">
+              <p:cTn id="2" dur="indefinite" nodeType="mainSeq">
+                <p:childTnLst>
+                  <p:par>
+                    <p:cTn id="3" fill="hold">
+                      <p:stCondLst>
+                        <p:cond delay="indefinite"/>
+                      </p:stCondLst>
+                      <p:childTnLst>
+                        <p:par>
+                          <p:cTn id="4" fill="hold">
+                            <p:stCondLst>
+                              <p:cond delay="0"/>
+                            </p:stCondLst>
+                            <p:childTnLst>
+                              <p:par>
+                                <p:cTn id="5" presetID="4" presetClass="entr" presetSubtype="16" fill="hold" grpId="0" nodeType="clickEffect">
+                                  <p:stCondLst>
+                                    <p:cond delay="0"/>
+                                  </p:stCondLst>
+                                  <p:childTnLst>
+                                    <p:set>
+                                      <p:cBhvr>
+                                        <p:cTn id="6" dur="1" fill="hold">
+                                          <p:stCondLst>
+                                            <p:cond delay="0"/>
+                                          </p:stCondLst>
+                                        </p:cTn>
+                                        <p:tgtEl>
+                                          <p:spTgt spid="4"/>
+                                        </p:tgtEl>
+                                        <p:attrNameLst>
+                                          <p:attrName>style.visibility</p:attrName>
+                                        </p:attrNameLst>
+                                      </p:cBhvr>
+                                      <p:to>
+                                        <p:strVal val="visible"/>
+                                      </p:to>
+                                    </p:set>
+                                    <p:animEffect transition="in" filter="box(in)">
+                                      <p:cBhvr>
+                                        <p:cTn id="7" dur="2000"/>
+                                        <p:tgtEl>
+                                          <p:spTgt spid="4"/>
+                                        </p:tgtEl>
+                                      </p:cBhvr>
+                                    </p:animEffect>
+                                  </p:childTnLst>
+                                </p:cTn>
+                              </p:par>
+                            </p:childTnLst>
+                          </p:cTn>
+                        </p:par>
+                      </p:childTnLst>
+                    </p:cTn>
+                  </p:par>
+                  <p:par>
+                    <p:cTn id="8" fill="hold">
+                      <p:stCondLst>
+                        <p:cond delay="indefinite"/>
+                      </p:stCondLst>
+                      <p:childTnLst>
+                        <p:par>
+                          <p:cTn id="9" fill="hold">
+                            <p:stCondLst>
+                              <p:cond delay="0"/>
+                            </p:stCondLst>
+                            <p:childTnLst>
+                              <p:par>
+                                <p:cTn id="10" presetID="3" presetClass="entr" presetSubtype="10" fill="hold" grpId="0" nodeType="clickEffect">
+                                  <p:stCondLst>
+                                    <p:cond delay="0"/>
+                                  </p:stCondLst>
+                                  <p:childTnLst>
+                                    <p:set>
+                                      <p:cBhvr>
+                                        <p:cTn id="11" dur="1" fill="hold">
+                                          <p:stCondLst>
+                                            <p:cond delay="0"/>
+                                          </p:stCondLst>
+                                        </p:cTn>
+                                        <p:tgtEl>
+                                          <p:spTgt spid="8"/>
+                                        </p:tgtEl>
+                                        <p:attrNameLst>
+                                          <p:attrName>style.visibility</p:attrName>
+                                        </p:attrNameLst>
+                                      </p:cBhvr>
+                                      <p:to>
+                                        <p:strVal val="visible"/>
+                                      </p:to>
+                                    </p:set>
+                                    <p:animEffect transition="in" filter="blinds(horizontal)">
+                                      <p:cBhvr>
+                                        <p:cTn id="12" dur="500"/>
+                                        <p:tgtEl>
+                                          <p:spTgt spid="8"/>
+                                        </p:tgtEl>
+                                      </p:cBhvr>
+                                    </p:animEffect>
+                                  </p:childTnLst>
+                                </p:cTn>
+                              </p:par>
+                              <p:par>
+                                <p:cTn id="13" presetID="3" presetClass="entr" presetSubtype="10" fill="hold" nodeType="withEffect">
+                                  <p:stCondLst>
+                                    <p:cond delay="0"/>
+                                  </p:stCondLst>
+                                  <p:childTnLst>
+                                    <p:set>
+                                      <p:cBhvr>
+                                        <p:cTn id="14" dur="1" fill="hold">
+                                          <p:stCondLst>
+                                            <p:cond delay="0"/>
+                                          </p:stCondLst>
+                                        </p:cTn>
+                                        <p:tgtEl>
+                                          <p:spTgt spid="6"/>
+                                        </p:tgtEl>
+                                        <p:attrNameLst>
+                                          <p:attrName>style.visibility</p:attrName>
+                                        </p:attrNameLst>
+                                      </p:cBhvr>
+                                      <p:to>
+                                        <p:strVal val="visible"/>
+                                      </p:to>
+                                    </p:set>
+                                    <p:animEffect transition="in" filter="blinds(horizontal)">
+                                      <p:cBhvr>
+                                        <p:cTn id="15" dur="500"/>
+                                        <p:tgtEl>
+                                          <p:spTgt spid="6"/>
+                                        </p:tgtEl>
+                                      </p:cBhvr>
+                                    </p:animEffect>
+                                  </p:childTnLst>
+                                </p:cTn>
+                              </p:par>
+                            </p:childTnLst>
+                          </p:cTn>
+                        </p:par>
+                      </p:childTnLst>
+                    </p:cTn>
+                  </p:par>
+                  <p:par>
+                    <p:cTn id="16" fill="hold">
+                      <p:stCondLst>
+                        <p:cond delay="indefinite"/>
+                      </p:stCondLst>
+                      <p:childTnLst>
+                        <p:par>
+                          <p:cTn id="17" fill="hold">
+                            <p:stCondLst>
+                              <p:cond delay="0"/>
+                            </p:stCondLst>
+                            <p:childTnLst>
+                              <p:par>
+                                <p:cTn id="18" presetID="3" presetClass="entr" presetSubtype="10" fill="hold" nodeType="clickEffect">
+                                  <p:stCondLst>
+                                    <p:cond delay="0"/>
+                                  </p:stCondLst>
+                                  <p:childTnLst>
+                                    <p:set>
+                                      <p:cBhvr>
+                                        <p:cTn id="19" dur="1" fill="hold">
+                                          <p:stCondLst>
+                                            <p:cond delay="0"/>
+                                          </p:stCondLst>
+                                        </p:cTn>
+                                        <p:tgtEl>
+                                          <p:spTgt spid="9"/>
+                                        </p:tgtEl>
+                                        <p:attrNameLst>
+                                          <p:attrName>style.visibility</p:attrName>
+                                        </p:attrNameLst>
+                                      </p:cBhvr>
+                                      <p:to>
+                                        <p:strVal val="visible"/>
+                                      </p:to>
+                                    </p:set>
+                                    <p:animEffect transition="in" filter="blinds(horizontal)">
+                                      <p:cBhvr>
+                                        <p:cTn id="20" dur="500"/>
+                                        <p:tgtEl>
+                                          <p:spTgt spid="9"/>
+                                        </p:tgtEl>
+                                      </p:cBhvr>
+                                    </p:animEffect>
+                                  </p:childTnLst>
+                                </p:cTn>
+                              </p:par>
+                              <p:par>
+                                <p:cTn id="21" presetID="3" presetClass="entr" presetSubtype="10" fill="hold" grpId="0" nodeType="withEffect">
+                                  <p:stCondLst>
+                                    <p:cond delay="0"/>
+                                  </p:stCondLst>
+                                  <p:childTnLst>
+                                    <p:set>
+                                      <p:cBhvr>
+                                        <p:cTn id="22" dur="1" fill="hold">
+                                          <p:stCondLst>
+                                            <p:cond delay="0"/>
+                                          </p:stCondLst>
+                                        </p:cTn>
+                                        <p:tgtEl>
+                                          <p:spTgt spid="12"/>
+                                        </p:tgtEl>
+                                        <p:attrNameLst>
+                                          <p:attrName>style.visibility</p:attrName>
+                                        </p:attrNameLst>
+                                      </p:cBhvr>
+                                      <p:to>
+                                        <p:strVal val="visible"/>
+                                      </p:to>
+                                    </p:set>
+                                    <p:animEffect transition="in" filter="blinds(horizontal)">
+                                      <p:cBhvr>
+                                        <p:cTn id="23" dur="500"/>
+                                        <p:tgtEl>
+                                          <p:spTgt spid="12"/>
+                                        </p:tgtEl>
+                                      </p:cBhvr>
+                                    </p:animEffect>
+                                  </p:childTnLst>
+                                </p:cTn>
+                              </p:par>
+                            </p:childTnLst>
+                          </p:cTn>
+                        </p:par>
+                      </p:childTnLst>
+                    </p:cTn>
+                  </p:par>
+                  <p:par>
+                    <p:cTn id="24" fill="hold">
+                      <p:stCondLst>
+                        <p:cond delay="indefinite"/>
+                      </p:stCondLst>
+                      <p:childTnLst>
+                        <p:par>
+                          <p:cTn id="25" fill="hold">
+                            <p:stCondLst>
+                              <p:cond delay="0"/>
+                            </p:stCondLst>
+                            <p:childTnLst>
+                              <p:par>
+                                <p:cTn id="26" presetID="3" presetClass="entr" presetSubtype="10" fill="hold" grpId="0" nodeType="clickEffect">
+                                  <p:stCondLst>
+                                    <p:cond delay="0"/>
+                                  </p:stCondLst>
+                                  <p:childTnLst>
+                                    <p:set>
+                                      <p:cBhvr>
+                                        <p:cTn id="27" dur="1" fill="hold">
+                                          <p:stCondLst>
+                                            <p:cond delay="0"/>
+                                          </p:stCondLst>
+                                        </p:cTn>
+                                        <p:tgtEl>
+                                          <p:spTgt spid="3"/>
+                                        </p:tgtEl>
+                                        <p:attrNameLst>
+                                          <p:attrName>style.visibility</p:attrName>
+                                        </p:attrNameLst>
+                                      </p:cBhvr>
+                                      <p:to>
+                                        <p:strVal val="visible"/>
+                                      </p:to>
+                                    </p:set>
+                                    <p:animEffect transition="in" filter="blinds(horizontal)">
+                                      <p:cBhvr>
+                                        <p:cTn id="28" dur="500"/>
+                                        <p:tgtEl>
+                                          <p:spTgt spid="3"/>
+                                        </p:tgtEl>
+                                      </p:cBhvr>
+                                    </p:animEffect>
+                                  </p:childTnLst>
+                                </p:cTn>
+                              </p:par>
+                            </p:childTnLst>
+                          </p:cTn>
+                        </p:par>
+                      </p:childTnLst>
+                    </p:cTn>
+                  </p:par>
+                  <p:par>
+                    <p:cTn id="29" fill="hold">
+                      <p:stCondLst>
+                        <p:cond delay="indefinite"/>
+                      </p:stCondLst>
+                      <p:childTnLst>
+                        <p:par>
+                          <p:cTn id="30" fill="hold">
+                            <p:stCondLst>
+                              <p:cond delay="0"/>
+                            </p:stCondLst>
+                            <p:childTnLst>
+                              <p:par>
+                                <p:cTn id="31" presetID="3" presetClass="entr" presetSubtype="10" fill="hold" nodeType="clickEffect">
+                                  <p:stCondLst>
+                                    <p:cond delay="0"/>
+                                  </p:stCondLst>
+                                  <p:childTnLst>
+                                    <p:set>
+                                      <p:cBhvr>
+                                        <p:cTn id="32" dur="1" fill="hold">
+                                          <p:stCondLst>
+                                            <p:cond delay="0"/>
+                                          </p:stCondLst>
+                                        </p:cTn>
+                                        <p:tgtEl>
+                                          <p:spTgt spid="13"/>
+                                        </p:tgtEl>
+                                        <p:attrNameLst>
+                                          <p:attrName>style.visibility</p:attrName>
+                                        </p:attrNameLst>
+                                      </p:cBhvr>
+                                      <p:to>
+                                        <p:strVal val="visible"/>
+                                      </p:to>
+                                    </p:set>
+                                    <p:animEffect transition="in" filter="blinds(horizontal)">
+                                      <p:cBhvr>
+                                        <p:cTn id="33" dur="500"/>
+                                        <p:tgtEl>
+                                          <p:spTgt spid="13"/>
+                                        </p:tgtEl>
+                                      </p:cBhvr>
+                                    </p:animEffect>
+                                  </p:childTnLst>
+                                </p:cTn>
+                              </p:par>
+                              <p:par>
+                                <p:cTn id="34" presetID="3" presetClass="entr" presetSubtype="10" fill="hold" grpId="0" nodeType="withEffect">
+                                  <p:stCondLst>
+                                    <p:cond delay="0"/>
+                                  </p:stCondLst>
+                                  <p:childTnLst>
+                                    <p:set>
+                                      <p:cBhvr>
+                                        <p:cTn id="35" dur="1" fill="hold">
+                                          <p:stCondLst>
+                                            <p:cond delay="0"/>
+                                          </p:stCondLst>
+                                        </p:cTn>
+                                        <p:tgtEl>
+                                          <p:spTgt spid="14"/>
+                                        </p:tgtEl>
+                                        <p:attrNameLst>
+                                          <p:attrName>style.visibility</p:attrName>
+                                        </p:attrNameLst>
+                                      </p:cBhvr>
+                                      <p:to>
+                                        <p:strVal val="visible"/>
+                                      </p:to>
+                                    </p:set>
+                                    <p:animEffect transition="in" filter="blinds(horizontal)">
+                                      <p:cBhvr>
+                                        <p:cTn id="36" dur="500"/>
+                                        <p:tgtEl>
+                                          <p:spTgt spid="14"/>
+                                        </p:tgtEl>
+                                      </p:cBhvr>
+                                    </p:animEffect>
+                                  </p:childTnLst>
+                                </p:cTn>
+                              </p:par>
+                            </p:childTnLst>
+                          </p:cTn>
+                        </p:par>
+                      </p:childTnLst>
+                    </p:cTn>
+                  </p:par>
+                  <p:par>
+                    <p:cTn id="37" fill="hold">
+                      <p:stCondLst>
+                        <p:cond delay="indefinite"/>
+                      </p:stCondLst>
+                      <p:childTnLst>
+                        <p:par>
+                          <p:cTn id="38" fill="hold">
+                            <p:stCondLst>
+                              <p:cond delay="0"/>
+                            </p:stCondLst>
+                            <p:childTnLst>
+                              <p:par>
+                                <p:cTn id="39" presetID="3" presetClass="entr" presetSubtype="10" fill="hold" nodeType="clickEffect">
+                                  <p:stCondLst>
+                                    <p:cond delay="0"/>
+                                  </p:stCondLst>
+                                  <p:childTnLst>
+                                    <p:set>
+                                      <p:cBhvr>
+                                        <p:cTn id="40" dur="1" fill="hold">
+                                          <p:stCondLst>
+                                            <p:cond delay="0"/>
+                                          </p:stCondLst>
+                                        </p:cTn>
+                                        <p:tgtEl>
+                                          <p:spTgt spid="15"/>
+                                        </p:tgtEl>
+                                        <p:attrNameLst>
+                                          <p:attrName>style.visibility</p:attrName>
+                                        </p:attrNameLst>
+                                      </p:cBhvr>
+                                      <p:to>
+                                        <p:strVal val="visible"/>
+                                      </p:to>
+                                    </p:set>
+                                    <p:animEffect transition="in" filter="blinds(horizontal)">
+                                      <p:cBhvr>
+                                        <p:cTn id="41" dur="500"/>
+                                        <p:tgtEl>
+                                          <p:spTgt spid="15"/>
+                                        </p:tgtEl>
+                                      </p:cBhvr>
+                                    </p:animEffect>
+                                  </p:childTnLst>
+                                </p:cTn>
+                              </p:par>
+                              <p:par>
+                                <p:cTn id="42" presetID="3" presetClass="entr" presetSubtype="10" fill="hold" grpId="0" nodeType="withEffect">
+                                  <p:stCondLst>
+                                    <p:cond delay="0"/>
+                                  </p:stCondLst>
+                                  <p:childTnLst>
+                                    <p:set>
+                                      <p:cBhvr>
+                                        <p:cTn id="43" dur="1" fill="hold">
+                                          <p:stCondLst>
+                                            <p:cond delay="0"/>
+                                          </p:stCondLst>
+                                        </p:cTn>
+                                        <p:tgtEl>
+                                          <p:spTgt spid="16"/>
+                                        </p:tgtEl>
+                                        <p:attrNameLst>
+                                          <p:attrName>style.visibility</p:attrName>
+                                        </p:attrNameLst>
+                                      </p:cBhvr>
+                                      <p:to>
+                                        <p:strVal val="visible"/>
+                                      </p:to>
+                                    </p:set>
+                                    <p:animEffect transition="in" filter="blinds(horizontal)">
+                                      <p:cBhvr>
+                                        <p:cTn id="44" dur="500"/>
+                                        <p:tgtEl>
+                                          <p:spTgt spid="16"/>
+                                        </p:tgtEl>
+                                      </p:cBhvr>
+                                    </p:animEffect>
+                                  </p:childTnLst>
+                                </p:cTn>
+                              </p:par>
+                            </p:childTnLst>
+                          </p:cTn>
+                        </p:par>
+                      </p:childTnLst>
+                    </p:cTn>
+                  </p:par>
+                  <p:par>
+                    <p:cTn id="45" fill="hold">
+                      <p:stCondLst>
+                        <p:cond delay="indefinite"/>
+                      </p:stCondLst>
+                      <p:childTnLst>
+                        <p:par>
+                          <p:cTn id="46" fill="hold">
+                            <p:stCondLst>
+                              <p:cond delay="0"/>
+                            </p:stCondLst>
+                            <p:childTnLst>
+                              <p:par>
+                                <p:cTn id="47" presetID="3" presetClass="entr" presetSubtype="10" fill="hold" grpId="0" nodeType="clickEffect">
+                                  <p:stCondLst>
+                                    <p:cond delay="0"/>
+                                  </p:stCondLst>
+                                  <p:childTnLst>
+                                    <p:set>
+                                      <p:cBhvr>
+                                        <p:cTn id="48" dur="1" fill="hold">
+                                          <p:stCondLst>
+                                            <p:cond delay="0"/>
+                                          </p:stCondLst>
+                                        </p:cTn>
+                                        <p:tgtEl>
+                                          <p:spTgt spid="5"/>
+                                        </p:tgtEl>
+                                        <p:attrNameLst>
+                                          <p:attrName>style.visibility</p:attrName>
+                                        </p:attrNameLst>
+                                      </p:cBhvr>
+                                      <p:to>
+                                        <p:strVal val="visible"/>
+                                      </p:to>
+                                    </p:set>
+                                    <p:animEffect transition="in" filter="blinds(horizontal)">
+                                      <p:cBhvr>
+                                        <p:cTn id="49" dur="500"/>
+                                        <p:tgtEl>
+                                          <p:spTgt spid="5"/>
+                                        </p:tgtEl>
+                                      </p:cBhvr>
+                                    </p:animEffect>
+                                  </p:childTnLst>
+                                </p:cTn>
+                              </p:par>
+                            </p:childTnLst>
+                          </p:cTn>
+                        </p:par>
+                      </p:childTnLst>
+                    </p:cTn>
+                  </p:par>
+                  <p:par>
+                    <p:cTn id="50" fill="hold">
+                      <p:stCondLst>
+                        <p:cond delay="indefinite"/>
+                      </p:stCondLst>
+                      <p:childTnLst>
+                        <p:par>
+                          <p:cTn id="51" fill="hold">
+                            <p:stCondLst>
+                              <p:cond delay="0"/>
+                            </p:stCondLst>
+                            <p:childTnLst>
+                              <p:par>
+                                <p:cTn id="52" presetID="3" presetClass="entr" presetSubtype="10" fill="hold" grpId="0" nodeType="clickEffect">
+                                  <p:stCondLst>
+                                    <p:cond delay="0"/>
+                                  </p:stCondLst>
+                                  <p:childTnLst>
+                                    <p:set>
+                                      <p:cBhvr>
+                                        <p:cTn id="53" dur="1" fill="hold">
+                                          <p:stCondLst>
+                                            <p:cond delay="0"/>
+                                          </p:stCondLst>
+                                        </p:cTn>
+                                        <p:tgtEl>
+                                          <p:spTgt spid="18"/>
+                                        </p:tgtEl>
+                                        <p:attrNameLst>
+                                          <p:attrName>style.visibility</p:attrName>
+                                        </p:attrNameLst>
+                                      </p:cBhvr>
+                                      <p:to>
+                                        <p:strVal val="visible"/>
+                                      </p:to>
+                                    </p:set>
+                                    <p:animEffect transition="in" filter="blinds(horizontal)">
+                                      <p:cBhvr>
+                                        <p:cTn id="54" dur="500"/>
+                                        <p:tgtEl>
+                                          <p:spTgt spid="18"/>
+                                        </p:tgtEl>
+                                      </p:cBhvr>
+                                    </p:animEffect>
+                                  </p:childTnLst>
+                                </p:cTn>
+                              </p:par>
+                              <p:par>
+                                <p:cTn id="55" presetID="3" presetClass="entr" presetSubtype="10" fill="hold" nodeType="withEffect">
+                                  <p:stCondLst>
+                                    <p:cond delay="0"/>
+                                  </p:stCondLst>
+                                  <p:childTnLst>
+                                    <p:set>
+                                      <p:cBhvr>
+                                        <p:cTn id="56" dur="1" fill="hold">
+                                          <p:stCondLst>
+                                            <p:cond delay="0"/>
+                                          </p:stCondLst>
+                                        </p:cTn>
+                                        <p:tgtEl>
+                                          <p:spTgt spid="17"/>
+                                        </p:tgtEl>
+                                        <p:attrNameLst>
+                                          <p:attrName>style.visibility</p:attrName>
+                                        </p:attrNameLst>
+                                      </p:cBhvr>
+                                      <p:to>
+                                        <p:strVal val="visible"/>
+                                      </p:to>
+                                    </p:set>
+                                    <p:animEffect transition="in" filter="blinds(horizontal)">
+                                      <p:cBhvr>
+                                        <p:cTn id="57" dur="500"/>
+                                        <p:tgtEl>
+                                          <p:spTgt spid="17"/>
+                                        </p:tgtEl>
+                                      </p:cBhvr>
+                                    </p:animEffect>
+                                  </p:childTnLst>
+                                </p:cTn>
+                              </p:par>
+                            </p:childTnLst>
+                          </p:cTn>
+                        </p:par>
+                      </p:childTnLst>
+                    </p:cTn>
+                  </p:par>
+                </p:childTnLst>
+              </p:cTn>
+              <p:prevCondLst>
+                <p:cond evt="onPrev" delay="0">
+                  <p:tgtEl>
+                    <p:sldTgt/>
+                  </p:tgtEl>
+                </p:cond>
+              </p:prevCondLst>
+              <p:nextCondLst>
+                <p:cond evt="onNext" delay="0">
+                  <p:tgtEl>
+                    <p:sldTgt/>
+                  </p:tgtEl>
+                </p:cond>
+              </p:nextCondLst>
+            </p:seq>
+          </p:childTnLst>
+        </p:cTn>
+      </p:par>
+    </p:tnLst>
+    <p:bldLst>
+      <p:bldP spid="4" grpId="0" animBg="1"/>
+      <p:bldP spid="4" grpId="1" animBg="1"/>
+      <p:bldP spid="8" grpId="0"/>
+      <p:bldP spid="8" grpId="1"/>
+      <p:bldP spid="12" grpId="0"/>
+      <p:bldP spid="12" grpId="1"/>
+      <p:bldP spid="3" grpId="0" animBg="1"/>
+      <p:bldP spid="3" grpId="1" animBg="1"/>
+      <p:bldP spid="14" grpId="0"/>
+      <p:bldP spid="14" grpId="1"/>
+      <p:bldP spid="16" grpId="0"/>
+      <p:bldP spid="16" grpId="1"/>
+      <p:bldP spid="5" grpId="0" animBg="1"/>
+      <p:bldP spid="5" grpId="1" animBg="1"/>
+      <p:bldP spid="18" grpId="0"/>
+      <p:bldP spid="18" grpId="1"/>
+    </p:bldLst>
+  </p:timing>
 </p:sld>
 </file>
 
@@ -36737,7 +38636,7 @@
     <p:bg>
       <p:bgPr>
         <a:blipFill rotWithShape="0">
-          <a:blip r:embed="rId2"/>
+          <a:blip r:embed="rId1"/>
           <a:stretch>
             <a:fillRect/>
           </a:stretch>
@@ -36795,6 +38694,14 @@
               </a:rPr>
               <a:t>4. Basic concepts</a:t>
             </a:r>
+            <a:endParaRPr lang="en-US" altLang="zh-CN" sz="2400" b="1" dirty="0">
+              <a:solidFill>
+                <a:srgbClr val="00B0F0"/>
+              </a:solidFill>
+              <a:latin typeface="Microsoft YaHei" panose="020B0503020204020204" pitchFamily="34" charset="-122"/>
+              <a:ea typeface="Microsoft YaHei" panose="020B0503020204020204" pitchFamily="34" charset="-122"/>
+              <a:sym typeface="+mn-ea"/>
+            </a:endParaRPr>
           </a:p>
         </p:txBody>
       </p:sp>
@@ -36840,6 +38747,11 @@
               </a:rPr>
               <a:t>NFC Tags</a:t>
             </a:r>
+            <a:endParaRPr lang="en-US" sz="2400">
+              <a:solidFill>
+                <a:srgbClr val="0070C0"/>
+              </a:solidFill>
+            </a:endParaRPr>
           </a:p>
         </p:txBody>
       </p:sp>
@@ -36885,6 +38797,11 @@
               </a:rPr>
               <a:t>NDEF</a:t>
             </a:r>
+            <a:endParaRPr lang="en-US" sz="2400">
+              <a:solidFill>
+                <a:srgbClr val="0070C0"/>
+              </a:solidFill>
+            </a:endParaRPr>
           </a:p>
           <a:p>
             <a:pPr algn="ctr"/>
@@ -36896,6 +38813,11 @@
               </a:rPr>
               <a:t>NFC Data Exchange Format</a:t>
             </a:r>
+            <a:endParaRPr lang="en-US" sz="1800">
+              <a:solidFill>
+                <a:srgbClr val="0070C0"/>
+              </a:solidFill>
+            </a:endParaRPr>
           </a:p>
         </p:txBody>
       </p:sp>
@@ -36941,6 +38863,11 @@
               </a:rPr>
               <a:t>APDU</a:t>
             </a:r>
+            <a:endParaRPr lang="en-US" sz="2400" dirty="0">
+              <a:solidFill>
+                <a:srgbClr val="0070C0"/>
+              </a:solidFill>
+            </a:endParaRPr>
           </a:p>
           <a:p>
             <a:pPr algn="ctr"/>
@@ -36952,18 +38879,17 @@
               </a:rPr>
               <a:t>Application Protocol data unit</a:t>
             </a:r>
+            <a:endParaRPr lang="en-US" sz="1800" dirty="0">
+              <a:solidFill>
+                <a:srgbClr val="0070C0"/>
+              </a:solidFill>
+            </a:endParaRPr>
           </a:p>
         </p:txBody>
       </p:sp>
       <p:sp>
         <p:nvSpPr>
-          <p:cNvPr id="13" name="Rectangle: Rounded Corners 12">
-            <a:extLst>
-              <a:ext uri="{FF2B5EF4-FFF2-40B4-BE49-F238E27FC236}">
-                <a16:creationId xmlns:a16="http://schemas.microsoft.com/office/drawing/2014/main" id="{F8E1A7F3-4CED-4A61-BBC1-8755885EA6E9}"/>
-              </a:ext>
-            </a:extLst>
-          </p:cNvPr>
+          <p:cNvPr id="13" name="Rectangle: Rounded Corners 12"/>
           <p:cNvSpPr/>
           <p:nvPr/>
         </p:nvSpPr>
@@ -37001,13 +38927,7 @@
       </p:sp>
       <p:sp>
         <p:nvSpPr>
-          <p:cNvPr id="14" name="Rectangle: Rounded Corners 13">
-            <a:extLst>
-              <a:ext uri="{FF2B5EF4-FFF2-40B4-BE49-F238E27FC236}">
-                <a16:creationId xmlns:a16="http://schemas.microsoft.com/office/drawing/2014/main" id="{D1B33607-20A2-4759-8B5E-D337D1F795B7}"/>
-              </a:ext>
-            </a:extLst>
-          </p:cNvPr>
+          <p:cNvPr id="14" name="Rectangle: Rounded Corners 13"/>
           <p:cNvSpPr/>
           <p:nvPr/>
         </p:nvSpPr>
@@ -37045,20 +38965,14 @@
       </p:sp>
       <p:pic>
         <p:nvPicPr>
-          <p:cNvPr id="16" name="Picture 15">
-            <a:extLst>
-              <a:ext uri="{FF2B5EF4-FFF2-40B4-BE49-F238E27FC236}">
-                <a16:creationId xmlns:a16="http://schemas.microsoft.com/office/drawing/2014/main" id="{A8490010-D1C0-4B30-A8A1-6BBB9015A961}"/>
-              </a:ext>
-            </a:extLst>
-          </p:cNvPr>
+          <p:cNvPr id="16" name="Picture 15"/>
           <p:cNvPicPr>
             <a:picLocks noChangeAspect="1"/>
           </p:cNvPicPr>
           <p:nvPr/>
         </p:nvPicPr>
         <p:blipFill>
-          <a:blip r:embed="rId3"/>
+          <a:blip r:embed="rId2"/>
           <a:stretch>
             <a:fillRect/>
           </a:stretch>
@@ -37075,20 +38989,14 @@
       </p:pic>
       <p:pic>
         <p:nvPicPr>
-          <p:cNvPr id="20" name="Picture 19">
-            <a:extLst>
-              <a:ext uri="{FF2B5EF4-FFF2-40B4-BE49-F238E27FC236}">
-                <a16:creationId xmlns:a16="http://schemas.microsoft.com/office/drawing/2014/main" id="{F938BC7F-37ED-44B3-AF23-11838D342C77}"/>
-              </a:ext>
-            </a:extLst>
-          </p:cNvPr>
+          <p:cNvPr id="20" name="Picture 19"/>
           <p:cNvPicPr>
             <a:picLocks noChangeAspect="1"/>
           </p:cNvPicPr>
           <p:nvPr/>
         </p:nvPicPr>
         <p:blipFill>
-          <a:blip r:embed="rId4"/>
+          <a:blip r:embed="rId3"/>
           <a:stretch>
             <a:fillRect/>
           </a:stretch>
@@ -37105,13 +39013,7 @@
       </p:pic>
       <p:cxnSp>
         <p:nvCxnSpPr>
-          <p:cNvPr id="22" name="Straight Arrow Connector 21">
-            <a:extLst>
-              <a:ext uri="{FF2B5EF4-FFF2-40B4-BE49-F238E27FC236}">
-                <a16:creationId xmlns:a16="http://schemas.microsoft.com/office/drawing/2014/main" id="{82A6A50E-78E0-485D-8DE6-D43FE0E907F9}"/>
-              </a:ext>
-            </a:extLst>
-          </p:cNvPr>
+          <p:cNvPr id="22" name="Straight Arrow Connector 21"/>
           <p:cNvCxnSpPr/>
           <p:nvPr/>
         </p:nvCxnSpPr>
@@ -37144,13 +39046,7 @@
       </p:cxnSp>
       <p:cxnSp>
         <p:nvCxnSpPr>
-          <p:cNvPr id="24" name="Straight Arrow Connector 23">
-            <a:extLst>
-              <a:ext uri="{FF2B5EF4-FFF2-40B4-BE49-F238E27FC236}">
-                <a16:creationId xmlns:a16="http://schemas.microsoft.com/office/drawing/2014/main" id="{0C32D9FC-1959-4828-AC33-980AE651105D}"/>
-              </a:ext>
-            </a:extLst>
-          </p:cNvPr>
+          <p:cNvPr id="24" name="Straight Arrow Connector 23"/>
           <p:cNvCxnSpPr/>
           <p:nvPr/>
         </p:nvCxnSpPr>
@@ -37183,13 +39079,7 @@
       </p:cxnSp>
       <p:sp>
         <p:nvSpPr>
-          <p:cNvPr id="25" name="TextBox 24">
-            <a:extLst>
-              <a:ext uri="{FF2B5EF4-FFF2-40B4-BE49-F238E27FC236}">
-                <a16:creationId xmlns:a16="http://schemas.microsoft.com/office/drawing/2014/main" id="{DAE881AA-F117-45FA-ACEA-64C4F605BF35}"/>
-              </a:ext>
-            </a:extLst>
-          </p:cNvPr>
+          <p:cNvPr id="25" name="TextBox 24"/>
           <p:cNvSpPr txBox="1"/>
           <p:nvPr/>
         </p:nvSpPr>
@@ -37217,18 +39107,17 @@
               </a:rPr>
               <a:t>APDU command</a:t>
             </a:r>
+            <a:endParaRPr lang="en-US" dirty="0">
+              <a:solidFill>
+                <a:schemeClr val="bg1"/>
+              </a:solidFill>
+            </a:endParaRPr>
           </a:p>
         </p:txBody>
       </p:sp>
       <p:sp>
         <p:nvSpPr>
-          <p:cNvPr id="27" name="Rectangle 26">
-            <a:extLst>
-              <a:ext uri="{FF2B5EF4-FFF2-40B4-BE49-F238E27FC236}">
-                <a16:creationId xmlns:a16="http://schemas.microsoft.com/office/drawing/2014/main" id="{59A814B9-BE2A-47B9-904C-B417B60CB6FD}"/>
-              </a:ext>
-            </a:extLst>
-          </p:cNvPr>
+          <p:cNvPr id="27" name="Rectangle 26"/>
           <p:cNvSpPr/>
           <p:nvPr/>
         </p:nvSpPr>
@@ -37266,18 +39155,13 @@
               <a:rPr lang="en-US" dirty="0"/>
               <a:t>NDEF message </a:t>
             </a:r>
+            <a:endParaRPr lang="en-US" dirty="0"/>
           </a:p>
         </p:txBody>
       </p:sp>
       <p:sp>
         <p:nvSpPr>
-          <p:cNvPr id="29" name="TextBox 28">
-            <a:extLst>
-              <a:ext uri="{FF2B5EF4-FFF2-40B4-BE49-F238E27FC236}">
-                <a16:creationId xmlns:a16="http://schemas.microsoft.com/office/drawing/2014/main" id="{62FA8846-289B-4429-9E88-00B09F851819}"/>
-              </a:ext>
-            </a:extLst>
-          </p:cNvPr>
+          <p:cNvPr id="29" name="TextBox 28"/>
           <p:cNvSpPr txBox="1"/>
           <p:nvPr/>
         </p:nvSpPr>
@@ -37301,18 +39185,13 @@
               <a:rPr lang="en-US" dirty="0"/>
               <a:t>Applet</a:t>
             </a:r>
+            <a:endParaRPr lang="en-US" dirty="0"/>
           </a:p>
         </p:txBody>
       </p:sp>
       <p:sp>
         <p:nvSpPr>
-          <p:cNvPr id="30" name="TextBox 29">
-            <a:extLst>
-              <a:ext uri="{FF2B5EF4-FFF2-40B4-BE49-F238E27FC236}">
-                <a16:creationId xmlns:a16="http://schemas.microsoft.com/office/drawing/2014/main" id="{77F573EB-9A8F-4400-A291-1EC542692BC5}"/>
-              </a:ext>
-            </a:extLst>
-          </p:cNvPr>
+          <p:cNvPr id="30" name="TextBox 29"/>
           <p:cNvSpPr txBox="1"/>
           <p:nvPr/>
         </p:nvSpPr>
@@ -37336,25 +39215,20 @@
               <a:rPr lang="en-US" dirty="0"/>
               <a:t>Secure element</a:t>
             </a:r>
+            <a:endParaRPr lang="en-US" dirty="0"/>
           </a:p>
         </p:txBody>
       </p:sp>
       <p:sp>
         <p:nvSpPr>
-          <p:cNvPr id="31" name="Rectangle 30">
-            <a:extLst>
-              <a:ext uri="{FF2B5EF4-FFF2-40B4-BE49-F238E27FC236}">
-                <a16:creationId xmlns:a16="http://schemas.microsoft.com/office/drawing/2014/main" id="{48AA0C31-7C74-44A9-A1B2-F01385FAA428}"/>
-              </a:ext>
-            </a:extLst>
-          </p:cNvPr>
+          <p:cNvPr id="31" name="Rectangle 30"/>
           <p:cNvSpPr/>
           <p:nvPr/>
         </p:nvSpPr>
         <p:spPr>
           <a:xfrm>
-            <a:off x="9884464" y="1666073"/>
-            <a:ext cx="571501" cy="189231"/>
+            <a:off x="9572625" y="2014220"/>
+            <a:ext cx="1095375" cy="238760"/>
           </a:xfrm>
           <a:prstGeom prst="rect">
             <a:avLst/>
@@ -37382,156 +39256,10 @@
           <a:p>
             <a:pPr algn="ctr"/>
             <a:r>
-              <a:rPr lang="en-US" dirty="0"/>
-              <a:t>tag</a:t>
-            </a:r>
-          </a:p>
-        </p:txBody>
-      </p:sp>
-      <p:sp>
-        <p:nvSpPr>
-          <p:cNvPr id="34" name="Rectangle 33">
-            <a:extLst>
-              <a:ext uri="{FF2B5EF4-FFF2-40B4-BE49-F238E27FC236}">
-                <a16:creationId xmlns:a16="http://schemas.microsoft.com/office/drawing/2014/main" id="{8CA23DD1-B23D-4166-B889-49C922D22122}"/>
-              </a:ext>
-            </a:extLst>
-          </p:cNvPr>
-          <p:cNvSpPr/>
-          <p:nvPr/>
-        </p:nvSpPr>
-        <p:spPr>
-          <a:xfrm>
-            <a:off x="9884464" y="1988938"/>
-            <a:ext cx="571501" cy="189231"/>
-          </a:xfrm>
-          <a:prstGeom prst="rect">
-            <a:avLst/>
-          </a:prstGeom>
-        </p:spPr>
-        <p:style>
-          <a:lnRef idx="2">
-            <a:schemeClr val="accent1">
-              <a:shade val="50000"/>
-            </a:schemeClr>
-          </a:lnRef>
-          <a:fillRef idx="1">
-            <a:schemeClr val="accent1"/>
-          </a:fillRef>
-          <a:effectRef idx="0">
-            <a:schemeClr val="accent1"/>
-          </a:effectRef>
-          <a:fontRef idx="minor">
-            <a:schemeClr val="lt1"/>
-          </a:fontRef>
-        </p:style>
-        <p:txBody>
-          <a:bodyPr rtlCol="0" anchor="ctr"/>
-          <a:lstStyle/>
-          <a:p>
-            <a:pPr algn="ctr"/>
-            <a:r>
-              <a:rPr lang="en-US" dirty="0"/>
-              <a:t>Tag</a:t>
-            </a:r>
-          </a:p>
-        </p:txBody>
-      </p:sp>
-      <p:sp>
-        <p:nvSpPr>
-          <p:cNvPr id="35" name="Rectangle 34">
-            <a:extLst>
-              <a:ext uri="{FF2B5EF4-FFF2-40B4-BE49-F238E27FC236}">
-                <a16:creationId xmlns:a16="http://schemas.microsoft.com/office/drawing/2014/main" id="{1E36E8C1-3B9F-4E38-8E83-BB0F3EF02609}"/>
-              </a:ext>
-            </a:extLst>
-          </p:cNvPr>
-          <p:cNvSpPr/>
-          <p:nvPr/>
-        </p:nvSpPr>
-        <p:spPr>
-          <a:xfrm>
-            <a:off x="9890261" y="2338167"/>
-            <a:ext cx="571501" cy="189231"/>
-          </a:xfrm>
-          <a:prstGeom prst="rect">
-            <a:avLst/>
-          </a:prstGeom>
-        </p:spPr>
-        <p:style>
-          <a:lnRef idx="2">
-            <a:schemeClr val="accent1">
-              <a:shade val="50000"/>
-            </a:schemeClr>
-          </a:lnRef>
-          <a:fillRef idx="1">
-            <a:schemeClr val="accent1"/>
-          </a:fillRef>
-          <a:effectRef idx="0">
-            <a:schemeClr val="accent1"/>
-          </a:effectRef>
-          <a:fontRef idx="minor">
-            <a:schemeClr val="lt1"/>
-          </a:fontRef>
-        </p:style>
-        <p:txBody>
-          <a:bodyPr rtlCol="0" anchor="ctr"/>
-          <a:lstStyle/>
-          <a:p>
-            <a:pPr algn="ctr"/>
-            <a:r>
-              <a:rPr lang="en-US" dirty="0"/>
-              <a:t>tag</a:t>
-            </a:r>
-          </a:p>
-        </p:txBody>
-      </p:sp>
-      <p:sp>
-        <p:nvSpPr>
-          <p:cNvPr id="36" name="Rectangle 35">
-            <a:extLst>
-              <a:ext uri="{FF2B5EF4-FFF2-40B4-BE49-F238E27FC236}">
-                <a16:creationId xmlns:a16="http://schemas.microsoft.com/office/drawing/2014/main" id="{6593180F-040C-44BC-9D9A-E09FD1F1D2F5}"/>
-              </a:ext>
-            </a:extLst>
-          </p:cNvPr>
-          <p:cNvSpPr/>
-          <p:nvPr/>
-        </p:nvSpPr>
-        <p:spPr>
-          <a:xfrm>
-            <a:off x="9884464" y="2658827"/>
-            <a:ext cx="571501" cy="189231"/>
-          </a:xfrm>
-          <a:prstGeom prst="rect">
-            <a:avLst/>
-          </a:prstGeom>
-        </p:spPr>
-        <p:style>
-          <a:lnRef idx="2">
-            <a:schemeClr val="accent1">
-              <a:shade val="50000"/>
-            </a:schemeClr>
-          </a:lnRef>
-          <a:fillRef idx="1">
-            <a:schemeClr val="accent1"/>
-          </a:fillRef>
-          <a:effectRef idx="0">
-            <a:schemeClr val="accent1"/>
-          </a:effectRef>
-          <a:fontRef idx="minor">
-            <a:schemeClr val="lt1"/>
-          </a:fontRef>
-        </p:style>
-        <p:txBody>
-          <a:bodyPr rtlCol="0" anchor="ctr"/>
-          <a:lstStyle/>
-          <a:p>
-            <a:pPr algn="ctr"/>
-            <a:r>
-              <a:rPr lang="en-US" dirty="0"/>
-              <a:t>tag</a:t>
-            </a:r>
+              <a:rPr lang="en-US" sz="1200" dirty="0"/>
+              <a:t>ndef record</a:t>
+            </a:r>
+            <a:endParaRPr lang="en-US" sz="1200" dirty="0"/>
           </a:p>
         </p:txBody>
       </p:sp>
@@ -37552,7 +39280,7 @@
     <p:bg>
       <p:bgPr>
         <a:blipFill rotWithShape="0">
-          <a:blip r:embed="rId2"/>
+          <a:blip r:embed="rId1"/>
           <a:stretch>
             <a:fillRect/>
           </a:stretch>
@@ -37610,6 +39338,14 @@
               </a:rPr>
               <a:t>4. Basic concepts</a:t>
             </a:r>
+            <a:endParaRPr lang="en-US" altLang="zh-CN" sz="2400" b="1" dirty="0">
+              <a:solidFill>
+                <a:srgbClr val="00B0F0"/>
+              </a:solidFill>
+              <a:latin typeface="Microsoft YaHei" panose="020B0503020204020204" pitchFamily="34" charset="-122"/>
+              <a:ea typeface="Microsoft YaHei" panose="020B0503020204020204" pitchFamily="34" charset="-122"/>
+              <a:sym typeface="+mn-ea"/>
+            </a:endParaRPr>
           </a:p>
         </p:txBody>
       </p:sp>
@@ -37643,6 +39379,11 @@
               </a:rPr>
               <a:t>NFC TAGS</a:t>
             </a:r>
+            <a:endParaRPr lang="en-US" sz="2200" b="1">
+              <a:solidFill>
+                <a:schemeClr val="bg1"/>
+              </a:solidFill>
+            </a:endParaRPr>
           </a:p>
         </p:txBody>
       </p:sp>
@@ -37691,6 +39432,14 @@
               </a:rPr>
               <a:t>passive data stores</a:t>
             </a:r>
+            <a:endParaRPr lang="zh-CN" altLang="zh-CN" sz="2400" dirty="0">
+              <a:solidFill>
+                <a:srgbClr val="00B0F0"/>
+              </a:solidFill>
+              <a:latin typeface="Microsoft YaHei" panose="020B0503020204020204" pitchFamily="34" charset="-122"/>
+              <a:ea typeface="Microsoft YaHei" panose="020B0503020204020204" pitchFamily="34" charset="-122"/>
+              <a:sym typeface="+mn-ea"/>
+            </a:endParaRPr>
           </a:p>
         </p:txBody>
       </p:sp>
@@ -37791,6 +39540,14 @@
               </a:rPr>
               <a:t>).</a:t>
             </a:r>
+            <a:endParaRPr lang="en-US" altLang="zh-CN" sz="1600" dirty="0">
+              <a:solidFill>
+                <a:schemeClr val="bg1"/>
+              </a:solidFill>
+              <a:latin typeface="Microsoft YaHei" panose="020B0503020204020204" pitchFamily="34" charset="-122"/>
+              <a:ea typeface="Microsoft YaHei" panose="020B0503020204020204" pitchFamily="34" charset="-122"/>
+              <a:sym typeface="+mn-ea"/>
+            </a:endParaRPr>
           </a:p>
           <a:p>
             <a:pPr algn="l"/>
@@ -37909,6 +39666,14 @@
               </a:rPr>
               <a:t>secure personal data storage</a:t>
             </a:r>
+            <a:endParaRPr lang="zh-CN" altLang="zh-CN" sz="2400" dirty="0">
+              <a:solidFill>
+                <a:srgbClr val="00B0F0"/>
+              </a:solidFill>
+              <a:latin typeface="Microsoft YaHei" panose="020B0503020204020204" pitchFamily="34" charset="-122"/>
+              <a:ea typeface="Microsoft YaHei" panose="020B0503020204020204" pitchFamily="34" charset="-122"/>
+              <a:sym typeface="+mn-ea"/>
+            </a:endParaRPr>
           </a:p>
         </p:txBody>
       </p:sp>
@@ -37987,6 +39752,14 @@
               </a:rPr>
               <a:t>.</a:t>
             </a:r>
+            <a:endParaRPr lang="en-US" altLang="zh-CN" sz="1600" dirty="0">
+              <a:solidFill>
+                <a:schemeClr val="bg1"/>
+              </a:solidFill>
+              <a:latin typeface="Microsoft YaHei" panose="020B0503020204020204" pitchFamily="34" charset="-122"/>
+              <a:ea typeface="Microsoft YaHei" panose="020B0503020204020204" pitchFamily="34" charset="-122"/>
+              <a:sym typeface="+mn-ea"/>
+            </a:endParaRPr>
           </a:p>
           <a:p>
             <a:pPr algn="l"/>
@@ -38285,8 +40058,6 @@
       </a:bgFillStyleLst>
     </a:fmtScheme>
   </a:themeElements>
-  <a:objectDefaults/>
-  <a:extraClrSchemeLst/>
   <a:extLst>
     <a:ext uri="{05A4C25C-085E-4340-85A3-A5531E510DB2}">
       <thm15:themeFamily xmlns:thm15="http://schemas.microsoft.com/office/thememl/2012/main" name="Office Theme" id="{62F939B6-93AF-4DB8-9C6B-D6C7DFDC589F}" vid="{4A3C46E8-61CC-4603-A589-7422A47A8E4A}"/>
@@ -38546,8 +40317,6 @@
       </a:bgFillStyleLst>
     </a:fmtScheme>
   </a:themeElements>
-  <a:objectDefaults/>
-  <a:extraClrSchemeLst/>
   <a:extLst>
     <a:ext uri="{05A4C25C-085E-4340-85A3-A5531E510DB2}">
       <thm15:themeFamily xmlns:thm15="http://schemas.microsoft.com/office/thememl/2012/main" name="Office Theme" id="{62F939B6-93AF-4DB8-9C6B-D6C7DFDC589F}" vid="{4A3C46E8-61CC-4603-A589-7422A47A8E4A}"/>
@@ -38807,8 +40576,6 @@
       </a:bgFillStyleLst>
     </a:fmtScheme>
   </a:themeElements>
-  <a:objectDefaults/>
-  <a:extraClrSchemeLst/>
   <a:extLst>
     <a:ext uri="{05A4C25C-085E-4340-85A3-A5531E510DB2}">
       <thm15:themeFamily xmlns:thm15="http://schemas.microsoft.com/office/thememl/2012/main" name="Office Theme" id="{62F939B6-93AF-4DB8-9C6B-D6C7DFDC589F}" vid="{4A3C46E8-61CC-4603-A589-7422A47A8E4A}"/>
@@ -39068,8 +40835,6 @@
       </a:bgFillStyleLst>
     </a:fmtScheme>
   </a:themeElements>
-  <a:objectDefaults/>
-  <a:extraClrSchemeLst/>
   <a:extLst>
     <a:ext uri="{05A4C25C-085E-4340-85A3-A5531E510DB2}">
       <thm15:themeFamily xmlns:thm15="http://schemas.microsoft.com/office/thememl/2012/main" name="Office Theme" id="{62F939B6-93AF-4DB8-9C6B-D6C7DFDC589F}" vid="{4A3C46E8-61CC-4603-A589-7422A47A8E4A}"/>

--- a/NFC Technology workshop.pptx
+++ b/NFC Technology workshop.pptx
@@ -18270,8 +18270,8 @@
         </p:nvSpPr>
         <p:spPr>
           <a:xfrm>
-            <a:off x="573405" y="4230237"/>
-            <a:ext cx="7747101" cy="872836"/>
+            <a:off x="678815" y="4171950"/>
+            <a:ext cx="7747000" cy="873125"/>
           </a:xfrm>
           <a:prstGeom prst="roundRect">
             <a:avLst/>
